--- a/file/第5章 动态规划法.pptx
+++ b/file/第5章 动态规划法.pptx
@@ -1,57 +1,57 @@
 
 <file path=ppt/presentation.xml><?xml version="1.0" encoding="utf-8"?>
-<p:presentation xmlns:a="http://schemas.openxmlformats.org/drawingml/2006/main" xmlns:r="http://schemas.openxmlformats.org/officeDocument/2006/relationships" xmlns:p="http://schemas.openxmlformats.org/presentationml/2006/main" saveSubsetFonts="1">
+<p:presentation xmlns:a="http://schemas.openxmlformats.org/drawingml/2006/main" xmlns:r="http://schemas.openxmlformats.org/officeDocument/2006/relationships" xmlns:p="http://schemas.openxmlformats.org/presentationml/2006/main">
   <p:sldMasterIdLst>
-    <p:sldMasterId id="2147483660" r:id="rId1"/>
+    <p:sldMasterId id="2147483648" r:id="rId1"/>
   </p:sldMasterIdLst>
   <p:notesMasterIdLst>
-    <p:notesMasterId r:id="rId43"/>
+    <p:notesMasterId r:id="rId4"/>
   </p:notesMasterIdLst>
   <p:handoutMasterIdLst>
-    <p:handoutMasterId r:id="rId44"/>
+    <p:handoutMasterId r:id="rId45"/>
   </p:handoutMasterIdLst>
   <p:sldIdLst>
-    <p:sldId id="256" r:id="rId2"/>
-    <p:sldId id="257" r:id="rId3"/>
-    <p:sldId id="259" r:id="rId4"/>
-    <p:sldId id="329" r:id="rId5"/>
-    <p:sldId id="331" r:id="rId6"/>
-    <p:sldId id="332" r:id="rId7"/>
-    <p:sldId id="338" r:id="rId8"/>
-    <p:sldId id="339" r:id="rId9"/>
-    <p:sldId id="340" r:id="rId10"/>
-    <p:sldId id="341" r:id="rId11"/>
-    <p:sldId id="342" r:id="rId12"/>
-    <p:sldId id="343" r:id="rId13"/>
-    <p:sldId id="346" r:id="rId14"/>
-    <p:sldId id="345" r:id="rId15"/>
-    <p:sldId id="344" r:id="rId16"/>
-    <p:sldId id="290" r:id="rId17"/>
-    <p:sldId id="291" r:id="rId18"/>
-    <p:sldId id="292" r:id="rId19"/>
-    <p:sldId id="293" r:id="rId20"/>
-    <p:sldId id="294" r:id="rId21"/>
-    <p:sldId id="348" r:id="rId22"/>
-    <p:sldId id="347" r:id="rId23"/>
-    <p:sldId id="295" r:id="rId24"/>
-    <p:sldId id="296" r:id="rId25"/>
-    <p:sldId id="298" r:id="rId26"/>
-    <p:sldId id="303" r:id="rId27"/>
-    <p:sldId id="304" r:id="rId28"/>
-    <p:sldId id="306" r:id="rId29"/>
-    <p:sldId id="307" r:id="rId30"/>
-    <p:sldId id="308" r:id="rId31"/>
-    <p:sldId id="313" r:id="rId32"/>
-    <p:sldId id="314" r:id="rId33"/>
-    <p:sldId id="315" r:id="rId34"/>
-    <p:sldId id="316" r:id="rId35"/>
-    <p:sldId id="317" r:id="rId36"/>
-    <p:sldId id="327" r:id="rId37"/>
-    <p:sldId id="334" r:id="rId38"/>
-    <p:sldId id="333" r:id="rId39"/>
-    <p:sldId id="335" r:id="rId40"/>
-    <p:sldId id="336" r:id="rId41"/>
-    <p:sldId id="337" r:id="rId42"/>
+    <p:sldId id="256" r:id="rId3"/>
+    <p:sldId id="257" r:id="rId5"/>
+    <p:sldId id="259" r:id="rId6"/>
+    <p:sldId id="329" r:id="rId7"/>
+    <p:sldId id="331" r:id="rId8"/>
+    <p:sldId id="332" r:id="rId9"/>
+    <p:sldId id="338" r:id="rId10"/>
+    <p:sldId id="339" r:id="rId11"/>
+    <p:sldId id="340" r:id="rId12"/>
+    <p:sldId id="341" r:id="rId13"/>
+    <p:sldId id="342" r:id="rId14"/>
+    <p:sldId id="343" r:id="rId15"/>
+    <p:sldId id="346" r:id="rId16"/>
+    <p:sldId id="345" r:id="rId17"/>
+    <p:sldId id="344" r:id="rId18"/>
+    <p:sldId id="290" r:id="rId19"/>
+    <p:sldId id="291" r:id="rId20"/>
+    <p:sldId id="292" r:id="rId21"/>
+    <p:sldId id="293" r:id="rId22"/>
+    <p:sldId id="294" r:id="rId23"/>
+    <p:sldId id="348" r:id="rId24"/>
+    <p:sldId id="347" r:id="rId25"/>
+    <p:sldId id="295" r:id="rId26"/>
+    <p:sldId id="296" r:id="rId27"/>
+    <p:sldId id="298" r:id="rId28"/>
+    <p:sldId id="303" r:id="rId29"/>
+    <p:sldId id="304" r:id="rId30"/>
+    <p:sldId id="306" r:id="rId31"/>
+    <p:sldId id="307" r:id="rId32"/>
+    <p:sldId id="308" r:id="rId33"/>
+    <p:sldId id="313" r:id="rId34"/>
+    <p:sldId id="314" r:id="rId35"/>
+    <p:sldId id="315" r:id="rId36"/>
+    <p:sldId id="316" r:id="rId37"/>
+    <p:sldId id="317" r:id="rId38"/>
+    <p:sldId id="327" r:id="rId39"/>
+    <p:sldId id="334" r:id="rId40"/>
+    <p:sldId id="333" r:id="rId41"/>
+    <p:sldId id="335" r:id="rId42"/>
+    <p:sldId id="336" r:id="rId43"/>
+    <p:sldId id="337" r:id="rId44"/>
   </p:sldIdLst>
   <p:sldSz cx="9144000" cy="6858000" type="screen4x3"/>
   <p:notesSz cx="6858000" cy="9144000"/>
@@ -183,20 +183,17 @@
   <p:extLst>
     <p:ext uri="{EFAFB233-063F-42B5-8137-9DF3F51BA10A}">
       <p15:sldGuideLst xmlns:p15="http://schemas.microsoft.com/office/powerpoint/2012/main">
-        <p15:guide id="1" orient="horz" pos="2160">
+        <p15:guide id="1" orient="horz" pos="2160" userDrawn="1">
           <p15:clr>
             <a:srgbClr val="A4A3A4"/>
           </p15:clr>
         </p15:guide>
-        <p15:guide id="2" pos="2880">
+        <p15:guide id="2" pos="2880" userDrawn="1">
           <p15:clr>
             <a:srgbClr val="A4A3A4"/>
           </p15:clr>
         </p15:guide>
       </p15:sldGuideLst>
-    </p:ext>
-    <p:ext uri="{2D200454-40CA-4A62-9FC3-DE9A4176ACB9}">
-      <p15:notesGuideLst xmlns:p15="http://schemas.microsoft.com/office/powerpoint/2012/main"/>
     </p:ext>
   </p:extLst>
 </p:presentation>
@@ -232,13 +229,7 @@
       </p:grpSpPr>
       <p:sp>
         <p:nvSpPr>
-          <p:cNvPr id="2" name="页眉占位符 1">
-            <a:extLst>
-              <a:ext uri="{FF2B5EF4-FFF2-40B4-BE49-F238E27FC236}">
-                <a16:creationId xmlns:a16="http://schemas.microsoft.com/office/drawing/2014/main" id="{B2FF5FB6-EC83-4F0B-9C49-A2AE5FF11A51}"/>
-              </a:ext>
-            </a:extLst>
-          </p:cNvPr>
+          <p:cNvPr id="2" name="页眉占位符 1"/>
           <p:cNvSpPr>
             <a:spLocks noGrp="1"/>
           </p:cNvSpPr>
@@ -269,13 +260,7 @@
       </p:sp>
       <p:sp>
         <p:nvSpPr>
-          <p:cNvPr id="3" name="日期占位符 2">
-            <a:extLst>
-              <a:ext uri="{FF2B5EF4-FFF2-40B4-BE49-F238E27FC236}">
-                <a16:creationId xmlns:a16="http://schemas.microsoft.com/office/drawing/2014/main" id="{531A4391-6176-4B0C-AB32-316707DD165C}"/>
-              </a:ext>
-            </a:extLst>
-          </p:cNvPr>
+          <p:cNvPr id="3" name="日期占位符 2"/>
           <p:cNvSpPr>
             <a:spLocks noGrp="1"/>
           </p:cNvSpPr>
@@ -302,7 +287,6 @@
           <a:p>
             <a:fld id="{1F2B9A6F-649B-40E0-9235-15314CCF5F27}" type="datetimeFigureOut">
               <a:rPr lang="zh-CN" altLang="en-US" smtClean="0"/>
-              <a:t>2025/5/20</a:t>
             </a:fld>
             <a:endParaRPr lang="zh-CN" altLang="en-US"/>
           </a:p>
@@ -310,13 +294,7 @@
       </p:sp>
       <p:sp>
         <p:nvSpPr>
-          <p:cNvPr id="4" name="页脚占位符 3">
-            <a:extLst>
-              <a:ext uri="{FF2B5EF4-FFF2-40B4-BE49-F238E27FC236}">
-                <a16:creationId xmlns:a16="http://schemas.microsoft.com/office/drawing/2014/main" id="{CFAE5E08-FE99-4D9B-9221-36CF13ECC37F}"/>
-              </a:ext>
-            </a:extLst>
-          </p:cNvPr>
+          <p:cNvPr id="4" name="页脚占位符 3"/>
           <p:cNvSpPr>
             <a:spLocks noGrp="1"/>
           </p:cNvSpPr>
@@ -347,13 +325,7 @@
       </p:sp>
       <p:sp>
         <p:nvSpPr>
-          <p:cNvPr id="5" name="灯片编号占位符 4">
-            <a:extLst>
-              <a:ext uri="{FF2B5EF4-FFF2-40B4-BE49-F238E27FC236}">
-                <a16:creationId xmlns:a16="http://schemas.microsoft.com/office/drawing/2014/main" id="{CB9C23A0-5E0D-4311-8A5E-A54B5559DA2D}"/>
-              </a:ext>
-            </a:extLst>
-          </p:cNvPr>
+          <p:cNvPr id="5" name="灯片编号占位符 4"/>
           <p:cNvSpPr>
             <a:spLocks noGrp="1"/>
           </p:cNvSpPr>
@@ -380,18 +352,12 @@
           <a:p>
             <a:fld id="{747AA538-38B4-4B93-A9C9-F579F75A06F5}" type="slidenum">
               <a:rPr lang="zh-CN" altLang="en-US" smtClean="0"/>
-              <a:t>‹#›</a:t>
             </a:fld>
             <a:endParaRPr lang="zh-CN" altLang="en-US"/>
           </a:p>
         </p:txBody>
       </p:sp>
     </p:spTree>
-    <p:extLst>
-      <p:ext uri="{BB962C8B-B14F-4D97-AF65-F5344CB8AC3E}">
-        <p14:creationId xmlns:p14="http://schemas.microsoft.com/office/powerpoint/2010/main" val="3933188698"/>
-      </p:ext>
-    </p:extLst>
   </p:cSld>
   <p:clrMap bg1="lt1" tx1="dk1" bg2="lt2" tx2="dk2" accent1="accent1" accent2="accent2" accent3="accent3" accent4="accent4" accent5="accent5" accent6="accent6" hlink="hlink" folHlink="folHlink"/>
 </p:handoutMaster>
@@ -424,13 +390,7 @@
       </p:grpSpPr>
       <p:sp>
         <p:nvSpPr>
-          <p:cNvPr id="52226" name="Rectangle 2">
-            <a:extLst>
-              <a:ext uri="{FF2B5EF4-FFF2-40B4-BE49-F238E27FC236}">
-                <a16:creationId xmlns:a16="http://schemas.microsoft.com/office/drawing/2014/main" id="{A6D177B0-CE64-45FF-B8FB-2198D71AC3E7}"/>
-              </a:ext>
-            </a:extLst>
-          </p:cNvPr>
+          <p:cNvPr id="52226" name="Rectangle 2"/>
           <p:cNvSpPr>
             <a:spLocks noGrp="1" noChangeArrowheads="1"/>
           </p:cNvSpPr>
@@ -451,18 +411,13 @@
             <a:noFill/>
           </a:ln>
           <a:effectLst/>
-          <a:extLst/>
         </p:spPr>
         <p:txBody>
-          <a:bodyPr vert="horz" wrap="square" lIns="91440" tIns="45720" rIns="91440" bIns="45720" numCol="1" anchor="t" anchorCtr="0" compatLnSpc="1">
-            <a:prstTxWarp prst="textNoShape">
-              <a:avLst/>
-            </a:prstTxWarp>
-          </a:bodyPr>
+          <a:bodyPr vert="horz" wrap="square" lIns="91440" tIns="45720" rIns="91440" bIns="45720" numCol="1" anchor="t" anchorCtr="0" compatLnSpc="1"/>
           <a:lstStyle>
             <a:lvl1pPr eaLnBrk="1" hangingPunct="1">
               <a:defRPr sz="1200">
-                <a:latin typeface="Calibri" pitchFamily="34" charset="0"/>
+                <a:latin typeface="Calibri" panose="020F0502020204030204" pitchFamily="34" charset="0"/>
               </a:defRPr>
             </a:lvl1pPr>
           </a:lstStyle>
@@ -476,13 +431,7 @@
       </p:sp>
       <p:sp>
         <p:nvSpPr>
-          <p:cNvPr id="52227" name="Rectangle 3">
-            <a:extLst>
-              <a:ext uri="{FF2B5EF4-FFF2-40B4-BE49-F238E27FC236}">
-                <a16:creationId xmlns:a16="http://schemas.microsoft.com/office/drawing/2014/main" id="{CB9DEB02-739E-44EC-8C4C-1A9760259BE6}"/>
-              </a:ext>
-            </a:extLst>
-          </p:cNvPr>
+          <p:cNvPr id="52227" name="Rectangle 3"/>
           <p:cNvSpPr>
             <a:spLocks noGrp="1" noChangeArrowheads="1"/>
           </p:cNvSpPr>
@@ -503,18 +452,13 @@
             <a:noFill/>
           </a:ln>
           <a:effectLst/>
-          <a:extLst/>
         </p:spPr>
         <p:txBody>
-          <a:bodyPr vert="horz" wrap="square" lIns="91440" tIns="45720" rIns="91440" bIns="45720" numCol="1" anchor="t" anchorCtr="0" compatLnSpc="1">
-            <a:prstTxWarp prst="textNoShape">
-              <a:avLst/>
-            </a:prstTxWarp>
-          </a:bodyPr>
+          <a:bodyPr vert="horz" wrap="square" lIns="91440" tIns="45720" rIns="91440" bIns="45720" numCol="1" anchor="t" anchorCtr="0" compatLnSpc="1"/>
           <a:lstStyle>
             <a:lvl1pPr algn="r" eaLnBrk="1" hangingPunct="1">
               <a:defRPr sz="1200">
-                <a:latin typeface="Calibri" pitchFamily="34" charset="0"/>
+                <a:latin typeface="Calibri" panose="020F0502020204030204" pitchFamily="34" charset="0"/>
               </a:defRPr>
             </a:lvl1pPr>
           </a:lstStyle>
@@ -524,10 +468,6 @@
             </a:pPr>
             <a:fld id="{1134E214-E3C0-4F75-A783-D0C3FCB417FE}" type="datetimeFigureOut">
               <a:rPr lang="zh-CN" altLang="en-US"/>
-              <a:pPr>
-                <a:defRPr/>
-              </a:pPr>
-              <a:t>2025/5/20</a:t>
             </a:fld>
             <a:endParaRPr lang="en-US" altLang="zh-CN"/>
           </a:p>
@@ -535,13 +475,7 @@
       </p:sp>
       <p:sp>
         <p:nvSpPr>
-          <p:cNvPr id="4100" name="Rectangle 4">
-            <a:extLst>
-              <a:ext uri="{FF2B5EF4-FFF2-40B4-BE49-F238E27FC236}">
-                <a16:creationId xmlns:a16="http://schemas.microsoft.com/office/drawing/2014/main" id="{83B2D1F3-213B-4921-884A-CD8D7BC907F7}"/>
-              </a:ext>
-            </a:extLst>
-          </p:cNvPr>
+          <p:cNvPr id="4100" name="Rectangle 4"/>
           <p:cNvSpPr>
             <a:spLocks noGrp="1" noRot="1" noChangeAspect="1" noChangeArrowheads="1" noTextEdit="1"/>
           </p:cNvSpPr>
@@ -563,8 +497,6 @@
               <a:srgbClr val="000000"/>
             </a:solidFill>
             <a:miter lim="800000"/>
-            <a:headEnd/>
-            <a:tailEnd/>
           </a:ln>
           <a:extLst>
             <a:ext uri="{909E8E84-426E-40DD-AFC4-6F175D3DCCD1}">
@@ -579,13 +511,7 @@
       </p:sp>
       <p:sp>
         <p:nvSpPr>
-          <p:cNvPr id="52229" name="Rectangle 5">
-            <a:extLst>
-              <a:ext uri="{FF2B5EF4-FFF2-40B4-BE49-F238E27FC236}">
-                <a16:creationId xmlns:a16="http://schemas.microsoft.com/office/drawing/2014/main" id="{D124B8CE-C19F-407C-94C7-98A156CD5897}"/>
-              </a:ext>
-            </a:extLst>
-          </p:cNvPr>
+          <p:cNvPr id="52229" name="Rectangle 5"/>
           <p:cNvSpPr>
             <a:spLocks noGrp="1" noChangeArrowheads="1"/>
           </p:cNvSpPr>
@@ -606,14 +532,9 @@
             <a:noFill/>
           </a:ln>
           <a:effectLst/>
-          <a:extLst/>
         </p:spPr>
         <p:txBody>
-          <a:bodyPr vert="horz" wrap="square" lIns="91440" tIns="45720" rIns="91440" bIns="45720" numCol="1" anchor="t" anchorCtr="0" compatLnSpc="1">
-            <a:prstTxWarp prst="textNoShape">
-              <a:avLst/>
-            </a:prstTxWarp>
-          </a:bodyPr>
+          <a:bodyPr vert="horz" wrap="square" lIns="91440" tIns="45720" rIns="91440" bIns="45720" numCol="1" anchor="t" anchorCtr="0" compatLnSpc="1"/>
           <a:lstStyle/>
           <a:p>
             <a:pPr lvl="0"/>
@@ -621,6 +542,7 @@
               <a:rPr lang="zh-CN" altLang="en-US" noProof="0"/>
               <a:t>单击此处编辑母版文本样式</a:t>
             </a:r>
+            <a:endParaRPr lang="zh-CN" altLang="en-US" noProof="0"/>
           </a:p>
           <a:p>
             <a:pPr lvl="1"/>
@@ -628,6 +550,7 @@
               <a:rPr lang="zh-CN" altLang="en-US" noProof="0"/>
               <a:t>第二级</a:t>
             </a:r>
+            <a:endParaRPr lang="zh-CN" altLang="en-US" noProof="0"/>
           </a:p>
           <a:p>
             <a:pPr lvl="2"/>
@@ -635,6 +558,7 @@
               <a:rPr lang="zh-CN" altLang="en-US" noProof="0"/>
               <a:t>第三级</a:t>
             </a:r>
+            <a:endParaRPr lang="zh-CN" altLang="en-US" noProof="0"/>
           </a:p>
           <a:p>
             <a:pPr lvl="3"/>
@@ -642,6 +566,7 @@
               <a:rPr lang="zh-CN" altLang="en-US" noProof="0"/>
               <a:t>第四级</a:t>
             </a:r>
+            <a:endParaRPr lang="zh-CN" altLang="en-US" noProof="0"/>
           </a:p>
           <a:p>
             <a:pPr lvl="4"/>
@@ -649,18 +574,13 @@
               <a:rPr lang="zh-CN" altLang="en-US" noProof="0"/>
               <a:t>第五级</a:t>
             </a:r>
+            <a:endParaRPr lang="zh-CN" altLang="en-US" noProof="0"/>
           </a:p>
         </p:txBody>
       </p:sp>
       <p:sp>
         <p:nvSpPr>
-          <p:cNvPr id="52230" name="Rectangle 6">
-            <a:extLst>
-              <a:ext uri="{FF2B5EF4-FFF2-40B4-BE49-F238E27FC236}">
-                <a16:creationId xmlns:a16="http://schemas.microsoft.com/office/drawing/2014/main" id="{45D83151-C66D-4E18-8E68-C0CC0E7086E5}"/>
-              </a:ext>
-            </a:extLst>
-          </p:cNvPr>
+          <p:cNvPr id="52230" name="Rectangle 6"/>
           <p:cNvSpPr>
             <a:spLocks noGrp="1" noChangeArrowheads="1"/>
           </p:cNvSpPr>
@@ -681,18 +601,13 @@
             <a:noFill/>
           </a:ln>
           <a:effectLst/>
-          <a:extLst/>
         </p:spPr>
         <p:txBody>
-          <a:bodyPr vert="horz" wrap="square" lIns="91440" tIns="45720" rIns="91440" bIns="45720" numCol="1" anchor="b" anchorCtr="0" compatLnSpc="1">
-            <a:prstTxWarp prst="textNoShape">
-              <a:avLst/>
-            </a:prstTxWarp>
-          </a:bodyPr>
+          <a:bodyPr vert="horz" wrap="square" lIns="91440" tIns="45720" rIns="91440" bIns="45720" numCol="1" anchor="b" anchorCtr="0" compatLnSpc="1"/>
           <a:lstStyle>
             <a:lvl1pPr eaLnBrk="1" hangingPunct="1">
               <a:defRPr sz="1200">
-                <a:latin typeface="Calibri" pitchFamily="34" charset="0"/>
+                <a:latin typeface="Calibri" panose="020F0502020204030204" pitchFamily="34" charset="0"/>
               </a:defRPr>
             </a:lvl1pPr>
           </a:lstStyle>
@@ -706,13 +621,7 @@
       </p:sp>
       <p:sp>
         <p:nvSpPr>
-          <p:cNvPr id="52231" name="Rectangle 7">
-            <a:extLst>
-              <a:ext uri="{FF2B5EF4-FFF2-40B4-BE49-F238E27FC236}">
-                <a16:creationId xmlns:a16="http://schemas.microsoft.com/office/drawing/2014/main" id="{BEA72B92-7B44-465E-832C-4311B15A2BE0}"/>
-              </a:ext>
-            </a:extLst>
-          </p:cNvPr>
+          <p:cNvPr id="52231" name="Rectangle 7"/>
           <p:cNvSpPr>
             <a:spLocks noGrp="1" noChangeArrowheads="1"/>
           </p:cNvSpPr>
@@ -733,14 +642,9 @@
             <a:noFill/>
           </a:ln>
           <a:effectLst/>
-          <a:extLst/>
         </p:spPr>
         <p:txBody>
-          <a:bodyPr vert="horz" wrap="square" lIns="91440" tIns="45720" rIns="91440" bIns="45720" numCol="1" anchor="b" anchorCtr="0" compatLnSpc="1">
-            <a:prstTxWarp prst="textNoShape">
-              <a:avLst/>
-            </a:prstTxWarp>
-          </a:bodyPr>
+          <a:bodyPr vert="horz" wrap="square" lIns="91440" tIns="45720" rIns="91440" bIns="45720" numCol="1" anchor="b" anchorCtr="0" compatLnSpc="1"/>
           <a:lstStyle>
             <a:lvl1pPr algn="r" eaLnBrk="1" hangingPunct="1">
               <a:defRPr sz="1200">
@@ -754,21 +658,12 @@
             </a:pPr>
             <a:fld id="{AB76F6FC-157B-4160-B88F-123B3C4C0F29}" type="slidenum">
               <a:rPr lang="zh-CN" altLang="en-US"/>
-              <a:pPr>
-                <a:defRPr/>
-              </a:pPr>
-              <a:t>‹#›</a:t>
             </a:fld>
             <a:endParaRPr lang="en-US" altLang="zh-CN"/>
           </a:p>
         </p:txBody>
       </p:sp>
     </p:spTree>
-    <p:extLst>
-      <p:ext uri="{BB962C8B-B14F-4D97-AF65-F5344CB8AC3E}">
-        <p14:creationId xmlns:p14="http://schemas.microsoft.com/office/powerpoint/2010/main" val="2804552960"/>
-      </p:ext>
-    </p:extLst>
   </p:cSld>
   <p:clrMap bg1="lt1" tx1="dk1" bg2="lt2" tx2="dk2" accent1="accent1" accent2="accent2" accent3="accent3" accent4="accent4" accent5="accent5" accent6="accent6" hlink="hlink" folHlink="folHlink"/>
   <p:notesStyle>
@@ -783,8 +678,8 @@
         <a:solidFill>
           <a:schemeClr val="tx1"/>
         </a:solidFill>
-        <a:latin typeface="Calibri" pitchFamily="34" charset="0"/>
-        <a:ea typeface="宋体" pitchFamily="2" charset="-122"/>
+        <a:latin typeface="Calibri" panose="020F0502020204030204" pitchFamily="34" charset="0"/>
+        <a:ea typeface="宋体" panose="02010600030101010101" pitchFamily="2" charset="-122"/>
         <a:cs typeface="+mn-cs"/>
       </a:defRPr>
     </a:lvl1pPr>
@@ -799,8 +694,8 @@
         <a:solidFill>
           <a:schemeClr val="tx1"/>
         </a:solidFill>
-        <a:latin typeface="Calibri" pitchFamily="34" charset="0"/>
-        <a:ea typeface="宋体" pitchFamily="2" charset="-122"/>
+        <a:latin typeface="Calibri" panose="020F0502020204030204" pitchFamily="34" charset="0"/>
+        <a:ea typeface="宋体" panose="02010600030101010101" pitchFamily="2" charset="-122"/>
         <a:cs typeface="+mn-cs"/>
       </a:defRPr>
     </a:lvl2pPr>
@@ -815,8 +710,8 @@
         <a:solidFill>
           <a:schemeClr val="tx1"/>
         </a:solidFill>
-        <a:latin typeface="Calibri" pitchFamily="34" charset="0"/>
-        <a:ea typeface="宋体" pitchFamily="2" charset="-122"/>
+        <a:latin typeface="Calibri" panose="020F0502020204030204" pitchFamily="34" charset="0"/>
+        <a:ea typeface="宋体" panose="02010600030101010101" pitchFamily="2" charset="-122"/>
         <a:cs typeface="+mn-cs"/>
       </a:defRPr>
     </a:lvl3pPr>
@@ -831,8 +726,8 @@
         <a:solidFill>
           <a:schemeClr val="tx1"/>
         </a:solidFill>
-        <a:latin typeface="Calibri" pitchFamily="34" charset="0"/>
-        <a:ea typeface="宋体" pitchFamily="2" charset="-122"/>
+        <a:latin typeface="Calibri" panose="020F0502020204030204" pitchFamily="34" charset="0"/>
+        <a:ea typeface="宋体" panose="02010600030101010101" pitchFamily="2" charset="-122"/>
         <a:cs typeface="+mn-cs"/>
       </a:defRPr>
     </a:lvl4pPr>
@@ -847,8 +742,8 @@
         <a:solidFill>
           <a:schemeClr val="tx1"/>
         </a:solidFill>
-        <a:latin typeface="Calibri" pitchFamily="34" charset="0"/>
-        <a:ea typeface="宋体" pitchFamily="2" charset="-122"/>
+        <a:latin typeface="Calibri" panose="020F0502020204030204" pitchFamily="34" charset="0"/>
+        <a:ea typeface="宋体" panose="02010600030101010101" pitchFamily="2" charset="-122"/>
         <a:cs typeface="+mn-cs"/>
       </a:defRPr>
     </a:lvl5pPr>
@@ -915,13 +810,7 @@
       </p:grpSpPr>
       <p:sp>
         <p:nvSpPr>
-          <p:cNvPr id="6146" name="Rectangle 2">
-            <a:extLst>
-              <a:ext uri="{FF2B5EF4-FFF2-40B4-BE49-F238E27FC236}">
-                <a16:creationId xmlns:a16="http://schemas.microsoft.com/office/drawing/2014/main" id="{86F6E2BB-9384-4030-8AC2-488189DBB447}"/>
-              </a:ext>
-            </a:extLst>
-          </p:cNvPr>
+          <p:cNvPr id="6146" name="Rectangle 2"/>
           <p:cNvSpPr>
             <a:spLocks noGrp="1" noRot="1" noChangeAspect="1" noChangeArrowheads="1" noTextEdit="1"/>
           </p:cNvSpPr>
@@ -929,19 +818,11 @@
             <p:ph type="sldImg"/>
           </p:nvPr>
         </p:nvSpPr>
-        <p:spPr>
-          <a:ln/>
-        </p:spPr>
+        <p:spPr/>
       </p:sp>
       <p:sp>
         <p:nvSpPr>
-          <p:cNvPr id="6147" name="Rectangle 3">
-            <a:extLst>
-              <a:ext uri="{FF2B5EF4-FFF2-40B4-BE49-F238E27FC236}">
-                <a16:creationId xmlns:a16="http://schemas.microsoft.com/office/drawing/2014/main" id="{C5EDCEB3-D798-4D12-9FC1-F337677DDD5B}"/>
-              </a:ext>
-            </a:extLst>
-          </p:cNvPr>
+          <p:cNvPr id="6147" name="Rectangle 3"/>
           <p:cNvSpPr>
             <a:spLocks noGrp="1" noChangeArrowheads="1"/>
           </p:cNvSpPr>
@@ -981,11 +862,6 @@
         </p:txBody>
       </p:sp>
     </p:spTree>
-    <p:extLst>
-      <p:ext uri="{BB962C8B-B14F-4D97-AF65-F5344CB8AC3E}">
-        <p14:creationId xmlns:p14="http://schemas.microsoft.com/office/powerpoint/2010/main" val="407993910"/>
-      </p:ext>
-    </p:extLst>
   </p:cSld>
   <p:clrMapOvr>
     <a:masterClrMapping/>
@@ -1012,13 +888,7 @@
       </p:grpSpPr>
       <p:sp>
         <p:nvSpPr>
-          <p:cNvPr id="8194" name="Rectangle 2">
-            <a:extLst>
-              <a:ext uri="{FF2B5EF4-FFF2-40B4-BE49-F238E27FC236}">
-                <a16:creationId xmlns:a16="http://schemas.microsoft.com/office/drawing/2014/main" id="{861EBA2C-D4D5-4471-B293-1D0B5ABEFEC0}"/>
-              </a:ext>
-            </a:extLst>
-          </p:cNvPr>
+          <p:cNvPr id="8194" name="Rectangle 2"/>
           <p:cNvSpPr>
             <a:spLocks noGrp="1" noRot="1" noChangeAspect="1" noChangeArrowheads="1" noTextEdit="1"/>
           </p:cNvSpPr>
@@ -1026,19 +896,11 @@
             <p:ph type="sldImg"/>
           </p:nvPr>
         </p:nvSpPr>
-        <p:spPr>
-          <a:ln/>
-        </p:spPr>
+        <p:spPr/>
       </p:sp>
       <p:sp>
         <p:nvSpPr>
-          <p:cNvPr id="8195" name="Rectangle 3">
-            <a:extLst>
-              <a:ext uri="{FF2B5EF4-FFF2-40B4-BE49-F238E27FC236}">
-                <a16:creationId xmlns:a16="http://schemas.microsoft.com/office/drawing/2014/main" id="{5D9565B1-B2E4-4373-891D-1DC62B8C88D4}"/>
-              </a:ext>
-            </a:extLst>
-          </p:cNvPr>
+          <p:cNvPr id="8195" name="Rectangle 3"/>
           <p:cNvSpPr>
             <a:spLocks noGrp="1" noChangeArrowheads="1"/>
           </p:cNvSpPr>
@@ -1078,11 +940,6 @@
         </p:txBody>
       </p:sp>
     </p:spTree>
-    <p:extLst>
-      <p:ext uri="{BB962C8B-B14F-4D97-AF65-F5344CB8AC3E}">
-        <p14:creationId xmlns:p14="http://schemas.microsoft.com/office/powerpoint/2010/main" val="2659317193"/>
-      </p:ext>
-    </p:extLst>
   </p:cSld>
   <p:clrMapOvr>
     <a:masterClrMapping/>
@@ -1109,13 +966,7 @@
       </p:grpSpPr>
       <p:sp>
         <p:nvSpPr>
-          <p:cNvPr id="8194" name="Rectangle 2">
-            <a:extLst>
-              <a:ext uri="{FF2B5EF4-FFF2-40B4-BE49-F238E27FC236}">
-                <a16:creationId xmlns:a16="http://schemas.microsoft.com/office/drawing/2014/main" id="{861EBA2C-D4D5-4471-B293-1D0B5ABEFEC0}"/>
-              </a:ext>
-            </a:extLst>
-          </p:cNvPr>
+          <p:cNvPr id="8194" name="Rectangle 2"/>
           <p:cNvSpPr>
             <a:spLocks noGrp="1" noRot="1" noChangeAspect="1" noChangeArrowheads="1" noTextEdit="1"/>
           </p:cNvSpPr>
@@ -1123,19 +974,11 @@
             <p:ph type="sldImg"/>
           </p:nvPr>
         </p:nvSpPr>
-        <p:spPr>
-          <a:ln/>
-        </p:spPr>
+        <p:spPr/>
       </p:sp>
       <p:sp>
         <p:nvSpPr>
-          <p:cNvPr id="8195" name="Rectangle 3">
-            <a:extLst>
-              <a:ext uri="{FF2B5EF4-FFF2-40B4-BE49-F238E27FC236}">
-                <a16:creationId xmlns:a16="http://schemas.microsoft.com/office/drawing/2014/main" id="{5D9565B1-B2E4-4373-891D-1DC62B8C88D4}"/>
-              </a:ext>
-            </a:extLst>
-          </p:cNvPr>
+          <p:cNvPr id="8195" name="Rectangle 3"/>
           <p:cNvSpPr>
             <a:spLocks noGrp="1" noChangeArrowheads="1"/>
           </p:cNvSpPr>
@@ -1175,11 +1018,6 @@
         </p:txBody>
       </p:sp>
     </p:spTree>
-    <p:extLst>
-      <p:ext uri="{BB962C8B-B14F-4D97-AF65-F5344CB8AC3E}">
-        <p14:creationId xmlns:p14="http://schemas.microsoft.com/office/powerpoint/2010/main" val="1538257571"/>
-      </p:ext>
-    </p:extLst>
   </p:cSld>
   <p:clrMapOvr>
     <a:masterClrMapping/>
@@ -1206,13 +1044,7 @@
       </p:grpSpPr>
       <p:sp>
         <p:nvSpPr>
-          <p:cNvPr id="8194" name="Rectangle 2">
-            <a:extLst>
-              <a:ext uri="{FF2B5EF4-FFF2-40B4-BE49-F238E27FC236}">
-                <a16:creationId xmlns:a16="http://schemas.microsoft.com/office/drawing/2014/main" id="{861EBA2C-D4D5-4471-B293-1D0B5ABEFEC0}"/>
-              </a:ext>
-            </a:extLst>
-          </p:cNvPr>
+          <p:cNvPr id="8194" name="Rectangle 2"/>
           <p:cNvSpPr>
             <a:spLocks noGrp="1" noRot="1" noChangeAspect="1" noChangeArrowheads="1" noTextEdit="1"/>
           </p:cNvSpPr>
@@ -1220,19 +1052,11 @@
             <p:ph type="sldImg"/>
           </p:nvPr>
         </p:nvSpPr>
-        <p:spPr>
-          <a:ln/>
-        </p:spPr>
+        <p:spPr/>
       </p:sp>
       <p:sp>
         <p:nvSpPr>
-          <p:cNvPr id="8195" name="Rectangle 3">
-            <a:extLst>
-              <a:ext uri="{FF2B5EF4-FFF2-40B4-BE49-F238E27FC236}">
-                <a16:creationId xmlns:a16="http://schemas.microsoft.com/office/drawing/2014/main" id="{5D9565B1-B2E4-4373-891D-1DC62B8C88D4}"/>
-              </a:ext>
-            </a:extLst>
-          </p:cNvPr>
+          <p:cNvPr id="8195" name="Rectangle 3"/>
           <p:cNvSpPr>
             <a:spLocks noGrp="1" noChangeArrowheads="1"/>
           </p:cNvSpPr>
@@ -1272,11 +1096,6 @@
         </p:txBody>
       </p:sp>
     </p:spTree>
-    <p:extLst>
-      <p:ext uri="{BB962C8B-B14F-4D97-AF65-F5344CB8AC3E}">
-        <p14:creationId xmlns:p14="http://schemas.microsoft.com/office/powerpoint/2010/main" val="2632678765"/>
-      </p:ext>
-    </p:extLst>
   </p:cSld>
   <p:clrMapOvr>
     <a:masterClrMapping/>
@@ -1303,13 +1122,7 @@
       </p:grpSpPr>
       <p:sp>
         <p:nvSpPr>
-          <p:cNvPr id="8194" name="Rectangle 2">
-            <a:extLst>
-              <a:ext uri="{FF2B5EF4-FFF2-40B4-BE49-F238E27FC236}">
-                <a16:creationId xmlns:a16="http://schemas.microsoft.com/office/drawing/2014/main" id="{861EBA2C-D4D5-4471-B293-1D0B5ABEFEC0}"/>
-              </a:ext>
-            </a:extLst>
-          </p:cNvPr>
+          <p:cNvPr id="8194" name="Rectangle 2"/>
           <p:cNvSpPr>
             <a:spLocks noGrp="1" noRot="1" noChangeAspect="1" noChangeArrowheads="1" noTextEdit="1"/>
           </p:cNvSpPr>
@@ -1317,19 +1130,11 @@
             <p:ph type="sldImg"/>
           </p:nvPr>
         </p:nvSpPr>
-        <p:spPr>
-          <a:ln/>
-        </p:spPr>
+        <p:spPr/>
       </p:sp>
       <p:sp>
         <p:nvSpPr>
-          <p:cNvPr id="8195" name="Rectangle 3">
-            <a:extLst>
-              <a:ext uri="{FF2B5EF4-FFF2-40B4-BE49-F238E27FC236}">
-                <a16:creationId xmlns:a16="http://schemas.microsoft.com/office/drawing/2014/main" id="{5D9565B1-B2E4-4373-891D-1DC62B8C88D4}"/>
-              </a:ext>
-            </a:extLst>
-          </p:cNvPr>
+          <p:cNvPr id="8195" name="Rectangle 3"/>
           <p:cNvSpPr>
             <a:spLocks noGrp="1" noChangeArrowheads="1"/>
           </p:cNvSpPr>
@@ -1369,11 +1174,6 @@
         </p:txBody>
       </p:sp>
     </p:spTree>
-    <p:extLst>
-      <p:ext uri="{BB962C8B-B14F-4D97-AF65-F5344CB8AC3E}">
-        <p14:creationId xmlns:p14="http://schemas.microsoft.com/office/powerpoint/2010/main" val="974311899"/>
-      </p:ext>
-    </p:extLst>
   </p:cSld>
   <p:clrMapOvr>
     <a:masterClrMapping/>
@@ -1382,7 +1182,7 @@
 </file>
 
 <file path=ppt/slideLayouts/slideLayout1.xml><?xml version="1.0" encoding="utf-8"?>
-<p:sldLayout xmlns:a="http://schemas.openxmlformats.org/drawingml/2006/main" xmlns:r="http://schemas.openxmlformats.org/officeDocument/2006/relationships" xmlns:p="http://schemas.openxmlformats.org/presentationml/2006/main" showMasterSp="0" type="title" preserve="1">
+<p:sldLayout xmlns:a="http://schemas.openxmlformats.org/drawingml/2006/main" xmlns:r="http://schemas.openxmlformats.org/officeDocument/2006/relationships" xmlns:p="http://schemas.openxmlformats.org/presentationml/2006/main" type="title" preserve="1" showMasterSp="0">
   <p:cSld name="标题幻灯片">
     <p:spTree>
       <p:nvGrpSpPr>
@@ -1400,13 +1200,7 @@
       </p:grpSpPr>
       <p:pic>
         <p:nvPicPr>
-          <p:cNvPr id="4" name="Picture 2" descr="bg1">
-            <a:extLst>
-              <a:ext uri="{FF2B5EF4-FFF2-40B4-BE49-F238E27FC236}">
-                <a16:creationId xmlns:a16="http://schemas.microsoft.com/office/drawing/2014/main" id="{524105AB-1C27-4300-97E2-DB022C198654}"/>
-              </a:ext>
-            </a:extLst>
-          </p:cNvPr>
+          <p:cNvPr id="4" name="Picture 2" descr="bg1"/>
           <p:cNvPicPr>
             <a:picLocks noChangeAspect="1" noChangeArrowheads="1"/>
           </p:cNvPicPr>
@@ -1489,6 +1283,7 @@
               <a:rPr lang="zh-CN"/>
               <a:t>单击此处编辑母版标题样式</a:t>
             </a:r>
+            <a:endParaRPr lang="zh-CN"/>
           </a:p>
         </p:txBody>
       </p:sp>
@@ -1499,7 +1294,7 @@
             <a:spLocks noGrp="1" noChangeArrowheads="1"/>
           </p:cNvSpPr>
           <p:nvPr>
-            <p:ph type="subTitle" idx="1"/>
+            <p:ph type="subTitle" idx="1" hasCustomPrompt="1"/>
           </p:nvPr>
         </p:nvSpPr>
         <p:spPr>
@@ -1515,7 +1310,7 @@
           <a:bodyPr/>
           <a:lstStyle>
             <a:lvl1pPr marL="0" indent="0">
-              <a:buFont typeface="Wingdings" pitchFamily="2" charset="2"/>
+              <a:buFont typeface="Wingdings" panose="05000000000000000000" pitchFamily="2" charset="2"/>
               <a:buNone/>
               <a:defRPr sz="1800">
                 <a:solidFill>
@@ -1529,15 +1324,11 @@
               <a:rPr lang="zh-CN"/>
               <a:t>单击添加署名或公司信息</a:t>
             </a:r>
+            <a:endParaRPr lang="zh-CN"/>
           </a:p>
         </p:txBody>
       </p:sp>
     </p:spTree>
-    <p:extLst>
-      <p:ext uri="{BB962C8B-B14F-4D97-AF65-F5344CB8AC3E}">
-        <p14:creationId xmlns:p14="http://schemas.microsoft.com/office/powerpoint/2010/main" val="4262826075"/>
-      </p:ext>
-    </p:extLst>
   </p:cSld>
   <p:clrMapOvr>
     <a:masterClrMapping/>
@@ -1589,6 +1380,7 @@
               <a:rPr lang="zh-CN" altLang="en-US"/>
               <a:t>单击此处编辑母版标题样式</a:t>
             </a:r>
+            <a:endParaRPr lang="zh-CN" altLang="en-US"/>
           </a:p>
         </p:txBody>
       </p:sp>
@@ -1620,6 +1412,7 @@
               <a:rPr lang="zh-CN" altLang="en-US"/>
               <a:t>单击此处编辑母版文本样式</a:t>
             </a:r>
+            <a:endParaRPr lang="zh-CN" altLang="en-US"/>
           </a:p>
           <a:p>
             <a:pPr lvl="1"/>
@@ -1627,6 +1420,7 @@
               <a:rPr lang="zh-CN" altLang="en-US"/>
               <a:t>第二级</a:t>
             </a:r>
+            <a:endParaRPr lang="zh-CN" altLang="en-US"/>
           </a:p>
           <a:p>
             <a:pPr lvl="2"/>
@@ -1634,6 +1428,7 @@
               <a:rPr lang="zh-CN" altLang="en-US"/>
               <a:t>第三级</a:t>
             </a:r>
+            <a:endParaRPr lang="zh-CN" altLang="en-US"/>
           </a:p>
           <a:p>
             <a:pPr lvl="3"/>
@@ -1641,6 +1436,7 @@
               <a:rPr lang="zh-CN" altLang="en-US"/>
               <a:t>第四级</a:t>
             </a:r>
+            <a:endParaRPr lang="zh-CN" altLang="en-US"/>
           </a:p>
           <a:p>
             <a:pPr lvl="4"/>
@@ -1648,18 +1444,13 @@
               <a:rPr lang="zh-CN" altLang="en-US"/>
               <a:t>第五级</a:t>
             </a:r>
+            <a:endParaRPr lang="zh-CN" altLang="en-US"/>
           </a:p>
         </p:txBody>
       </p:sp>
       <p:sp>
         <p:nvSpPr>
-          <p:cNvPr id="4" name="Rectangle 4">
-            <a:extLst>
-              <a:ext uri="{FF2B5EF4-FFF2-40B4-BE49-F238E27FC236}">
-                <a16:creationId xmlns:a16="http://schemas.microsoft.com/office/drawing/2014/main" id="{01741EB5-5D21-4F84-B483-CF94797B136A}"/>
-              </a:ext>
-            </a:extLst>
-          </p:cNvPr>
+          <p:cNvPr id="4" name="Rectangle 4"/>
           <p:cNvSpPr>
             <a:spLocks noGrp="1" noChangeArrowheads="1"/>
           </p:cNvSpPr>
@@ -1667,9 +1458,7 @@
             <p:ph type="sldNum" sz="quarter" idx="10"/>
           </p:nvPr>
         </p:nvSpPr>
-        <p:spPr>
-          <a:ln/>
-        </p:spPr>
+        <p:spPr/>
         <p:txBody>
           <a:bodyPr/>
           <a:lstStyle>
@@ -1697,21 +1486,12 @@
             </a:r>
             <a:fld id="{85395485-1E7F-4AEF-8259-7171D9A6624F}" type="slidenum">
               <a:rPr lang="zh-CN" altLang="en-US" smtClean="0"/>
-              <a:pPr>
-                <a:defRPr/>
-              </a:pPr>
-              <a:t>‹#›</a:t>
             </a:fld>
             <a:endParaRPr lang="en-US" altLang="zh-CN"/>
           </a:p>
         </p:txBody>
       </p:sp>
     </p:spTree>
-    <p:extLst>
-      <p:ext uri="{BB962C8B-B14F-4D97-AF65-F5344CB8AC3E}">
-        <p14:creationId xmlns:p14="http://schemas.microsoft.com/office/powerpoint/2010/main" val="1136676969"/>
-      </p:ext>
-    </p:extLst>
   </p:cSld>
   <p:clrMapOvr>
     <a:masterClrMapping/>
@@ -1763,6 +1543,7 @@
               <a:rPr lang="zh-CN" altLang="en-US"/>
               <a:t>单击此处编辑母版标题样式</a:t>
             </a:r>
+            <a:endParaRPr lang="zh-CN" altLang="en-US"/>
           </a:p>
         </p:txBody>
       </p:sp>
@@ -1794,6 +1575,7 @@
               <a:rPr lang="zh-CN" altLang="en-US"/>
               <a:t>单击此处编辑母版文本样式</a:t>
             </a:r>
+            <a:endParaRPr lang="zh-CN" altLang="en-US"/>
           </a:p>
           <a:p>
             <a:pPr lvl="1"/>
@@ -1801,6 +1583,7 @@
               <a:rPr lang="zh-CN" altLang="en-US"/>
               <a:t>第二级</a:t>
             </a:r>
+            <a:endParaRPr lang="zh-CN" altLang="en-US"/>
           </a:p>
           <a:p>
             <a:pPr lvl="2"/>
@@ -1808,6 +1591,7 @@
               <a:rPr lang="zh-CN" altLang="en-US"/>
               <a:t>第三级</a:t>
             </a:r>
+            <a:endParaRPr lang="zh-CN" altLang="en-US"/>
           </a:p>
           <a:p>
             <a:pPr lvl="3"/>
@@ -1815,6 +1599,7 @@
               <a:rPr lang="zh-CN" altLang="en-US"/>
               <a:t>第四级</a:t>
             </a:r>
+            <a:endParaRPr lang="zh-CN" altLang="en-US"/>
           </a:p>
           <a:p>
             <a:pPr lvl="4"/>
@@ -1822,18 +1607,13 @@
               <a:rPr lang="zh-CN" altLang="en-US"/>
               <a:t>第五级</a:t>
             </a:r>
+            <a:endParaRPr lang="zh-CN" altLang="en-US"/>
           </a:p>
         </p:txBody>
       </p:sp>
       <p:sp>
         <p:nvSpPr>
-          <p:cNvPr id="4" name="Rectangle 4">
-            <a:extLst>
-              <a:ext uri="{FF2B5EF4-FFF2-40B4-BE49-F238E27FC236}">
-                <a16:creationId xmlns:a16="http://schemas.microsoft.com/office/drawing/2014/main" id="{1E382CC0-F5EE-4298-AEDB-7629801F920B}"/>
-              </a:ext>
-            </a:extLst>
-          </p:cNvPr>
+          <p:cNvPr id="4" name="Rectangle 4"/>
           <p:cNvSpPr>
             <a:spLocks noGrp="1" noChangeArrowheads="1"/>
           </p:cNvSpPr>
@@ -1841,9 +1621,7 @@
             <p:ph type="sldNum" sz="quarter" idx="10"/>
           </p:nvPr>
         </p:nvSpPr>
-        <p:spPr>
-          <a:ln/>
-        </p:spPr>
+        <p:spPr/>
         <p:txBody>
           <a:bodyPr/>
           <a:lstStyle>
@@ -1871,21 +1649,12 @@
             </a:r>
             <a:fld id="{7EFF9BE1-89C5-461A-8080-0860368CA4E7}" type="slidenum">
               <a:rPr lang="zh-CN" altLang="en-US" smtClean="0"/>
-              <a:pPr>
-                <a:defRPr/>
-              </a:pPr>
-              <a:t>‹#›</a:t>
             </a:fld>
             <a:endParaRPr lang="en-US" altLang="zh-CN"/>
           </a:p>
         </p:txBody>
       </p:sp>
     </p:spTree>
-    <p:extLst>
-      <p:ext uri="{BB962C8B-B14F-4D97-AF65-F5344CB8AC3E}">
-        <p14:creationId xmlns:p14="http://schemas.microsoft.com/office/powerpoint/2010/main" val="1593987024"/>
-      </p:ext>
-    </p:extLst>
   </p:cSld>
   <p:clrMapOvr>
     <a:masterClrMapping/>
@@ -1937,6 +1706,7 @@
               <a:rPr lang="zh-CN" altLang="en-US"/>
               <a:t>单击此处编辑母版标题样式</a:t>
             </a:r>
+            <a:endParaRPr lang="zh-CN" altLang="en-US"/>
           </a:p>
         </p:txBody>
       </p:sp>
@@ -1970,13 +1740,7 @@
       </p:sp>
       <p:sp>
         <p:nvSpPr>
-          <p:cNvPr id="4" name="Rectangle 4">
-            <a:extLst>
-              <a:ext uri="{FF2B5EF4-FFF2-40B4-BE49-F238E27FC236}">
-                <a16:creationId xmlns:a16="http://schemas.microsoft.com/office/drawing/2014/main" id="{3C43FFEB-F671-43B5-A0DA-A48CF9DD8EFC}"/>
-              </a:ext>
-            </a:extLst>
-          </p:cNvPr>
+          <p:cNvPr id="4" name="Rectangle 4"/>
           <p:cNvSpPr>
             <a:spLocks noGrp="1" noChangeArrowheads="1"/>
           </p:cNvSpPr>
@@ -1984,9 +1748,7 @@
             <p:ph type="sldNum" sz="quarter" idx="10"/>
           </p:nvPr>
         </p:nvSpPr>
-        <p:spPr>
-          <a:ln/>
-        </p:spPr>
+        <p:spPr/>
         <p:txBody>
           <a:bodyPr/>
           <a:lstStyle>
@@ -2014,21 +1776,12 @@
             </a:r>
             <a:fld id="{C8FEDC41-C8C7-4EFD-A6DE-BC4A4069D4EC}" type="slidenum">
               <a:rPr lang="zh-CN" altLang="en-US" smtClean="0"/>
-              <a:pPr>
-                <a:defRPr/>
-              </a:pPr>
-              <a:t>‹#›</a:t>
             </a:fld>
             <a:endParaRPr lang="en-US" altLang="zh-CN"/>
           </a:p>
         </p:txBody>
       </p:sp>
     </p:spTree>
-    <p:extLst>
-      <p:ext uri="{BB962C8B-B14F-4D97-AF65-F5344CB8AC3E}">
-        <p14:creationId xmlns:p14="http://schemas.microsoft.com/office/powerpoint/2010/main" val="1746192836"/>
-      </p:ext>
-    </p:extLst>
   </p:cSld>
   <p:clrMapOvr>
     <a:masterClrMapping/>
@@ -2080,6 +1833,7 @@
               <a:rPr lang="zh-CN" altLang="en-US"/>
               <a:t>单击此处编辑母版标题样式</a:t>
             </a:r>
+            <a:endParaRPr lang="zh-CN" altLang="en-US"/>
           </a:p>
         </p:txBody>
       </p:sp>
@@ -2113,13 +1867,7 @@
       </p:sp>
       <p:sp>
         <p:nvSpPr>
-          <p:cNvPr id="4" name="Rectangle 4">
-            <a:extLst>
-              <a:ext uri="{FF2B5EF4-FFF2-40B4-BE49-F238E27FC236}">
-                <a16:creationId xmlns:a16="http://schemas.microsoft.com/office/drawing/2014/main" id="{B0C16C01-59A3-48A5-81B3-61E63E8CE3A1}"/>
-              </a:ext>
-            </a:extLst>
-          </p:cNvPr>
+          <p:cNvPr id="4" name="Rectangle 4"/>
           <p:cNvSpPr>
             <a:spLocks noGrp="1" noChangeArrowheads="1"/>
           </p:cNvSpPr>
@@ -2127,9 +1875,7 @@
             <p:ph type="sldNum" sz="quarter" idx="10"/>
           </p:nvPr>
         </p:nvSpPr>
-        <p:spPr>
-          <a:ln/>
-        </p:spPr>
+        <p:spPr/>
         <p:txBody>
           <a:bodyPr/>
           <a:lstStyle>
@@ -2157,21 +1903,12 @@
             </a:r>
             <a:fld id="{6FF87EDD-D88C-44D8-97FB-6009DD6ED594}" type="slidenum">
               <a:rPr lang="zh-CN" altLang="en-US" smtClean="0"/>
-              <a:pPr>
-                <a:defRPr/>
-              </a:pPr>
-              <a:t>‹#›</a:t>
             </a:fld>
             <a:endParaRPr lang="en-US" altLang="zh-CN"/>
           </a:p>
         </p:txBody>
       </p:sp>
     </p:spTree>
-    <p:extLst>
-      <p:ext uri="{BB962C8B-B14F-4D97-AF65-F5344CB8AC3E}">
-        <p14:creationId xmlns:p14="http://schemas.microsoft.com/office/powerpoint/2010/main" val="549119738"/>
-      </p:ext>
-    </p:extLst>
   </p:cSld>
   <p:clrMapOvr>
     <a:masterClrMapping/>
@@ -2223,6 +1960,7 @@
               <a:rPr lang="zh-CN" altLang="en-US" dirty="0"/>
               <a:t>单击此处编辑母版标题样式</a:t>
             </a:r>
+            <a:endParaRPr lang="zh-CN" altLang="en-US" dirty="0"/>
           </a:p>
         </p:txBody>
       </p:sp>
@@ -2254,6 +1992,7 @@
               <a:rPr lang="zh-CN" altLang="en-US"/>
               <a:t>单击此处编辑母版文本样式</a:t>
             </a:r>
+            <a:endParaRPr lang="zh-CN" altLang="en-US"/>
           </a:p>
           <a:p>
             <a:pPr lvl="1"/>
@@ -2261,6 +2000,7 @@
               <a:rPr lang="zh-CN" altLang="en-US"/>
               <a:t>第二级</a:t>
             </a:r>
+            <a:endParaRPr lang="zh-CN" altLang="en-US"/>
           </a:p>
           <a:p>
             <a:pPr lvl="2"/>
@@ -2268,6 +2008,7 @@
               <a:rPr lang="zh-CN" altLang="en-US"/>
               <a:t>第三级</a:t>
             </a:r>
+            <a:endParaRPr lang="zh-CN" altLang="en-US"/>
           </a:p>
           <a:p>
             <a:pPr lvl="3"/>
@@ -2275,6 +2016,7 @@
               <a:rPr lang="zh-CN" altLang="en-US"/>
               <a:t>第四级</a:t>
             </a:r>
+            <a:endParaRPr lang="zh-CN" altLang="en-US"/>
           </a:p>
           <a:p>
             <a:pPr lvl="4"/>
@@ -2282,18 +2024,13 @@
               <a:rPr lang="zh-CN" altLang="en-US"/>
               <a:t>第五级</a:t>
             </a:r>
+            <a:endParaRPr lang="zh-CN" altLang="en-US"/>
           </a:p>
         </p:txBody>
       </p:sp>
       <p:sp>
         <p:nvSpPr>
-          <p:cNvPr id="4" name="Rectangle 4">
-            <a:extLst>
-              <a:ext uri="{FF2B5EF4-FFF2-40B4-BE49-F238E27FC236}">
-                <a16:creationId xmlns:a16="http://schemas.microsoft.com/office/drawing/2014/main" id="{A1298DB8-93F6-41F8-9A44-CF9D6F34232D}"/>
-              </a:ext>
-            </a:extLst>
-          </p:cNvPr>
+          <p:cNvPr id="4" name="Rectangle 4"/>
           <p:cNvSpPr>
             <a:spLocks noGrp="1" noChangeArrowheads="1"/>
           </p:cNvSpPr>
@@ -2301,9 +2038,7 @@
             <p:ph type="sldNum" sz="quarter" idx="10"/>
           </p:nvPr>
         </p:nvSpPr>
-        <p:spPr>
-          <a:ln/>
-        </p:spPr>
+        <p:spPr/>
         <p:txBody>
           <a:bodyPr/>
           <a:lstStyle>
@@ -2331,21 +2066,12 @@
             </a:r>
             <a:fld id="{AB2E83DC-661B-4DCC-B4A3-95AD0DF58E27}" type="slidenum">
               <a:rPr lang="zh-CN" altLang="en-US" smtClean="0"/>
-              <a:pPr>
-                <a:defRPr/>
-              </a:pPr>
-              <a:t>‹#›</a:t>
             </a:fld>
             <a:endParaRPr lang="en-US" altLang="zh-CN"/>
           </a:p>
         </p:txBody>
       </p:sp>
     </p:spTree>
-    <p:extLst>
-      <p:ext uri="{BB962C8B-B14F-4D97-AF65-F5344CB8AC3E}">
-        <p14:creationId xmlns:p14="http://schemas.microsoft.com/office/powerpoint/2010/main" val="1253629246"/>
-      </p:ext>
-    </p:extLst>
   </p:cSld>
   <p:clrMapOvr>
     <a:masterClrMapping/>
@@ -2401,6 +2127,7 @@
               <a:rPr lang="zh-CN" altLang="en-US"/>
               <a:t>单击此处编辑母版标题样式</a:t>
             </a:r>
+            <a:endParaRPr lang="zh-CN" altLang="en-US"/>
           </a:p>
         </p:txBody>
       </p:sp>
@@ -2469,18 +2196,13 @@
               <a:rPr lang="zh-CN" altLang="en-US"/>
               <a:t>单击此处编辑母版文本样式</a:t>
             </a:r>
+            <a:endParaRPr lang="zh-CN" altLang="en-US"/>
           </a:p>
         </p:txBody>
       </p:sp>
       <p:sp>
         <p:nvSpPr>
-          <p:cNvPr id="4" name="Rectangle 4">
-            <a:extLst>
-              <a:ext uri="{FF2B5EF4-FFF2-40B4-BE49-F238E27FC236}">
-                <a16:creationId xmlns:a16="http://schemas.microsoft.com/office/drawing/2014/main" id="{2D7D8B92-78BC-40CB-A395-9A0B0E59E599}"/>
-              </a:ext>
-            </a:extLst>
-          </p:cNvPr>
+          <p:cNvPr id="4" name="Rectangle 4"/>
           <p:cNvSpPr>
             <a:spLocks noGrp="1" noChangeArrowheads="1"/>
           </p:cNvSpPr>
@@ -2488,9 +2210,7 @@
             <p:ph type="sldNum" sz="quarter" idx="10"/>
           </p:nvPr>
         </p:nvSpPr>
-        <p:spPr>
-          <a:ln/>
-        </p:spPr>
+        <p:spPr/>
         <p:txBody>
           <a:bodyPr/>
           <a:lstStyle>
@@ -2518,21 +2238,12 @@
             </a:r>
             <a:fld id="{AD5D6385-73FF-48F7-8DDA-F02439D7B60D}" type="slidenum">
               <a:rPr lang="zh-CN" altLang="en-US" smtClean="0"/>
-              <a:pPr>
-                <a:defRPr/>
-              </a:pPr>
-              <a:t>‹#›</a:t>
             </a:fld>
             <a:endParaRPr lang="en-US" altLang="zh-CN"/>
           </a:p>
         </p:txBody>
       </p:sp>
     </p:spTree>
-    <p:extLst>
-      <p:ext uri="{BB962C8B-B14F-4D97-AF65-F5344CB8AC3E}">
-        <p14:creationId xmlns:p14="http://schemas.microsoft.com/office/powerpoint/2010/main" val="3497926421"/>
-      </p:ext>
-    </p:extLst>
   </p:cSld>
   <p:clrMapOvr>
     <a:masterClrMapping/>
@@ -2584,6 +2295,7 @@
               <a:rPr lang="zh-CN" altLang="en-US"/>
               <a:t>单击此处编辑母版标题样式</a:t>
             </a:r>
+            <a:endParaRPr lang="zh-CN" altLang="en-US"/>
           </a:p>
         </p:txBody>
       </p:sp>
@@ -2643,6 +2355,7 @@
               <a:rPr lang="zh-CN" altLang="en-US"/>
               <a:t>单击此处编辑母版文本样式</a:t>
             </a:r>
+            <a:endParaRPr lang="zh-CN" altLang="en-US"/>
           </a:p>
           <a:p>
             <a:pPr lvl="1"/>
@@ -2650,6 +2363,7 @@
               <a:rPr lang="zh-CN" altLang="en-US"/>
               <a:t>第二级</a:t>
             </a:r>
+            <a:endParaRPr lang="zh-CN" altLang="en-US"/>
           </a:p>
           <a:p>
             <a:pPr lvl="2"/>
@@ -2657,6 +2371,7 @@
               <a:rPr lang="zh-CN" altLang="en-US"/>
               <a:t>第三级</a:t>
             </a:r>
+            <a:endParaRPr lang="zh-CN" altLang="en-US"/>
           </a:p>
           <a:p>
             <a:pPr lvl="3"/>
@@ -2664,6 +2379,7 @@
               <a:rPr lang="zh-CN" altLang="en-US"/>
               <a:t>第四级</a:t>
             </a:r>
+            <a:endParaRPr lang="zh-CN" altLang="en-US"/>
           </a:p>
           <a:p>
             <a:pPr lvl="4"/>
@@ -2671,6 +2387,7 @@
               <a:rPr lang="zh-CN" altLang="en-US"/>
               <a:t>第五级</a:t>
             </a:r>
+            <a:endParaRPr lang="zh-CN" altLang="en-US"/>
           </a:p>
         </p:txBody>
       </p:sp>
@@ -2730,6 +2447,7 @@
               <a:rPr lang="zh-CN" altLang="en-US"/>
               <a:t>单击此处编辑母版文本样式</a:t>
             </a:r>
+            <a:endParaRPr lang="zh-CN" altLang="en-US"/>
           </a:p>
           <a:p>
             <a:pPr lvl="1"/>
@@ -2737,6 +2455,7 @@
               <a:rPr lang="zh-CN" altLang="en-US"/>
               <a:t>第二级</a:t>
             </a:r>
+            <a:endParaRPr lang="zh-CN" altLang="en-US"/>
           </a:p>
           <a:p>
             <a:pPr lvl="2"/>
@@ -2744,6 +2463,7 @@
               <a:rPr lang="zh-CN" altLang="en-US"/>
               <a:t>第三级</a:t>
             </a:r>
+            <a:endParaRPr lang="zh-CN" altLang="en-US"/>
           </a:p>
           <a:p>
             <a:pPr lvl="3"/>
@@ -2751,6 +2471,7 @@
               <a:rPr lang="zh-CN" altLang="en-US"/>
               <a:t>第四级</a:t>
             </a:r>
+            <a:endParaRPr lang="zh-CN" altLang="en-US"/>
           </a:p>
           <a:p>
             <a:pPr lvl="4"/>
@@ -2758,18 +2479,13 @@
               <a:rPr lang="zh-CN" altLang="en-US"/>
               <a:t>第五级</a:t>
             </a:r>
+            <a:endParaRPr lang="zh-CN" altLang="en-US"/>
           </a:p>
         </p:txBody>
       </p:sp>
       <p:sp>
         <p:nvSpPr>
-          <p:cNvPr id="5" name="Rectangle 4">
-            <a:extLst>
-              <a:ext uri="{FF2B5EF4-FFF2-40B4-BE49-F238E27FC236}">
-                <a16:creationId xmlns:a16="http://schemas.microsoft.com/office/drawing/2014/main" id="{8A3A3C2B-15F2-489E-B29E-64A70D569EE4}"/>
-              </a:ext>
-            </a:extLst>
-          </p:cNvPr>
+          <p:cNvPr id="5" name="Rectangle 4"/>
           <p:cNvSpPr>
             <a:spLocks noGrp="1" noChangeArrowheads="1"/>
           </p:cNvSpPr>
@@ -2777,9 +2493,7 @@
             <p:ph type="sldNum" sz="quarter" idx="10"/>
           </p:nvPr>
         </p:nvSpPr>
-        <p:spPr>
-          <a:ln/>
-        </p:spPr>
+        <p:spPr/>
         <p:txBody>
           <a:bodyPr/>
           <a:lstStyle>
@@ -2807,21 +2521,12 @@
             </a:r>
             <a:fld id="{145E1E5F-9D19-4FC7-A71A-24AB39712209}" type="slidenum">
               <a:rPr lang="zh-CN" altLang="en-US" smtClean="0"/>
-              <a:pPr>
-                <a:defRPr/>
-              </a:pPr>
-              <a:t>‹#›</a:t>
             </a:fld>
             <a:endParaRPr lang="en-US" altLang="zh-CN"/>
           </a:p>
         </p:txBody>
       </p:sp>
     </p:spTree>
-    <p:extLst>
-      <p:ext uri="{BB962C8B-B14F-4D97-AF65-F5344CB8AC3E}">
-        <p14:creationId xmlns:p14="http://schemas.microsoft.com/office/powerpoint/2010/main" val="4130821220"/>
-      </p:ext>
-    </p:extLst>
   </p:cSld>
   <p:clrMapOvr>
     <a:masterClrMapping/>
@@ -2877,6 +2582,7 @@
               <a:rPr lang="zh-CN" altLang="en-US"/>
               <a:t>单击此处编辑母版标题样式</a:t>
             </a:r>
+            <a:endParaRPr lang="zh-CN" altLang="en-US"/>
           </a:p>
         </p:txBody>
       </p:sp>
@@ -2945,6 +2651,7 @@
               <a:rPr lang="zh-CN" altLang="en-US"/>
               <a:t>单击此处编辑母版文本样式</a:t>
             </a:r>
+            <a:endParaRPr lang="zh-CN" altLang="en-US"/>
           </a:p>
         </p:txBody>
       </p:sp>
@@ -3004,6 +2711,7 @@
               <a:rPr lang="zh-CN" altLang="en-US"/>
               <a:t>单击此处编辑母版文本样式</a:t>
             </a:r>
+            <a:endParaRPr lang="zh-CN" altLang="en-US"/>
           </a:p>
           <a:p>
             <a:pPr lvl="1"/>
@@ -3011,6 +2719,7 @@
               <a:rPr lang="zh-CN" altLang="en-US"/>
               <a:t>第二级</a:t>
             </a:r>
+            <a:endParaRPr lang="zh-CN" altLang="en-US"/>
           </a:p>
           <a:p>
             <a:pPr lvl="2"/>
@@ -3018,6 +2727,7 @@
               <a:rPr lang="zh-CN" altLang="en-US"/>
               <a:t>第三级</a:t>
             </a:r>
+            <a:endParaRPr lang="zh-CN" altLang="en-US"/>
           </a:p>
           <a:p>
             <a:pPr lvl="3"/>
@@ -3025,6 +2735,7 @@
               <a:rPr lang="zh-CN" altLang="en-US"/>
               <a:t>第四级</a:t>
             </a:r>
+            <a:endParaRPr lang="zh-CN" altLang="en-US"/>
           </a:p>
           <a:p>
             <a:pPr lvl="4"/>
@@ -3032,6 +2743,7 @@
               <a:rPr lang="zh-CN" altLang="en-US"/>
               <a:t>第五级</a:t>
             </a:r>
+            <a:endParaRPr lang="zh-CN" altLang="en-US"/>
           </a:p>
         </p:txBody>
       </p:sp>
@@ -3100,6 +2812,7 @@
               <a:rPr lang="zh-CN" altLang="en-US"/>
               <a:t>单击此处编辑母版文本样式</a:t>
             </a:r>
+            <a:endParaRPr lang="zh-CN" altLang="en-US"/>
           </a:p>
         </p:txBody>
       </p:sp>
@@ -3159,6 +2872,7 @@
               <a:rPr lang="zh-CN" altLang="en-US"/>
               <a:t>单击此处编辑母版文本样式</a:t>
             </a:r>
+            <a:endParaRPr lang="zh-CN" altLang="en-US"/>
           </a:p>
           <a:p>
             <a:pPr lvl="1"/>
@@ -3166,6 +2880,7 @@
               <a:rPr lang="zh-CN" altLang="en-US"/>
               <a:t>第二级</a:t>
             </a:r>
+            <a:endParaRPr lang="zh-CN" altLang="en-US"/>
           </a:p>
           <a:p>
             <a:pPr lvl="2"/>
@@ -3173,6 +2888,7 @@
               <a:rPr lang="zh-CN" altLang="en-US"/>
               <a:t>第三级</a:t>
             </a:r>
+            <a:endParaRPr lang="zh-CN" altLang="en-US"/>
           </a:p>
           <a:p>
             <a:pPr lvl="3"/>
@@ -3180,6 +2896,7 @@
               <a:rPr lang="zh-CN" altLang="en-US"/>
               <a:t>第四级</a:t>
             </a:r>
+            <a:endParaRPr lang="zh-CN" altLang="en-US"/>
           </a:p>
           <a:p>
             <a:pPr lvl="4"/>
@@ -3187,18 +2904,13 @@
               <a:rPr lang="zh-CN" altLang="en-US"/>
               <a:t>第五级</a:t>
             </a:r>
+            <a:endParaRPr lang="zh-CN" altLang="en-US"/>
           </a:p>
         </p:txBody>
       </p:sp>
       <p:sp>
         <p:nvSpPr>
-          <p:cNvPr id="7" name="Rectangle 4">
-            <a:extLst>
-              <a:ext uri="{FF2B5EF4-FFF2-40B4-BE49-F238E27FC236}">
-                <a16:creationId xmlns:a16="http://schemas.microsoft.com/office/drawing/2014/main" id="{B0199EAE-FEAE-4C4F-85AC-67937A205782}"/>
-              </a:ext>
-            </a:extLst>
-          </p:cNvPr>
+          <p:cNvPr id="7" name="Rectangle 4"/>
           <p:cNvSpPr>
             <a:spLocks noGrp="1" noChangeArrowheads="1"/>
           </p:cNvSpPr>
@@ -3206,9 +2918,7 @@
             <p:ph type="sldNum" sz="quarter" idx="10"/>
           </p:nvPr>
         </p:nvSpPr>
-        <p:spPr>
-          <a:ln/>
-        </p:spPr>
+        <p:spPr/>
         <p:txBody>
           <a:bodyPr/>
           <a:lstStyle>
@@ -3236,21 +2946,12 @@
             </a:r>
             <a:fld id="{01DEBBD1-2960-4502-95D3-F1444E13883A}" type="slidenum">
               <a:rPr lang="zh-CN" altLang="en-US" smtClean="0"/>
-              <a:pPr>
-                <a:defRPr/>
-              </a:pPr>
-              <a:t>‹#›</a:t>
             </a:fld>
             <a:endParaRPr lang="en-US" altLang="zh-CN"/>
           </a:p>
         </p:txBody>
       </p:sp>
     </p:spTree>
-    <p:extLst>
-      <p:ext uri="{BB962C8B-B14F-4D97-AF65-F5344CB8AC3E}">
-        <p14:creationId xmlns:p14="http://schemas.microsoft.com/office/powerpoint/2010/main" val="852519331"/>
-      </p:ext>
-    </p:extLst>
   </p:cSld>
   <p:clrMapOvr>
     <a:masterClrMapping/>
@@ -3302,18 +3003,13 @@
               <a:rPr lang="zh-CN" altLang="en-US"/>
               <a:t>单击此处编辑母版标题样式</a:t>
             </a:r>
+            <a:endParaRPr lang="zh-CN" altLang="en-US"/>
           </a:p>
         </p:txBody>
       </p:sp>
       <p:sp>
         <p:nvSpPr>
-          <p:cNvPr id="3" name="Rectangle 4">
-            <a:extLst>
-              <a:ext uri="{FF2B5EF4-FFF2-40B4-BE49-F238E27FC236}">
-                <a16:creationId xmlns:a16="http://schemas.microsoft.com/office/drawing/2014/main" id="{150A9A8A-C971-4504-A131-6D66AB01431F}"/>
-              </a:ext>
-            </a:extLst>
-          </p:cNvPr>
+          <p:cNvPr id="3" name="Rectangle 4"/>
           <p:cNvSpPr>
             <a:spLocks noGrp="1" noChangeArrowheads="1"/>
           </p:cNvSpPr>
@@ -3321,9 +3017,7 @@
             <p:ph type="sldNum" sz="quarter" idx="10"/>
           </p:nvPr>
         </p:nvSpPr>
-        <p:spPr>
-          <a:ln/>
-        </p:spPr>
+        <p:spPr/>
         <p:txBody>
           <a:bodyPr/>
           <a:lstStyle>
@@ -3351,21 +3045,12 @@
             </a:r>
             <a:fld id="{3FFE5EB4-F84A-4001-AC86-DD5EEB2060DD}" type="slidenum">
               <a:rPr lang="zh-CN" altLang="en-US" smtClean="0"/>
-              <a:pPr>
-                <a:defRPr/>
-              </a:pPr>
-              <a:t>‹#›</a:t>
             </a:fld>
             <a:endParaRPr lang="en-US" altLang="zh-CN"/>
           </a:p>
         </p:txBody>
       </p:sp>
     </p:spTree>
-    <p:extLst>
-      <p:ext uri="{BB962C8B-B14F-4D97-AF65-F5344CB8AC3E}">
-        <p14:creationId xmlns:p14="http://schemas.microsoft.com/office/powerpoint/2010/main" val="960958304"/>
-      </p:ext>
-    </p:extLst>
   </p:cSld>
   <p:clrMapOvr>
     <a:masterClrMapping/>
@@ -3392,13 +3077,7 @@
       </p:grpSpPr>
       <p:sp>
         <p:nvSpPr>
-          <p:cNvPr id="2" name="Rectangle 4">
-            <a:extLst>
-              <a:ext uri="{FF2B5EF4-FFF2-40B4-BE49-F238E27FC236}">
-                <a16:creationId xmlns:a16="http://schemas.microsoft.com/office/drawing/2014/main" id="{7EB722A9-5FD8-4623-B56E-8E2489C85167}"/>
-              </a:ext>
-            </a:extLst>
-          </p:cNvPr>
+          <p:cNvPr id="2" name="Rectangle 4"/>
           <p:cNvSpPr>
             <a:spLocks noGrp="1" noChangeArrowheads="1"/>
           </p:cNvSpPr>
@@ -3406,9 +3085,7 @@
             <p:ph type="sldNum" sz="quarter" idx="10"/>
           </p:nvPr>
         </p:nvSpPr>
-        <p:spPr>
-          <a:ln/>
-        </p:spPr>
+        <p:spPr/>
         <p:txBody>
           <a:bodyPr/>
           <a:lstStyle>
@@ -3436,21 +3113,12 @@
             </a:r>
             <a:fld id="{1FA65F22-8AC8-411F-B820-478F7DB776C2}" type="slidenum">
               <a:rPr lang="zh-CN" altLang="en-US" smtClean="0"/>
-              <a:pPr>
-                <a:defRPr/>
-              </a:pPr>
-              <a:t>‹#›</a:t>
             </a:fld>
             <a:endParaRPr lang="en-US" altLang="zh-CN"/>
           </a:p>
         </p:txBody>
       </p:sp>
     </p:spTree>
-    <p:extLst>
-      <p:ext uri="{BB962C8B-B14F-4D97-AF65-F5344CB8AC3E}">
-        <p14:creationId xmlns:p14="http://schemas.microsoft.com/office/powerpoint/2010/main" val="4046250187"/>
-      </p:ext>
-    </p:extLst>
   </p:cSld>
   <p:clrMapOvr>
     <a:masterClrMapping/>
@@ -3506,6 +3174,7 @@
               <a:rPr lang="zh-CN" altLang="en-US"/>
               <a:t>单击此处编辑母版标题样式</a:t>
             </a:r>
+            <a:endParaRPr lang="zh-CN" altLang="en-US"/>
           </a:p>
         </p:txBody>
       </p:sp>
@@ -3565,6 +3234,7 @@
               <a:rPr lang="zh-CN" altLang="en-US"/>
               <a:t>单击此处编辑母版文本样式</a:t>
             </a:r>
+            <a:endParaRPr lang="zh-CN" altLang="en-US"/>
           </a:p>
           <a:p>
             <a:pPr lvl="1"/>
@@ -3572,6 +3242,7 @@
               <a:rPr lang="zh-CN" altLang="en-US"/>
               <a:t>第二级</a:t>
             </a:r>
+            <a:endParaRPr lang="zh-CN" altLang="en-US"/>
           </a:p>
           <a:p>
             <a:pPr lvl="2"/>
@@ -3579,6 +3250,7 @@
               <a:rPr lang="zh-CN" altLang="en-US"/>
               <a:t>第三级</a:t>
             </a:r>
+            <a:endParaRPr lang="zh-CN" altLang="en-US"/>
           </a:p>
           <a:p>
             <a:pPr lvl="3"/>
@@ -3586,6 +3258,7 @@
               <a:rPr lang="zh-CN" altLang="en-US"/>
               <a:t>第四级</a:t>
             </a:r>
+            <a:endParaRPr lang="zh-CN" altLang="en-US"/>
           </a:p>
           <a:p>
             <a:pPr lvl="4"/>
@@ -3593,6 +3266,7 @@
               <a:rPr lang="zh-CN" altLang="en-US"/>
               <a:t>第五级</a:t>
             </a:r>
+            <a:endParaRPr lang="zh-CN" altLang="en-US"/>
           </a:p>
         </p:txBody>
       </p:sp>
@@ -3661,18 +3335,13 @@
               <a:rPr lang="zh-CN" altLang="en-US"/>
               <a:t>单击此处编辑母版文本样式</a:t>
             </a:r>
+            <a:endParaRPr lang="zh-CN" altLang="en-US"/>
           </a:p>
         </p:txBody>
       </p:sp>
       <p:sp>
         <p:nvSpPr>
-          <p:cNvPr id="5" name="Rectangle 4">
-            <a:extLst>
-              <a:ext uri="{FF2B5EF4-FFF2-40B4-BE49-F238E27FC236}">
-                <a16:creationId xmlns:a16="http://schemas.microsoft.com/office/drawing/2014/main" id="{7335E714-5E53-429E-8B98-68164C0CB5CD}"/>
-              </a:ext>
-            </a:extLst>
-          </p:cNvPr>
+          <p:cNvPr id="5" name="Rectangle 4"/>
           <p:cNvSpPr>
             <a:spLocks noGrp="1" noChangeArrowheads="1"/>
           </p:cNvSpPr>
@@ -3680,9 +3349,7 @@
             <p:ph type="sldNum" sz="quarter" idx="10"/>
           </p:nvPr>
         </p:nvSpPr>
-        <p:spPr>
-          <a:ln/>
-        </p:spPr>
+        <p:spPr/>
         <p:txBody>
           <a:bodyPr/>
           <a:lstStyle>
@@ -3710,21 +3377,12 @@
             </a:r>
             <a:fld id="{8A7D3370-EE2E-49E3-B92B-CC864B084AD2}" type="slidenum">
               <a:rPr lang="zh-CN" altLang="en-US" smtClean="0"/>
-              <a:pPr>
-                <a:defRPr/>
-              </a:pPr>
-              <a:t>‹#›</a:t>
             </a:fld>
             <a:endParaRPr lang="en-US" altLang="zh-CN"/>
           </a:p>
         </p:txBody>
       </p:sp>
     </p:spTree>
-    <p:extLst>
-      <p:ext uri="{BB962C8B-B14F-4D97-AF65-F5344CB8AC3E}">
-        <p14:creationId xmlns:p14="http://schemas.microsoft.com/office/powerpoint/2010/main" val="2232321064"/>
-      </p:ext>
-    </p:extLst>
   </p:cSld>
   <p:clrMapOvr>
     <a:masterClrMapping/>
@@ -3780,6 +3438,7 @@
               <a:rPr lang="zh-CN" altLang="en-US"/>
               <a:t>单击此处编辑母版标题样式</a:t>
             </a:r>
+            <a:endParaRPr lang="zh-CN" altLang="en-US"/>
           </a:p>
         </p:txBody>
       </p:sp>
@@ -3913,18 +3572,13 @@
               <a:rPr lang="zh-CN" altLang="en-US"/>
               <a:t>单击此处编辑母版文本样式</a:t>
             </a:r>
+            <a:endParaRPr lang="zh-CN" altLang="en-US"/>
           </a:p>
         </p:txBody>
       </p:sp>
       <p:sp>
         <p:nvSpPr>
-          <p:cNvPr id="5" name="Rectangle 4">
-            <a:extLst>
-              <a:ext uri="{FF2B5EF4-FFF2-40B4-BE49-F238E27FC236}">
-                <a16:creationId xmlns:a16="http://schemas.microsoft.com/office/drawing/2014/main" id="{2328E63B-479B-4F9C-936F-D562C2E093ED}"/>
-              </a:ext>
-            </a:extLst>
-          </p:cNvPr>
+          <p:cNvPr id="5" name="Rectangle 4"/>
           <p:cNvSpPr>
             <a:spLocks noGrp="1" noChangeArrowheads="1"/>
           </p:cNvSpPr>
@@ -3932,9 +3586,7 @@
             <p:ph type="sldNum" sz="quarter" idx="10"/>
           </p:nvPr>
         </p:nvSpPr>
-        <p:spPr>
-          <a:ln/>
-        </p:spPr>
+        <p:spPr/>
         <p:txBody>
           <a:bodyPr/>
           <a:lstStyle>
@@ -3962,21 +3614,12 @@
             </a:r>
             <a:fld id="{8FF81DA7-16D0-41E8-A52E-04703233FF3D}" type="slidenum">
               <a:rPr lang="zh-CN" altLang="en-US" smtClean="0"/>
-              <a:pPr>
-                <a:defRPr/>
-              </a:pPr>
-              <a:t>‹#›</a:t>
             </a:fld>
             <a:endParaRPr lang="en-US" altLang="zh-CN"/>
           </a:p>
         </p:txBody>
       </p:sp>
     </p:spTree>
-    <p:extLst>
-      <p:ext uri="{BB962C8B-B14F-4D97-AF65-F5344CB8AC3E}">
-        <p14:creationId xmlns:p14="http://schemas.microsoft.com/office/powerpoint/2010/main" val="659906688"/>
-      </p:ext>
-    </p:extLst>
   </p:cSld>
   <p:clrMapOvr>
     <a:masterClrMapping/>
@@ -4011,20 +3654,14 @@
       </p:grpSpPr>
       <p:pic>
         <p:nvPicPr>
-          <p:cNvPr id="2050" name="Picture 2" descr="bg2">
-            <a:extLst>
-              <a:ext uri="{FF2B5EF4-FFF2-40B4-BE49-F238E27FC236}">
-                <a16:creationId xmlns:a16="http://schemas.microsoft.com/office/drawing/2014/main" id="{29146CA3-79A6-42A4-B478-538D931925CB}"/>
-              </a:ext>
-            </a:extLst>
-          </p:cNvPr>
+          <p:cNvPr id="2050" name="Picture 2" descr="bg2"/>
           <p:cNvPicPr>
             <a:picLocks noChangeAspect="1" noChangeArrowheads="1"/>
           </p:cNvPicPr>
           <p:nvPr userDrawn="1"/>
         </p:nvPicPr>
         <p:blipFill>
-          <a:blip r:embed="rId15">
+          <a:blip r:embed="rId14">
             <a:extLst>
               <a:ext uri="{28A0092B-C50C-407E-A947-70E740481C1C}">
                 <a14:useLocalDpi xmlns:a14="http://schemas.microsoft.com/office/drawing/2010/main" val="0"/>
@@ -4071,13 +3708,7 @@
       </p:pic>
       <p:sp>
         <p:nvSpPr>
-          <p:cNvPr id="1028" name="Rectangle 4">
-            <a:extLst>
-              <a:ext uri="{FF2B5EF4-FFF2-40B4-BE49-F238E27FC236}">
-                <a16:creationId xmlns:a16="http://schemas.microsoft.com/office/drawing/2014/main" id="{5BC5E56F-C8CC-4D61-880B-DB4065D59FAB}"/>
-              </a:ext>
-            </a:extLst>
-          </p:cNvPr>
+          <p:cNvPr id="1028" name="Rectangle 4"/>
           <p:cNvSpPr>
             <a:spLocks noGrp="1" noChangeArrowheads="1"/>
           </p:cNvSpPr>
@@ -4097,17 +3728,11 @@
           <a:ln w="9525">
             <a:noFill/>
             <a:miter lim="800000"/>
-            <a:headEnd/>
-            <a:tailEnd/>
           </a:ln>
           <a:effectLst/>
         </p:spPr>
         <p:txBody>
-          <a:bodyPr vert="horz" wrap="square" lIns="91440" tIns="45720" rIns="91440" bIns="45720" numCol="1" anchor="t" anchorCtr="0" compatLnSpc="1">
-            <a:prstTxWarp prst="textNoShape">
-              <a:avLst/>
-            </a:prstTxWarp>
-          </a:bodyPr>
+          <a:bodyPr vert="horz" wrap="square" lIns="91440" tIns="45720" rIns="91440" bIns="45720" numCol="1" anchor="t" anchorCtr="0" compatLnSpc="1"/>
           <a:lstStyle>
             <a:lvl1pPr algn="r" eaLnBrk="0" hangingPunct="0">
               <a:defRPr sz="1000" b="1">
@@ -4135,10 +3760,6 @@
             </a:r>
             <a:fld id="{B8F227BD-8E81-48D9-8EB2-264A8CA59D9A}" type="slidenum">
               <a:rPr lang="zh-CN" altLang="en-US" smtClean="0"/>
-              <a:pPr>
-                <a:defRPr/>
-              </a:pPr>
-              <a:t>‹#›</a:t>
             </a:fld>
             <a:endParaRPr lang="en-US" altLang="zh-CN"/>
           </a:p>
@@ -4146,20 +3767,14 @@
       </p:sp>
       <p:pic>
         <p:nvPicPr>
-          <p:cNvPr id="2" name="图片 1">
-            <a:extLst>
-              <a:ext uri="{FF2B5EF4-FFF2-40B4-BE49-F238E27FC236}">
-                <a16:creationId xmlns:a16="http://schemas.microsoft.com/office/drawing/2014/main" id="{E827B8D3-7724-409F-AA74-6CA43BAB1179}"/>
-              </a:ext>
-            </a:extLst>
-          </p:cNvPr>
+          <p:cNvPr id="2" name="图片 1"/>
           <p:cNvPicPr>
             <a:picLocks noChangeAspect="1"/>
           </p:cNvPicPr>
           <p:nvPr userDrawn="1"/>
         </p:nvPicPr>
         <p:blipFill>
-          <a:blip r:embed="rId16"/>
+          <a:blip r:embed="rId15"/>
           <a:stretch>
             <a:fillRect/>
           </a:stretch>
@@ -4184,19 +3799,19 @@
   </p:cSld>
   <p:clrMap bg1="lt1" tx1="dk1" bg2="lt2" tx2="dk2" accent1="accent1" accent2="accent2" accent3="accent3" accent4="accent4" accent5="accent5" accent6="accent6" hlink="hlink" folHlink="folHlink"/>
   <p:sldLayoutIdLst>
-    <p:sldLayoutId id="2147483946" r:id="rId1"/>
-    <p:sldLayoutId id="2147483934" r:id="rId2"/>
-    <p:sldLayoutId id="2147483935" r:id="rId3"/>
-    <p:sldLayoutId id="2147483936" r:id="rId4"/>
-    <p:sldLayoutId id="2147483937" r:id="rId5"/>
-    <p:sldLayoutId id="2147483938" r:id="rId6"/>
-    <p:sldLayoutId id="2147483939" r:id="rId7"/>
-    <p:sldLayoutId id="2147483940" r:id="rId8"/>
-    <p:sldLayoutId id="2147483941" r:id="rId9"/>
-    <p:sldLayoutId id="2147483942" r:id="rId10"/>
-    <p:sldLayoutId id="2147483943" r:id="rId11"/>
-    <p:sldLayoutId id="2147483944" r:id="rId12"/>
-    <p:sldLayoutId id="2147483945" r:id="rId13"/>
+    <p:sldLayoutId id="2147483649" r:id="rId1"/>
+    <p:sldLayoutId id="2147483650" r:id="rId2"/>
+    <p:sldLayoutId id="2147483651" r:id="rId3"/>
+    <p:sldLayoutId id="2147483652" r:id="rId4"/>
+    <p:sldLayoutId id="2147483653" r:id="rId5"/>
+    <p:sldLayoutId id="2147483654" r:id="rId6"/>
+    <p:sldLayoutId id="2147483655" r:id="rId7"/>
+    <p:sldLayoutId id="2147483656" r:id="rId8"/>
+    <p:sldLayoutId id="2147483657" r:id="rId9"/>
+    <p:sldLayoutId id="2147483658" r:id="rId10"/>
+    <p:sldLayoutId id="2147483659" r:id="rId11"/>
+    <p:sldLayoutId id="2147483660" r:id="rId12"/>
+    <p:sldLayoutId id="2147483661" r:id="rId13"/>
   </p:sldLayoutIdLst>
   <p:hf hdr="0" ftr="0" dt="0"/>
   <p:txStyles>
@@ -4228,8 +3843,8 @@
           <a:solidFill>
             <a:schemeClr val="bg1"/>
           </a:solidFill>
-          <a:latin typeface="Arial" pitchFamily="34" charset="0"/>
-          <a:ea typeface="华文细黑" pitchFamily="2" charset="-122"/>
+          <a:latin typeface="Arial" panose="020B0604020202020204" pitchFamily="34" charset="0"/>
+          <a:ea typeface="华文细黑" panose="02010600040101010101" pitchFamily="2" charset="-122"/>
         </a:defRPr>
       </a:lvl2pPr>
       <a:lvl3pPr algn="l" rtl="0" eaLnBrk="0" fontAlgn="base" hangingPunct="0">
@@ -4243,8 +3858,8 @@
           <a:solidFill>
             <a:schemeClr val="bg1"/>
           </a:solidFill>
-          <a:latin typeface="Arial" pitchFamily="34" charset="0"/>
-          <a:ea typeface="华文细黑" pitchFamily="2" charset="-122"/>
+          <a:latin typeface="Arial" panose="020B0604020202020204" pitchFamily="34" charset="0"/>
+          <a:ea typeface="华文细黑" panose="02010600040101010101" pitchFamily="2" charset="-122"/>
         </a:defRPr>
       </a:lvl3pPr>
       <a:lvl4pPr algn="l" rtl="0" eaLnBrk="0" fontAlgn="base" hangingPunct="0">
@@ -4258,8 +3873,8 @@
           <a:solidFill>
             <a:schemeClr val="bg1"/>
           </a:solidFill>
-          <a:latin typeface="Arial" pitchFamily="34" charset="0"/>
-          <a:ea typeface="华文细黑" pitchFamily="2" charset="-122"/>
+          <a:latin typeface="Arial" panose="020B0604020202020204" pitchFamily="34" charset="0"/>
+          <a:ea typeface="华文细黑" panose="02010600040101010101" pitchFamily="2" charset="-122"/>
         </a:defRPr>
       </a:lvl4pPr>
       <a:lvl5pPr algn="l" rtl="0" eaLnBrk="0" fontAlgn="base" hangingPunct="0">
@@ -4273,8 +3888,8 @@
           <a:solidFill>
             <a:schemeClr val="bg1"/>
           </a:solidFill>
-          <a:latin typeface="Arial" pitchFamily="34" charset="0"/>
-          <a:ea typeface="华文细黑" pitchFamily="2" charset="-122"/>
+          <a:latin typeface="Arial" panose="020B0604020202020204" pitchFamily="34" charset="0"/>
+          <a:ea typeface="华文细黑" panose="02010600040101010101" pitchFamily="2" charset="-122"/>
         </a:defRPr>
       </a:lvl5pPr>
       <a:lvl6pPr marL="457200" algn="l" rtl="0" fontAlgn="base">
@@ -4288,8 +3903,8 @@
           <a:solidFill>
             <a:schemeClr val="bg1"/>
           </a:solidFill>
-          <a:latin typeface="Arial" pitchFamily="34" charset="0"/>
-          <a:ea typeface="华文细黑" pitchFamily="2" charset="-122"/>
+          <a:latin typeface="Arial" panose="020B0604020202020204" pitchFamily="34" charset="0"/>
+          <a:ea typeface="华文细黑" panose="02010600040101010101" pitchFamily="2" charset="-122"/>
         </a:defRPr>
       </a:lvl6pPr>
       <a:lvl7pPr marL="914400" algn="l" rtl="0" fontAlgn="base">
@@ -4303,8 +3918,8 @@
           <a:solidFill>
             <a:schemeClr val="bg1"/>
           </a:solidFill>
-          <a:latin typeface="Arial" pitchFamily="34" charset="0"/>
-          <a:ea typeface="华文细黑" pitchFamily="2" charset="-122"/>
+          <a:latin typeface="Arial" panose="020B0604020202020204" pitchFamily="34" charset="0"/>
+          <a:ea typeface="华文细黑" panose="02010600040101010101" pitchFamily="2" charset="-122"/>
         </a:defRPr>
       </a:lvl7pPr>
       <a:lvl8pPr marL="1371600" algn="l" rtl="0" fontAlgn="base">
@@ -4318,8 +3933,8 @@
           <a:solidFill>
             <a:schemeClr val="bg1"/>
           </a:solidFill>
-          <a:latin typeface="Arial" pitchFamily="34" charset="0"/>
-          <a:ea typeface="华文细黑" pitchFamily="2" charset="-122"/>
+          <a:latin typeface="Arial" panose="020B0604020202020204" pitchFamily="34" charset="0"/>
+          <a:ea typeface="华文细黑" panose="02010600040101010101" pitchFamily="2" charset="-122"/>
         </a:defRPr>
       </a:lvl8pPr>
       <a:lvl9pPr marL="1828800" algn="l" rtl="0" fontAlgn="base">
@@ -4333,8 +3948,8 @@
           <a:solidFill>
             <a:schemeClr val="bg1"/>
           </a:solidFill>
-          <a:latin typeface="Arial" pitchFamily="34" charset="0"/>
-          <a:ea typeface="华文细黑" pitchFamily="2" charset="-122"/>
+          <a:latin typeface="Arial" panose="020B0604020202020204" pitchFamily="34" charset="0"/>
+          <a:ea typeface="华文细黑" panose="02010600040101010101" pitchFamily="2" charset="-122"/>
         </a:defRPr>
       </a:lvl9pPr>
     </p:titleStyle>
@@ -4619,20 +4234,14 @@
       </p:grpSpPr>
       <p:pic>
         <p:nvPicPr>
-          <p:cNvPr id="5122" name="Picture 3">
-            <a:extLst>
-              <a:ext uri="{FF2B5EF4-FFF2-40B4-BE49-F238E27FC236}">
-                <a16:creationId xmlns:a16="http://schemas.microsoft.com/office/drawing/2014/main" id="{E7D2C1CF-A104-41D4-9F25-431256752495}"/>
-              </a:ext>
-            </a:extLst>
-          </p:cNvPr>
+          <p:cNvPr id="5122" name="Picture 3"/>
           <p:cNvPicPr>
             <a:picLocks noChangeAspect="1" noChangeArrowheads="1"/>
           </p:cNvPicPr>
           <p:nvPr/>
         </p:nvPicPr>
         <p:blipFill>
-          <a:blip r:embed="rId3">
+          <a:blip r:embed="rId1">
             <a:extLst>
               <a:ext uri="{28A0092B-C50C-407E-A947-70E740481C1C}">
                 <a14:useLocalDpi xmlns:a14="http://schemas.microsoft.com/office/drawing/2010/main" val="0"/>
@@ -4679,13 +4288,7 @@
       </p:pic>
       <p:sp>
         <p:nvSpPr>
-          <p:cNvPr id="5124" name="Text Box 8">
-            <a:extLst>
-              <a:ext uri="{FF2B5EF4-FFF2-40B4-BE49-F238E27FC236}">
-                <a16:creationId xmlns:a16="http://schemas.microsoft.com/office/drawing/2014/main" id="{B701C99B-FF7A-411B-BEF0-A2669B31DEEE}"/>
-              </a:ext>
-            </a:extLst>
-          </p:cNvPr>
+          <p:cNvPr id="5124" name="Text Box 8"/>
           <p:cNvSpPr txBox="1">
             <a:spLocks noChangeArrowheads="1"/>
           </p:cNvSpPr>
@@ -4883,13 +4486,7 @@
       </p:sp>
       <p:sp>
         <p:nvSpPr>
-          <p:cNvPr id="5" name="Rectangle 7">
-            <a:extLst>
-              <a:ext uri="{FF2B5EF4-FFF2-40B4-BE49-F238E27FC236}">
-                <a16:creationId xmlns:a16="http://schemas.microsoft.com/office/drawing/2014/main" id="{0B61D30D-A06D-48A8-A608-4F69FED0F1A0}"/>
-              </a:ext>
-            </a:extLst>
-          </p:cNvPr>
+          <p:cNvPr id="5" name="Rectangle 7"/>
           <p:cNvSpPr>
             <a:spLocks noChangeArrowheads="1"/>
           </p:cNvSpPr>
@@ -5099,15 +4696,57 @@
               </a:rPr>
               <a:t>章 动态规划法</a:t>
             </a:r>
+            <a:endParaRPr lang="zh-CN" altLang="en-US" sz="6000" b="1" dirty="0">
+              <a:ln w="11430"/>
+              <a:gradFill>
+                <a:gsLst>
+                  <a:gs pos="0">
+                    <a:srgbClr val="F79646">
+                      <a:tint val="90000"/>
+                      <a:satMod val="120000"/>
+                    </a:srgbClr>
+                  </a:gs>
+                  <a:gs pos="25000">
+                    <a:srgbClr val="F79646">
+                      <a:tint val="93000"/>
+                      <a:satMod val="120000"/>
+                    </a:srgbClr>
+                  </a:gs>
+                  <a:gs pos="50000">
+                    <a:srgbClr val="F79646">
+                      <a:shade val="89000"/>
+                      <a:satMod val="110000"/>
+                    </a:srgbClr>
+                  </a:gs>
+                  <a:gs pos="75000">
+                    <a:srgbClr val="F79646">
+                      <a:tint val="93000"/>
+                      <a:satMod val="120000"/>
+                    </a:srgbClr>
+                  </a:gs>
+                  <a:gs pos="100000">
+                    <a:srgbClr val="F79646">
+                      <a:tint val="90000"/>
+                      <a:satMod val="120000"/>
+                    </a:srgbClr>
+                  </a:gs>
+                </a:gsLst>
+                <a:lin ang="5400000"/>
+              </a:gradFill>
+              <a:effectLst>
+                <a:outerShdw blurRad="50800" dist="38100" dir="8100000" algn="tr" rotWithShape="0">
+                  <a:prstClr val="black">
+                    <a:alpha val="40000"/>
+                  </a:prstClr>
+                </a:outerShdw>
+              </a:effectLst>
+              <a:latin typeface="方正正大黑简体" pitchFamily="2" charset="-122"/>
+              <a:ea typeface="方正正大黑简体" pitchFamily="2" charset="-122"/>
+            </a:endParaRPr>
           </a:p>
         </p:txBody>
       </p:sp>
     </p:spTree>
-    <p:extLst>
-      <p:ext uri="{BB962C8B-B14F-4D97-AF65-F5344CB8AC3E}">
-        <p14:creationId xmlns:p14="http://schemas.microsoft.com/office/powerpoint/2010/main" val="30012907"/>
-      </p:ext>
-    </p:extLst>
   </p:cSld>
   <p:clrMapOvr>
     <a:masterClrMapping/>
@@ -5173,10 +4812,6 @@
             </a:r>
             <a:fld id="{AB2E83DC-661B-4DCC-B4A3-95AD0DF58E27}" type="slidenum">
               <a:rPr lang="zh-CN" altLang="en-US" smtClean="0"/>
-              <a:pPr>
-                <a:defRPr/>
-              </a:pPr>
-              <a:t>10</a:t>
             </a:fld>
             <a:endParaRPr lang="en-US" altLang="zh-CN" dirty="0"/>
           </a:p>
@@ -5188,13 +4823,7 @@
           <p:cNvGraphicFramePr>
             <a:graphicFrameLocks noGrp="1"/>
           </p:cNvGraphicFramePr>
-          <p:nvPr>
-            <p:extLst>
-              <p:ext uri="{D42A27DB-BD31-4B8C-83A1-F6EECF244321}">
-                <p14:modId xmlns:p14="http://schemas.microsoft.com/office/powerpoint/2010/main" val="1592980164"/>
-              </p:ext>
-            </p:extLst>
-          </p:nvPr>
+          <p:nvPr/>
         </p:nvGraphicFramePr>
         <p:xfrm>
           <a:off x="1187624" y="3192454"/>
@@ -5207,97 +4836,19 @@
                 <a:tableStyleId>{5940675A-B579-460E-94D1-54222C63F5DA}</a:tableStyleId>
               </a:tblPr>
               <a:tblGrid>
-                <a:gridCol w="540000">
-                  <a:extLst>
-                    <a:ext uri="{9D8B030D-6E8A-4147-A177-3AD203B41FA5}">
-                      <a16:colId xmlns:a16="http://schemas.microsoft.com/office/drawing/2014/main" val="20000"/>
-                    </a:ext>
-                  </a:extLst>
-                </a:gridCol>
-                <a:gridCol w="540000">
-                  <a:extLst>
-                    <a:ext uri="{9D8B030D-6E8A-4147-A177-3AD203B41FA5}">
-                      <a16:colId xmlns:a16="http://schemas.microsoft.com/office/drawing/2014/main" val="2424106674"/>
-                    </a:ext>
-                  </a:extLst>
-                </a:gridCol>
-                <a:gridCol w="540000">
-                  <a:extLst>
-                    <a:ext uri="{9D8B030D-6E8A-4147-A177-3AD203B41FA5}">
-                      <a16:colId xmlns:a16="http://schemas.microsoft.com/office/drawing/2014/main" val="3309049216"/>
-                    </a:ext>
-                  </a:extLst>
-                </a:gridCol>
-                <a:gridCol w="540000">
-                  <a:extLst>
-                    <a:ext uri="{9D8B030D-6E8A-4147-A177-3AD203B41FA5}">
-                      <a16:colId xmlns:a16="http://schemas.microsoft.com/office/drawing/2014/main" val="20001"/>
-                    </a:ext>
-                  </a:extLst>
-                </a:gridCol>
-                <a:gridCol w="540000">
-                  <a:extLst>
-                    <a:ext uri="{9D8B030D-6E8A-4147-A177-3AD203B41FA5}">
-                      <a16:colId xmlns:a16="http://schemas.microsoft.com/office/drawing/2014/main" val="20002"/>
-                    </a:ext>
-                  </a:extLst>
-                </a:gridCol>
-                <a:gridCol w="540000">
-                  <a:extLst>
-                    <a:ext uri="{9D8B030D-6E8A-4147-A177-3AD203B41FA5}">
-                      <a16:colId xmlns:a16="http://schemas.microsoft.com/office/drawing/2014/main" val="20003"/>
-                    </a:ext>
-                  </a:extLst>
-                </a:gridCol>
-                <a:gridCol w="540000">
-                  <a:extLst>
-                    <a:ext uri="{9D8B030D-6E8A-4147-A177-3AD203B41FA5}">
-                      <a16:colId xmlns:a16="http://schemas.microsoft.com/office/drawing/2014/main" val="20004"/>
-                    </a:ext>
-                  </a:extLst>
-                </a:gridCol>
-                <a:gridCol w="540000">
-                  <a:extLst>
-                    <a:ext uri="{9D8B030D-6E8A-4147-A177-3AD203B41FA5}">
-                      <a16:colId xmlns:a16="http://schemas.microsoft.com/office/drawing/2014/main" val="3602176588"/>
-                    </a:ext>
-                  </a:extLst>
-                </a:gridCol>
-                <a:gridCol w="540000">
-                  <a:extLst>
-                    <a:ext uri="{9D8B030D-6E8A-4147-A177-3AD203B41FA5}">
-                      <a16:colId xmlns:a16="http://schemas.microsoft.com/office/drawing/2014/main" val="655598650"/>
-                    </a:ext>
-                  </a:extLst>
-                </a:gridCol>
-                <a:gridCol w="540000">
-                  <a:extLst>
-                    <a:ext uri="{9D8B030D-6E8A-4147-A177-3AD203B41FA5}">
-                      <a16:colId xmlns:a16="http://schemas.microsoft.com/office/drawing/2014/main" val="4120410998"/>
-                    </a:ext>
-                  </a:extLst>
-                </a:gridCol>
-                <a:gridCol w="540000">
-                  <a:extLst>
-                    <a:ext uri="{9D8B030D-6E8A-4147-A177-3AD203B41FA5}">
-                      <a16:colId xmlns:a16="http://schemas.microsoft.com/office/drawing/2014/main" val="3285739208"/>
-                    </a:ext>
-                  </a:extLst>
-                </a:gridCol>
-                <a:gridCol w="540000">
-                  <a:extLst>
-                    <a:ext uri="{9D8B030D-6E8A-4147-A177-3AD203B41FA5}">
-                      <a16:colId xmlns:a16="http://schemas.microsoft.com/office/drawing/2014/main" val="4218931901"/>
-                    </a:ext>
-                  </a:extLst>
-                </a:gridCol>
-                <a:gridCol w="540000">
-                  <a:extLst>
-                    <a:ext uri="{9D8B030D-6E8A-4147-A177-3AD203B41FA5}">
-                      <a16:colId xmlns:a16="http://schemas.microsoft.com/office/drawing/2014/main" val="1774537086"/>
-                    </a:ext>
-                  </a:extLst>
-                </a:gridCol>
+                <a:gridCol w="540000"/>
+                <a:gridCol w="540000"/>
+                <a:gridCol w="540000"/>
+                <a:gridCol w="540000"/>
+                <a:gridCol w="540000"/>
+                <a:gridCol w="540000"/>
+                <a:gridCol w="540000"/>
+                <a:gridCol w="540000"/>
+                <a:gridCol w="540000"/>
+                <a:gridCol w="540000"/>
+                <a:gridCol w="540000"/>
+                <a:gridCol w="540000"/>
+                <a:gridCol w="540000"/>
               </a:tblGrid>
               <a:tr h="360000">
                 <a:tc>
@@ -5697,11 +5248,6 @@
                   </a:txBody>
                   <a:tcPr marL="68580" marR="68580" marT="0" marB="0" anchor="ctr"/>
                 </a:tc>
-                <a:extLst>
-                  <a:ext uri="{0D108BD9-81ED-4DB2-BD59-A6C34878D82A}">
-                    <a16:rowId xmlns:a16="http://schemas.microsoft.com/office/drawing/2014/main" val="10000"/>
-                  </a:ext>
-                </a:extLst>
               </a:tr>
               <a:tr h="360000">
                 <a:tc>
@@ -6081,11 +5627,6 @@
                   </a:txBody>
                   <a:tcPr marL="68580" marR="68580" marT="0" marB="0" anchor="ctr"/>
                 </a:tc>
-                <a:extLst>
-                  <a:ext uri="{0D108BD9-81ED-4DB2-BD59-A6C34878D82A}">
-                    <a16:rowId xmlns:a16="http://schemas.microsoft.com/office/drawing/2014/main" val="2214229490"/>
-                  </a:ext>
-                </a:extLst>
               </a:tr>
               <a:tr h="360000">
                 <a:tc>
@@ -6469,11 +6010,6 @@
                   </a:txBody>
                   <a:tcPr marL="68580" marR="68580" marT="0" marB="0" anchor="ctr"/>
                 </a:tc>
-                <a:extLst>
-                  <a:ext uri="{0D108BD9-81ED-4DB2-BD59-A6C34878D82A}">
-                    <a16:rowId xmlns:a16="http://schemas.microsoft.com/office/drawing/2014/main" val="10001"/>
-                  </a:ext>
-                </a:extLst>
               </a:tr>
               <a:tr h="360000">
                 <a:tc>
@@ -6897,11 +6433,6 @@
                   </a:txBody>
                   <a:tcPr marL="68580" marR="68580" marT="0" marB="0" anchor="ctr"/>
                 </a:tc>
-                <a:extLst>
-                  <a:ext uri="{0D108BD9-81ED-4DB2-BD59-A6C34878D82A}">
-                    <a16:rowId xmlns:a16="http://schemas.microsoft.com/office/drawing/2014/main" val="10002"/>
-                  </a:ext>
-                </a:extLst>
               </a:tr>
               <a:tr h="360000">
                 <a:tc>
@@ -7281,11 +6812,6 @@
                   </a:txBody>
                   <a:tcPr marL="68580" marR="68580" marT="0" marB="0" anchor="ctr"/>
                 </a:tc>
-                <a:extLst>
-                  <a:ext uri="{0D108BD9-81ED-4DB2-BD59-A6C34878D82A}">
-                    <a16:rowId xmlns:a16="http://schemas.microsoft.com/office/drawing/2014/main" val="10003"/>
-                  </a:ext>
-                </a:extLst>
               </a:tr>
               <a:tr h="360000">
                 <a:tc>
@@ -7665,11 +7191,6 @@
                   </a:txBody>
                   <a:tcPr marL="68580" marR="68580" marT="0" marB="0" anchor="ctr"/>
                 </a:tc>
-                <a:extLst>
-                  <a:ext uri="{0D108BD9-81ED-4DB2-BD59-A6C34878D82A}">
-                    <a16:rowId xmlns:a16="http://schemas.microsoft.com/office/drawing/2014/main" val="264725196"/>
-                  </a:ext>
-                </a:extLst>
               </a:tr>
             </a:tbl>
           </a:graphicData>
@@ -7677,13 +7198,7 @@
       </p:graphicFrame>
       <p:sp>
         <p:nvSpPr>
-          <p:cNvPr id="6" name="Text Box 4">
-            <a:extLst>
-              <a:ext uri="{FF2B5EF4-FFF2-40B4-BE49-F238E27FC236}">
-                <a16:creationId xmlns:a16="http://schemas.microsoft.com/office/drawing/2014/main" id="{A9A3C5AF-B40F-4A61-9D32-AB648873C572}"/>
-              </a:ext>
-            </a:extLst>
-          </p:cNvPr>
+          <p:cNvPr id="6" name="Text Box 4"/>
           <p:cNvSpPr txBox="1">
             <a:spLocks noChangeArrowheads="1"/>
           </p:cNvSpPr>
@@ -7732,7 +7247,7 @@
               </a:spcBef>
               <a:buSzPct val="90000"/>
               <a:buBlip>
-                <a:blip r:embed="rId2"/>
+                <a:blip r:embed="rId1"/>
               </a:buBlip>
               <a:defRPr kumimoji="1" sz="3200">
                 <a:solidFill>
@@ -7748,7 +7263,7 @@
               </a:spcBef>
               <a:buSzPct val="80000"/>
               <a:buBlip>
-                <a:blip r:embed="rId3"/>
+                <a:blip r:embed="rId2"/>
               </a:buBlip>
               <a:defRPr kumimoji="1" sz="2800">
                 <a:solidFill>
@@ -7764,7 +7279,7 @@
               </a:spcBef>
               <a:buSzPct val="70000"/>
               <a:buBlip>
-                <a:blip r:embed="rId4"/>
+                <a:blip r:embed="rId3"/>
               </a:buBlip>
               <a:defRPr kumimoji="1" sz="2400">
                 <a:solidFill>
@@ -7780,7 +7295,7 @@
               </a:spcBef>
               <a:buSzPct val="70000"/>
               <a:buBlip>
-                <a:blip r:embed="rId5"/>
+                <a:blip r:embed="rId4"/>
               </a:buBlip>
               <a:defRPr kumimoji="1" sz="2000">
                 <a:solidFill>
@@ -7796,7 +7311,7 @@
               </a:spcBef>
               <a:buSzPct val="70000"/>
               <a:buBlip>
-                <a:blip r:embed="rId6"/>
+                <a:blip r:embed="rId5"/>
               </a:buBlip>
               <a:defRPr kumimoji="1" sz="2000">
                 <a:solidFill>
@@ -7815,7 +7330,7 @@
               </a:spcAft>
               <a:buSzPct val="70000"/>
               <a:buBlip>
-                <a:blip r:embed="rId6"/>
+                <a:blip r:embed="rId5"/>
               </a:buBlip>
               <a:defRPr kumimoji="1" sz="2000">
                 <a:solidFill>
@@ -7834,7 +7349,7 @@
               </a:spcAft>
               <a:buSzPct val="70000"/>
               <a:buBlip>
-                <a:blip r:embed="rId6"/>
+                <a:blip r:embed="rId5"/>
               </a:buBlip>
               <a:defRPr kumimoji="1" sz="2000">
                 <a:solidFill>
@@ -7853,7 +7368,7 @@
               </a:spcAft>
               <a:buSzPct val="70000"/>
               <a:buBlip>
-                <a:blip r:embed="rId6"/>
+                <a:blip r:embed="rId5"/>
               </a:buBlip>
               <a:defRPr kumimoji="1" sz="2000">
                 <a:solidFill>
@@ -7872,7 +7387,7 @@
               </a:spcAft>
               <a:buSzPct val="70000"/>
               <a:buBlip>
-                <a:blip r:embed="rId6"/>
+                <a:blip r:embed="rId5"/>
               </a:buBlip>
               <a:defRPr kumimoji="1" sz="2000">
                 <a:solidFill>
@@ -8090,11 +7605,7 @@
           <a:effectLst/>
         </p:spPr>
         <p:txBody>
-          <a:bodyPr vert="horz" wrap="square" lIns="91440" tIns="45720" rIns="91440" bIns="45720" numCol="1" rtlCol="0" anchor="t" anchorCtr="0" compatLnSpc="1">
-            <a:prstTxWarp prst="textNoShape">
-              <a:avLst/>
-            </a:prstTxWarp>
-          </a:bodyPr>
+          <a:bodyPr vert="horz" wrap="square" lIns="91440" tIns="45720" rIns="91440" bIns="45720" numCol="1" rtlCol="0" anchor="t" anchorCtr="0" compatLnSpc="1"/>
           <a:lstStyle/>
           <a:p>
             <a:pPr marL="0" marR="0" indent="0" algn="l" defTabSz="914400" rtl="0" eaLnBrk="1" fontAlgn="base" latinLnBrk="0" hangingPunct="1">
@@ -8111,7 +7622,6 @@
               <a:buSzTx/>
               <a:buFontTx/>
               <a:buNone/>
-              <a:tabLst/>
             </a:pPr>
             <a:endParaRPr kumimoji="0" lang="zh-CN" altLang="en-US" sz="1800" b="0" i="1" u="none" strike="noStrike" cap="none" normalizeH="0" baseline="0" smtClean="0">
               <a:ln>
@@ -8121,8 +7631,8 @@
                 <a:schemeClr val="tx1"/>
               </a:solidFill>
               <a:effectLst/>
-              <a:latin typeface="Arial" pitchFamily="34" charset="0"/>
-              <a:ea typeface="华文细黑" pitchFamily="2" charset="-122"/>
+              <a:latin typeface="Arial" panose="020B0604020202020204" pitchFamily="34" charset="0"/>
+              <a:ea typeface="华文细黑" panose="02010600040101010101" pitchFamily="2" charset="-122"/>
             </a:endParaRPr>
           </a:p>
         </p:txBody>
@@ -8159,6 +7669,13 @@
               </a:rPr>
               <a:t>如何更新值？</a:t>
             </a:r>
+            <a:endParaRPr kumimoji="1" lang="zh-CN" altLang="en-US" sz="2200">
+              <a:solidFill>
+                <a:srgbClr val="080808"/>
+              </a:solidFill>
+              <a:latin typeface="Times New Roman" panose="02020603050405020304" pitchFamily="18" charset="0"/>
+              <a:ea typeface="楷体" panose="02010609060101010101" pitchFamily="49" charset="-122"/>
+            </a:endParaRPr>
           </a:p>
         </p:txBody>
       </p:sp>
@@ -8283,11 +7800,6 @@
         </p:txBody>
       </p:sp>
     </p:spTree>
-    <p:extLst>
-      <p:ext uri="{BB962C8B-B14F-4D97-AF65-F5344CB8AC3E}">
-        <p14:creationId xmlns:p14="http://schemas.microsoft.com/office/powerpoint/2010/main" val="1651459668"/>
-      </p:ext>
-    </p:extLst>
   </p:cSld>
   <p:clrMapOvr>
     <a:masterClrMapping/>
@@ -8353,10 +7865,6 @@
             </a:r>
             <a:fld id="{AB2E83DC-661B-4DCC-B4A3-95AD0DF58E27}" type="slidenum">
               <a:rPr lang="zh-CN" altLang="en-US" smtClean="0"/>
-              <a:pPr>
-                <a:defRPr/>
-              </a:pPr>
-              <a:t>11</a:t>
             </a:fld>
             <a:endParaRPr lang="en-US" altLang="zh-CN" dirty="0"/>
           </a:p>
@@ -8364,13 +7872,7 @@
       </p:sp>
       <p:sp>
         <p:nvSpPr>
-          <p:cNvPr id="6" name="Text Box 4">
-            <a:extLst>
-              <a:ext uri="{FF2B5EF4-FFF2-40B4-BE49-F238E27FC236}">
-                <a16:creationId xmlns:a16="http://schemas.microsoft.com/office/drawing/2014/main" id="{A9A3C5AF-B40F-4A61-9D32-AB648873C572}"/>
-              </a:ext>
-            </a:extLst>
-          </p:cNvPr>
+          <p:cNvPr id="6" name="Text Box 4"/>
           <p:cNvSpPr txBox="1">
             <a:spLocks noChangeArrowheads="1"/>
           </p:cNvSpPr>
@@ -8419,7 +7921,7 @@
               </a:spcBef>
               <a:buSzPct val="90000"/>
               <a:buBlip>
-                <a:blip r:embed="rId2"/>
+                <a:blip r:embed="rId1"/>
               </a:buBlip>
               <a:defRPr kumimoji="1" sz="3200">
                 <a:solidFill>
@@ -8435,7 +7937,7 @@
               </a:spcBef>
               <a:buSzPct val="80000"/>
               <a:buBlip>
-                <a:blip r:embed="rId3"/>
+                <a:blip r:embed="rId2"/>
               </a:buBlip>
               <a:defRPr kumimoji="1" sz="2800">
                 <a:solidFill>
@@ -8451,7 +7953,7 @@
               </a:spcBef>
               <a:buSzPct val="70000"/>
               <a:buBlip>
-                <a:blip r:embed="rId4"/>
+                <a:blip r:embed="rId3"/>
               </a:buBlip>
               <a:defRPr kumimoji="1" sz="2400">
                 <a:solidFill>
@@ -8467,7 +7969,7 @@
               </a:spcBef>
               <a:buSzPct val="70000"/>
               <a:buBlip>
-                <a:blip r:embed="rId5"/>
+                <a:blip r:embed="rId4"/>
               </a:buBlip>
               <a:defRPr kumimoji="1" sz="2000">
                 <a:solidFill>
@@ -8483,7 +7985,7 @@
               </a:spcBef>
               <a:buSzPct val="70000"/>
               <a:buBlip>
-                <a:blip r:embed="rId6"/>
+                <a:blip r:embed="rId5"/>
               </a:buBlip>
               <a:defRPr kumimoji="1" sz="2000">
                 <a:solidFill>
@@ -8502,7 +8004,7 @@
               </a:spcAft>
               <a:buSzPct val="70000"/>
               <a:buBlip>
-                <a:blip r:embed="rId6"/>
+                <a:blip r:embed="rId5"/>
               </a:buBlip>
               <a:defRPr kumimoji="1" sz="2000">
                 <a:solidFill>
@@ -8521,7 +8023,7 @@
               </a:spcAft>
               <a:buSzPct val="70000"/>
               <a:buBlip>
-                <a:blip r:embed="rId6"/>
+                <a:blip r:embed="rId5"/>
               </a:buBlip>
               <a:defRPr kumimoji="1" sz="2000">
                 <a:solidFill>
@@ -8540,7 +8042,7 @@
               </a:spcAft>
               <a:buSzPct val="70000"/>
               <a:buBlip>
-                <a:blip r:embed="rId6"/>
+                <a:blip r:embed="rId5"/>
               </a:buBlip>
               <a:defRPr kumimoji="1" sz="2000">
                 <a:solidFill>
@@ -8559,7 +8061,7 @@
               </a:spcAft>
               <a:buSzPct val="70000"/>
               <a:buBlip>
-                <a:blip r:embed="rId6"/>
+                <a:blip r:embed="rId5"/>
               </a:buBlip>
               <a:defRPr kumimoji="1" sz="2000">
                 <a:solidFill>
@@ -8714,6 +8216,10 @@
                 </a:rPr>
                 <a:t>j&gt;=w[i]       max(dp[i-1][j-k*w[i]]+k*c[i],dp[i-1][j])</a:t>
               </a:r>
+              <a:endParaRPr lang="en-US" altLang="zh-CN" b="1" smtClean="0">
+                <a:latin typeface="Times New Roman" panose="02020603050405020304" pitchFamily="18" charset="0"/>
+                <a:cs typeface="Times New Roman" panose="02020603050405020304" pitchFamily="18" charset="0"/>
+              </a:endParaRPr>
             </a:p>
             <a:p>
               <a:r>
@@ -8767,7 +8273,7 @@
             <p:nvPr/>
           </p:nvPicPr>
           <p:blipFill>
-            <a:blip r:embed="rId7">
+            <a:blip r:embed="rId6">
               <a:extLst>
                 <a:ext uri="{28A0092B-C50C-407E-A947-70E740481C1C}">
                   <a14:useLocalDpi xmlns:a14="http://schemas.microsoft.com/office/drawing/2010/main" val="0"/>
@@ -8815,6 +8321,7 @@
               <a:rPr lang="zh-CN" altLang="en-US"/>
               <a:t>①</a:t>
             </a:r>
+            <a:endParaRPr lang="zh-CN" altLang="en-US"/>
           </a:p>
         </p:txBody>
       </p:sp>
@@ -8940,6 +8447,13 @@
               </a:rPr>
               <a:t>的值</a:t>
             </a:r>
+            <a:endParaRPr kumimoji="1" lang="zh-CN" altLang="en-US" sz="2200">
+              <a:solidFill>
+                <a:srgbClr val="080808"/>
+              </a:solidFill>
+              <a:latin typeface="Times New Roman" panose="02020603050405020304" pitchFamily="18" charset="0"/>
+              <a:ea typeface="楷体" panose="02010609060101010101" pitchFamily="49" charset="-122"/>
+            </a:endParaRPr>
           </a:p>
         </p:txBody>
       </p:sp>
@@ -9056,11 +8570,6 @@
         </p:txBody>
       </p:sp>
     </p:spTree>
-    <p:extLst>
-      <p:ext uri="{BB962C8B-B14F-4D97-AF65-F5344CB8AC3E}">
-        <p14:creationId xmlns:p14="http://schemas.microsoft.com/office/powerpoint/2010/main" val="985706848"/>
-      </p:ext>
-    </p:extLst>
   </p:cSld>
   <p:clrMapOvr>
     <a:masterClrMapping/>
@@ -9126,10 +8635,6 @@
             </a:r>
             <a:fld id="{AB2E83DC-661B-4DCC-B4A3-95AD0DF58E27}" type="slidenum">
               <a:rPr lang="zh-CN" altLang="en-US" smtClean="0"/>
-              <a:pPr>
-                <a:defRPr/>
-              </a:pPr>
-              <a:t>12</a:t>
             </a:fld>
             <a:endParaRPr lang="en-US" altLang="zh-CN" dirty="0"/>
           </a:p>
@@ -9483,11 +8988,6 @@
         </p:txBody>
       </p:sp>
     </p:spTree>
-    <p:extLst>
-      <p:ext uri="{BB962C8B-B14F-4D97-AF65-F5344CB8AC3E}">
-        <p14:creationId xmlns:p14="http://schemas.microsoft.com/office/powerpoint/2010/main" val="4243555486"/>
-      </p:ext>
-    </p:extLst>
   </p:cSld>
   <p:clrMapOvr>
     <a:masterClrMapping/>
@@ -9553,10 +9053,6 @@
             </a:r>
             <a:fld id="{AB2E83DC-661B-4DCC-B4A3-95AD0DF58E27}" type="slidenum">
               <a:rPr lang="zh-CN" altLang="en-US" smtClean="0"/>
-              <a:pPr>
-                <a:defRPr/>
-              </a:pPr>
-              <a:t>13</a:t>
             </a:fld>
             <a:endParaRPr lang="en-US" altLang="zh-CN" dirty="0"/>
           </a:p>
@@ -9564,13 +9060,7 @@
       </p:sp>
       <p:sp>
         <p:nvSpPr>
-          <p:cNvPr id="6" name="Text Box 4">
-            <a:extLst>
-              <a:ext uri="{FF2B5EF4-FFF2-40B4-BE49-F238E27FC236}">
-                <a16:creationId xmlns:a16="http://schemas.microsoft.com/office/drawing/2014/main" id="{A9A3C5AF-B40F-4A61-9D32-AB648873C572}"/>
-              </a:ext>
-            </a:extLst>
-          </p:cNvPr>
+          <p:cNvPr id="6" name="Text Box 4"/>
           <p:cNvSpPr txBox="1">
             <a:spLocks noChangeArrowheads="1"/>
           </p:cNvSpPr>
@@ -9619,7 +9109,7 @@
               </a:spcBef>
               <a:buSzPct val="90000"/>
               <a:buBlip>
-                <a:blip r:embed="rId2"/>
+                <a:blip r:embed="rId1"/>
               </a:buBlip>
               <a:defRPr kumimoji="1" sz="3200">
                 <a:solidFill>
@@ -9635,7 +9125,7 @@
               </a:spcBef>
               <a:buSzPct val="80000"/>
               <a:buBlip>
-                <a:blip r:embed="rId3"/>
+                <a:blip r:embed="rId2"/>
               </a:buBlip>
               <a:defRPr kumimoji="1" sz="2800">
                 <a:solidFill>
@@ -9651,7 +9141,7 @@
               </a:spcBef>
               <a:buSzPct val="70000"/>
               <a:buBlip>
-                <a:blip r:embed="rId4"/>
+                <a:blip r:embed="rId3"/>
               </a:buBlip>
               <a:defRPr kumimoji="1" sz="2400">
                 <a:solidFill>
@@ -9667,7 +9157,7 @@
               </a:spcBef>
               <a:buSzPct val="70000"/>
               <a:buBlip>
-                <a:blip r:embed="rId5"/>
+                <a:blip r:embed="rId4"/>
               </a:buBlip>
               <a:defRPr kumimoji="1" sz="2000">
                 <a:solidFill>
@@ -9683,7 +9173,7 @@
               </a:spcBef>
               <a:buSzPct val="70000"/>
               <a:buBlip>
-                <a:blip r:embed="rId6"/>
+                <a:blip r:embed="rId5"/>
               </a:buBlip>
               <a:defRPr kumimoji="1" sz="2000">
                 <a:solidFill>
@@ -9702,7 +9192,7 @@
               </a:spcAft>
               <a:buSzPct val="70000"/>
               <a:buBlip>
-                <a:blip r:embed="rId6"/>
+                <a:blip r:embed="rId5"/>
               </a:buBlip>
               <a:defRPr kumimoji="1" sz="2000">
                 <a:solidFill>
@@ -9721,7 +9211,7 @@
               </a:spcAft>
               <a:buSzPct val="70000"/>
               <a:buBlip>
-                <a:blip r:embed="rId6"/>
+                <a:blip r:embed="rId5"/>
               </a:buBlip>
               <a:defRPr kumimoji="1" sz="2000">
                 <a:solidFill>
@@ -9740,7 +9230,7 @@
               </a:spcAft>
               <a:buSzPct val="70000"/>
               <a:buBlip>
-                <a:blip r:embed="rId6"/>
+                <a:blip r:embed="rId5"/>
               </a:buBlip>
               <a:defRPr kumimoji="1" sz="2000">
                 <a:solidFill>
@@ -9759,7 +9249,7 @@
               </a:spcAft>
               <a:buSzPct val="70000"/>
               <a:buBlip>
-                <a:blip r:embed="rId6"/>
+                <a:blip r:embed="rId5"/>
               </a:buBlip>
               <a:defRPr kumimoji="1" sz="2000">
                 <a:solidFill>
@@ -10118,11 +9608,6 @@
         </p:txBody>
       </p:sp>
     </p:spTree>
-    <p:extLst>
-      <p:ext uri="{BB962C8B-B14F-4D97-AF65-F5344CB8AC3E}">
-        <p14:creationId xmlns:p14="http://schemas.microsoft.com/office/powerpoint/2010/main" val="2129154550"/>
-      </p:ext>
-    </p:extLst>
   </p:cSld>
   <p:clrMapOvr>
     <a:masterClrMapping/>
@@ -10188,10 +9673,6 @@
             </a:r>
             <a:fld id="{AB2E83DC-661B-4DCC-B4A3-95AD0DF58E27}" type="slidenum">
               <a:rPr lang="zh-CN" altLang="en-US" smtClean="0"/>
-              <a:pPr>
-                <a:defRPr/>
-              </a:pPr>
-              <a:t>14</a:t>
             </a:fld>
             <a:endParaRPr lang="en-US" altLang="zh-CN" dirty="0"/>
           </a:p>
@@ -10279,13 +9760,7 @@
           <p:cNvGraphicFramePr>
             <a:graphicFrameLocks noGrp="1"/>
           </p:cNvGraphicFramePr>
-          <p:nvPr>
-            <p:extLst>
-              <p:ext uri="{D42A27DB-BD31-4B8C-83A1-F6EECF244321}">
-                <p14:modId xmlns:p14="http://schemas.microsoft.com/office/powerpoint/2010/main" val="4088958871"/>
-              </p:ext>
-            </p:extLst>
-          </p:nvPr>
+          <p:nvPr/>
         </p:nvGraphicFramePr>
         <p:xfrm>
           <a:off x="683568" y="1916832"/>
@@ -10298,97 +9773,19 @@
                 <a:tableStyleId>{5940675A-B579-460E-94D1-54222C63F5DA}</a:tableStyleId>
               </a:tblPr>
               <a:tblGrid>
-                <a:gridCol w="540000">
-                  <a:extLst>
-                    <a:ext uri="{9D8B030D-6E8A-4147-A177-3AD203B41FA5}">
-                      <a16:colId xmlns:a16="http://schemas.microsoft.com/office/drawing/2014/main" val="20000"/>
-                    </a:ext>
-                  </a:extLst>
-                </a:gridCol>
-                <a:gridCol w="540000">
-                  <a:extLst>
-                    <a:ext uri="{9D8B030D-6E8A-4147-A177-3AD203B41FA5}">
-                      <a16:colId xmlns:a16="http://schemas.microsoft.com/office/drawing/2014/main" val="2424106674"/>
-                    </a:ext>
-                  </a:extLst>
-                </a:gridCol>
-                <a:gridCol w="540000">
-                  <a:extLst>
-                    <a:ext uri="{9D8B030D-6E8A-4147-A177-3AD203B41FA5}">
-                      <a16:colId xmlns:a16="http://schemas.microsoft.com/office/drawing/2014/main" val="3309049216"/>
-                    </a:ext>
-                  </a:extLst>
-                </a:gridCol>
-                <a:gridCol w="540000">
-                  <a:extLst>
-                    <a:ext uri="{9D8B030D-6E8A-4147-A177-3AD203B41FA5}">
-                      <a16:colId xmlns:a16="http://schemas.microsoft.com/office/drawing/2014/main" val="20001"/>
-                    </a:ext>
-                  </a:extLst>
-                </a:gridCol>
-                <a:gridCol w="540000">
-                  <a:extLst>
-                    <a:ext uri="{9D8B030D-6E8A-4147-A177-3AD203B41FA5}">
-                      <a16:colId xmlns:a16="http://schemas.microsoft.com/office/drawing/2014/main" val="20002"/>
-                    </a:ext>
-                  </a:extLst>
-                </a:gridCol>
-                <a:gridCol w="540000">
-                  <a:extLst>
-                    <a:ext uri="{9D8B030D-6E8A-4147-A177-3AD203B41FA5}">
-                      <a16:colId xmlns:a16="http://schemas.microsoft.com/office/drawing/2014/main" val="20003"/>
-                    </a:ext>
-                  </a:extLst>
-                </a:gridCol>
-                <a:gridCol w="540000">
-                  <a:extLst>
-                    <a:ext uri="{9D8B030D-6E8A-4147-A177-3AD203B41FA5}">
-                      <a16:colId xmlns:a16="http://schemas.microsoft.com/office/drawing/2014/main" val="20004"/>
-                    </a:ext>
-                  </a:extLst>
-                </a:gridCol>
-                <a:gridCol w="540000">
-                  <a:extLst>
-                    <a:ext uri="{9D8B030D-6E8A-4147-A177-3AD203B41FA5}">
-                      <a16:colId xmlns:a16="http://schemas.microsoft.com/office/drawing/2014/main" val="3602176588"/>
-                    </a:ext>
-                  </a:extLst>
-                </a:gridCol>
-                <a:gridCol w="540000">
-                  <a:extLst>
-                    <a:ext uri="{9D8B030D-6E8A-4147-A177-3AD203B41FA5}">
-                      <a16:colId xmlns:a16="http://schemas.microsoft.com/office/drawing/2014/main" val="655598650"/>
-                    </a:ext>
-                  </a:extLst>
-                </a:gridCol>
-                <a:gridCol w="540000">
-                  <a:extLst>
-                    <a:ext uri="{9D8B030D-6E8A-4147-A177-3AD203B41FA5}">
-                      <a16:colId xmlns:a16="http://schemas.microsoft.com/office/drawing/2014/main" val="4120410998"/>
-                    </a:ext>
-                  </a:extLst>
-                </a:gridCol>
-                <a:gridCol w="540000">
-                  <a:extLst>
-                    <a:ext uri="{9D8B030D-6E8A-4147-A177-3AD203B41FA5}">
-                      <a16:colId xmlns:a16="http://schemas.microsoft.com/office/drawing/2014/main" val="3285739208"/>
-                    </a:ext>
-                  </a:extLst>
-                </a:gridCol>
-                <a:gridCol w="540000">
-                  <a:extLst>
-                    <a:ext uri="{9D8B030D-6E8A-4147-A177-3AD203B41FA5}">
-                      <a16:colId xmlns:a16="http://schemas.microsoft.com/office/drawing/2014/main" val="4218931901"/>
-                    </a:ext>
-                  </a:extLst>
-                </a:gridCol>
-                <a:gridCol w="540000">
-                  <a:extLst>
-                    <a:ext uri="{9D8B030D-6E8A-4147-A177-3AD203B41FA5}">
-                      <a16:colId xmlns:a16="http://schemas.microsoft.com/office/drawing/2014/main" val="1774537086"/>
-                    </a:ext>
-                  </a:extLst>
-                </a:gridCol>
+                <a:gridCol w="540000"/>
+                <a:gridCol w="540000"/>
+                <a:gridCol w="540000"/>
+                <a:gridCol w="540000"/>
+                <a:gridCol w="540000"/>
+                <a:gridCol w="540000"/>
+                <a:gridCol w="540000"/>
+                <a:gridCol w="540000"/>
+                <a:gridCol w="540000"/>
+                <a:gridCol w="540000"/>
+                <a:gridCol w="540000"/>
+                <a:gridCol w="540000"/>
+                <a:gridCol w="540000"/>
               </a:tblGrid>
               <a:tr h="360000">
                 <a:tc>
@@ -10788,11 +10185,6 @@
                   </a:txBody>
                   <a:tcPr marL="68580" marR="68580" marT="0" marB="0" anchor="ctr"/>
                 </a:tc>
-                <a:extLst>
-                  <a:ext uri="{0D108BD9-81ED-4DB2-BD59-A6C34878D82A}">
-                    <a16:rowId xmlns:a16="http://schemas.microsoft.com/office/drawing/2014/main" val="10000"/>
-                  </a:ext>
-                </a:extLst>
               </a:tr>
               <a:tr h="360000">
                 <a:tc>
@@ -11172,11 +10564,6 @@
                   </a:txBody>
                   <a:tcPr marL="68580" marR="68580" marT="0" marB="0" anchor="ctr"/>
                 </a:tc>
-                <a:extLst>
-                  <a:ext uri="{0D108BD9-81ED-4DB2-BD59-A6C34878D82A}">
-                    <a16:rowId xmlns:a16="http://schemas.microsoft.com/office/drawing/2014/main" val="2214229490"/>
-                  </a:ext>
-                </a:extLst>
               </a:tr>
               <a:tr h="360000">
                 <a:tc>
@@ -11566,11 +10953,6 @@
                     </a:solidFill>
                   </a:tcPr>
                 </a:tc>
-                <a:extLst>
-                  <a:ext uri="{0D108BD9-81ED-4DB2-BD59-A6C34878D82A}">
-                    <a16:rowId xmlns:a16="http://schemas.microsoft.com/office/drawing/2014/main" val="10001"/>
-                  </a:ext>
-                </a:extLst>
               </a:tr>
               <a:tr h="360000">
                 <a:tc>
@@ -11971,11 +11353,6 @@
                     </a:solidFill>
                   </a:tcPr>
                 </a:tc>
-                <a:extLst>
-                  <a:ext uri="{0D108BD9-81ED-4DB2-BD59-A6C34878D82A}">
-                    <a16:rowId xmlns:a16="http://schemas.microsoft.com/office/drawing/2014/main" val="10002"/>
-                  </a:ext>
-                </a:extLst>
               </a:tr>
               <a:tr h="360000">
                 <a:tc>
@@ -12376,11 +11753,6 @@
                     </a:solidFill>
                   </a:tcPr>
                 </a:tc>
-                <a:extLst>
-                  <a:ext uri="{0D108BD9-81ED-4DB2-BD59-A6C34878D82A}">
-                    <a16:rowId xmlns:a16="http://schemas.microsoft.com/office/drawing/2014/main" val="4063636928"/>
-                  </a:ext>
-                </a:extLst>
               </a:tr>
               <a:tr h="360000">
                 <a:tc>
@@ -12767,11 +12139,6 @@
                     </a:solidFill>
                   </a:tcPr>
                 </a:tc>
-                <a:extLst>
-                  <a:ext uri="{0D108BD9-81ED-4DB2-BD59-A6C34878D82A}">
-                    <a16:rowId xmlns:a16="http://schemas.microsoft.com/office/drawing/2014/main" val="10003"/>
-                  </a:ext>
-                </a:extLst>
               </a:tr>
               <a:tr h="360000">
                 <a:tc>
@@ -13161,11 +12528,6 @@
                     </a:solidFill>
                   </a:tcPr>
                 </a:tc>
-                <a:extLst>
-                  <a:ext uri="{0D108BD9-81ED-4DB2-BD59-A6C34878D82A}">
-                    <a16:rowId xmlns:a16="http://schemas.microsoft.com/office/drawing/2014/main" val="1573627978"/>
-                  </a:ext>
-                </a:extLst>
               </a:tr>
               <a:tr h="360000">
                 <a:tc>
@@ -13555,11 +12917,6 @@
                     </a:solidFill>
                   </a:tcPr>
                 </a:tc>
-                <a:extLst>
-                  <a:ext uri="{0D108BD9-81ED-4DB2-BD59-A6C34878D82A}">
-                    <a16:rowId xmlns:a16="http://schemas.microsoft.com/office/drawing/2014/main" val="808439749"/>
-                  </a:ext>
-                </a:extLst>
               </a:tr>
               <a:tr h="360000">
                 <a:tc>
@@ -13936,11 +13293,6 @@
                     </a:solidFill>
                   </a:tcPr>
                 </a:tc>
-                <a:extLst>
-                  <a:ext uri="{0D108BD9-81ED-4DB2-BD59-A6C34878D82A}">
-                    <a16:rowId xmlns:a16="http://schemas.microsoft.com/office/drawing/2014/main" val="264725196"/>
-                  </a:ext>
-                </a:extLst>
               </a:tr>
               <a:tr h="360000">
                 <a:tc>
@@ -14317,11 +13669,6 @@
                     </a:solidFill>
                   </a:tcPr>
                 </a:tc>
-                <a:extLst>
-                  <a:ext uri="{0D108BD9-81ED-4DB2-BD59-A6C34878D82A}">
-                    <a16:rowId xmlns:a16="http://schemas.microsoft.com/office/drawing/2014/main" val="944015632"/>
-                  </a:ext>
-                </a:extLst>
               </a:tr>
               <a:tr h="360000">
                 <a:tc>
@@ -14698,11 +14045,6 @@
                     </a:solidFill>
                   </a:tcPr>
                 </a:tc>
-                <a:extLst>
-                  <a:ext uri="{0D108BD9-81ED-4DB2-BD59-A6C34878D82A}">
-                    <a16:rowId xmlns:a16="http://schemas.microsoft.com/office/drawing/2014/main" val="473644409"/>
-                  </a:ext>
-                </a:extLst>
               </a:tr>
               <a:tr h="360000">
                 <a:tc>
@@ -15079,22 +14421,12 @@
                     </a:solidFill>
                   </a:tcPr>
                 </a:tc>
-                <a:extLst>
-                  <a:ext uri="{0D108BD9-81ED-4DB2-BD59-A6C34878D82A}">
-                    <a16:rowId xmlns:a16="http://schemas.microsoft.com/office/drawing/2014/main" val="862421992"/>
-                  </a:ext>
-                </a:extLst>
               </a:tr>
             </a:tbl>
           </a:graphicData>
         </a:graphic>
       </p:graphicFrame>
     </p:spTree>
-    <p:extLst>
-      <p:ext uri="{BB962C8B-B14F-4D97-AF65-F5344CB8AC3E}">
-        <p14:creationId xmlns:p14="http://schemas.microsoft.com/office/powerpoint/2010/main" val="850060355"/>
-      </p:ext>
-    </p:extLst>
   </p:cSld>
   <p:clrMapOvr>
     <a:masterClrMapping/>
@@ -15160,10 +14492,6 @@
             </a:r>
             <a:fld id="{AB2E83DC-661B-4DCC-B4A3-95AD0DF58E27}" type="slidenum">
               <a:rPr lang="zh-CN" altLang="en-US" smtClean="0"/>
-              <a:pPr>
-                <a:defRPr/>
-              </a:pPr>
-              <a:t>15</a:t>
             </a:fld>
             <a:endParaRPr lang="en-US" altLang="zh-CN" dirty="0"/>
           </a:p>
@@ -15569,11 +14897,6 @@
         </p:txBody>
       </p:sp>
     </p:spTree>
-    <p:extLst>
-      <p:ext uri="{BB962C8B-B14F-4D97-AF65-F5344CB8AC3E}">
-        <p14:creationId xmlns:p14="http://schemas.microsoft.com/office/powerpoint/2010/main" val="1378017842"/>
-      </p:ext>
-    </p:extLst>
   </p:cSld>
   <p:clrMapOvr>
     <a:masterClrMapping/>
@@ -15607,13 +14930,7 @@
       </p:grpSpPr>
       <p:sp>
         <p:nvSpPr>
-          <p:cNvPr id="3" name="Text Box 4">
-            <a:extLst>
-              <a:ext uri="{FF2B5EF4-FFF2-40B4-BE49-F238E27FC236}">
-                <a16:creationId xmlns:a16="http://schemas.microsoft.com/office/drawing/2014/main" id="{A9A3C5AF-B40F-4A61-9D32-AB648873C572}"/>
-              </a:ext>
-            </a:extLst>
-          </p:cNvPr>
+          <p:cNvPr id="3" name="Text Box 4"/>
           <p:cNvSpPr txBox="1">
             <a:spLocks noChangeArrowheads="1"/>
           </p:cNvSpPr>
@@ -15662,7 +14979,7 @@
               </a:spcBef>
               <a:buSzPct val="90000"/>
               <a:buBlip>
-                <a:blip r:embed="rId2"/>
+                <a:blip r:embed="rId1"/>
               </a:buBlip>
               <a:defRPr kumimoji="1" sz="3200">
                 <a:solidFill>
@@ -15678,7 +14995,7 @@
               </a:spcBef>
               <a:buSzPct val="80000"/>
               <a:buBlip>
-                <a:blip r:embed="rId3"/>
+                <a:blip r:embed="rId2"/>
               </a:buBlip>
               <a:defRPr kumimoji="1" sz="2800">
                 <a:solidFill>
@@ -15694,7 +15011,7 @@
               </a:spcBef>
               <a:buSzPct val="70000"/>
               <a:buBlip>
-                <a:blip r:embed="rId4"/>
+                <a:blip r:embed="rId3"/>
               </a:buBlip>
               <a:defRPr kumimoji="1" sz="2400">
                 <a:solidFill>
@@ -15710,7 +15027,7 @@
               </a:spcBef>
               <a:buSzPct val="70000"/>
               <a:buBlip>
-                <a:blip r:embed="rId5"/>
+                <a:blip r:embed="rId4"/>
               </a:buBlip>
               <a:defRPr kumimoji="1" sz="2000">
                 <a:solidFill>
@@ -15726,7 +15043,7 @@
               </a:spcBef>
               <a:buSzPct val="70000"/>
               <a:buBlip>
-                <a:blip r:embed="rId6"/>
+                <a:blip r:embed="rId5"/>
               </a:buBlip>
               <a:defRPr kumimoji="1" sz="2000">
                 <a:solidFill>
@@ -15745,7 +15062,7 @@
               </a:spcAft>
               <a:buSzPct val="70000"/>
               <a:buBlip>
-                <a:blip r:embed="rId6"/>
+                <a:blip r:embed="rId5"/>
               </a:buBlip>
               <a:defRPr kumimoji="1" sz="2000">
                 <a:solidFill>
@@ -15764,7 +15081,7 @@
               </a:spcAft>
               <a:buSzPct val="70000"/>
               <a:buBlip>
-                <a:blip r:embed="rId6"/>
+                <a:blip r:embed="rId5"/>
               </a:buBlip>
               <a:defRPr kumimoji="1" sz="2000">
                 <a:solidFill>
@@ -15783,7 +15100,7 @@
               </a:spcAft>
               <a:buSzPct val="70000"/>
               <a:buBlip>
-                <a:blip r:embed="rId6"/>
+                <a:blip r:embed="rId5"/>
               </a:buBlip>
               <a:defRPr kumimoji="1" sz="2000">
                 <a:solidFill>
@@ -15802,7 +15119,7 @@
               </a:spcAft>
               <a:buSzPct val="70000"/>
               <a:buBlip>
-                <a:blip r:embed="rId6"/>
+                <a:blip r:embed="rId5"/>
               </a:buBlip>
               <a:defRPr kumimoji="1" sz="2000">
                 <a:solidFill>
@@ -15859,18 +15176,19 @@
               </a:rPr>
               <a:t> 两者都是通过组合子问题的解来求解原问题。不同的是，分治法适合处理能够将问题划分为互不相交的子问题的问题，通过递归地求解子问题来推出原问题的解。而动态规划适合应用于子问题重叠的情况，即不同的子问题具有公共的子问题。分治法则不适合，因为它会重复求解这些公共的子问题，而动态规划法则会把子问题的解保存下来，避免重复计算，可以说动态规划法是用空间来换时间。</a:t>
             </a:r>
+            <a:endParaRPr lang="zh-CN" altLang="en-US" sz="2400" dirty="0">
+              <a:solidFill>
+                <a:srgbClr val="080808"/>
+              </a:solidFill>
+              <a:latin typeface="楷体" panose="02010609060101010101" pitchFamily="49" charset="-122"/>
+              <a:ea typeface="楷体" panose="02010609060101010101" pitchFamily="49" charset="-122"/>
+            </a:endParaRPr>
           </a:p>
         </p:txBody>
       </p:sp>
       <p:sp>
         <p:nvSpPr>
-          <p:cNvPr id="4" name="Text Box 3">
-            <a:extLst>
-              <a:ext uri="{FF2B5EF4-FFF2-40B4-BE49-F238E27FC236}">
-                <a16:creationId xmlns:a16="http://schemas.microsoft.com/office/drawing/2014/main" id="{C0E2F760-82C1-408B-895F-A8EFFEB385C4}"/>
-              </a:ext>
-            </a:extLst>
-          </p:cNvPr>
+          <p:cNvPr id="4" name="Text Box 3"/>
           <p:cNvSpPr txBox="1">
             <a:spLocks noChangeArrowheads="1"/>
           </p:cNvSpPr>
@@ -15888,8 +15206,6 @@
           <a:ln w="9525">
             <a:noFill/>
             <a:miter lim="800000"/>
-            <a:headEnd/>
-            <a:tailEnd/>
           </a:ln>
           <a:effectLst/>
         </p:spPr>
@@ -15926,7 +15242,7 @@
                     </a:srgbClr>
                   </a:outerShdw>
                 </a:effectLst>
-                <a:ea typeface="隶书" pitchFamily="49" charset="-122"/>
+                <a:ea typeface="隶书" panose="02010509060101010101" pitchFamily="49" charset="-122"/>
               </a:rPr>
               <a:t>5.2  </a:t>
             </a:r>
@@ -15951,19 +15267,36 @@
                     </a:srgbClr>
                   </a:outerShdw>
                 </a:effectLst>
-                <a:ea typeface="隶书" pitchFamily="49" charset="-122"/>
+                <a:ea typeface="隶书" panose="02010509060101010101" pitchFamily="49" charset="-122"/>
               </a:rPr>
               <a:t>动态规划法的应用</a:t>
             </a:r>
+            <a:endParaRPr lang="zh-CN" altLang="en-US" sz="3200" dirty="0">
+              <a:ln w="18000">
+                <a:solidFill>
+                  <a:schemeClr val="accent2">
+                    <a:satMod val="140000"/>
+                  </a:schemeClr>
+                </a:solidFill>
+                <a:prstDash val="solid"/>
+                <a:miter lim="800000"/>
+              </a:ln>
+              <a:solidFill>
+                <a:srgbClr val="080808"/>
+              </a:solidFill>
+              <a:effectLst>
+                <a:outerShdw blurRad="25500" dist="23000" dir="7020000" algn="tl">
+                  <a:srgbClr val="000000">
+                    <a:alpha val="50000"/>
+                  </a:srgbClr>
+                </a:outerShdw>
+              </a:effectLst>
+              <a:ea typeface="隶书" panose="02010509060101010101" pitchFamily="49" charset="-122"/>
+            </a:endParaRPr>
           </a:p>
         </p:txBody>
       </p:sp>
     </p:spTree>
-    <p:extLst>
-      <p:ext uri="{BB962C8B-B14F-4D97-AF65-F5344CB8AC3E}">
-        <p14:creationId xmlns:p14="http://schemas.microsoft.com/office/powerpoint/2010/main" val="3040213201"/>
-      </p:ext>
-    </p:extLst>
   </p:cSld>
   <p:clrMapOvr>
     <a:masterClrMapping/>
@@ -15997,13 +15330,7 @@
       </p:grpSpPr>
       <p:sp>
         <p:nvSpPr>
-          <p:cNvPr id="20482" name="Text Box 4">
-            <a:extLst>
-              <a:ext uri="{FF2B5EF4-FFF2-40B4-BE49-F238E27FC236}">
-                <a16:creationId xmlns:a16="http://schemas.microsoft.com/office/drawing/2014/main" id="{EED27883-1F92-42F4-8A3C-5E92150D8DBD}"/>
-              </a:ext>
-            </a:extLst>
-          </p:cNvPr>
+          <p:cNvPr id="20482" name="Text Box 4"/>
           <p:cNvSpPr txBox="1">
             <a:spLocks noChangeArrowheads="1"/>
           </p:cNvSpPr>
@@ -16052,7 +15379,7 @@
               </a:spcBef>
               <a:buSzPct val="90000"/>
               <a:buBlip>
-                <a:blip r:embed="rId2"/>
+                <a:blip r:embed="rId1"/>
               </a:buBlip>
               <a:defRPr kumimoji="1" sz="3200">
                 <a:solidFill>
@@ -16068,7 +15395,7 @@
               </a:spcBef>
               <a:buSzPct val="80000"/>
               <a:buBlip>
-                <a:blip r:embed="rId3"/>
+                <a:blip r:embed="rId2"/>
               </a:buBlip>
               <a:defRPr kumimoji="1" sz="2800">
                 <a:solidFill>
@@ -16084,7 +15411,7 @@
               </a:spcBef>
               <a:buSzPct val="70000"/>
               <a:buBlip>
-                <a:blip r:embed="rId4"/>
+                <a:blip r:embed="rId3"/>
               </a:buBlip>
               <a:defRPr kumimoji="1" sz="2400">
                 <a:solidFill>
@@ -16100,7 +15427,7 @@
               </a:spcBef>
               <a:buSzPct val="70000"/>
               <a:buBlip>
-                <a:blip r:embed="rId5"/>
+                <a:blip r:embed="rId4"/>
               </a:buBlip>
               <a:defRPr kumimoji="1" sz="2000">
                 <a:solidFill>
@@ -16116,7 +15443,7 @@
               </a:spcBef>
               <a:buSzPct val="70000"/>
               <a:buBlip>
-                <a:blip r:embed="rId6"/>
+                <a:blip r:embed="rId5"/>
               </a:buBlip>
               <a:defRPr kumimoji="1" sz="2000">
                 <a:solidFill>
@@ -16135,7 +15462,7 @@
               </a:spcAft>
               <a:buSzPct val="70000"/>
               <a:buBlip>
-                <a:blip r:embed="rId6"/>
+                <a:blip r:embed="rId5"/>
               </a:buBlip>
               <a:defRPr kumimoji="1" sz="2000">
                 <a:solidFill>
@@ -16154,7 +15481,7 @@
               </a:spcAft>
               <a:buSzPct val="70000"/>
               <a:buBlip>
-                <a:blip r:embed="rId6"/>
+                <a:blip r:embed="rId5"/>
               </a:buBlip>
               <a:defRPr kumimoji="1" sz="2000">
                 <a:solidFill>
@@ -16173,7 +15500,7 @@
               </a:spcAft>
               <a:buSzPct val="70000"/>
               <a:buBlip>
-                <a:blip r:embed="rId6"/>
+                <a:blip r:embed="rId5"/>
               </a:buBlip>
               <a:defRPr kumimoji="1" sz="2000">
                 <a:solidFill>
@@ -16192,7 +15519,7 @@
               </a:spcAft>
               <a:buSzPct val="70000"/>
               <a:buBlip>
-                <a:blip r:embed="rId6"/>
+                <a:blip r:embed="rId5"/>
               </a:buBlip>
               <a:defRPr kumimoji="1" sz="2000">
                 <a:solidFill>
@@ -16254,13 +15581,7 @@
       </p:sp>
       <p:sp>
         <p:nvSpPr>
-          <p:cNvPr id="2" name="矩形 1">
-            <a:extLst>
-              <a:ext uri="{FF2B5EF4-FFF2-40B4-BE49-F238E27FC236}">
-                <a16:creationId xmlns:a16="http://schemas.microsoft.com/office/drawing/2014/main" id="{681680E6-724E-4601-8025-F11D175FEF3D}"/>
-              </a:ext>
-            </a:extLst>
-          </p:cNvPr>
+          <p:cNvPr id="2" name="矩形 1"/>
           <p:cNvSpPr/>
           <p:nvPr/>
         </p:nvSpPr>
@@ -16314,20 +15635,14 @@
       </p:sp>
       <p:pic>
         <p:nvPicPr>
-          <p:cNvPr id="3" name="图片 2">
-            <a:extLst>
-              <a:ext uri="{FF2B5EF4-FFF2-40B4-BE49-F238E27FC236}">
-                <a16:creationId xmlns:a16="http://schemas.microsoft.com/office/drawing/2014/main" id="{072B9652-F68E-4C93-9CA6-1885078F2826}"/>
-              </a:ext>
-            </a:extLst>
-          </p:cNvPr>
+          <p:cNvPr id="3" name="图片 2"/>
           <p:cNvPicPr>
             <a:picLocks noChangeAspect="1"/>
           </p:cNvPicPr>
           <p:nvPr/>
         </p:nvPicPr>
         <p:blipFill>
-          <a:blip r:embed="rId7"/>
+          <a:blip r:embed="rId6"/>
           <a:stretch>
             <a:fillRect/>
           </a:stretch>
@@ -16343,11 +15658,6 @@
         </p:spPr>
       </p:pic>
     </p:spTree>
-    <p:extLst>
-      <p:ext uri="{BB962C8B-B14F-4D97-AF65-F5344CB8AC3E}">
-        <p14:creationId xmlns:p14="http://schemas.microsoft.com/office/powerpoint/2010/main" val="3212227875"/>
-      </p:ext>
-    </p:extLst>
   </p:cSld>
   <p:clrMapOvr>
     <a:masterClrMapping/>
@@ -16381,13 +15691,7 @@
       </p:grpSpPr>
       <p:sp>
         <p:nvSpPr>
-          <p:cNvPr id="20482" name="Text Box 4">
-            <a:extLst>
-              <a:ext uri="{FF2B5EF4-FFF2-40B4-BE49-F238E27FC236}">
-                <a16:creationId xmlns:a16="http://schemas.microsoft.com/office/drawing/2014/main" id="{EED27883-1F92-42F4-8A3C-5E92150D8DBD}"/>
-              </a:ext>
-            </a:extLst>
-          </p:cNvPr>
+          <p:cNvPr id="20482" name="Text Box 4"/>
           <p:cNvSpPr txBox="1">
             <a:spLocks noChangeArrowheads="1"/>
           </p:cNvSpPr>
@@ -16436,7 +15740,7 @@
               </a:spcBef>
               <a:buSzPct val="90000"/>
               <a:buBlip>
-                <a:blip r:embed="rId2"/>
+                <a:blip r:embed="rId1"/>
               </a:buBlip>
               <a:defRPr kumimoji="1" sz="3200">
                 <a:solidFill>
@@ -16452,7 +15756,7 @@
               </a:spcBef>
               <a:buSzPct val="80000"/>
               <a:buBlip>
-                <a:blip r:embed="rId3"/>
+                <a:blip r:embed="rId2"/>
               </a:buBlip>
               <a:defRPr kumimoji="1" sz="2800">
                 <a:solidFill>
@@ -16468,7 +15772,7 @@
               </a:spcBef>
               <a:buSzPct val="70000"/>
               <a:buBlip>
-                <a:blip r:embed="rId4"/>
+                <a:blip r:embed="rId3"/>
               </a:buBlip>
               <a:defRPr kumimoji="1" sz="2400">
                 <a:solidFill>
@@ -16484,7 +15788,7 @@
               </a:spcBef>
               <a:buSzPct val="70000"/>
               <a:buBlip>
-                <a:blip r:embed="rId5"/>
+                <a:blip r:embed="rId4"/>
               </a:buBlip>
               <a:defRPr kumimoji="1" sz="2000">
                 <a:solidFill>
@@ -16500,7 +15804,7 @@
               </a:spcBef>
               <a:buSzPct val="70000"/>
               <a:buBlip>
-                <a:blip r:embed="rId6"/>
+                <a:blip r:embed="rId5"/>
               </a:buBlip>
               <a:defRPr kumimoji="1" sz="2000">
                 <a:solidFill>
@@ -16519,7 +15823,7 @@
               </a:spcAft>
               <a:buSzPct val="70000"/>
               <a:buBlip>
-                <a:blip r:embed="rId6"/>
+                <a:blip r:embed="rId5"/>
               </a:buBlip>
               <a:defRPr kumimoji="1" sz="2000">
                 <a:solidFill>
@@ -16538,7 +15842,7 @@
               </a:spcAft>
               <a:buSzPct val="70000"/>
               <a:buBlip>
-                <a:blip r:embed="rId6"/>
+                <a:blip r:embed="rId5"/>
               </a:buBlip>
               <a:defRPr kumimoji="1" sz="2000">
                 <a:solidFill>
@@ -16557,7 +15861,7 @@
               </a:spcAft>
               <a:buSzPct val="70000"/>
               <a:buBlip>
-                <a:blip r:embed="rId6"/>
+                <a:blip r:embed="rId5"/>
               </a:buBlip>
               <a:defRPr kumimoji="1" sz="2000">
                 <a:solidFill>
@@ -16576,7 +15880,7 @@
               </a:spcAft>
               <a:buSzPct val="70000"/>
               <a:buBlip>
-                <a:blip r:embed="rId6"/>
+                <a:blip r:embed="rId5"/>
               </a:buBlip>
               <a:defRPr kumimoji="1" sz="2000">
                 <a:solidFill>
@@ -16616,6 +15920,13 @@
               </a:rPr>
               <a:t>、分治法解题</a:t>
             </a:r>
+            <a:endParaRPr lang="zh-CN" altLang="en-US" sz="2400" dirty="0">
+              <a:solidFill>
+                <a:srgbClr val="080808"/>
+              </a:solidFill>
+              <a:latin typeface="楷体" panose="02010609060101010101" pitchFamily="49" charset="-122"/>
+              <a:ea typeface="楷体" panose="02010609060101010101" pitchFamily="49" charset="-122"/>
+            </a:endParaRPr>
           </a:p>
           <a:p>
             <a:pPr>
@@ -16646,6 +15957,13 @@
               </a:rPr>
               <a:t>:</a:t>
             </a:r>
+            <a:endParaRPr lang="en-US" altLang="zh-CN" sz="2400" dirty="0">
+              <a:solidFill>
+                <a:srgbClr val="080808"/>
+              </a:solidFill>
+              <a:latin typeface="楷体" panose="02010609060101010101" pitchFamily="49" charset="-122"/>
+              <a:ea typeface="楷体" panose="02010609060101010101" pitchFamily="49" charset="-122"/>
+            </a:endParaRPr>
           </a:p>
           <a:p>
             <a:pPr>
@@ -16666,6 +15984,13 @@
               </a:rPr>
               <a:t> long fib(int n) </a:t>
             </a:r>
+            <a:endParaRPr lang="en-US" altLang="zh-CN" sz="2400" dirty="0">
+              <a:solidFill>
+                <a:srgbClr val="080808"/>
+              </a:solidFill>
+              <a:latin typeface="楷体" panose="02010609060101010101" pitchFamily="49" charset="-122"/>
+              <a:ea typeface="楷体" panose="02010609060101010101" pitchFamily="49" charset="-122"/>
+            </a:endParaRPr>
           </a:p>
           <a:p>
             <a:pPr>
@@ -16686,6 +16011,13 @@
               </a:rPr>
               <a:t>  {        </a:t>
             </a:r>
+            <a:endParaRPr lang="en-US" altLang="zh-CN" sz="2400" dirty="0">
+              <a:solidFill>
+                <a:srgbClr val="080808"/>
+              </a:solidFill>
+              <a:latin typeface="楷体" panose="02010609060101010101" pitchFamily="49" charset="-122"/>
+              <a:ea typeface="楷体" panose="02010609060101010101" pitchFamily="49" charset="-122"/>
+            </a:endParaRPr>
           </a:p>
           <a:p>
             <a:pPr>
@@ -16706,6 +16038,13 @@
               </a:rPr>
               <a:t>     if(n == 1 || n == 2)   </a:t>
             </a:r>
+            <a:endParaRPr lang="en-US" altLang="zh-CN" sz="2400" dirty="0">
+              <a:solidFill>
+                <a:srgbClr val="080808"/>
+              </a:solidFill>
+              <a:latin typeface="楷体" panose="02010609060101010101" pitchFamily="49" charset="-122"/>
+              <a:ea typeface="楷体" panose="02010609060101010101" pitchFamily="49" charset="-122"/>
+            </a:endParaRPr>
           </a:p>
           <a:p>
             <a:pPr>
@@ -16736,6 +16075,13 @@
               </a:rPr>
               <a:t>递归出口</a:t>
             </a:r>
+            <a:endParaRPr lang="zh-CN" altLang="en-US" sz="2400" dirty="0">
+              <a:solidFill>
+                <a:srgbClr val="080808"/>
+              </a:solidFill>
+              <a:latin typeface="楷体" panose="02010609060101010101" pitchFamily="49" charset="-122"/>
+              <a:ea typeface="楷体" panose="02010609060101010101" pitchFamily="49" charset="-122"/>
+            </a:endParaRPr>
           </a:p>
           <a:p>
             <a:pPr>
@@ -16756,6 +16102,13 @@
               </a:rPr>
               <a:t>     else </a:t>
             </a:r>
+            <a:endParaRPr lang="en-US" altLang="zh-CN" sz="2400" dirty="0">
+              <a:solidFill>
+                <a:srgbClr val="080808"/>
+              </a:solidFill>
+              <a:latin typeface="楷体" panose="02010609060101010101" pitchFamily="49" charset="-122"/>
+              <a:ea typeface="楷体" panose="02010609060101010101" pitchFamily="49" charset="-122"/>
+            </a:endParaRPr>
           </a:p>
           <a:p>
             <a:pPr>
@@ -16786,6 +16139,13 @@
               </a:rPr>
               <a:t>递归调用</a:t>
             </a:r>
+            <a:endParaRPr lang="zh-CN" altLang="en-US" sz="2400" dirty="0">
+              <a:solidFill>
+                <a:srgbClr val="080808"/>
+              </a:solidFill>
+              <a:latin typeface="楷体" panose="02010609060101010101" pitchFamily="49" charset="-122"/>
+              <a:ea typeface="楷体" panose="02010609060101010101" pitchFamily="49" charset="-122"/>
+            </a:endParaRPr>
           </a:p>
           <a:p>
             <a:pPr>
@@ -16806,23 +16166,24 @@
               </a:rPr>
               <a:t>   } </a:t>
             </a:r>
+            <a:endParaRPr lang="en-US" altLang="zh-CN" sz="2400" dirty="0">
+              <a:solidFill>
+                <a:srgbClr val="080808"/>
+              </a:solidFill>
+              <a:latin typeface="楷体" panose="02010609060101010101" pitchFamily="49" charset="-122"/>
+              <a:ea typeface="楷体" panose="02010609060101010101" pitchFamily="49" charset="-122"/>
+            </a:endParaRPr>
           </a:p>
         </p:txBody>
       </p:sp>
       <p:pic>
         <p:nvPicPr>
-          <p:cNvPr id="4" name="图片 3">
-            <a:extLst>
-              <a:ext uri="{FF2B5EF4-FFF2-40B4-BE49-F238E27FC236}">
-                <a16:creationId xmlns:a16="http://schemas.microsoft.com/office/drawing/2014/main" id="{B6C5DAE3-29B0-49CB-93AE-2159840A49B3}"/>
-              </a:ext>
-            </a:extLst>
-          </p:cNvPr>
+          <p:cNvPr id="4" name="图片 3"/>
           <p:cNvPicPr/>
           <p:nvPr/>
         </p:nvPicPr>
         <p:blipFill>
-          <a:blip r:embed="rId7">
+          <a:blip r:embed="rId6">
             <a:extLst>
               <a:ext uri="{28A0092B-C50C-407E-A947-70E740481C1C}">
                 <a14:useLocalDpi xmlns:a14="http://schemas.microsoft.com/office/drawing/2010/main" val="0"/>
@@ -16844,11 +16205,6 @@
         </p:spPr>
       </p:pic>
     </p:spTree>
-    <p:extLst>
-      <p:ext uri="{BB962C8B-B14F-4D97-AF65-F5344CB8AC3E}">
-        <p14:creationId xmlns:p14="http://schemas.microsoft.com/office/powerpoint/2010/main" val="436475463"/>
-      </p:ext>
-    </p:extLst>
   </p:cSld>
   <p:clrMapOvr>
     <a:masterClrMapping/>
@@ -16882,13 +16238,7 @@
       </p:grpSpPr>
       <p:sp>
         <p:nvSpPr>
-          <p:cNvPr id="20482" name="Text Box 4">
-            <a:extLst>
-              <a:ext uri="{FF2B5EF4-FFF2-40B4-BE49-F238E27FC236}">
-                <a16:creationId xmlns:a16="http://schemas.microsoft.com/office/drawing/2014/main" id="{EED27883-1F92-42F4-8A3C-5E92150D8DBD}"/>
-              </a:ext>
-            </a:extLst>
-          </p:cNvPr>
+          <p:cNvPr id="20482" name="Text Box 4"/>
           <p:cNvSpPr txBox="1">
             <a:spLocks noChangeArrowheads="1"/>
           </p:cNvSpPr>
@@ -16937,7 +16287,7 @@
               </a:spcBef>
               <a:buSzPct val="90000"/>
               <a:buBlip>
-                <a:blip r:embed="rId2"/>
+                <a:blip r:embed="rId1"/>
               </a:buBlip>
               <a:defRPr kumimoji="1" sz="3200">
                 <a:solidFill>
@@ -16953,7 +16303,7 @@
               </a:spcBef>
               <a:buSzPct val="80000"/>
               <a:buBlip>
-                <a:blip r:embed="rId3"/>
+                <a:blip r:embed="rId2"/>
               </a:buBlip>
               <a:defRPr kumimoji="1" sz="2800">
                 <a:solidFill>
@@ -16969,7 +16319,7 @@
               </a:spcBef>
               <a:buSzPct val="70000"/>
               <a:buBlip>
-                <a:blip r:embed="rId4"/>
+                <a:blip r:embed="rId3"/>
               </a:buBlip>
               <a:defRPr kumimoji="1" sz="2400">
                 <a:solidFill>
@@ -16985,7 +16335,7 @@
               </a:spcBef>
               <a:buSzPct val="70000"/>
               <a:buBlip>
-                <a:blip r:embed="rId5"/>
+                <a:blip r:embed="rId4"/>
               </a:buBlip>
               <a:defRPr kumimoji="1" sz="2000">
                 <a:solidFill>
@@ -17001,7 +16351,7 @@
               </a:spcBef>
               <a:buSzPct val="70000"/>
               <a:buBlip>
-                <a:blip r:embed="rId6"/>
+                <a:blip r:embed="rId5"/>
               </a:buBlip>
               <a:defRPr kumimoji="1" sz="2000">
                 <a:solidFill>
@@ -17020,7 +16370,7 @@
               </a:spcAft>
               <a:buSzPct val="70000"/>
               <a:buBlip>
-                <a:blip r:embed="rId6"/>
+                <a:blip r:embed="rId5"/>
               </a:buBlip>
               <a:defRPr kumimoji="1" sz="2000">
                 <a:solidFill>
@@ -17039,7 +16389,7 @@
               </a:spcAft>
               <a:buSzPct val="70000"/>
               <a:buBlip>
-                <a:blip r:embed="rId6"/>
+                <a:blip r:embed="rId5"/>
               </a:buBlip>
               <a:defRPr kumimoji="1" sz="2000">
                 <a:solidFill>
@@ -17058,7 +16408,7 @@
               </a:spcAft>
               <a:buSzPct val="70000"/>
               <a:buBlip>
-                <a:blip r:embed="rId6"/>
+                <a:blip r:embed="rId5"/>
               </a:buBlip>
               <a:defRPr kumimoji="1" sz="2000">
                 <a:solidFill>
@@ -17077,7 +16427,7 @@
               </a:spcAft>
               <a:buSzPct val="70000"/>
               <a:buBlip>
-                <a:blip r:embed="rId6"/>
+                <a:blip r:embed="rId5"/>
               </a:buBlip>
               <a:defRPr kumimoji="1" sz="2000">
                 <a:solidFill>
@@ -17117,6 +16467,13 @@
               </a:rPr>
               <a:t>、动态规划法解题</a:t>
             </a:r>
+            <a:endParaRPr lang="zh-CN" altLang="en-US" sz="2400" dirty="0">
+              <a:solidFill>
+                <a:srgbClr val="080808"/>
+              </a:solidFill>
+              <a:latin typeface="楷体" panose="02010609060101010101" pitchFamily="49" charset="-122"/>
+              <a:ea typeface="楷体" panose="02010609060101010101" pitchFamily="49" charset="-122"/>
+            </a:endParaRPr>
           </a:p>
           <a:p>
             <a:pPr>
@@ -17197,6 +16554,13 @@
               </a:rPr>
               <a:t>的值，这定义一个一维数组，用来存放斐波那契数列的各个项，能够提升运行效率。</a:t>
             </a:r>
+            <a:endParaRPr lang="zh-CN" altLang="en-US" sz="2400" dirty="0">
+              <a:solidFill>
+                <a:srgbClr val="080808"/>
+              </a:solidFill>
+              <a:latin typeface="楷体" panose="02010609060101010101" pitchFamily="49" charset="-122"/>
+              <a:ea typeface="楷体" panose="02010609060101010101" pitchFamily="49" charset="-122"/>
+            </a:endParaRPr>
           </a:p>
           <a:p>
             <a:pPr>
@@ -17217,15 +16581,17 @@
               </a:rPr>
               <a:t> </a:t>
             </a:r>
+            <a:endParaRPr lang="en-US" altLang="zh-CN" sz="2400" dirty="0">
+              <a:solidFill>
+                <a:srgbClr val="080808"/>
+              </a:solidFill>
+              <a:latin typeface="楷体" panose="02010609060101010101" pitchFamily="49" charset="-122"/>
+              <a:ea typeface="楷体" panose="02010609060101010101" pitchFamily="49" charset="-122"/>
+            </a:endParaRPr>
           </a:p>
         </p:txBody>
       </p:sp>
     </p:spTree>
-    <p:extLst>
-      <p:ext uri="{BB962C8B-B14F-4D97-AF65-F5344CB8AC3E}">
-        <p14:creationId xmlns:p14="http://schemas.microsoft.com/office/powerpoint/2010/main" val="1762016867"/>
-      </p:ext>
-    </p:extLst>
   </p:cSld>
   <p:clrMapOvr>
     <a:masterClrMapping/>
@@ -19434,6 +18800,16 @@
               </a:rPr>
               <a:t>动态规划法概述</a:t>
             </a:r>
+            <a:endParaRPr lang="zh-CN" altLang="en-US" sz="2200" b="1" dirty="0">
+              <a:solidFill>
+                <a:schemeClr val="tx2">
+                  <a:lumMod val="75000"/>
+                  <a:lumOff val="25000"/>
+                </a:schemeClr>
+              </a:solidFill>
+              <a:latin typeface="微软雅黑" panose="020B0503020204020204" pitchFamily="34" charset="-122"/>
+              <a:ea typeface="微软雅黑" panose="020B0503020204020204" pitchFamily="34" charset="-122"/>
+            </a:endParaRPr>
           </a:p>
         </p:txBody>
       </p:sp>
@@ -19494,6 +18870,14 @@
               </a:rPr>
               <a:t>动态规划法的应用</a:t>
             </a:r>
+            <a:endParaRPr lang="zh-CN" altLang="en-US" sz="2200" dirty="0">
+              <a:solidFill>
+                <a:schemeClr val="tx2">
+                  <a:lumMod val="75000"/>
+                  <a:lumOff val="25000"/>
+                </a:schemeClr>
+              </a:solidFill>
+            </a:endParaRPr>
           </a:p>
         </p:txBody>
       </p:sp>
@@ -19554,6 +18938,14 @@
               </a:rPr>
               <a:t>动态规划法分析与设计</a:t>
             </a:r>
+            <a:endParaRPr lang="zh-CN" altLang="en-US" sz="2200" dirty="0">
+              <a:solidFill>
+                <a:schemeClr val="tx2">
+                  <a:lumMod val="75000"/>
+                  <a:lumOff val="25000"/>
+                </a:schemeClr>
+              </a:solidFill>
+            </a:endParaRPr>
           </a:p>
         </p:txBody>
       </p:sp>
@@ -19614,6 +19006,14 @@
               </a:rPr>
               <a:t>动态规划法示例</a:t>
             </a:r>
+            <a:endParaRPr lang="zh-CN" altLang="en-US" sz="2200" dirty="0">
+              <a:solidFill>
+                <a:schemeClr val="tx2">
+                  <a:lumMod val="75000"/>
+                  <a:lumOff val="25000"/>
+                </a:schemeClr>
+              </a:solidFill>
+            </a:endParaRPr>
           </a:p>
         </p:txBody>
       </p:sp>
@@ -19626,7 +19026,7 @@
           <p:nvPr/>
         </p:nvPicPr>
         <p:blipFill rotWithShape="1">
-          <a:blip r:embed="rId2" cstate="print">
+          <a:blip r:embed="rId1" cstate="print">
             <a:extLst>
               <a:ext uri="{28A0092B-C50C-407E-A947-70E740481C1C}">
                 <a14:useLocalDpi xmlns:a14="http://schemas.microsoft.com/office/drawing/2010/main" val="0"/>
@@ -21559,7 +20959,7 @@
           <p:nvPr/>
         </p:nvPicPr>
         <p:blipFill>
-          <a:blip r:embed="rId3"/>
+          <a:blip r:embed="rId2"/>
           <a:stretch>
             <a:fillRect/>
           </a:stretch>
@@ -21583,7 +20983,7 @@
           <p:nvPr/>
         </p:nvPicPr>
         <p:blipFill>
-          <a:blip r:embed="rId4"/>
+          <a:blip r:embed="rId3"/>
           <a:stretch>
             <a:fillRect/>
           </a:stretch>
@@ -21607,7 +21007,7 @@
           <p:nvPr/>
         </p:nvPicPr>
         <p:blipFill>
-          <a:blip r:embed="rId5"/>
+          <a:blip r:embed="rId4"/>
           <a:stretch>
             <a:fillRect/>
           </a:stretch>
@@ -21631,7 +21031,7 @@
           <p:nvPr/>
         </p:nvPicPr>
         <p:blipFill>
-          <a:blip r:embed="rId6"/>
+          <a:blip r:embed="rId5"/>
           <a:stretch>
             <a:fillRect/>
           </a:stretch>
@@ -21646,12 +21046,31 @@
           </a:prstGeom>
         </p:spPr>
       </p:pic>
+      <p:pic>
+        <p:nvPicPr>
+          <p:cNvPr id="2" name="图片 1"/>
+          <p:cNvPicPr>
+            <a:picLocks noChangeAspect="1"/>
+          </p:cNvPicPr>
+          <p:nvPr/>
+        </p:nvPicPr>
+        <p:blipFill>
+          <a:blip r:embed="rId6"/>
+          <a:stretch>
+            <a:fillRect/>
+          </a:stretch>
+        </p:blipFill>
+        <p:spPr>
+          <a:xfrm>
+            <a:off x="2483485" y="1268730"/>
+            <a:ext cx="3199765" cy="4268470"/>
+          </a:xfrm>
+          <a:prstGeom prst="rect">
+            <a:avLst/>
+          </a:prstGeom>
+        </p:spPr>
+      </p:pic>
     </p:spTree>
-    <p:extLst>
-      <p:ext uri="{BB962C8B-B14F-4D97-AF65-F5344CB8AC3E}">
-        <p14:creationId xmlns:p14="http://schemas.microsoft.com/office/powerpoint/2010/main" val="2298697316"/>
-      </p:ext>
-    </p:extLst>
   </p:cSld>
   <p:clrMapOvr>
     <a:masterClrMapping/>
@@ -21685,13 +21104,7 @@
       </p:grpSpPr>
       <p:sp>
         <p:nvSpPr>
-          <p:cNvPr id="20482" name="Text Box 4">
-            <a:extLst>
-              <a:ext uri="{FF2B5EF4-FFF2-40B4-BE49-F238E27FC236}">
-                <a16:creationId xmlns:a16="http://schemas.microsoft.com/office/drawing/2014/main" id="{EED27883-1F92-42F4-8A3C-5E92150D8DBD}"/>
-              </a:ext>
-            </a:extLst>
-          </p:cNvPr>
+          <p:cNvPr id="20482" name="Text Box 4"/>
           <p:cNvSpPr txBox="1">
             <a:spLocks noChangeArrowheads="1"/>
           </p:cNvSpPr>
@@ -21740,7 +21153,7 @@
               </a:spcBef>
               <a:buSzPct val="90000"/>
               <a:buBlip>
-                <a:blip r:embed="rId2"/>
+                <a:blip r:embed="rId1"/>
               </a:buBlip>
               <a:defRPr kumimoji="1" sz="3200">
                 <a:solidFill>
@@ -21756,7 +21169,7 @@
               </a:spcBef>
               <a:buSzPct val="80000"/>
               <a:buBlip>
-                <a:blip r:embed="rId3"/>
+                <a:blip r:embed="rId2"/>
               </a:buBlip>
               <a:defRPr kumimoji="1" sz="2800">
                 <a:solidFill>
@@ -21772,7 +21185,7 @@
               </a:spcBef>
               <a:buSzPct val="70000"/>
               <a:buBlip>
-                <a:blip r:embed="rId4"/>
+                <a:blip r:embed="rId3"/>
               </a:buBlip>
               <a:defRPr kumimoji="1" sz="2400">
                 <a:solidFill>
@@ -21788,7 +21201,7 @@
               </a:spcBef>
               <a:buSzPct val="70000"/>
               <a:buBlip>
-                <a:blip r:embed="rId5"/>
+                <a:blip r:embed="rId4"/>
               </a:buBlip>
               <a:defRPr kumimoji="1" sz="2000">
                 <a:solidFill>
@@ -21804,7 +21217,7 @@
               </a:spcBef>
               <a:buSzPct val="70000"/>
               <a:buBlip>
-                <a:blip r:embed="rId6"/>
+                <a:blip r:embed="rId5"/>
               </a:buBlip>
               <a:defRPr kumimoji="1" sz="2000">
                 <a:solidFill>
@@ -21823,7 +21236,7 @@
               </a:spcAft>
               <a:buSzPct val="70000"/>
               <a:buBlip>
-                <a:blip r:embed="rId6"/>
+                <a:blip r:embed="rId5"/>
               </a:buBlip>
               <a:defRPr kumimoji="1" sz="2000">
                 <a:solidFill>
@@ -21842,7 +21255,7 @@
               </a:spcAft>
               <a:buSzPct val="70000"/>
               <a:buBlip>
-                <a:blip r:embed="rId6"/>
+                <a:blip r:embed="rId5"/>
               </a:buBlip>
               <a:defRPr kumimoji="1" sz="2000">
                 <a:solidFill>
@@ -21861,7 +21274,7 @@
               </a:spcAft>
               <a:buSzPct val="70000"/>
               <a:buBlip>
-                <a:blip r:embed="rId6"/>
+                <a:blip r:embed="rId5"/>
               </a:buBlip>
               <a:defRPr kumimoji="1" sz="2000">
                 <a:solidFill>
@@ -21880,7 +21293,7 @@
               </a:spcAft>
               <a:buSzPct val="70000"/>
               <a:buBlip>
-                <a:blip r:embed="rId6"/>
+                <a:blip r:embed="rId5"/>
               </a:buBlip>
               <a:defRPr kumimoji="1" sz="2000">
                 <a:solidFill>
@@ -21910,6 +21323,13 @@
               </a:rPr>
               <a:t>long fib1(int n)</a:t>
             </a:r>
+            <a:endParaRPr lang="en-US" altLang="zh-CN" sz="2400" dirty="0">
+              <a:solidFill>
+                <a:srgbClr val="080808"/>
+              </a:solidFill>
+              <a:latin typeface="楷体" panose="02010609060101010101" pitchFamily="49" charset="-122"/>
+              <a:ea typeface="楷体" panose="02010609060101010101" pitchFamily="49" charset="-122"/>
+            </a:endParaRPr>
           </a:p>
           <a:p>
             <a:pPr>
@@ -21930,6 +21350,13 @@
               </a:rPr>
               <a:t> {        </a:t>
             </a:r>
+            <a:endParaRPr lang="en-US" altLang="zh-CN" sz="2400" dirty="0">
+              <a:solidFill>
+                <a:srgbClr val="080808"/>
+              </a:solidFill>
+              <a:latin typeface="楷体" panose="02010609060101010101" pitchFamily="49" charset="-122"/>
+              <a:ea typeface="楷体" panose="02010609060101010101" pitchFamily="49" charset="-122"/>
+            </a:endParaRPr>
           </a:p>
           <a:p>
             <a:pPr>
@@ -21950,6 +21377,13 @@
               </a:rPr>
               <a:t>    long f[n]; </a:t>
             </a:r>
+            <a:endParaRPr lang="en-US" altLang="zh-CN" sz="2400" dirty="0">
+              <a:solidFill>
+                <a:srgbClr val="080808"/>
+              </a:solidFill>
+              <a:latin typeface="楷体" panose="02010609060101010101" pitchFamily="49" charset="-122"/>
+              <a:ea typeface="楷体" panose="02010609060101010101" pitchFamily="49" charset="-122"/>
+            </a:endParaRPr>
           </a:p>
           <a:p>
             <a:pPr>
@@ -21970,6 +21404,13 @@
               </a:rPr>
               <a:t>    f[1] = 1;</a:t>
             </a:r>
+            <a:endParaRPr lang="en-US" altLang="zh-CN" sz="2400" dirty="0">
+              <a:solidFill>
+                <a:srgbClr val="080808"/>
+              </a:solidFill>
+              <a:latin typeface="楷体" panose="02010609060101010101" pitchFamily="49" charset="-122"/>
+              <a:ea typeface="楷体" panose="02010609060101010101" pitchFamily="49" charset="-122"/>
+            </a:endParaRPr>
           </a:p>
           <a:p>
             <a:pPr>
@@ -21990,6 +21431,13 @@
               </a:rPr>
               <a:t>    f[2] = 1;</a:t>
             </a:r>
+            <a:endParaRPr lang="en-US" altLang="zh-CN" sz="2400" dirty="0">
+              <a:solidFill>
+                <a:srgbClr val="080808"/>
+              </a:solidFill>
+              <a:latin typeface="楷体" panose="02010609060101010101" pitchFamily="49" charset="-122"/>
+              <a:ea typeface="楷体" panose="02010609060101010101" pitchFamily="49" charset="-122"/>
+            </a:endParaRPr>
           </a:p>
           <a:p>
             <a:pPr>
@@ -22070,6 +21518,13 @@
               </a:rPr>
               <a:t>++)</a:t>
             </a:r>
+            <a:endParaRPr lang="en-US" altLang="zh-CN" sz="2400" dirty="0">
+              <a:solidFill>
+                <a:srgbClr val="080808"/>
+              </a:solidFill>
+              <a:latin typeface="楷体" panose="02010609060101010101" pitchFamily="49" charset="-122"/>
+              <a:ea typeface="楷体" panose="02010609060101010101" pitchFamily="49" charset="-122"/>
+            </a:endParaRPr>
           </a:p>
           <a:p>
             <a:pPr>
@@ -22110,6 +21565,13 @@
               </a:rPr>
               <a:t>] = f[i-1] + f[i-2];</a:t>
             </a:r>
+            <a:endParaRPr lang="en-US" altLang="zh-CN" sz="2400" dirty="0">
+              <a:solidFill>
+                <a:srgbClr val="080808"/>
+              </a:solidFill>
+              <a:latin typeface="楷体" panose="02010609060101010101" pitchFamily="49" charset="-122"/>
+              <a:ea typeface="楷体" panose="02010609060101010101" pitchFamily="49" charset="-122"/>
+            </a:endParaRPr>
           </a:p>
           <a:p>
             <a:pPr>
@@ -22130,6 +21592,13 @@
               </a:rPr>
               <a:t>    return f[n];</a:t>
             </a:r>
+            <a:endParaRPr lang="en-US" altLang="zh-CN" sz="2400" dirty="0">
+              <a:solidFill>
+                <a:srgbClr val="080808"/>
+              </a:solidFill>
+              <a:latin typeface="楷体" panose="02010609060101010101" pitchFamily="49" charset="-122"/>
+              <a:ea typeface="楷体" panose="02010609060101010101" pitchFamily="49" charset="-122"/>
+            </a:endParaRPr>
           </a:p>
           <a:p>
             <a:pPr>
@@ -22150,23 +21619,24 @@
               </a:rPr>
               <a:t> }</a:t>
             </a:r>
+            <a:endParaRPr lang="en-US" altLang="zh-CN" sz="2400" dirty="0">
+              <a:solidFill>
+                <a:srgbClr val="080808"/>
+              </a:solidFill>
+              <a:latin typeface="楷体" panose="02010609060101010101" pitchFamily="49" charset="-122"/>
+              <a:ea typeface="楷体" panose="02010609060101010101" pitchFamily="49" charset="-122"/>
+            </a:endParaRPr>
           </a:p>
         </p:txBody>
       </p:sp>
       <p:pic>
         <p:nvPicPr>
-          <p:cNvPr id="3" name="图片 2">
-            <a:extLst>
-              <a:ext uri="{FF2B5EF4-FFF2-40B4-BE49-F238E27FC236}">
-                <a16:creationId xmlns:a16="http://schemas.microsoft.com/office/drawing/2014/main" id="{B3FEE8D7-600D-46BA-86DD-D5C820A89045}"/>
-              </a:ext>
-            </a:extLst>
-          </p:cNvPr>
+          <p:cNvPr id="3" name="图片 2"/>
           <p:cNvPicPr/>
           <p:nvPr/>
         </p:nvPicPr>
         <p:blipFill>
-          <a:blip r:embed="rId7">
+          <a:blip r:embed="rId6">
             <a:extLst>
               <a:ext uri="{28A0092B-C50C-407E-A947-70E740481C1C}">
                 <a14:useLocalDpi xmlns:a14="http://schemas.microsoft.com/office/drawing/2010/main" val="0"/>
@@ -22188,11 +21658,6 @@
         </p:spPr>
       </p:pic>
     </p:spTree>
-    <p:extLst>
-      <p:ext uri="{BB962C8B-B14F-4D97-AF65-F5344CB8AC3E}">
-        <p14:creationId xmlns:p14="http://schemas.microsoft.com/office/powerpoint/2010/main" val="2452778325"/>
-      </p:ext>
-    </p:extLst>
   </p:cSld>
   <p:clrMapOvr>
     <a:masterClrMapping/>
@@ -22226,13 +21691,7 @@
       </p:grpSpPr>
       <p:sp>
         <p:nvSpPr>
-          <p:cNvPr id="4" name="Text Box 4">
-            <a:extLst>
-              <a:ext uri="{FF2B5EF4-FFF2-40B4-BE49-F238E27FC236}">
-                <a16:creationId xmlns:a16="http://schemas.microsoft.com/office/drawing/2014/main" id="{EED27883-1F92-42F4-8A3C-5E92150D8DBD}"/>
-              </a:ext>
-            </a:extLst>
-          </p:cNvPr>
+          <p:cNvPr id="4" name="Text Box 4"/>
           <p:cNvSpPr txBox="1">
             <a:spLocks noChangeArrowheads="1"/>
           </p:cNvSpPr>
@@ -22281,7 +21740,7 @@
               </a:spcBef>
               <a:buSzPct val="90000"/>
               <a:buBlip>
-                <a:blip r:embed="rId2"/>
+                <a:blip r:embed="rId1"/>
               </a:buBlip>
               <a:defRPr kumimoji="1" sz="3200">
                 <a:solidFill>
@@ -22297,7 +21756,7 @@
               </a:spcBef>
               <a:buSzPct val="80000"/>
               <a:buBlip>
-                <a:blip r:embed="rId3"/>
+                <a:blip r:embed="rId2"/>
               </a:buBlip>
               <a:defRPr kumimoji="1" sz="2800">
                 <a:solidFill>
@@ -22313,7 +21772,7 @@
               </a:spcBef>
               <a:buSzPct val="70000"/>
               <a:buBlip>
-                <a:blip r:embed="rId4"/>
+                <a:blip r:embed="rId3"/>
               </a:buBlip>
               <a:defRPr kumimoji="1" sz="2400">
                 <a:solidFill>
@@ -22329,7 +21788,7 @@
               </a:spcBef>
               <a:buSzPct val="70000"/>
               <a:buBlip>
-                <a:blip r:embed="rId5"/>
+                <a:blip r:embed="rId4"/>
               </a:buBlip>
               <a:defRPr kumimoji="1" sz="2000">
                 <a:solidFill>
@@ -22345,7 +21804,7 @@
               </a:spcBef>
               <a:buSzPct val="70000"/>
               <a:buBlip>
-                <a:blip r:embed="rId6"/>
+                <a:blip r:embed="rId5"/>
               </a:buBlip>
               <a:defRPr kumimoji="1" sz="2000">
                 <a:solidFill>
@@ -22364,7 +21823,7 @@
               </a:spcAft>
               <a:buSzPct val="70000"/>
               <a:buBlip>
-                <a:blip r:embed="rId6"/>
+                <a:blip r:embed="rId5"/>
               </a:buBlip>
               <a:defRPr kumimoji="1" sz="2000">
                 <a:solidFill>
@@ -22383,7 +21842,7 @@
               </a:spcAft>
               <a:buSzPct val="70000"/>
               <a:buBlip>
-                <a:blip r:embed="rId6"/>
+                <a:blip r:embed="rId5"/>
               </a:buBlip>
               <a:defRPr kumimoji="1" sz="2000">
                 <a:solidFill>
@@ -22402,7 +21861,7 @@
               </a:spcAft>
               <a:buSzPct val="70000"/>
               <a:buBlip>
-                <a:blip r:embed="rId6"/>
+                <a:blip r:embed="rId5"/>
               </a:buBlip>
               <a:defRPr kumimoji="1" sz="2000">
                 <a:solidFill>
@@ -22421,7 +21880,7 @@
               </a:spcAft>
               <a:buSzPct val="70000"/>
               <a:buBlip>
-                <a:blip r:embed="rId6"/>
+                <a:blip r:embed="rId5"/>
               </a:buBlip>
               <a:defRPr kumimoji="1" sz="2000">
                 <a:solidFill>
@@ -22520,7 +21979,7 @@
           <p:nvPr/>
         </p:nvPicPr>
         <p:blipFill>
-          <a:blip r:embed="rId7"/>
+          <a:blip r:embed="rId6"/>
           <a:stretch>
             <a:fillRect/>
           </a:stretch>
@@ -22544,7 +22003,7 @@
           <p:nvPr/>
         </p:nvPicPr>
         <p:blipFill>
-          <a:blip r:embed="rId8"/>
+          <a:blip r:embed="rId7"/>
           <a:stretch>
             <a:fillRect/>
           </a:stretch>
@@ -22561,13 +22020,7 @@
       </p:pic>
       <p:sp>
         <p:nvSpPr>
-          <p:cNvPr id="7" name="Text Box 4">
-            <a:extLst>
-              <a:ext uri="{FF2B5EF4-FFF2-40B4-BE49-F238E27FC236}">
-                <a16:creationId xmlns:a16="http://schemas.microsoft.com/office/drawing/2014/main" id="{EED27883-1F92-42F4-8A3C-5E92150D8DBD}"/>
-              </a:ext>
-            </a:extLst>
-          </p:cNvPr>
+          <p:cNvPr id="7" name="Text Box 4"/>
           <p:cNvSpPr txBox="1">
             <a:spLocks noChangeArrowheads="1"/>
           </p:cNvSpPr>
@@ -22616,7 +22069,7 @@
               </a:spcBef>
               <a:buSzPct val="90000"/>
               <a:buBlip>
-                <a:blip r:embed="rId2"/>
+                <a:blip r:embed="rId1"/>
               </a:buBlip>
               <a:defRPr kumimoji="1" sz="3200">
                 <a:solidFill>
@@ -22632,7 +22085,7 @@
               </a:spcBef>
               <a:buSzPct val="80000"/>
               <a:buBlip>
-                <a:blip r:embed="rId3"/>
+                <a:blip r:embed="rId2"/>
               </a:buBlip>
               <a:defRPr kumimoji="1" sz="2800">
                 <a:solidFill>
@@ -22648,7 +22101,7 @@
               </a:spcBef>
               <a:buSzPct val="70000"/>
               <a:buBlip>
-                <a:blip r:embed="rId4"/>
+                <a:blip r:embed="rId3"/>
               </a:buBlip>
               <a:defRPr kumimoji="1" sz="2400">
                 <a:solidFill>
@@ -22664,7 +22117,7 @@
               </a:spcBef>
               <a:buSzPct val="70000"/>
               <a:buBlip>
-                <a:blip r:embed="rId5"/>
+                <a:blip r:embed="rId4"/>
               </a:buBlip>
               <a:defRPr kumimoji="1" sz="2000">
                 <a:solidFill>
@@ -22680,7 +22133,7 @@
               </a:spcBef>
               <a:buSzPct val="70000"/>
               <a:buBlip>
-                <a:blip r:embed="rId6"/>
+                <a:blip r:embed="rId5"/>
               </a:buBlip>
               <a:defRPr kumimoji="1" sz="2000">
                 <a:solidFill>
@@ -22699,7 +22152,7 @@
               </a:spcAft>
               <a:buSzPct val="70000"/>
               <a:buBlip>
-                <a:blip r:embed="rId6"/>
+                <a:blip r:embed="rId5"/>
               </a:buBlip>
               <a:defRPr kumimoji="1" sz="2000">
                 <a:solidFill>
@@ -22718,7 +22171,7 @@
               </a:spcAft>
               <a:buSzPct val="70000"/>
               <a:buBlip>
-                <a:blip r:embed="rId6"/>
+                <a:blip r:embed="rId5"/>
               </a:buBlip>
               <a:defRPr kumimoji="1" sz="2000">
                 <a:solidFill>
@@ -22737,7 +22190,7 @@
               </a:spcAft>
               <a:buSzPct val="70000"/>
               <a:buBlip>
-                <a:blip r:embed="rId6"/>
+                <a:blip r:embed="rId5"/>
               </a:buBlip>
               <a:defRPr kumimoji="1" sz="2000">
                 <a:solidFill>
@@ -22756,7 +22209,7 @@
               </a:spcAft>
               <a:buSzPct val="70000"/>
               <a:buBlip>
-                <a:blip r:embed="rId6"/>
+                <a:blip r:embed="rId5"/>
               </a:buBlip>
               <a:defRPr kumimoji="1" sz="2000">
                 <a:solidFill>
@@ -22867,11 +22320,6 @@
         </p:txBody>
       </p:sp>
     </p:spTree>
-    <p:extLst>
-      <p:ext uri="{BB962C8B-B14F-4D97-AF65-F5344CB8AC3E}">
-        <p14:creationId xmlns:p14="http://schemas.microsoft.com/office/powerpoint/2010/main" val="3401988258"/>
-      </p:ext>
-    </p:extLst>
   </p:cSld>
   <p:clrMapOvr>
     <a:masterClrMapping/>
@@ -22905,13 +22353,7 @@
       </p:grpSpPr>
       <p:sp>
         <p:nvSpPr>
-          <p:cNvPr id="20482" name="Text Box 4">
-            <a:extLst>
-              <a:ext uri="{FF2B5EF4-FFF2-40B4-BE49-F238E27FC236}">
-                <a16:creationId xmlns:a16="http://schemas.microsoft.com/office/drawing/2014/main" id="{EED27883-1F92-42F4-8A3C-5E92150D8DBD}"/>
-              </a:ext>
-            </a:extLst>
-          </p:cNvPr>
+          <p:cNvPr id="20482" name="Text Box 4"/>
           <p:cNvSpPr txBox="1">
             <a:spLocks noChangeArrowheads="1"/>
           </p:cNvSpPr>
@@ -22960,7 +22402,7 @@
               </a:spcBef>
               <a:buSzPct val="90000"/>
               <a:buBlip>
-                <a:blip r:embed="rId2"/>
+                <a:blip r:embed="rId1"/>
               </a:buBlip>
               <a:defRPr kumimoji="1" sz="3200">
                 <a:solidFill>
@@ -22976,7 +22418,7 @@
               </a:spcBef>
               <a:buSzPct val="80000"/>
               <a:buBlip>
-                <a:blip r:embed="rId3"/>
+                <a:blip r:embed="rId2"/>
               </a:buBlip>
               <a:defRPr kumimoji="1" sz="2800">
                 <a:solidFill>
@@ -22992,7 +22434,7 @@
               </a:spcBef>
               <a:buSzPct val="70000"/>
               <a:buBlip>
-                <a:blip r:embed="rId4"/>
+                <a:blip r:embed="rId3"/>
               </a:buBlip>
               <a:defRPr kumimoji="1" sz="2400">
                 <a:solidFill>
@@ -23008,7 +22450,7 @@
               </a:spcBef>
               <a:buSzPct val="70000"/>
               <a:buBlip>
-                <a:blip r:embed="rId5"/>
+                <a:blip r:embed="rId4"/>
               </a:buBlip>
               <a:defRPr kumimoji="1" sz="2000">
                 <a:solidFill>
@@ -23024,7 +22466,7 @@
               </a:spcBef>
               <a:buSzPct val="70000"/>
               <a:buBlip>
-                <a:blip r:embed="rId6"/>
+                <a:blip r:embed="rId5"/>
               </a:buBlip>
               <a:defRPr kumimoji="1" sz="2000">
                 <a:solidFill>
@@ -23043,7 +22485,7 @@
               </a:spcAft>
               <a:buSzPct val="70000"/>
               <a:buBlip>
-                <a:blip r:embed="rId6"/>
+                <a:blip r:embed="rId5"/>
               </a:buBlip>
               <a:defRPr kumimoji="1" sz="2000">
                 <a:solidFill>
@@ -23062,7 +22504,7 @@
               </a:spcAft>
               <a:buSzPct val="70000"/>
               <a:buBlip>
-                <a:blip r:embed="rId6"/>
+                <a:blip r:embed="rId5"/>
               </a:buBlip>
               <a:defRPr kumimoji="1" sz="2000">
                 <a:solidFill>
@@ -23081,7 +22523,7 @@
               </a:spcAft>
               <a:buSzPct val="70000"/>
               <a:buBlip>
-                <a:blip r:embed="rId6"/>
+                <a:blip r:embed="rId5"/>
               </a:buBlip>
               <a:defRPr kumimoji="1" sz="2000">
                 <a:solidFill>
@@ -23100,7 +22542,7 @@
               </a:spcAft>
               <a:buSzPct val="70000"/>
               <a:buBlip>
-                <a:blip r:embed="rId6"/>
+                <a:blip r:embed="rId5"/>
               </a:buBlip>
               <a:defRPr kumimoji="1" sz="2000">
                 <a:solidFill>
@@ -23196,13 +22638,7 @@
           <p:cNvGraphicFramePr>
             <a:graphicFrameLocks noGrp="1"/>
           </p:cNvGraphicFramePr>
-          <p:nvPr>
-            <p:extLst>
-              <p:ext uri="{D42A27DB-BD31-4B8C-83A1-F6EECF244321}">
-                <p14:modId xmlns:p14="http://schemas.microsoft.com/office/powerpoint/2010/main" val="2986850005"/>
-              </p:ext>
-            </p:extLst>
-          </p:nvPr>
+          <p:nvPr/>
         </p:nvGraphicFramePr>
         <p:xfrm>
           <a:off x="1475656" y="2492896"/>
@@ -23215,27 +22651,9 @@
                 <a:tableStyleId>{5940675A-B579-460E-94D1-54222C63F5DA}</a:tableStyleId>
               </a:tblPr>
               <a:tblGrid>
-                <a:gridCol w="1605735">
-                  <a:extLst>
-                    <a:ext uri="{9D8B030D-6E8A-4147-A177-3AD203B41FA5}">
-                      <a16:colId xmlns:a16="http://schemas.microsoft.com/office/drawing/2014/main" val="3954843041"/>
-                    </a:ext>
-                  </a:extLst>
-                </a:gridCol>
-                <a:gridCol w="2509035">
-                  <a:extLst>
-                    <a:ext uri="{9D8B030D-6E8A-4147-A177-3AD203B41FA5}">
-                      <a16:colId xmlns:a16="http://schemas.microsoft.com/office/drawing/2014/main" val="20000"/>
-                    </a:ext>
-                  </a:extLst>
-                </a:gridCol>
-                <a:gridCol w="1933902">
-                  <a:extLst>
-                    <a:ext uri="{9D8B030D-6E8A-4147-A177-3AD203B41FA5}">
-                      <a16:colId xmlns:a16="http://schemas.microsoft.com/office/drawing/2014/main" val="2424106674"/>
-                    </a:ext>
-                  </a:extLst>
-                </a:gridCol>
+                <a:gridCol w="1605735"/>
+                <a:gridCol w="2509035"/>
+                <a:gridCol w="1933902"/>
               </a:tblGrid>
               <a:tr h="576064">
                 <a:tc>
@@ -23449,11 +22867,6 @@
                     </a:lnBlToTr>
                   </a:tcPr>
                 </a:tc>
-                <a:extLst>
-                  <a:ext uri="{0D108BD9-81ED-4DB2-BD59-A6C34878D82A}">
-                    <a16:rowId xmlns:a16="http://schemas.microsoft.com/office/drawing/2014/main" val="10000"/>
-                  </a:ext>
-                </a:extLst>
               </a:tr>
               <a:tr h="576064">
                 <a:tc>
@@ -23624,11 +23037,6 @@
                     </a:lnBlToTr>
                   </a:tcPr>
                 </a:tc>
-                <a:extLst>
-                  <a:ext uri="{0D108BD9-81ED-4DB2-BD59-A6C34878D82A}">
-                    <a16:rowId xmlns:a16="http://schemas.microsoft.com/office/drawing/2014/main" val="2214229490"/>
-                  </a:ext>
-                </a:extLst>
               </a:tr>
               <a:tr h="576064">
                 <a:tc rowSpan="2">
@@ -23650,7 +23058,6 @@
                         <a:buSzTx/>
                         <a:buFontTx/>
                         <a:buNone/>
-                        <a:tabLst/>
                         <a:defRPr/>
                       </a:pPr>
                       <a:r>
@@ -23830,31 +23237,9 @@
                     </a:solidFill>
                   </a:tcPr>
                 </a:tc>
-                <a:extLst>
-                  <a:ext uri="{0D108BD9-81ED-4DB2-BD59-A6C34878D82A}">
-                    <a16:rowId xmlns:a16="http://schemas.microsoft.com/office/drawing/2014/main" val="10001"/>
-                  </a:ext>
-                </a:extLst>
               </a:tr>
               <a:tr h="576064">
                 <a:tc vMerge="1">
-                  <a:txBody>
-                    <a:bodyPr/>
-                    <a:lstStyle/>
-                    <a:p>
-                      <a:pPr algn="ctr">
-                        <a:spcAft>
-                          <a:spcPts val="0"/>
-                        </a:spcAft>
-                      </a:pPr>
-                      <a:endParaRPr lang="zh-CN" sz="1400" b="1" kern="100">
-                        <a:effectLst/>
-                        <a:latin typeface="Times New Roman" panose="02020603050405020304" pitchFamily="18" charset="0"/>
-                        <a:ea typeface="宋体" panose="02010600030101010101" pitchFamily="2" charset="-122"/>
-                        <a:cs typeface="Times New Roman" panose="02020603050405020304" pitchFamily="18" charset="0"/>
-                      </a:endParaRPr>
-                    </a:p>
-                  </a:txBody>
                   <a:tcPr marL="68580" marR="68580" marT="0" marB="0" anchor="ctr">
                     <a:lnL w="12700" cmpd="sng">
                       <a:noFill/>
@@ -24011,22 +23396,12 @@
                     </a:solidFill>
                   </a:tcPr>
                 </a:tc>
-                <a:extLst>
-                  <a:ext uri="{0D108BD9-81ED-4DB2-BD59-A6C34878D82A}">
-                    <a16:rowId xmlns:a16="http://schemas.microsoft.com/office/drawing/2014/main" val="10002"/>
-                  </a:ext>
-                </a:extLst>
               </a:tr>
             </a:tbl>
           </a:graphicData>
         </a:graphic>
       </p:graphicFrame>
     </p:spTree>
-    <p:extLst>
-      <p:ext uri="{BB962C8B-B14F-4D97-AF65-F5344CB8AC3E}">
-        <p14:creationId xmlns:p14="http://schemas.microsoft.com/office/powerpoint/2010/main" val="295833179"/>
-      </p:ext>
-    </p:extLst>
   </p:cSld>
   <p:clrMapOvr>
     <a:masterClrMapping/>
@@ -24060,13 +23435,7 @@
       </p:grpSpPr>
       <p:sp>
         <p:nvSpPr>
-          <p:cNvPr id="20482" name="Text Box 4">
-            <a:extLst>
-              <a:ext uri="{FF2B5EF4-FFF2-40B4-BE49-F238E27FC236}">
-                <a16:creationId xmlns:a16="http://schemas.microsoft.com/office/drawing/2014/main" id="{EED27883-1F92-42F4-8A3C-5E92150D8DBD}"/>
-              </a:ext>
-            </a:extLst>
-          </p:cNvPr>
+          <p:cNvPr id="20482" name="Text Box 4"/>
           <p:cNvSpPr txBox="1">
             <a:spLocks noChangeArrowheads="1"/>
           </p:cNvSpPr>
@@ -24115,7 +23484,7 @@
               </a:spcBef>
               <a:buSzPct val="90000"/>
               <a:buBlip>
-                <a:blip r:embed="rId2"/>
+                <a:blip r:embed="rId1"/>
               </a:buBlip>
               <a:defRPr kumimoji="1" sz="3200">
                 <a:solidFill>
@@ -24131,7 +23500,7 @@
               </a:spcBef>
               <a:buSzPct val="80000"/>
               <a:buBlip>
-                <a:blip r:embed="rId3"/>
+                <a:blip r:embed="rId2"/>
               </a:buBlip>
               <a:defRPr kumimoji="1" sz="2800">
                 <a:solidFill>
@@ -24147,7 +23516,7 @@
               </a:spcBef>
               <a:buSzPct val="70000"/>
               <a:buBlip>
-                <a:blip r:embed="rId4"/>
+                <a:blip r:embed="rId3"/>
               </a:buBlip>
               <a:defRPr kumimoji="1" sz="2400">
                 <a:solidFill>
@@ -24163,7 +23532,7 @@
               </a:spcBef>
               <a:buSzPct val="70000"/>
               <a:buBlip>
-                <a:blip r:embed="rId5"/>
+                <a:blip r:embed="rId4"/>
               </a:buBlip>
               <a:defRPr kumimoji="1" sz="2000">
                 <a:solidFill>
@@ -24179,7 +23548,7 @@
               </a:spcBef>
               <a:buSzPct val="70000"/>
               <a:buBlip>
-                <a:blip r:embed="rId6"/>
+                <a:blip r:embed="rId5"/>
               </a:buBlip>
               <a:defRPr kumimoji="1" sz="2000">
                 <a:solidFill>
@@ -24198,7 +23567,7 @@
               </a:spcAft>
               <a:buSzPct val="70000"/>
               <a:buBlip>
-                <a:blip r:embed="rId6"/>
+                <a:blip r:embed="rId5"/>
               </a:buBlip>
               <a:defRPr kumimoji="1" sz="2000">
                 <a:solidFill>
@@ -24217,7 +23586,7 @@
               </a:spcAft>
               <a:buSzPct val="70000"/>
               <a:buBlip>
-                <a:blip r:embed="rId6"/>
+                <a:blip r:embed="rId5"/>
               </a:buBlip>
               <a:defRPr kumimoji="1" sz="2000">
                 <a:solidFill>
@@ -24236,7 +23605,7 @@
               </a:spcAft>
               <a:buSzPct val="70000"/>
               <a:buBlip>
-                <a:blip r:embed="rId6"/>
+                <a:blip r:embed="rId5"/>
               </a:buBlip>
               <a:defRPr kumimoji="1" sz="2000">
                 <a:solidFill>
@@ -24255,7 +23624,7 @@
               </a:spcAft>
               <a:buSzPct val="70000"/>
               <a:buBlip>
-                <a:blip r:embed="rId6"/>
+                <a:blip r:embed="rId5"/>
               </a:buBlip>
               <a:defRPr kumimoji="1" sz="2000">
                 <a:solidFill>
@@ -24297,13 +23666,7 @@
       </p:sp>
       <p:sp>
         <p:nvSpPr>
-          <p:cNvPr id="2" name="矩形 1">
-            <a:extLst>
-              <a:ext uri="{FF2B5EF4-FFF2-40B4-BE49-F238E27FC236}">
-                <a16:creationId xmlns:a16="http://schemas.microsoft.com/office/drawing/2014/main" id="{681680E6-724E-4601-8025-F11D175FEF3D}"/>
-              </a:ext>
-            </a:extLst>
-          </p:cNvPr>
+          <p:cNvPr id="2" name="矩形 1"/>
           <p:cNvSpPr/>
           <p:nvPr/>
         </p:nvSpPr>
@@ -24357,18 +23720,12 @@
       </p:sp>
       <p:pic>
         <p:nvPicPr>
-          <p:cNvPr id="5" name="图片 4">
-            <a:extLst>
-              <a:ext uri="{FF2B5EF4-FFF2-40B4-BE49-F238E27FC236}">
-                <a16:creationId xmlns:a16="http://schemas.microsoft.com/office/drawing/2014/main" id="{83AB3E07-719B-4CF9-A1C3-3C6DCD09C1EE}"/>
-              </a:ext>
-            </a:extLst>
-          </p:cNvPr>
+          <p:cNvPr id="5" name="图片 4"/>
           <p:cNvPicPr/>
           <p:nvPr/>
         </p:nvPicPr>
         <p:blipFill>
-          <a:blip r:embed="rId7">
+          <a:blip r:embed="rId6">
             <a:extLst>
               <a:ext uri="{28A0092B-C50C-407E-A947-70E740481C1C}">
                 <a14:useLocalDpi xmlns:a14="http://schemas.microsoft.com/office/drawing/2010/main" val="0"/>
@@ -24390,11 +23747,6 @@
         </p:spPr>
       </p:pic>
     </p:spTree>
-    <p:extLst>
-      <p:ext uri="{BB962C8B-B14F-4D97-AF65-F5344CB8AC3E}">
-        <p14:creationId xmlns:p14="http://schemas.microsoft.com/office/powerpoint/2010/main" val="749486128"/>
-      </p:ext>
-    </p:extLst>
   </p:cSld>
   <p:clrMapOvr>
     <a:masterClrMapping/>
@@ -24428,13 +23780,7 @@
       </p:grpSpPr>
       <p:sp>
         <p:nvSpPr>
-          <p:cNvPr id="20482" name="Text Box 4">
-            <a:extLst>
-              <a:ext uri="{FF2B5EF4-FFF2-40B4-BE49-F238E27FC236}">
-                <a16:creationId xmlns:a16="http://schemas.microsoft.com/office/drawing/2014/main" id="{EED27883-1F92-42F4-8A3C-5E92150D8DBD}"/>
-              </a:ext>
-            </a:extLst>
-          </p:cNvPr>
+          <p:cNvPr id="20482" name="Text Box 4"/>
           <p:cNvSpPr txBox="1">
             <a:spLocks noChangeArrowheads="1"/>
           </p:cNvSpPr>
@@ -24483,7 +23829,7 @@
               </a:spcBef>
               <a:buSzPct val="90000"/>
               <a:buBlip>
-                <a:blip r:embed="rId2"/>
+                <a:blip r:embed="rId1"/>
               </a:buBlip>
               <a:defRPr kumimoji="1" sz="3200">
                 <a:solidFill>
@@ -24499,7 +23845,7 @@
               </a:spcBef>
               <a:buSzPct val="80000"/>
               <a:buBlip>
-                <a:blip r:embed="rId3"/>
+                <a:blip r:embed="rId2"/>
               </a:buBlip>
               <a:defRPr kumimoji="1" sz="2800">
                 <a:solidFill>
@@ -24515,7 +23861,7 @@
               </a:spcBef>
               <a:buSzPct val="70000"/>
               <a:buBlip>
-                <a:blip r:embed="rId4"/>
+                <a:blip r:embed="rId3"/>
               </a:buBlip>
               <a:defRPr kumimoji="1" sz="2400">
                 <a:solidFill>
@@ -24531,7 +23877,7 @@
               </a:spcBef>
               <a:buSzPct val="70000"/>
               <a:buBlip>
-                <a:blip r:embed="rId5"/>
+                <a:blip r:embed="rId4"/>
               </a:buBlip>
               <a:defRPr kumimoji="1" sz="2000">
                 <a:solidFill>
@@ -24547,7 +23893,7 @@
               </a:spcBef>
               <a:buSzPct val="70000"/>
               <a:buBlip>
-                <a:blip r:embed="rId6"/>
+                <a:blip r:embed="rId5"/>
               </a:buBlip>
               <a:defRPr kumimoji="1" sz="2000">
                 <a:solidFill>
@@ -24566,7 +23912,7 @@
               </a:spcAft>
               <a:buSzPct val="70000"/>
               <a:buBlip>
-                <a:blip r:embed="rId6"/>
+                <a:blip r:embed="rId5"/>
               </a:buBlip>
               <a:defRPr kumimoji="1" sz="2000">
                 <a:solidFill>
@@ -24585,7 +23931,7 @@
               </a:spcAft>
               <a:buSzPct val="70000"/>
               <a:buBlip>
-                <a:blip r:embed="rId6"/>
+                <a:blip r:embed="rId5"/>
               </a:buBlip>
               <a:defRPr kumimoji="1" sz="2000">
                 <a:solidFill>
@@ -24604,7 +23950,7 @@
               </a:spcAft>
               <a:buSzPct val="70000"/>
               <a:buBlip>
-                <a:blip r:embed="rId6"/>
+                <a:blip r:embed="rId5"/>
               </a:buBlip>
               <a:defRPr kumimoji="1" sz="2000">
                 <a:solidFill>
@@ -24623,7 +23969,7 @@
               </a:spcAft>
               <a:buSzPct val="70000"/>
               <a:buBlip>
-                <a:blip r:embed="rId6"/>
+                <a:blip r:embed="rId5"/>
               </a:buBlip>
               <a:defRPr kumimoji="1" sz="2000">
                 <a:solidFill>
@@ -25005,13 +24351,7 @@
       </p:sp>
       <p:grpSp>
         <p:nvGrpSpPr>
-          <p:cNvPr id="6" name="组合 5">
-            <a:extLst>
-              <a:ext uri="{FF2B5EF4-FFF2-40B4-BE49-F238E27FC236}">
-                <a16:creationId xmlns:a16="http://schemas.microsoft.com/office/drawing/2014/main" id="{A744651A-5F0D-4C9F-B626-A7A1DAD1BB7F}"/>
-              </a:ext>
-            </a:extLst>
-          </p:cNvPr>
+          <p:cNvPr id="6" name="组合 5"/>
           <p:cNvGrpSpPr/>
           <p:nvPr/>
         </p:nvGrpSpPr>
@@ -25025,20 +24365,14 @@
         </p:grpSpPr>
         <p:pic>
           <p:nvPicPr>
-            <p:cNvPr id="7" name="图片 6">
-              <a:extLst>
-                <a:ext uri="{FF2B5EF4-FFF2-40B4-BE49-F238E27FC236}">
-                  <a16:creationId xmlns:a16="http://schemas.microsoft.com/office/drawing/2014/main" id="{EAFBFDD0-24EE-4A45-8A0C-1D3C43ACD7E8}"/>
-                </a:ext>
-              </a:extLst>
-            </p:cNvPr>
+            <p:cNvPr id="7" name="图片 6"/>
             <p:cNvPicPr>
               <a:picLocks noChangeAspect="1"/>
             </p:cNvPicPr>
             <p:nvPr/>
           </p:nvPicPr>
           <p:blipFill>
-            <a:blip r:embed="rId7">
+            <a:blip r:embed="rId6">
               <a:extLst>
                 <a:ext uri="{28A0092B-C50C-407E-A947-70E740481C1C}">
                   <a14:useLocalDpi xmlns:a14="http://schemas.microsoft.com/office/drawing/2010/main" val="0"/>
@@ -25061,20 +24395,12 @@
         </p:pic>
         <p:pic>
           <p:nvPicPr>
-            <p:cNvPr id="8" name="图片 7">
-              <a:extLst>
-                <a:ext uri="{FF2B5EF4-FFF2-40B4-BE49-F238E27FC236}">
-                  <a16:creationId xmlns:a16="http://schemas.microsoft.com/office/drawing/2014/main" id="{B58D3E3E-7D60-4275-BA25-1CE9ED3C0D66}"/>
-                </a:ext>
-              </a:extLst>
-            </p:cNvPr>
-            <p:cNvPicPr>
-              <a:picLocks/>
-            </p:cNvPicPr>
+            <p:cNvPr id="8" name="图片 7"/>
+            <p:cNvPicPr/>
             <p:nvPr/>
           </p:nvPicPr>
           <p:blipFill>
-            <a:blip r:embed="rId8">
+            <a:blip r:embed="rId7">
               <a:extLst>
                 <a:ext uri="{28A0092B-C50C-407E-A947-70E740481C1C}">
                   <a14:useLocalDpi xmlns:a14="http://schemas.microsoft.com/office/drawing/2010/main" val="0"/>
@@ -25097,11 +24423,6 @@
         </p:pic>
       </p:grpSp>
     </p:spTree>
-    <p:extLst>
-      <p:ext uri="{BB962C8B-B14F-4D97-AF65-F5344CB8AC3E}">
-        <p14:creationId xmlns:p14="http://schemas.microsoft.com/office/powerpoint/2010/main" val="1820141323"/>
-      </p:ext>
-    </p:extLst>
   </p:cSld>
   <p:clrMapOvr>
     <a:masterClrMapping/>
@@ -25135,13 +24456,7 @@
       </p:grpSpPr>
       <p:sp>
         <p:nvSpPr>
-          <p:cNvPr id="5" name="矩形 4">
-            <a:extLst>
-              <a:ext uri="{FF2B5EF4-FFF2-40B4-BE49-F238E27FC236}">
-                <a16:creationId xmlns:a16="http://schemas.microsoft.com/office/drawing/2014/main" id="{B2610441-4DF5-4598-87E4-F9FD832C2A86}"/>
-              </a:ext>
-            </a:extLst>
-          </p:cNvPr>
+          <p:cNvPr id="5" name="矩形 4"/>
           <p:cNvSpPr/>
           <p:nvPr/>
         </p:nvSpPr>
@@ -25269,13 +24584,7 @@
       </p:sp>
       <p:sp>
         <p:nvSpPr>
-          <p:cNvPr id="6" name="矩形 5">
-            <a:extLst>
-              <a:ext uri="{FF2B5EF4-FFF2-40B4-BE49-F238E27FC236}">
-                <a16:creationId xmlns:a16="http://schemas.microsoft.com/office/drawing/2014/main" id="{01EC4DC3-C913-44B9-89D5-EC89E2CAB50A}"/>
-              </a:ext>
-            </a:extLst>
-          </p:cNvPr>
+          <p:cNvPr id="6" name="矩形 5"/>
           <p:cNvSpPr/>
           <p:nvPr/>
         </p:nvSpPr>
@@ -25405,13 +24714,7 @@
       </p:sp>
       <p:sp>
         <p:nvSpPr>
-          <p:cNvPr id="7" name="矩形 6">
-            <a:extLst>
-              <a:ext uri="{FF2B5EF4-FFF2-40B4-BE49-F238E27FC236}">
-                <a16:creationId xmlns:a16="http://schemas.microsoft.com/office/drawing/2014/main" id="{D5EEF996-BA7F-4314-9072-3EAA17982265}"/>
-              </a:ext>
-            </a:extLst>
-          </p:cNvPr>
+          <p:cNvPr id="7" name="矩形 6"/>
           <p:cNvSpPr/>
           <p:nvPr/>
         </p:nvSpPr>
@@ -25569,13 +24872,7 @@
       </p:sp>
       <p:sp>
         <p:nvSpPr>
-          <p:cNvPr id="8" name="矩形 7">
-            <a:extLst>
-              <a:ext uri="{FF2B5EF4-FFF2-40B4-BE49-F238E27FC236}">
-                <a16:creationId xmlns:a16="http://schemas.microsoft.com/office/drawing/2014/main" id="{0CFA0F53-ECA8-49C9-9F78-2D3E693CFFBB}"/>
-              </a:ext>
-            </a:extLst>
-          </p:cNvPr>
+          <p:cNvPr id="8" name="矩形 7"/>
           <p:cNvSpPr/>
           <p:nvPr/>
         </p:nvSpPr>
@@ -25671,13 +24968,7 @@
       </p:sp>
       <p:sp>
         <p:nvSpPr>
-          <p:cNvPr id="2" name="矩形 1">
-            <a:extLst>
-              <a:ext uri="{FF2B5EF4-FFF2-40B4-BE49-F238E27FC236}">
-                <a16:creationId xmlns:a16="http://schemas.microsoft.com/office/drawing/2014/main" id="{DFDE60D0-A3CF-4041-A102-05FD1C164927}"/>
-              </a:ext>
-            </a:extLst>
-          </p:cNvPr>
+          <p:cNvPr id="2" name="矩形 1"/>
           <p:cNvSpPr/>
           <p:nvPr/>
         </p:nvSpPr>
@@ -25801,13 +25092,7 @@
       </p:sp>
       <p:sp>
         <p:nvSpPr>
-          <p:cNvPr id="9" name="矩形 8">
-            <a:extLst>
-              <a:ext uri="{FF2B5EF4-FFF2-40B4-BE49-F238E27FC236}">
-                <a16:creationId xmlns:a16="http://schemas.microsoft.com/office/drawing/2014/main" id="{214BC28D-0C82-485E-9B61-3B3044AAE036}"/>
-              </a:ext>
-            </a:extLst>
-          </p:cNvPr>
+          <p:cNvPr id="9" name="矩形 8"/>
           <p:cNvSpPr/>
           <p:nvPr/>
         </p:nvSpPr>
@@ -25860,11 +25145,6 @@
         </p:txBody>
       </p:sp>
     </p:spTree>
-    <p:extLst>
-      <p:ext uri="{BB962C8B-B14F-4D97-AF65-F5344CB8AC3E}">
-        <p14:creationId xmlns:p14="http://schemas.microsoft.com/office/powerpoint/2010/main" val="1657893519"/>
-      </p:ext>
-    </p:extLst>
   </p:cSld>
   <p:clrMapOvr>
     <a:masterClrMapping/>
@@ -25898,13 +25178,7 @@
       </p:grpSpPr>
       <p:sp>
         <p:nvSpPr>
-          <p:cNvPr id="9" name="矩形 8">
-            <a:extLst>
-              <a:ext uri="{FF2B5EF4-FFF2-40B4-BE49-F238E27FC236}">
-                <a16:creationId xmlns:a16="http://schemas.microsoft.com/office/drawing/2014/main" id="{84FB7783-3057-42A5-9D39-203E13BBE53B}"/>
-              </a:ext>
-            </a:extLst>
-          </p:cNvPr>
+          <p:cNvPr id="9" name="矩形 8"/>
           <p:cNvSpPr/>
           <p:nvPr/>
         </p:nvSpPr>
@@ -25932,6 +25206,7 @@
               <a:rPr lang="zh-CN" altLang="en-US" b="1" dirty="0"/>
               <a:t>接下来用动态规划法来求解这个问题：。从问题的求解过程中，可以发现每一步都是从前一个步骤的最优解解集中选一个，然后再走一步即可，如下表所示：</a:t>
             </a:r>
+            <a:endParaRPr lang="zh-CN" altLang="en-US" b="1" dirty="0"/>
           </a:p>
         </p:txBody>
       </p:sp>
@@ -25944,7 +25219,7 @@
           <p:nvPr/>
         </p:nvPicPr>
         <p:blipFill>
-          <a:blip r:embed="rId2"/>
+          <a:blip r:embed="rId1"/>
           <a:stretch>
             <a:fillRect/>
           </a:stretch>
@@ -25960,11 +25235,6 @@
         </p:spPr>
       </p:pic>
     </p:spTree>
-    <p:extLst>
-      <p:ext uri="{BB962C8B-B14F-4D97-AF65-F5344CB8AC3E}">
-        <p14:creationId xmlns:p14="http://schemas.microsoft.com/office/powerpoint/2010/main" val="899643805"/>
-      </p:ext>
-    </p:extLst>
   </p:cSld>
   <p:clrMapOvr>
     <a:masterClrMapping/>
@@ -25998,13 +25268,7 @@
       </p:grpSpPr>
       <p:sp>
         <p:nvSpPr>
-          <p:cNvPr id="9" name="矩形 8">
-            <a:extLst>
-              <a:ext uri="{FF2B5EF4-FFF2-40B4-BE49-F238E27FC236}">
-                <a16:creationId xmlns:a16="http://schemas.microsoft.com/office/drawing/2014/main" id="{84FB7783-3057-42A5-9D39-203E13BBE53B}"/>
-              </a:ext>
-            </a:extLst>
-          </p:cNvPr>
+          <p:cNvPr id="9" name="矩形 8"/>
           <p:cNvSpPr/>
           <p:nvPr/>
         </p:nvSpPr>
@@ -26032,6 +25296,7 @@
               <a:rPr lang="zh-CN" altLang="en-US" b="1" dirty="0"/>
               <a:t>如上表所示，可以得到如下递推公式：</a:t>
             </a:r>
+            <a:endParaRPr lang="zh-CN" altLang="en-US" b="1" dirty="0"/>
           </a:p>
           <a:p>
             <a:pPr>
@@ -26143,15 +25408,11 @@
               <a:rPr lang="zh-CN" altLang="en-US" b="1" dirty="0"/>
               <a:t>元最少需要多少个硬币。上面的递推公式叫做状态转移方程，用来描述状态之间是如何转移的。找出它们是动态规划法解题的关键，在分析问题的过程中，通常情况下是没有办法一眼就看出状态转移方程的，这需要实践积累的，这也是动态规划法的难点所在。</a:t>
             </a:r>
+            <a:endParaRPr lang="zh-CN" altLang="en-US" b="1" dirty="0"/>
           </a:p>
         </p:txBody>
       </p:sp>
     </p:spTree>
-    <p:extLst>
-      <p:ext uri="{BB962C8B-B14F-4D97-AF65-F5344CB8AC3E}">
-        <p14:creationId xmlns:p14="http://schemas.microsoft.com/office/powerpoint/2010/main" val="2297800627"/>
-      </p:ext>
-    </p:extLst>
   </p:cSld>
   <p:clrMapOvr>
     <a:masterClrMapping/>
@@ -26185,13 +25446,7 @@
       </p:grpSpPr>
       <p:sp>
         <p:nvSpPr>
-          <p:cNvPr id="20482" name="Text Box 4">
-            <a:extLst>
-              <a:ext uri="{FF2B5EF4-FFF2-40B4-BE49-F238E27FC236}">
-                <a16:creationId xmlns:a16="http://schemas.microsoft.com/office/drawing/2014/main" id="{EED27883-1F92-42F4-8A3C-5E92150D8DBD}"/>
-              </a:ext>
-            </a:extLst>
-          </p:cNvPr>
+          <p:cNvPr id="20482" name="Text Box 4"/>
           <p:cNvSpPr txBox="1">
             <a:spLocks noChangeArrowheads="1"/>
           </p:cNvSpPr>
@@ -26240,7 +25495,7 @@
               </a:spcBef>
               <a:buSzPct val="90000"/>
               <a:buBlip>
-                <a:blip r:embed="rId2"/>
+                <a:blip r:embed="rId1"/>
               </a:buBlip>
               <a:defRPr kumimoji="1" sz="3200">
                 <a:solidFill>
@@ -26256,7 +25511,7 @@
               </a:spcBef>
               <a:buSzPct val="80000"/>
               <a:buBlip>
-                <a:blip r:embed="rId3"/>
+                <a:blip r:embed="rId2"/>
               </a:buBlip>
               <a:defRPr kumimoji="1" sz="2800">
                 <a:solidFill>
@@ -26272,7 +25527,7 @@
               </a:spcBef>
               <a:buSzPct val="70000"/>
               <a:buBlip>
-                <a:blip r:embed="rId4"/>
+                <a:blip r:embed="rId3"/>
               </a:buBlip>
               <a:defRPr kumimoji="1" sz="2400">
                 <a:solidFill>
@@ -26288,7 +25543,7 @@
               </a:spcBef>
               <a:buSzPct val="70000"/>
               <a:buBlip>
-                <a:blip r:embed="rId5"/>
+                <a:blip r:embed="rId4"/>
               </a:buBlip>
               <a:defRPr kumimoji="1" sz="2000">
                 <a:solidFill>
@@ -26304,7 +25559,7 @@
               </a:spcBef>
               <a:buSzPct val="70000"/>
               <a:buBlip>
-                <a:blip r:embed="rId6"/>
+                <a:blip r:embed="rId5"/>
               </a:buBlip>
               <a:defRPr kumimoji="1" sz="2000">
                 <a:solidFill>
@@ -26323,7 +25578,7 @@
               </a:spcAft>
               <a:buSzPct val="70000"/>
               <a:buBlip>
-                <a:blip r:embed="rId6"/>
+                <a:blip r:embed="rId5"/>
               </a:buBlip>
               <a:defRPr kumimoji="1" sz="2000">
                 <a:solidFill>
@@ -26342,7 +25597,7 @@
               </a:spcAft>
               <a:buSzPct val="70000"/>
               <a:buBlip>
-                <a:blip r:embed="rId6"/>
+                <a:blip r:embed="rId5"/>
               </a:buBlip>
               <a:defRPr kumimoji="1" sz="2000">
                 <a:solidFill>
@@ -26361,7 +25616,7 @@
               </a:spcAft>
               <a:buSzPct val="70000"/>
               <a:buBlip>
-                <a:blip r:embed="rId6"/>
+                <a:blip r:embed="rId5"/>
               </a:buBlip>
               <a:defRPr kumimoji="1" sz="2000">
                 <a:solidFill>
@@ -26380,7 +25635,7 @@
               </a:spcAft>
               <a:buSzPct val="70000"/>
               <a:buBlip>
-                <a:blip r:embed="rId6"/>
+                <a:blip r:embed="rId5"/>
               </a:buBlip>
               <a:defRPr kumimoji="1" sz="2000">
                 <a:solidFill>
@@ -26530,6 +25785,13 @@
               </a:rPr>
               <a:t>如何选择装入背包的物品，使得装入背包中物品的总价值最大。</a:t>
             </a:r>
+            <a:endParaRPr lang="zh-CN" altLang="en-US" sz="2200" dirty="0">
+              <a:solidFill>
+                <a:srgbClr val="080808"/>
+              </a:solidFill>
+              <a:latin typeface="楷体" panose="02010609060101010101" pitchFamily="49" charset="-122"/>
+              <a:ea typeface="楷体" panose="02010609060101010101" pitchFamily="49" charset="-122"/>
+            </a:endParaRPr>
           </a:p>
           <a:p>
             <a:pPr>
@@ -26929,13 +26191,7 @@
       </p:sp>
       <p:sp>
         <p:nvSpPr>
-          <p:cNvPr id="2" name="矩形 1">
-            <a:extLst>
-              <a:ext uri="{FF2B5EF4-FFF2-40B4-BE49-F238E27FC236}">
-                <a16:creationId xmlns:a16="http://schemas.microsoft.com/office/drawing/2014/main" id="{681680E6-724E-4601-8025-F11D175FEF3D}"/>
-              </a:ext>
-            </a:extLst>
-          </p:cNvPr>
+          <p:cNvPr id="2" name="矩形 1"/>
           <p:cNvSpPr/>
           <p:nvPr/>
         </p:nvSpPr>
@@ -26996,18 +26252,12 @@
       </p:sp>
       <p:pic>
         <p:nvPicPr>
-          <p:cNvPr id="6" name="Picture 4">
-            <a:extLst>
-              <a:ext uri="{FF2B5EF4-FFF2-40B4-BE49-F238E27FC236}">
-                <a16:creationId xmlns:a16="http://schemas.microsoft.com/office/drawing/2014/main" id="{CD5FFF92-8AF9-4377-91CF-8E302D712691}"/>
-              </a:ext>
-            </a:extLst>
-          </p:cNvPr>
+          <p:cNvPr id="6" name="Picture 4"/>
           <p:cNvPicPr/>
           <p:nvPr/>
         </p:nvPicPr>
         <p:blipFill>
-          <a:blip r:embed="rId7" cstate="hqprint">
+          <a:blip r:embed="rId6" cstate="hqprint">
             <a:extLst>
               <a:ext uri="{28A0092B-C50C-407E-A947-70E740481C1C}">
                 <a14:useLocalDpi xmlns:a14="http://schemas.microsoft.com/office/drawing/2010/main" val="0"/>
@@ -27034,13 +26284,7 @@
       </p:pic>
       <p:sp>
         <p:nvSpPr>
-          <p:cNvPr id="7" name="Text Box 4">
-            <a:extLst>
-              <a:ext uri="{FF2B5EF4-FFF2-40B4-BE49-F238E27FC236}">
-                <a16:creationId xmlns:a16="http://schemas.microsoft.com/office/drawing/2014/main" id="{CC5B7D8C-7567-46CD-B028-C30973FBEDBB}"/>
-              </a:ext>
-            </a:extLst>
-          </p:cNvPr>
+          <p:cNvPr id="7" name="Text Box 4"/>
           <p:cNvSpPr txBox="1">
             <a:spLocks noChangeArrowheads="1"/>
           </p:cNvSpPr>
@@ -27089,7 +26333,7 @@
               </a:spcBef>
               <a:buSzPct val="90000"/>
               <a:buBlip>
-                <a:blip r:embed="rId2"/>
+                <a:blip r:embed="rId1"/>
               </a:buBlip>
               <a:defRPr kumimoji="1" sz="3200">
                 <a:solidFill>
@@ -27105,7 +26349,7 @@
               </a:spcBef>
               <a:buSzPct val="80000"/>
               <a:buBlip>
-                <a:blip r:embed="rId3"/>
+                <a:blip r:embed="rId2"/>
               </a:buBlip>
               <a:defRPr kumimoji="1" sz="2800">
                 <a:solidFill>
@@ -27121,7 +26365,7 @@
               </a:spcBef>
               <a:buSzPct val="70000"/>
               <a:buBlip>
-                <a:blip r:embed="rId4"/>
+                <a:blip r:embed="rId3"/>
               </a:buBlip>
               <a:defRPr kumimoji="1" sz="2400">
                 <a:solidFill>
@@ -27137,7 +26381,7 @@
               </a:spcBef>
               <a:buSzPct val="70000"/>
               <a:buBlip>
-                <a:blip r:embed="rId5"/>
+                <a:blip r:embed="rId4"/>
               </a:buBlip>
               <a:defRPr kumimoji="1" sz="2000">
                 <a:solidFill>
@@ -27153,7 +26397,7 @@
               </a:spcBef>
               <a:buSzPct val="70000"/>
               <a:buBlip>
-                <a:blip r:embed="rId6"/>
+                <a:blip r:embed="rId5"/>
               </a:buBlip>
               <a:defRPr kumimoji="1" sz="2000">
                 <a:solidFill>
@@ -27172,7 +26416,7 @@
               </a:spcAft>
               <a:buSzPct val="70000"/>
               <a:buBlip>
-                <a:blip r:embed="rId6"/>
+                <a:blip r:embed="rId5"/>
               </a:buBlip>
               <a:defRPr kumimoji="1" sz="2000">
                 <a:solidFill>
@@ -27191,7 +26435,7 @@
               </a:spcAft>
               <a:buSzPct val="70000"/>
               <a:buBlip>
-                <a:blip r:embed="rId6"/>
+                <a:blip r:embed="rId5"/>
               </a:buBlip>
               <a:defRPr kumimoji="1" sz="2000">
                 <a:solidFill>
@@ -27210,7 +26454,7 @@
               </a:spcAft>
               <a:buSzPct val="70000"/>
               <a:buBlip>
-                <a:blip r:embed="rId6"/>
+                <a:blip r:embed="rId5"/>
               </a:buBlip>
               <a:defRPr kumimoji="1" sz="2000">
                 <a:solidFill>
@@ -27229,7 +26473,7 @@
               </a:spcAft>
               <a:buSzPct val="70000"/>
               <a:buBlip>
-                <a:blip r:embed="rId6"/>
+                <a:blip r:embed="rId5"/>
               </a:buBlip>
               <a:defRPr kumimoji="1" sz="2000">
                 <a:solidFill>
@@ -27321,18 +26565,12 @@
       </p:sp>
       <p:pic>
         <p:nvPicPr>
-          <p:cNvPr id="8" name="图片 7">
-            <a:extLst>
-              <a:ext uri="{FF2B5EF4-FFF2-40B4-BE49-F238E27FC236}">
-                <a16:creationId xmlns:a16="http://schemas.microsoft.com/office/drawing/2014/main" id="{D2B34561-9193-4D86-A374-40DEC48FD6DC}"/>
-              </a:ext>
-            </a:extLst>
-          </p:cNvPr>
+          <p:cNvPr id="8" name="图片 7"/>
           <p:cNvPicPr/>
           <p:nvPr/>
         </p:nvPicPr>
         <p:blipFill>
-          <a:blip r:embed="rId8">
+          <a:blip r:embed="rId7">
             <a:extLst>
               <a:ext uri="{28A0092B-C50C-407E-A947-70E740481C1C}">
                 <a14:useLocalDpi xmlns:a14="http://schemas.microsoft.com/office/drawing/2010/main" val="0"/>
@@ -27356,11 +26594,6 @@
         </p:spPr>
       </p:pic>
     </p:spTree>
-    <p:extLst>
-      <p:ext uri="{BB962C8B-B14F-4D97-AF65-F5344CB8AC3E}">
-        <p14:creationId xmlns:p14="http://schemas.microsoft.com/office/powerpoint/2010/main" val="1751132562"/>
-      </p:ext>
-    </p:extLst>
   </p:cSld>
   <p:clrMapOvr>
     <a:masterClrMapping/>
@@ -27394,13 +26627,7 @@
       </p:grpSpPr>
       <p:sp>
         <p:nvSpPr>
-          <p:cNvPr id="20482" name="Text Box 4">
-            <a:extLst>
-              <a:ext uri="{FF2B5EF4-FFF2-40B4-BE49-F238E27FC236}">
-                <a16:creationId xmlns:a16="http://schemas.microsoft.com/office/drawing/2014/main" id="{EED27883-1F92-42F4-8A3C-5E92150D8DBD}"/>
-              </a:ext>
-            </a:extLst>
-          </p:cNvPr>
+          <p:cNvPr id="20482" name="Text Box 4"/>
           <p:cNvSpPr txBox="1">
             <a:spLocks noChangeArrowheads="1"/>
           </p:cNvSpPr>
@@ -27449,7 +26676,7 @@
               </a:spcBef>
               <a:buSzPct val="90000"/>
               <a:buBlip>
-                <a:blip r:embed="rId2"/>
+                <a:blip r:embed="rId1"/>
               </a:buBlip>
               <a:defRPr kumimoji="1" sz="3200">
                 <a:solidFill>
@@ -27465,7 +26692,7 @@
               </a:spcBef>
               <a:buSzPct val="80000"/>
               <a:buBlip>
-                <a:blip r:embed="rId3"/>
+                <a:blip r:embed="rId2"/>
               </a:buBlip>
               <a:defRPr kumimoji="1" sz="2800">
                 <a:solidFill>
@@ -27481,7 +26708,7 @@
               </a:spcBef>
               <a:buSzPct val="70000"/>
               <a:buBlip>
-                <a:blip r:embed="rId4"/>
+                <a:blip r:embed="rId3"/>
               </a:buBlip>
               <a:defRPr kumimoji="1" sz="2400">
                 <a:solidFill>
@@ -27497,7 +26724,7 @@
               </a:spcBef>
               <a:buSzPct val="70000"/>
               <a:buBlip>
-                <a:blip r:embed="rId5"/>
+                <a:blip r:embed="rId4"/>
               </a:buBlip>
               <a:defRPr kumimoji="1" sz="2000">
                 <a:solidFill>
@@ -27513,7 +26740,7 @@
               </a:spcBef>
               <a:buSzPct val="70000"/>
               <a:buBlip>
-                <a:blip r:embed="rId6"/>
+                <a:blip r:embed="rId5"/>
               </a:buBlip>
               <a:defRPr kumimoji="1" sz="2000">
                 <a:solidFill>
@@ -27532,7 +26759,7 @@
               </a:spcAft>
               <a:buSzPct val="70000"/>
               <a:buBlip>
-                <a:blip r:embed="rId6"/>
+                <a:blip r:embed="rId5"/>
               </a:buBlip>
               <a:defRPr kumimoji="1" sz="2000">
                 <a:solidFill>
@@ -27551,7 +26778,7 @@
               </a:spcAft>
               <a:buSzPct val="70000"/>
               <a:buBlip>
-                <a:blip r:embed="rId6"/>
+                <a:blip r:embed="rId5"/>
               </a:buBlip>
               <a:defRPr kumimoji="1" sz="2000">
                 <a:solidFill>
@@ -27570,7 +26797,7 @@
               </a:spcAft>
               <a:buSzPct val="70000"/>
               <a:buBlip>
-                <a:blip r:embed="rId6"/>
+                <a:blip r:embed="rId5"/>
               </a:buBlip>
               <a:defRPr kumimoji="1" sz="2000">
                 <a:solidFill>
@@ -27589,7 +26816,7 @@
               </a:spcAft>
               <a:buSzPct val="70000"/>
               <a:buBlip>
-                <a:blip r:embed="rId6"/>
+                <a:blip r:embed="rId5"/>
               </a:buBlip>
               <a:defRPr kumimoji="1" sz="2000">
                 <a:solidFill>
@@ -27629,6 +26856,13 @@
               </a:rPr>
               <a:t>思路：</a:t>
             </a:r>
+            <a:endParaRPr lang="zh-CN" altLang="en-US" sz="2200" dirty="0">
+              <a:solidFill>
+                <a:srgbClr val="080808"/>
+              </a:solidFill>
+              <a:latin typeface="楷体" panose="02010609060101010101" pitchFamily="49" charset="-122"/>
+              <a:ea typeface="楷体" panose="02010609060101010101" pitchFamily="49" charset="-122"/>
+            </a:endParaRPr>
           </a:p>
           <a:p>
             <a:pPr>
@@ -27789,6 +27023,13 @@
               </a:rPr>
               <a:t>时，有以下两种状态：</a:t>
             </a:r>
+            <a:endParaRPr lang="zh-CN" altLang="en-US" sz="2200" dirty="0">
+              <a:solidFill>
+                <a:srgbClr val="080808"/>
+              </a:solidFill>
+              <a:latin typeface="楷体" panose="02010609060101010101" pitchFamily="49" charset="-122"/>
+              <a:ea typeface="楷体" panose="02010609060101010101" pitchFamily="49" charset="-122"/>
+            </a:endParaRPr>
           </a:p>
           <a:p>
             <a:pPr>
@@ -27869,6 +27110,13 @@
               </a:rPr>
               <a:t>，背包原价值不变；</a:t>
             </a:r>
+            <a:endParaRPr lang="zh-CN" altLang="en-US" sz="2200" dirty="0">
+              <a:solidFill>
+                <a:srgbClr val="080808"/>
+              </a:solidFill>
+              <a:latin typeface="楷体" panose="02010609060101010101" pitchFamily="49" charset="-122"/>
+              <a:ea typeface="楷体" panose="02010609060101010101" pitchFamily="49" charset="-122"/>
+            </a:endParaRPr>
           </a:p>
           <a:p>
             <a:pPr>
@@ -27969,6 +27217,13 @@
               </a:rPr>
               <a:t>。</a:t>
             </a:r>
+            <a:endParaRPr lang="zh-CN" altLang="en-US" sz="2200" dirty="0">
+              <a:solidFill>
+                <a:srgbClr val="080808"/>
+              </a:solidFill>
+              <a:latin typeface="楷体" panose="02010609060101010101" pitchFamily="49" charset="-122"/>
+              <a:ea typeface="楷体" panose="02010609060101010101" pitchFamily="49" charset="-122"/>
+            </a:endParaRPr>
           </a:p>
           <a:p>
             <a:pPr>
@@ -28009,6 +27264,13 @@
               </a:rPr>
               <a:t>决策后的背包价值。</a:t>
             </a:r>
+            <a:endParaRPr lang="zh-CN" altLang="en-US" sz="2200" dirty="0">
+              <a:solidFill>
+                <a:srgbClr val="080808"/>
+              </a:solidFill>
+              <a:latin typeface="楷体" panose="02010609060101010101" pitchFamily="49" charset="-122"/>
+              <a:ea typeface="楷体" panose="02010609060101010101" pitchFamily="49" charset="-122"/>
+            </a:endParaRPr>
           </a:p>
           <a:p>
             <a:pPr>
@@ -28139,25 +27401,26 @@
               </a:rPr>
               <a:t>）的背包获得的最大价值，则可以得到如下状态转移方程：</a:t>
             </a:r>
+            <a:endParaRPr lang="zh-CN" altLang="en-US" sz="2200" dirty="0">
+              <a:solidFill>
+                <a:srgbClr val="080808"/>
+              </a:solidFill>
+              <a:latin typeface="楷体" panose="02010609060101010101" pitchFamily="49" charset="-122"/>
+              <a:ea typeface="楷体" panose="02010609060101010101" pitchFamily="49" charset="-122"/>
+            </a:endParaRPr>
           </a:p>
         </p:txBody>
       </p:sp>
       <p:pic>
         <p:nvPicPr>
-          <p:cNvPr id="3" name="图片 2">
-            <a:extLst>
-              <a:ext uri="{FF2B5EF4-FFF2-40B4-BE49-F238E27FC236}">
-                <a16:creationId xmlns:a16="http://schemas.microsoft.com/office/drawing/2014/main" id="{3784F6E8-15C2-42EF-BB26-73BF41724A05}"/>
-              </a:ext>
-            </a:extLst>
-          </p:cNvPr>
+          <p:cNvPr id="3" name="图片 2"/>
           <p:cNvPicPr>
             <a:picLocks noChangeAspect="1"/>
           </p:cNvPicPr>
           <p:nvPr/>
         </p:nvPicPr>
         <p:blipFill>
-          <a:blip r:embed="rId7"/>
+          <a:blip r:embed="rId6"/>
           <a:stretch>
             <a:fillRect/>
           </a:stretch>
@@ -28173,11 +27436,6 @@
         </p:spPr>
       </p:pic>
     </p:spTree>
-    <p:extLst>
-      <p:ext uri="{BB962C8B-B14F-4D97-AF65-F5344CB8AC3E}">
-        <p14:creationId xmlns:p14="http://schemas.microsoft.com/office/powerpoint/2010/main" val="3619005874"/>
-      </p:ext>
-    </p:extLst>
   </p:cSld>
   <p:clrMapOvr>
     <a:masterClrMapping/>
@@ -28211,13 +27469,7 @@
       </p:grpSpPr>
       <p:sp>
         <p:nvSpPr>
-          <p:cNvPr id="3" name="Text Box 6">
-            <a:extLst>
-              <a:ext uri="{FF2B5EF4-FFF2-40B4-BE49-F238E27FC236}">
-                <a16:creationId xmlns:a16="http://schemas.microsoft.com/office/drawing/2014/main" id="{FECA7CB6-2492-4E84-BB98-B1F24535A828}"/>
-              </a:ext>
-            </a:extLst>
-          </p:cNvPr>
+          <p:cNvPr id="3" name="Text Box 6"/>
           <p:cNvSpPr txBox="1">
             <a:spLocks noChangeArrowheads="1"/>
           </p:cNvSpPr>
@@ -28235,8 +27487,6 @@
           <a:ln w="9525">
             <a:noFill/>
             <a:miter lim="800000"/>
-            <a:headEnd/>
-            <a:tailEnd/>
           </a:ln>
           <a:effectLst/>
         </p:spPr>
@@ -28271,7 +27521,7 @@
                     </a:srgbClr>
                   </a:outerShdw>
                 </a:effectLst>
-                <a:ea typeface="隶书" pitchFamily="49" charset="-122"/>
+                <a:ea typeface="隶书" panose="02010509060101010101" pitchFamily="49" charset="-122"/>
               </a:rPr>
               <a:t>5.1   </a:t>
             </a:r>
@@ -28294,22 +27544,36 @@
                     </a:srgbClr>
                   </a:outerShdw>
                 </a:effectLst>
-                <a:ea typeface="隶书" pitchFamily="49" charset="-122"/>
+                <a:ea typeface="隶书" panose="02010509060101010101" pitchFamily="49" charset="-122"/>
               </a:rPr>
               <a:t>动态规划法概述</a:t>
             </a:r>
+            <a:endParaRPr lang="zh-CN" altLang="en-US" sz="3200" dirty="0">
+              <a:ln w="18000">
+                <a:solidFill>
+                  <a:schemeClr val="accent2">
+                    <a:satMod val="140000"/>
+                  </a:schemeClr>
+                </a:solidFill>
+                <a:prstDash val="solid"/>
+                <a:miter lim="800000"/>
+              </a:ln>
+              <a:noFill/>
+              <a:effectLst>
+                <a:outerShdw blurRad="25500" dist="23000" dir="7020000" algn="tl">
+                  <a:srgbClr val="000000">
+                    <a:alpha val="50000"/>
+                  </a:srgbClr>
+                </a:outerShdw>
+              </a:effectLst>
+              <a:ea typeface="隶书" panose="02010509060101010101" pitchFamily="49" charset="-122"/>
+            </a:endParaRPr>
           </a:p>
         </p:txBody>
       </p:sp>
       <p:sp>
         <p:nvSpPr>
-          <p:cNvPr id="4" name="Text Box 4">
-            <a:extLst>
-              <a:ext uri="{FF2B5EF4-FFF2-40B4-BE49-F238E27FC236}">
-                <a16:creationId xmlns:a16="http://schemas.microsoft.com/office/drawing/2014/main" id="{A9A3C5AF-B40F-4A61-9D32-AB648873C572}"/>
-              </a:ext>
-            </a:extLst>
-          </p:cNvPr>
+          <p:cNvPr id="4" name="Text Box 4"/>
           <p:cNvSpPr txBox="1">
             <a:spLocks noChangeArrowheads="1"/>
           </p:cNvSpPr>
@@ -28358,7 +27622,7 @@
               </a:spcBef>
               <a:buSzPct val="90000"/>
               <a:buBlip>
-                <a:blip r:embed="rId3"/>
+                <a:blip r:embed="rId1"/>
               </a:buBlip>
               <a:defRPr kumimoji="1" sz="3200">
                 <a:solidFill>
@@ -28374,7 +27638,7 @@
               </a:spcBef>
               <a:buSzPct val="80000"/>
               <a:buBlip>
-                <a:blip r:embed="rId4"/>
+                <a:blip r:embed="rId2"/>
               </a:buBlip>
               <a:defRPr kumimoji="1" sz="2800">
                 <a:solidFill>
@@ -28390,7 +27654,7 @@
               </a:spcBef>
               <a:buSzPct val="70000"/>
               <a:buBlip>
-                <a:blip r:embed="rId5"/>
+                <a:blip r:embed="rId3"/>
               </a:buBlip>
               <a:defRPr kumimoji="1" sz="2400">
                 <a:solidFill>
@@ -28406,7 +27670,7 @@
               </a:spcBef>
               <a:buSzPct val="70000"/>
               <a:buBlip>
-                <a:blip r:embed="rId6"/>
+                <a:blip r:embed="rId4"/>
               </a:buBlip>
               <a:defRPr kumimoji="1" sz="2000">
                 <a:solidFill>
@@ -28422,7 +27686,7 @@
               </a:spcBef>
               <a:buSzPct val="70000"/>
               <a:buBlip>
-                <a:blip r:embed="rId7"/>
+                <a:blip r:embed="rId5"/>
               </a:buBlip>
               <a:defRPr kumimoji="1" sz="2000">
                 <a:solidFill>
@@ -28441,7 +27705,7 @@
               </a:spcAft>
               <a:buSzPct val="70000"/>
               <a:buBlip>
-                <a:blip r:embed="rId7"/>
+                <a:blip r:embed="rId5"/>
               </a:buBlip>
               <a:defRPr kumimoji="1" sz="2000">
                 <a:solidFill>
@@ -28460,7 +27724,7 @@
               </a:spcAft>
               <a:buSzPct val="70000"/>
               <a:buBlip>
-                <a:blip r:embed="rId7"/>
+                <a:blip r:embed="rId5"/>
               </a:buBlip>
               <a:defRPr kumimoji="1" sz="2000">
                 <a:solidFill>
@@ -28479,7 +27743,7 @@
               </a:spcAft>
               <a:buSzPct val="70000"/>
               <a:buBlip>
-                <a:blip r:embed="rId7"/>
+                <a:blip r:embed="rId5"/>
               </a:buBlip>
               <a:defRPr kumimoji="1" sz="2000">
                 <a:solidFill>
@@ -28498,7 +27762,7 @@
               </a:spcAft>
               <a:buSzPct val="70000"/>
               <a:buBlip>
-                <a:blip r:embed="rId7"/>
+                <a:blip r:embed="rId5"/>
               </a:buBlip>
               <a:defRPr kumimoji="1" sz="2000">
                 <a:solidFill>
@@ -28528,15 +27792,17 @@
               </a:rPr>
               <a:t>动态规划法是由美国数学家贝尔曼在研究最优控制问题时提出，是一种求解多阶段决策最优化问题的工具，已被成功应用于解决许多领域的问题，是常用的计算机算法设计方法之一。其基本思想是将待求解的问题按阶段分解成若干个子问题，而后按照顺序求解各阶段的子问题，前一阶段子问题的解能够为后一阶段子问题的求解提供信息。在求解任一阶段的子问题时，会列出所有可能的局部解，通过决策保留那些有可能达到最优的局部解。依次解决各阶段的子问题，最后一个阶段子问题的解就是初始问题的解。各个子问题的解只跟它前面的子问题的解相关，其中各个子问题的解都是当前状态下所得的最优解，而整个问题的最优解是由各个子问题的最优解组成的。</a:t>
             </a:r>
+            <a:endParaRPr lang="zh-CN" altLang="en-US" sz="2200" dirty="0">
+              <a:solidFill>
+                <a:srgbClr val="080808"/>
+              </a:solidFill>
+              <a:latin typeface="楷体" panose="02010609060101010101" pitchFamily="49" charset="-122"/>
+              <a:ea typeface="楷体" panose="02010609060101010101" pitchFamily="49" charset="-122"/>
+            </a:endParaRPr>
           </a:p>
         </p:txBody>
       </p:sp>
     </p:spTree>
-    <p:extLst>
-      <p:ext uri="{BB962C8B-B14F-4D97-AF65-F5344CB8AC3E}">
-        <p14:creationId xmlns:p14="http://schemas.microsoft.com/office/powerpoint/2010/main" val="2075309815"/>
-      </p:ext>
-    </p:extLst>
   </p:cSld>
   <p:clrMapOvr>
     <a:masterClrMapping/>
@@ -28570,13 +27836,7 @@
       </p:grpSpPr>
       <p:sp>
         <p:nvSpPr>
-          <p:cNvPr id="20482" name="Text Box 4">
-            <a:extLst>
-              <a:ext uri="{FF2B5EF4-FFF2-40B4-BE49-F238E27FC236}">
-                <a16:creationId xmlns:a16="http://schemas.microsoft.com/office/drawing/2014/main" id="{EED27883-1F92-42F4-8A3C-5E92150D8DBD}"/>
-              </a:ext>
-            </a:extLst>
-          </p:cNvPr>
+          <p:cNvPr id="20482" name="Text Box 4"/>
           <p:cNvSpPr txBox="1">
             <a:spLocks noChangeArrowheads="1"/>
           </p:cNvSpPr>
@@ -28625,7 +27885,7 @@
               </a:spcBef>
               <a:buSzPct val="90000"/>
               <a:buBlip>
-                <a:blip r:embed="rId2"/>
+                <a:blip r:embed="rId1"/>
               </a:buBlip>
               <a:defRPr kumimoji="1" sz="3200">
                 <a:solidFill>
@@ -28641,7 +27901,7 @@
               </a:spcBef>
               <a:buSzPct val="80000"/>
               <a:buBlip>
-                <a:blip r:embed="rId3"/>
+                <a:blip r:embed="rId2"/>
               </a:buBlip>
               <a:defRPr kumimoji="1" sz="2800">
                 <a:solidFill>
@@ -28657,7 +27917,7 @@
               </a:spcBef>
               <a:buSzPct val="70000"/>
               <a:buBlip>
-                <a:blip r:embed="rId4"/>
+                <a:blip r:embed="rId3"/>
               </a:buBlip>
               <a:defRPr kumimoji="1" sz="2400">
                 <a:solidFill>
@@ -28673,7 +27933,7 @@
               </a:spcBef>
               <a:buSzPct val="70000"/>
               <a:buBlip>
-                <a:blip r:embed="rId5"/>
+                <a:blip r:embed="rId4"/>
               </a:buBlip>
               <a:defRPr kumimoji="1" sz="2000">
                 <a:solidFill>
@@ -28689,7 +27949,7 @@
               </a:spcBef>
               <a:buSzPct val="70000"/>
               <a:buBlip>
-                <a:blip r:embed="rId6"/>
+                <a:blip r:embed="rId5"/>
               </a:buBlip>
               <a:defRPr kumimoji="1" sz="2000">
                 <a:solidFill>
@@ -28708,7 +27968,7 @@
               </a:spcAft>
               <a:buSzPct val="70000"/>
               <a:buBlip>
-                <a:blip r:embed="rId6"/>
+                <a:blip r:embed="rId5"/>
               </a:buBlip>
               <a:defRPr kumimoji="1" sz="2000">
                 <a:solidFill>
@@ -28727,7 +27987,7 @@
               </a:spcAft>
               <a:buSzPct val="70000"/>
               <a:buBlip>
-                <a:blip r:embed="rId6"/>
+                <a:blip r:embed="rId5"/>
               </a:buBlip>
               <a:defRPr kumimoji="1" sz="2000">
                 <a:solidFill>
@@ -28746,7 +28006,7 @@
               </a:spcAft>
               <a:buSzPct val="70000"/>
               <a:buBlip>
-                <a:blip r:embed="rId6"/>
+                <a:blip r:embed="rId5"/>
               </a:buBlip>
               <a:defRPr kumimoji="1" sz="2000">
                 <a:solidFill>
@@ -28765,7 +28025,7 @@
               </a:spcAft>
               <a:buSzPct val="70000"/>
               <a:buBlip>
-                <a:blip r:embed="rId6"/>
+                <a:blip r:embed="rId5"/>
               </a:buBlip>
               <a:defRPr kumimoji="1" sz="2000">
                 <a:solidFill>
@@ -28885,6 +28145,13 @@
               </a:rPr>
               <a:t>就不能装入背包；此时背包最大价值都不会发生变化。</a:t>
             </a:r>
+            <a:endParaRPr lang="zh-CN" altLang="en-US" sz="2200" dirty="0">
+              <a:solidFill>
+                <a:srgbClr val="080808"/>
+              </a:solidFill>
+              <a:latin typeface="楷体" panose="02010609060101010101" pitchFamily="49" charset="-122"/>
+              <a:ea typeface="楷体" panose="02010609060101010101" pitchFamily="49" charset="-122"/>
+            </a:endParaRPr>
           </a:p>
           <a:p>
             <a:pPr>
@@ -28985,6 +28252,13 @@
               </a:rPr>
               <a:t>可以装入背包，此时有两个选择：</a:t>
             </a:r>
+            <a:endParaRPr lang="zh-CN" altLang="en-US" sz="2200" dirty="0">
+              <a:solidFill>
+                <a:srgbClr val="080808"/>
+              </a:solidFill>
+              <a:latin typeface="楷体" panose="02010609060101010101" pitchFamily="49" charset="-122"/>
+              <a:ea typeface="楷体" panose="02010609060101010101" pitchFamily="49" charset="-122"/>
+            </a:endParaRPr>
           </a:p>
           <a:p>
             <a:pPr>
@@ -29115,6 +28389,13 @@
               </a:rPr>
               <a:t>；</a:t>
             </a:r>
+            <a:endParaRPr lang="zh-CN" altLang="en-US" sz="2200" dirty="0">
+              <a:solidFill>
+                <a:srgbClr val="080808"/>
+              </a:solidFill>
+              <a:latin typeface="楷体" panose="02010609060101010101" pitchFamily="49" charset="-122"/>
+              <a:ea typeface="楷体" panose="02010609060101010101" pitchFamily="49" charset="-122"/>
+            </a:endParaRPr>
           </a:p>
           <a:p>
             <a:pPr>
@@ -29195,6 +28476,13 @@
               </a:rPr>
               <a:t>的背包中的价值。</a:t>
             </a:r>
+            <a:endParaRPr lang="zh-CN" altLang="en-US" sz="2200" dirty="0">
+              <a:solidFill>
+                <a:srgbClr val="080808"/>
+              </a:solidFill>
+              <a:latin typeface="楷体" panose="02010609060101010101" pitchFamily="49" charset="-122"/>
+              <a:ea typeface="楷体" panose="02010609060101010101" pitchFamily="49" charset="-122"/>
+            </a:endParaRPr>
           </a:p>
           <a:p>
             <a:pPr>
@@ -29215,25 +28503,26 @@
               </a:rPr>
               <a:t>取上述二者中价值较大者作为最优解。</a:t>
             </a:r>
+            <a:endParaRPr lang="zh-CN" altLang="en-US" sz="2200" dirty="0">
+              <a:solidFill>
+                <a:srgbClr val="080808"/>
+              </a:solidFill>
+              <a:latin typeface="楷体" panose="02010609060101010101" pitchFamily="49" charset="-122"/>
+              <a:ea typeface="楷体" panose="02010609060101010101" pitchFamily="49" charset="-122"/>
+            </a:endParaRPr>
           </a:p>
         </p:txBody>
       </p:sp>
       <p:pic>
         <p:nvPicPr>
-          <p:cNvPr id="3" name="图片 2">
-            <a:extLst>
-              <a:ext uri="{FF2B5EF4-FFF2-40B4-BE49-F238E27FC236}">
-                <a16:creationId xmlns:a16="http://schemas.microsoft.com/office/drawing/2014/main" id="{3784F6E8-15C2-42EF-BB26-73BF41724A05}"/>
-              </a:ext>
-            </a:extLst>
-          </p:cNvPr>
+          <p:cNvPr id="3" name="图片 2"/>
           <p:cNvPicPr>
             <a:picLocks noChangeAspect="1"/>
           </p:cNvPicPr>
           <p:nvPr/>
         </p:nvPicPr>
         <p:blipFill>
-          <a:blip r:embed="rId7"/>
+          <a:blip r:embed="rId6"/>
           <a:stretch>
             <a:fillRect/>
           </a:stretch>
@@ -29249,11 +28538,6 @@
         </p:spPr>
       </p:pic>
     </p:spTree>
-    <p:extLst>
-      <p:ext uri="{BB962C8B-B14F-4D97-AF65-F5344CB8AC3E}">
-        <p14:creationId xmlns:p14="http://schemas.microsoft.com/office/powerpoint/2010/main" val="2552650577"/>
-      </p:ext>
-    </p:extLst>
   </p:cSld>
   <p:clrMapOvr>
     <a:masterClrMapping/>
@@ -29287,13 +28571,7 @@
       </p:grpSpPr>
       <p:sp>
         <p:nvSpPr>
-          <p:cNvPr id="3" name="Text Box 4">
-            <a:extLst>
-              <a:ext uri="{FF2B5EF4-FFF2-40B4-BE49-F238E27FC236}">
-                <a16:creationId xmlns:a16="http://schemas.microsoft.com/office/drawing/2014/main" id="{A9A3C5AF-B40F-4A61-9D32-AB648873C572}"/>
-              </a:ext>
-            </a:extLst>
-          </p:cNvPr>
+          <p:cNvPr id="3" name="Text Box 4"/>
           <p:cNvSpPr txBox="1">
             <a:spLocks noChangeArrowheads="1"/>
           </p:cNvSpPr>
@@ -29342,7 +28620,7 @@
               </a:spcBef>
               <a:buSzPct val="90000"/>
               <a:buBlip>
-                <a:blip r:embed="rId2"/>
+                <a:blip r:embed="rId1"/>
               </a:buBlip>
               <a:defRPr kumimoji="1" sz="3200">
                 <a:solidFill>
@@ -29358,7 +28636,7 @@
               </a:spcBef>
               <a:buSzPct val="80000"/>
               <a:buBlip>
-                <a:blip r:embed="rId3"/>
+                <a:blip r:embed="rId2"/>
               </a:buBlip>
               <a:defRPr kumimoji="1" sz="2800">
                 <a:solidFill>
@@ -29374,7 +28652,7 @@
               </a:spcBef>
               <a:buSzPct val="70000"/>
               <a:buBlip>
-                <a:blip r:embed="rId4"/>
+                <a:blip r:embed="rId3"/>
               </a:buBlip>
               <a:defRPr kumimoji="1" sz="2400">
                 <a:solidFill>
@@ -29390,7 +28668,7 @@
               </a:spcBef>
               <a:buSzPct val="70000"/>
               <a:buBlip>
-                <a:blip r:embed="rId5"/>
+                <a:blip r:embed="rId4"/>
               </a:buBlip>
               <a:defRPr kumimoji="1" sz="2000">
                 <a:solidFill>
@@ -29406,7 +28684,7 @@
               </a:spcBef>
               <a:buSzPct val="70000"/>
               <a:buBlip>
-                <a:blip r:embed="rId6"/>
+                <a:blip r:embed="rId5"/>
               </a:buBlip>
               <a:defRPr kumimoji="1" sz="2000">
                 <a:solidFill>
@@ -29425,7 +28703,7 @@
               </a:spcAft>
               <a:buSzPct val="70000"/>
               <a:buBlip>
-                <a:blip r:embed="rId6"/>
+                <a:blip r:embed="rId5"/>
               </a:buBlip>
               <a:defRPr kumimoji="1" sz="2000">
                 <a:solidFill>
@@ -29444,7 +28722,7 @@
               </a:spcAft>
               <a:buSzPct val="70000"/>
               <a:buBlip>
-                <a:blip r:embed="rId6"/>
+                <a:blip r:embed="rId5"/>
               </a:buBlip>
               <a:defRPr kumimoji="1" sz="2000">
                 <a:solidFill>
@@ -29463,7 +28741,7 @@
               </a:spcAft>
               <a:buSzPct val="70000"/>
               <a:buBlip>
-                <a:blip r:embed="rId6"/>
+                <a:blip r:embed="rId5"/>
               </a:buBlip>
               <a:defRPr kumimoji="1" sz="2000">
                 <a:solidFill>
@@ -29482,7 +28760,7 @@
               </a:spcAft>
               <a:buSzPct val="70000"/>
               <a:buBlip>
-                <a:blip r:embed="rId6"/>
+                <a:blip r:embed="rId5"/>
               </a:buBlip>
               <a:defRPr kumimoji="1" sz="2000">
                 <a:solidFill>
@@ -29512,6 +28790,13 @@
               </a:rPr>
               <a:t>动态规划法分析与设计的基本步骤如下：</a:t>
             </a:r>
+            <a:endParaRPr lang="zh-CN" altLang="en-US" sz="2400" dirty="0">
+              <a:solidFill>
+                <a:srgbClr val="080808"/>
+              </a:solidFill>
+              <a:latin typeface="楷体" panose="02010609060101010101" pitchFamily="49" charset="-122"/>
+              <a:ea typeface="楷体" panose="02010609060101010101" pitchFamily="49" charset="-122"/>
+            </a:endParaRPr>
           </a:p>
           <a:p>
             <a:pPr>
@@ -29552,6 +28837,13 @@
               </a:rPr>
               <a:t>）确定状态。将问题发展到各个阶段的状态表示出来。</a:t>
             </a:r>
+            <a:endParaRPr lang="zh-CN" altLang="en-US" sz="2400" dirty="0">
+              <a:solidFill>
+                <a:srgbClr val="080808"/>
+              </a:solidFill>
+              <a:latin typeface="楷体" panose="02010609060101010101" pitchFamily="49" charset="-122"/>
+              <a:ea typeface="楷体" panose="02010609060101010101" pitchFamily="49" charset="-122"/>
+            </a:endParaRPr>
           </a:p>
           <a:p>
             <a:pPr>
@@ -29592,6 +28884,13 @@
               </a:rPr>
               <a:t>）确定状态转移方程。状态转移方程表示如何根据上一阶段的状态和决策来导出本阶段的状态，可以通过分析相邻两个阶段的状态之间的关系来确定状态转移方程。</a:t>
             </a:r>
+            <a:endParaRPr lang="zh-CN" altLang="en-US" sz="2400" dirty="0">
+              <a:solidFill>
+                <a:srgbClr val="080808"/>
+              </a:solidFill>
+              <a:latin typeface="楷体" panose="02010609060101010101" pitchFamily="49" charset="-122"/>
+              <a:ea typeface="楷体" panose="02010609060101010101" pitchFamily="49" charset="-122"/>
+            </a:endParaRPr>
           </a:p>
           <a:p>
             <a:pPr>
@@ -29632,18 +28931,19 @@
               </a:rPr>
               <a:t>）采用以自底向上的方法来计算各个阶段的最优解，并通过这些解来构造问题的最优解。</a:t>
             </a:r>
+            <a:endParaRPr lang="zh-CN" altLang="en-US" sz="2400" dirty="0">
+              <a:solidFill>
+                <a:srgbClr val="080808"/>
+              </a:solidFill>
+              <a:latin typeface="楷体" panose="02010609060101010101" pitchFamily="49" charset="-122"/>
+              <a:ea typeface="楷体" panose="02010609060101010101" pitchFamily="49" charset="-122"/>
+            </a:endParaRPr>
           </a:p>
         </p:txBody>
       </p:sp>
       <p:sp>
         <p:nvSpPr>
-          <p:cNvPr id="4" name="Text Box 3">
-            <a:extLst>
-              <a:ext uri="{FF2B5EF4-FFF2-40B4-BE49-F238E27FC236}">
-                <a16:creationId xmlns:a16="http://schemas.microsoft.com/office/drawing/2014/main" id="{C0E2F760-82C1-408B-895F-A8EFFEB385C4}"/>
-              </a:ext>
-            </a:extLst>
-          </p:cNvPr>
+          <p:cNvPr id="4" name="Text Box 3"/>
           <p:cNvSpPr txBox="1">
             <a:spLocks noChangeArrowheads="1"/>
           </p:cNvSpPr>
@@ -29661,8 +28961,6 @@
           <a:ln w="9525">
             <a:noFill/>
             <a:miter lim="800000"/>
-            <a:headEnd/>
-            <a:tailEnd/>
           </a:ln>
           <a:effectLst/>
         </p:spPr>
@@ -29699,7 +28997,7 @@
                     </a:srgbClr>
                   </a:outerShdw>
                 </a:effectLst>
-                <a:ea typeface="隶书" pitchFamily="49" charset="-122"/>
+                <a:ea typeface="隶书" panose="02010509060101010101" pitchFamily="49" charset="-122"/>
               </a:rPr>
               <a:t>5.3 </a:t>
             </a:r>
@@ -29724,19 +29022,36 @@
                     </a:srgbClr>
                   </a:outerShdw>
                 </a:effectLst>
-                <a:ea typeface="隶书" pitchFamily="49" charset="-122"/>
+                <a:ea typeface="隶书" panose="02010509060101010101" pitchFamily="49" charset="-122"/>
               </a:rPr>
               <a:t>动态规划法分析与设计</a:t>
             </a:r>
+            <a:endParaRPr lang="zh-CN" altLang="en-US" sz="3200" dirty="0">
+              <a:ln w="18000">
+                <a:solidFill>
+                  <a:schemeClr val="accent2">
+                    <a:satMod val="140000"/>
+                  </a:schemeClr>
+                </a:solidFill>
+                <a:prstDash val="solid"/>
+                <a:miter lim="800000"/>
+              </a:ln>
+              <a:solidFill>
+                <a:srgbClr val="080808"/>
+              </a:solidFill>
+              <a:effectLst>
+                <a:outerShdw blurRad="25500" dist="23000" dir="7020000" algn="tl">
+                  <a:srgbClr val="000000">
+                    <a:alpha val="50000"/>
+                  </a:srgbClr>
+                </a:outerShdw>
+              </a:effectLst>
+              <a:ea typeface="隶书" panose="02010509060101010101" pitchFamily="49" charset="-122"/>
+            </a:endParaRPr>
           </a:p>
         </p:txBody>
       </p:sp>
     </p:spTree>
-    <p:extLst>
-      <p:ext uri="{BB962C8B-B14F-4D97-AF65-F5344CB8AC3E}">
-        <p14:creationId xmlns:p14="http://schemas.microsoft.com/office/powerpoint/2010/main" val="2504722812"/>
-      </p:ext>
-    </p:extLst>
   </p:cSld>
   <p:clrMapOvr>
     <a:masterClrMapping/>
@@ -29770,13 +29085,7 @@
       </p:grpSpPr>
       <p:sp>
         <p:nvSpPr>
-          <p:cNvPr id="3" name="Text Box 4">
-            <a:extLst>
-              <a:ext uri="{FF2B5EF4-FFF2-40B4-BE49-F238E27FC236}">
-                <a16:creationId xmlns:a16="http://schemas.microsoft.com/office/drawing/2014/main" id="{A9A3C5AF-B40F-4A61-9D32-AB648873C572}"/>
-              </a:ext>
-            </a:extLst>
-          </p:cNvPr>
+          <p:cNvPr id="3" name="Text Box 4"/>
           <p:cNvSpPr txBox="1">
             <a:spLocks noChangeArrowheads="1"/>
           </p:cNvSpPr>
@@ -29825,7 +29134,7 @@
               </a:spcBef>
               <a:buSzPct val="90000"/>
               <a:buBlip>
-                <a:blip r:embed="rId2"/>
+                <a:blip r:embed="rId1"/>
               </a:buBlip>
               <a:defRPr kumimoji="1" sz="3200">
                 <a:solidFill>
@@ -29841,7 +29150,7 @@
               </a:spcBef>
               <a:buSzPct val="80000"/>
               <a:buBlip>
-                <a:blip r:embed="rId3"/>
+                <a:blip r:embed="rId2"/>
               </a:buBlip>
               <a:defRPr kumimoji="1" sz="2800">
                 <a:solidFill>
@@ -29857,7 +29166,7 @@
               </a:spcBef>
               <a:buSzPct val="70000"/>
               <a:buBlip>
-                <a:blip r:embed="rId4"/>
+                <a:blip r:embed="rId3"/>
               </a:buBlip>
               <a:defRPr kumimoji="1" sz="2400">
                 <a:solidFill>
@@ -29873,7 +29182,7 @@
               </a:spcBef>
               <a:buSzPct val="70000"/>
               <a:buBlip>
-                <a:blip r:embed="rId5"/>
+                <a:blip r:embed="rId4"/>
               </a:buBlip>
               <a:defRPr kumimoji="1" sz="2000">
                 <a:solidFill>
@@ -29889,7 +29198,7 @@
               </a:spcBef>
               <a:buSzPct val="70000"/>
               <a:buBlip>
-                <a:blip r:embed="rId6"/>
+                <a:blip r:embed="rId5"/>
               </a:buBlip>
               <a:defRPr kumimoji="1" sz="2000">
                 <a:solidFill>
@@ -29908,7 +29217,7 @@
               </a:spcAft>
               <a:buSzPct val="70000"/>
               <a:buBlip>
-                <a:blip r:embed="rId6"/>
+                <a:blip r:embed="rId5"/>
               </a:buBlip>
               <a:defRPr kumimoji="1" sz="2000">
                 <a:solidFill>
@@ -29927,7 +29236,7 @@
               </a:spcAft>
               <a:buSzPct val="70000"/>
               <a:buBlip>
-                <a:blip r:embed="rId6"/>
+                <a:blip r:embed="rId5"/>
               </a:buBlip>
               <a:defRPr kumimoji="1" sz="2000">
                 <a:solidFill>
@@ -29946,7 +29255,7 @@
               </a:spcAft>
               <a:buSzPct val="70000"/>
               <a:buBlip>
-                <a:blip r:embed="rId6"/>
+                <a:blip r:embed="rId5"/>
               </a:buBlip>
               <a:defRPr kumimoji="1" sz="2000">
                 <a:solidFill>
@@ -29965,7 +29274,7 @@
               </a:spcAft>
               <a:buSzPct val="70000"/>
               <a:buBlip>
-                <a:blip r:embed="rId6"/>
+                <a:blip r:embed="rId5"/>
               </a:buBlip>
               <a:defRPr kumimoji="1" sz="2000">
                 <a:solidFill>
@@ -30025,6 +29334,13 @@
               </a:rPr>
               <a:t>斐波那契数列。</a:t>
             </a:r>
+            <a:endParaRPr lang="zh-CN" altLang="en-US" sz="2400" dirty="0">
+              <a:solidFill>
+                <a:srgbClr val="080808"/>
+              </a:solidFill>
+              <a:latin typeface="楷体" panose="02010609060101010101" pitchFamily="49" charset="-122"/>
+              <a:ea typeface="楷体" panose="02010609060101010101" pitchFamily="49" charset="-122"/>
+            </a:endParaRPr>
           </a:p>
           <a:p>
             <a:pPr>
@@ -30045,6 +29361,13 @@
               </a:rPr>
               <a:t> 解题思路：</a:t>
             </a:r>
+            <a:endParaRPr lang="zh-CN" altLang="en-US" sz="2400" dirty="0">
+              <a:solidFill>
+                <a:srgbClr val="080808"/>
+              </a:solidFill>
+              <a:latin typeface="楷体" panose="02010609060101010101" pitchFamily="49" charset="-122"/>
+              <a:ea typeface="楷体" panose="02010609060101010101" pitchFamily="49" charset="-122"/>
+            </a:endParaRPr>
           </a:p>
           <a:p>
             <a:pPr>
@@ -30125,6 +29448,13 @@
               </a:rPr>
               <a:t>个数的值；</a:t>
             </a:r>
+            <a:endParaRPr lang="zh-CN" altLang="en-US" sz="2400" dirty="0">
+              <a:solidFill>
+                <a:srgbClr val="080808"/>
+              </a:solidFill>
+              <a:latin typeface="楷体" panose="02010609060101010101" pitchFamily="49" charset="-122"/>
+              <a:ea typeface="楷体" panose="02010609060101010101" pitchFamily="49" charset="-122"/>
+            </a:endParaRPr>
           </a:p>
           <a:p>
             <a:pPr>
@@ -30165,25 +29495,26 @@
               </a:rPr>
               <a:t>）状态转移方程：</a:t>
             </a:r>
+            <a:endParaRPr lang="zh-CN" altLang="en-US" sz="2400" dirty="0">
+              <a:solidFill>
+                <a:srgbClr val="080808"/>
+              </a:solidFill>
+              <a:latin typeface="楷体" panose="02010609060101010101" pitchFamily="49" charset="-122"/>
+              <a:ea typeface="楷体" panose="02010609060101010101" pitchFamily="49" charset="-122"/>
+            </a:endParaRPr>
           </a:p>
         </p:txBody>
       </p:sp>
       <p:pic>
         <p:nvPicPr>
-          <p:cNvPr id="2" name="图片 1">
-            <a:extLst>
-              <a:ext uri="{FF2B5EF4-FFF2-40B4-BE49-F238E27FC236}">
-                <a16:creationId xmlns:a16="http://schemas.microsoft.com/office/drawing/2014/main" id="{3B6F79FB-65D1-423D-AF78-31F48AEF6936}"/>
-              </a:ext>
-            </a:extLst>
-          </p:cNvPr>
+          <p:cNvPr id="2" name="图片 1"/>
           <p:cNvPicPr>
             <a:picLocks noChangeAspect="1"/>
           </p:cNvPicPr>
           <p:nvPr/>
         </p:nvPicPr>
         <p:blipFill>
-          <a:blip r:embed="rId7"/>
+          <a:blip r:embed="rId6"/>
           <a:stretch>
             <a:fillRect/>
           </a:stretch>
@@ -30200,13 +29531,7 @@
       </p:pic>
       <p:sp>
         <p:nvSpPr>
-          <p:cNvPr id="5" name="Text Box 4">
-            <a:extLst>
-              <a:ext uri="{FF2B5EF4-FFF2-40B4-BE49-F238E27FC236}">
-                <a16:creationId xmlns:a16="http://schemas.microsoft.com/office/drawing/2014/main" id="{5C77F419-EA4C-4197-A3CF-2250AD55D4E1}"/>
-              </a:ext>
-            </a:extLst>
-          </p:cNvPr>
+          <p:cNvPr id="5" name="Text Box 4"/>
           <p:cNvSpPr txBox="1">
             <a:spLocks noChangeArrowheads="1"/>
           </p:cNvSpPr>
@@ -30255,7 +29580,7 @@
               </a:spcBef>
               <a:buSzPct val="90000"/>
               <a:buBlip>
-                <a:blip r:embed="rId2"/>
+                <a:blip r:embed="rId1"/>
               </a:buBlip>
               <a:defRPr kumimoji="1" sz="3200">
                 <a:solidFill>
@@ -30271,7 +29596,7 @@
               </a:spcBef>
               <a:buSzPct val="80000"/>
               <a:buBlip>
-                <a:blip r:embed="rId3"/>
+                <a:blip r:embed="rId2"/>
               </a:buBlip>
               <a:defRPr kumimoji="1" sz="2800">
                 <a:solidFill>
@@ -30287,7 +29612,7 @@
               </a:spcBef>
               <a:buSzPct val="70000"/>
               <a:buBlip>
-                <a:blip r:embed="rId4"/>
+                <a:blip r:embed="rId3"/>
               </a:buBlip>
               <a:defRPr kumimoji="1" sz="2400">
                 <a:solidFill>
@@ -30303,7 +29628,7 @@
               </a:spcBef>
               <a:buSzPct val="70000"/>
               <a:buBlip>
-                <a:blip r:embed="rId5"/>
+                <a:blip r:embed="rId4"/>
               </a:buBlip>
               <a:defRPr kumimoji="1" sz="2000">
                 <a:solidFill>
@@ -30319,7 +29644,7 @@
               </a:spcBef>
               <a:buSzPct val="70000"/>
               <a:buBlip>
-                <a:blip r:embed="rId6"/>
+                <a:blip r:embed="rId5"/>
               </a:buBlip>
               <a:defRPr kumimoji="1" sz="2000">
                 <a:solidFill>
@@ -30338,7 +29663,7 @@
               </a:spcAft>
               <a:buSzPct val="70000"/>
               <a:buBlip>
-                <a:blip r:embed="rId6"/>
+                <a:blip r:embed="rId5"/>
               </a:buBlip>
               <a:defRPr kumimoji="1" sz="2000">
                 <a:solidFill>
@@ -30357,7 +29682,7 @@
               </a:spcAft>
               <a:buSzPct val="70000"/>
               <a:buBlip>
-                <a:blip r:embed="rId6"/>
+                <a:blip r:embed="rId5"/>
               </a:buBlip>
               <a:defRPr kumimoji="1" sz="2000">
                 <a:solidFill>
@@ -30376,7 +29701,7 @@
               </a:spcAft>
               <a:buSzPct val="70000"/>
               <a:buBlip>
-                <a:blip r:embed="rId6"/>
+                <a:blip r:embed="rId5"/>
               </a:buBlip>
               <a:defRPr kumimoji="1" sz="2000">
                 <a:solidFill>
@@ -30395,7 +29720,7 @@
               </a:spcAft>
               <a:buSzPct val="70000"/>
               <a:buBlip>
-                <a:blip r:embed="rId6"/>
+                <a:blip r:embed="rId5"/>
               </a:buBlip>
               <a:defRPr kumimoji="1" sz="2000">
                 <a:solidFill>
@@ -30445,25 +29770,26 @@
               </a:rPr>
               <a:t>）以自底向上的方法来计算最优解：</a:t>
             </a:r>
+            <a:endParaRPr lang="zh-CN" altLang="en-US" sz="2400" dirty="0">
+              <a:solidFill>
+                <a:srgbClr val="080808"/>
+              </a:solidFill>
+              <a:latin typeface="楷体" panose="02010609060101010101" pitchFamily="49" charset="-122"/>
+              <a:ea typeface="楷体" panose="02010609060101010101" pitchFamily="49" charset="-122"/>
+            </a:endParaRPr>
           </a:p>
         </p:txBody>
       </p:sp>
       <p:pic>
         <p:nvPicPr>
-          <p:cNvPr id="4" name="图片 3">
-            <a:extLst>
-              <a:ext uri="{FF2B5EF4-FFF2-40B4-BE49-F238E27FC236}">
-                <a16:creationId xmlns:a16="http://schemas.microsoft.com/office/drawing/2014/main" id="{72B50EED-CC62-47E1-9791-6FD2CFEE9C37}"/>
-              </a:ext>
-            </a:extLst>
-          </p:cNvPr>
+          <p:cNvPr id="4" name="图片 3"/>
           <p:cNvPicPr>
             <a:picLocks noChangeAspect="1"/>
           </p:cNvPicPr>
           <p:nvPr/>
         </p:nvPicPr>
         <p:blipFill>
-          <a:blip r:embed="rId8"/>
+          <a:blip r:embed="rId7"/>
           <a:stretch>
             <a:fillRect/>
           </a:stretch>
@@ -30479,11 +29805,6 @@
         </p:spPr>
       </p:pic>
     </p:spTree>
-    <p:extLst>
-      <p:ext uri="{BB962C8B-B14F-4D97-AF65-F5344CB8AC3E}">
-        <p14:creationId xmlns:p14="http://schemas.microsoft.com/office/powerpoint/2010/main" val="4198050418"/>
-      </p:ext>
-    </p:extLst>
   </p:cSld>
   <p:clrMapOvr>
     <a:masterClrMapping/>
@@ -30517,13 +29838,7 @@
       </p:grpSpPr>
       <p:sp>
         <p:nvSpPr>
-          <p:cNvPr id="3" name="Text Box 4">
-            <a:extLst>
-              <a:ext uri="{FF2B5EF4-FFF2-40B4-BE49-F238E27FC236}">
-                <a16:creationId xmlns:a16="http://schemas.microsoft.com/office/drawing/2014/main" id="{A9A3C5AF-B40F-4A61-9D32-AB648873C572}"/>
-              </a:ext>
-            </a:extLst>
-          </p:cNvPr>
+          <p:cNvPr id="3" name="Text Box 4"/>
           <p:cNvSpPr txBox="1">
             <a:spLocks noChangeArrowheads="1"/>
           </p:cNvSpPr>
@@ -30572,7 +29887,7 @@
               </a:spcBef>
               <a:buSzPct val="90000"/>
               <a:buBlip>
-                <a:blip r:embed="rId2"/>
+                <a:blip r:embed="rId1"/>
               </a:buBlip>
               <a:defRPr kumimoji="1" sz="3200">
                 <a:solidFill>
@@ -30588,7 +29903,7 @@
               </a:spcBef>
               <a:buSzPct val="80000"/>
               <a:buBlip>
-                <a:blip r:embed="rId3"/>
+                <a:blip r:embed="rId2"/>
               </a:buBlip>
               <a:defRPr kumimoji="1" sz="2800">
                 <a:solidFill>
@@ -30604,7 +29919,7 @@
               </a:spcBef>
               <a:buSzPct val="70000"/>
               <a:buBlip>
-                <a:blip r:embed="rId4"/>
+                <a:blip r:embed="rId3"/>
               </a:buBlip>
               <a:defRPr kumimoji="1" sz="2400">
                 <a:solidFill>
@@ -30620,7 +29935,7 @@
               </a:spcBef>
               <a:buSzPct val="70000"/>
               <a:buBlip>
-                <a:blip r:embed="rId5"/>
+                <a:blip r:embed="rId4"/>
               </a:buBlip>
               <a:defRPr kumimoji="1" sz="2000">
                 <a:solidFill>
@@ -30636,7 +29951,7 @@
               </a:spcBef>
               <a:buSzPct val="70000"/>
               <a:buBlip>
-                <a:blip r:embed="rId6"/>
+                <a:blip r:embed="rId5"/>
               </a:buBlip>
               <a:defRPr kumimoji="1" sz="2000">
                 <a:solidFill>
@@ -30655,7 +29970,7 @@
               </a:spcAft>
               <a:buSzPct val="70000"/>
               <a:buBlip>
-                <a:blip r:embed="rId6"/>
+                <a:blip r:embed="rId5"/>
               </a:buBlip>
               <a:defRPr kumimoji="1" sz="2000">
                 <a:solidFill>
@@ -30674,7 +29989,7 @@
               </a:spcAft>
               <a:buSzPct val="70000"/>
               <a:buBlip>
-                <a:blip r:embed="rId6"/>
+                <a:blip r:embed="rId5"/>
               </a:buBlip>
               <a:defRPr kumimoji="1" sz="2000">
                 <a:solidFill>
@@ -30693,7 +30008,7 @@
               </a:spcAft>
               <a:buSzPct val="70000"/>
               <a:buBlip>
-                <a:blip r:embed="rId6"/>
+                <a:blip r:embed="rId5"/>
               </a:buBlip>
               <a:defRPr kumimoji="1" sz="2000">
                 <a:solidFill>
@@ -30712,7 +30027,7 @@
               </a:spcAft>
               <a:buSzPct val="70000"/>
               <a:buBlip>
-                <a:blip r:embed="rId6"/>
+                <a:blip r:embed="rId5"/>
               </a:buBlip>
               <a:defRPr kumimoji="1" sz="2000">
                 <a:solidFill>
@@ -30772,6 +30087,13 @@
               </a:rPr>
               <a:t>求阶乘问题。</a:t>
             </a:r>
+            <a:endParaRPr lang="zh-CN" altLang="en-US" sz="2400" dirty="0">
+              <a:solidFill>
+                <a:srgbClr val="080808"/>
+              </a:solidFill>
+              <a:latin typeface="楷体" panose="02010609060101010101" pitchFamily="49" charset="-122"/>
+              <a:ea typeface="楷体" panose="02010609060101010101" pitchFamily="49" charset="-122"/>
+            </a:endParaRPr>
           </a:p>
           <a:p>
             <a:pPr>
@@ -30852,6 +30174,13 @@
               </a:rPr>
               <a:t>个数的值；</a:t>
             </a:r>
+            <a:endParaRPr lang="zh-CN" altLang="en-US" sz="2400" dirty="0">
+              <a:solidFill>
+                <a:srgbClr val="080808"/>
+              </a:solidFill>
+              <a:latin typeface="楷体" panose="02010609060101010101" pitchFamily="49" charset="-122"/>
+              <a:ea typeface="楷体" panose="02010609060101010101" pitchFamily="49" charset="-122"/>
+            </a:endParaRPr>
           </a:p>
           <a:p>
             <a:pPr>
@@ -30892,18 +30221,19 @@
               </a:rPr>
               <a:t>）状态转移方程：</a:t>
             </a:r>
+            <a:endParaRPr lang="zh-CN" altLang="en-US" sz="2400" dirty="0">
+              <a:solidFill>
+                <a:srgbClr val="080808"/>
+              </a:solidFill>
+              <a:latin typeface="楷体" panose="02010609060101010101" pitchFamily="49" charset="-122"/>
+              <a:ea typeface="楷体" panose="02010609060101010101" pitchFamily="49" charset="-122"/>
+            </a:endParaRPr>
           </a:p>
         </p:txBody>
       </p:sp>
       <p:sp>
         <p:nvSpPr>
-          <p:cNvPr id="5" name="Text Box 4">
-            <a:extLst>
-              <a:ext uri="{FF2B5EF4-FFF2-40B4-BE49-F238E27FC236}">
-                <a16:creationId xmlns:a16="http://schemas.microsoft.com/office/drawing/2014/main" id="{5C77F419-EA4C-4197-A3CF-2250AD55D4E1}"/>
-              </a:ext>
-            </a:extLst>
-          </p:cNvPr>
+          <p:cNvPr id="5" name="Text Box 4"/>
           <p:cNvSpPr txBox="1">
             <a:spLocks noChangeArrowheads="1"/>
           </p:cNvSpPr>
@@ -30952,7 +30282,7 @@
               </a:spcBef>
               <a:buSzPct val="90000"/>
               <a:buBlip>
-                <a:blip r:embed="rId2"/>
+                <a:blip r:embed="rId1"/>
               </a:buBlip>
               <a:defRPr kumimoji="1" sz="3200">
                 <a:solidFill>
@@ -30968,7 +30298,7 @@
               </a:spcBef>
               <a:buSzPct val="80000"/>
               <a:buBlip>
-                <a:blip r:embed="rId3"/>
+                <a:blip r:embed="rId2"/>
               </a:buBlip>
               <a:defRPr kumimoji="1" sz="2800">
                 <a:solidFill>
@@ -30984,7 +30314,7 @@
               </a:spcBef>
               <a:buSzPct val="70000"/>
               <a:buBlip>
-                <a:blip r:embed="rId4"/>
+                <a:blip r:embed="rId3"/>
               </a:buBlip>
               <a:defRPr kumimoji="1" sz="2400">
                 <a:solidFill>
@@ -31000,7 +30330,7 @@
               </a:spcBef>
               <a:buSzPct val="70000"/>
               <a:buBlip>
-                <a:blip r:embed="rId5"/>
+                <a:blip r:embed="rId4"/>
               </a:buBlip>
               <a:defRPr kumimoji="1" sz="2000">
                 <a:solidFill>
@@ -31016,7 +30346,7 @@
               </a:spcBef>
               <a:buSzPct val="70000"/>
               <a:buBlip>
-                <a:blip r:embed="rId6"/>
+                <a:blip r:embed="rId5"/>
               </a:buBlip>
               <a:defRPr kumimoji="1" sz="2000">
                 <a:solidFill>
@@ -31035,7 +30365,7 @@
               </a:spcAft>
               <a:buSzPct val="70000"/>
               <a:buBlip>
-                <a:blip r:embed="rId6"/>
+                <a:blip r:embed="rId5"/>
               </a:buBlip>
               <a:defRPr kumimoji="1" sz="2000">
                 <a:solidFill>
@@ -31054,7 +30384,7 @@
               </a:spcAft>
               <a:buSzPct val="70000"/>
               <a:buBlip>
-                <a:blip r:embed="rId6"/>
+                <a:blip r:embed="rId5"/>
               </a:buBlip>
               <a:defRPr kumimoji="1" sz="2000">
                 <a:solidFill>
@@ -31073,7 +30403,7 @@
               </a:spcAft>
               <a:buSzPct val="70000"/>
               <a:buBlip>
-                <a:blip r:embed="rId6"/>
+                <a:blip r:embed="rId5"/>
               </a:buBlip>
               <a:defRPr kumimoji="1" sz="2000">
                 <a:solidFill>
@@ -31092,7 +30422,7 @@
               </a:spcAft>
               <a:buSzPct val="70000"/>
               <a:buBlip>
-                <a:blip r:embed="rId6"/>
+                <a:blip r:embed="rId5"/>
               </a:buBlip>
               <a:defRPr kumimoji="1" sz="2000">
                 <a:solidFill>
@@ -31142,25 +30472,26 @@
               </a:rPr>
               <a:t>）以自底向上的方法来计算最优解：</a:t>
             </a:r>
+            <a:endParaRPr lang="zh-CN" altLang="en-US" sz="2400" dirty="0">
+              <a:solidFill>
+                <a:srgbClr val="080808"/>
+              </a:solidFill>
+              <a:latin typeface="楷体" panose="02010609060101010101" pitchFamily="49" charset="-122"/>
+              <a:ea typeface="楷体" panose="02010609060101010101" pitchFamily="49" charset="-122"/>
+            </a:endParaRPr>
           </a:p>
         </p:txBody>
       </p:sp>
       <p:pic>
         <p:nvPicPr>
-          <p:cNvPr id="2" name="图片 1">
-            <a:extLst>
-              <a:ext uri="{FF2B5EF4-FFF2-40B4-BE49-F238E27FC236}">
-                <a16:creationId xmlns:a16="http://schemas.microsoft.com/office/drawing/2014/main" id="{E17C48DF-75DF-40C5-8A35-DA091CA099A5}"/>
-              </a:ext>
-            </a:extLst>
-          </p:cNvPr>
+          <p:cNvPr id="2" name="图片 1"/>
           <p:cNvPicPr>
             <a:picLocks noChangeAspect="1"/>
           </p:cNvPicPr>
           <p:nvPr/>
         </p:nvPicPr>
         <p:blipFill>
-          <a:blip r:embed="rId7"/>
+          <a:blip r:embed="rId6"/>
           <a:stretch>
             <a:fillRect/>
           </a:stretch>
@@ -31177,20 +30508,14 @@
       </p:pic>
       <p:pic>
         <p:nvPicPr>
-          <p:cNvPr id="6" name="图片 5">
-            <a:extLst>
-              <a:ext uri="{FF2B5EF4-FFF2-40B4-BE49-F238E27FC236}">
-                <a16:creationId xmlns:a16="http://schemas.microsoft.com/office/drawing/2014/main" id="{900FA7D7-5622-4A48-8220-F0A64195E922}"/>
-              </a:ext>
-            </a:extLst>
-          </p:cNvPr>
+          <p:cNvPr id="6" name="图片 5"/>
           <p:cNvPicPr>
             <a:picLocks noChangeAspect="1"/>
           </p:cNvPicPr>
           <p:nvPr/>
         </p:nvPicPr>
         <p:blipFill>
-          <a:blip r:embed="rId8"/>
+          <a:blip r:embed="rId7"/>
           <a:stretch>
             <a:fillRect/>
           </a:stretch>
@@ -31206,11 +30531,6 @@
         </p:spPr>
       </p:pic>
     </p:spTree>
-    <p:extLst>
-      <p:ext uri="{BB962C8B-B14F-4D97-AF65-F5344CB8AC3E}">
-        <p14:creationId xmlns:p14="http://schemas.microsoft.com/office/powerpoint/2010/main" val="941891423"/>
-      </p:ext>
-    </p:extLst>
   </p:cSld>
   <p:clrMapOvr>
     <a:masterClrMapping/>
@@ -31312,13 +30632,7 @@
       </p:grpSpPr>
       <p:sp>
         <p:nvSpPr>
-          <p:cNvPr id="3" name="Text Box 4">
-            <a:extLst>
-              <a:ext uri="{FF2B5EF4-FFF2-40B4-BE49-F238E27FC236}">
-                <a16:creationId xmlns:a16="http://schemas.microsoft.com/office/drawing/2014/main" id="{A9A3C5AF-B40F-4A61-9D32-AB648873C572}"/>
-              </a:ext>
-            </a:extLst>
-          </p:cNvPr>
+          <p:cNvPr id="3" name="Text Box 4"/>
           <p:cNvSpPr txBox="1">
             <a:spLocks noChangeArrowheads="1"/>
           </p:cNvSpPr>
@@ -31367,7 +30681,7 @@
               </a:spcBef>
               <a:buSzPct val="90000"/>
               <a:buBlip>
-                <a:blip r:embed="rId2"/>
+                <a:blip r:embed="rId1"/>
               </a:buBlip>
               <a:defRPr kumimoji="1" sz="3200">
                 <a:solidFill>
@@ -31383,7 +30697,7 @@
               </a:spcBef>
               <a:buSzPct val="80000"/>
               <a:buBlip>
-                <a:blip r:embed="rId3"/>
+                <a:blip r:embed="rId2"/>
               </a:buBlip>
               <a:defRPr kumimoji="1" sz="2800">
                 <a:solidFill>
@@ -31399,7 +30713,7 @@
               </a:spcBef>
               <a:buSzPct val="70000"/>
               <a:buBlip>
-                <a:blip r:embed="rId4"/>
+                <a:blip r:embed="rId3"/>
               </a:buBlip>
               <a:defRPr kumimoji="1" sz="2400">
                 <a:solidFill>
@@ -31415,7 +30729,7 @@
               </a:spcBef>
               <a:buSzPct val="70000"/>
               <a:buBlip>
-                <a:blip r:embed="rId5"/>
+                <a:blip r:embed="rId4"/>
               </a:buBlip>
               <a:defRPr kumimoji="1" sz="2000">
                 <a:solidFill>
@@ -31431,7 +30745,7 @@
               </a:spcBef>
               <a:buSzPct val="70000"/>
               <a:buBlip>
-                <a:blip r:embed="rId6"/>
+                <a:blip r:embed="rId5"/>
               </a:buBlip>
               <a:defRPr kumimoji="1" sz="2000">
                 <a:solidFill>
@@ -31450,7 +30764,7 @@
               </a:spcAft>
               <a:buSzPct val="70000"/>
               <a:buBlip>
-                <a:blip r:embed="rId6"/>
+                <a:blip r:embed="rId5"/>
               </a:buBlip>
               <a:defRPr kumimoji="1" sz="2000">
                 <a:solidFill>
@@ -31469,7 +30783,7 @@
               </a:spcAft>
               <a:buSzPct val="70000"/>
               <a:buBlip>
-                <a:blip r:embed="rId6"/>
+                <a:blip r:embed="rId5"/>
               </a:buBlip>
               <a:defRPr kumimoji="1" sz="2000">
                 <a:solidFill>
@@ -31488,7 +30802,7 @@
               </a:spcAft>
               <a:buSzPct val="70000"/>
               <a:buBlip>
-                <a:blip r:embed="rId6"/>
+                <a:blip r:embed="rId5"/>
               </a:buBlip>
               <a:defRPr kumimoji="1" sz="2000">
                 <a:solidFill>
@@ -31507,7 +30821,7 @@
               </a:spcAft>
               <a:buSzPct val="70000"/>
               <a:buBlip>
-                <a:blip r:embed="rId6"/>
+                <a:blip r:embed="rId5"/>
               </a:buBlip>
               <a:defRPr kumimoji="1" sz="2000">
                 <a:solidFill>
@@ -31567,6 +30881,13 @@
               </a:rPr>
               <a:t>排队买票问题。</a:t>
             </a:r>
+            <a:endParaRPr lang="zh-CN" altLang="en-US" sz="2400" dirty="0">
+              <a:solidFill>
+                <a:srgbClr val="080808"/>
+              </a:solidFill>
+              <a:latin typeface="楷体" panose="02010609060101010101" pitchFamily="49" charset="-122"/>
+              <a:ea typeface="楷体" panose="02010609060101010101" pitchFamily="49" charset="-122"/>
+            </a:endParaRPr>
           </a:p>
           <a:p>
             <a:pPr>
@@ -31769,13 +31090,7 @@
       </p:sp>
       <p:sp>
         <p:nvSpPr>
-          <p:cNvPr id="2" name="矩形 1">
-            <a:extLst>
-              <a:ext uri="{FF2B5EF4-FFF2-40B4-BE49-F238E27FC236}">
-                <a16:creationId xmlns:a16="http://schemas.microsoft.com/office/drawing/2014/main" id="{257884EF-0883-4B4C-B54D-73F10E6E11B2}"/>
-              </a:ext>
-            </a:extLst>
-          </p:cNvPr>
+          <p:cNvPr id="2" name="矩形 1"/>
           <p:cNvSpPr/>
           <p:nvPr/>
         </p:nvSpPr>
@@ -31812,6 +31127,13 @@
               </a:rPr>
               <a:t>解题思路：</a:t>
             </a:r>
+            <a:endParaRPr kumimoji="1" lang="zh-CN" altLang="en-US" sz="2400" dirty="0">
+              <a:solidFill>
+                <a:srgbClr val="080808"/>
+              </a:solidFill>
+              <a:latin typeface="楷体" panose="02010609060101010101" pitchFamily="49" charset="-122"/>
+              <a:ea typeface="楷体" panose="02010609060101010101" pitchFamily="49" charset="-122"/>
+            </a:endParaRPr>
           </a:p>
           <a:p>
             <a:pPr>
@@ -31912,6 +31234,13 @@
               </a:rPr>
               <a:t>个人买票所需最短时间，有以下两种情况：</a:t>
             </a:r>
+            <a:endParaRPr kumimoji="1" lang="zh-CN" altLang="en-US" sz="2400" dirty="0">
+              <a:solidFill>
+                <a:srgbClr val="080808"/>
+              </a:solidFill>
+              <a:latin typeface="楷体" panose="02010609060101010101" pitchFamily="49" charset="-122"/>
+              <a:ea typeface="楷体" panose="02010609060101010101" pitchFamily="49" charset="-122"/>
+            </a:endParaRPr>
           </a:p>
           <a:p>
             <a:pPr>
@@ -31972,6 +31301,13 @@
               </a:rPr>
               <a:t>个人的票自己买；</a:t>
             </a:r>
+            <a:endParaRPr kumimoji="1" lang="zh-CN" altLang="en-US" sz="2400" dirty="0">
+              <a:solidFill>
+                <a:srgbClr val="080808"/>
+              </a:solidFill>
+              <a:latin typeface="楷体" panose="02010609060101010101" pitchFamily="49" charset="-122"/>
+              <a:ea typeface="楷体" panose="02010609060101010101" pitchFamily="49" charset="-122"/>
+            </a:endParaRPr>
           </a:p>
           <a:p>
             <a:pPr>
@@ -32052,15 +31388,17 @@
               </a:rPr>
               <a:t>个人买。</a:t>
             </a:r>
+            <a:endParaRPr kumimoji="1" lang="zh-CN" altLang="en-US" sz="2400" dirty="0">
+              <a:solidFill>
+                <a:srgbClr val="080808"/>
+              </a:solidFill>
+              <a:latin typeface="楷体" panose="02010609060101010101" pitchFamily="49" charset="-122"/>
+              <a:ea typeface="楷体" panose="02010609060101010101" pitchFamily="49" charset="-122"/>
+            </a:endParaRPr>
           </a:p>
         </p:txBody>
       </p:sp>
     </p:spTree>
-    <p:extLst>
-      <p:ext uri="{BB962C8B-B14F-4D97-AF65-F5344CB8AC3E}">
-        <p14:creationId xmlns:p14="http://schemas.microsoft.com/office/powerpoint/2010/main" val="1200306202"/>
-      </p:ext>
-    </p:extLst>
   </p:cSld>
   <p:clrMapOvr>
     <a:masterClrMapping/>
@@ -32094,13 +31432,7 @@
       </p:grpSpPr>
       <p:sp>
         <p:nvSpPr>
-          <p:cNvPr id="3" name="Text Box 4">
-            <a:extLst>
-              <a:ext uri="{FF2B5EF4-FFF2-40B4-BE49-F238E27FC236}">
-                <a16:creationId xmlns:a16="http://schemas.microsoft.com/office/drawing/2014/main" id="{A9A3C5AF-B40F-4A61-9D32-AB648873C572}"/>
-              </a:ext>
-            </a:extLst>
-          </p:cNvPr>
+          <p:cNvPr id="3" name="Text Box 4"/>
           <p:cNvSpPr txBox="1">
             <a:spLocks noChangeArrowheads="1"/>
           </p:cNvSpPr>
@@ -32149,7 +31481,7 @@
               </a:spcBef>
               <a:buSzPct val="90000"/>
               <a:buBlip>
-                <a:blip r:embed="rId2"/>
+                <a:blip r:embed="rId1"/>
               </a:buBlip>
               <a:defRPr kumimoji="1" sz="3200">
                 <a:solidFill>
@@ -32165,7 +31497,7 @@
               </a:spcBef>
               <a:buSzPct val="80000"/>
               <a:buBlip>
-                <a:blip r:embed="rId3"/>
+                <a:blip r:embed="rId2"/>
               </a:buBlip>
               <a:defRPr kumimoji="1" sz="2800">
                 <a:solidFill>
@@ -32181,7 +31513,7 @@
               </a:spcBef>
               <a:buSzPct val="70000"/>
               <a:buBlip>
-                <a:blip r:embed="rId4"/>
+                <a:blip r:embed="rId3"/>
               </a:buBlip>
               <a:defRPr kumimoji="1" sz="2400">
                 <a:solidFill>
@@ -32197,7 +31529,7 @@
               </a:spcBef>
               <a:buSzPct val="70000"/>
               <a:buBlip>
-                <a:blip r:embed="rId5"/>
+                <a:blip r:embed="rId4"/>
               </a:buBlip>
               <a:defRPr kumimoji="1" sz="2000">
                 <a:solidFill>
@@ -32213,7 +31545,7 @@
               </a:spcBef>
               <a:buSzPct val="70000"/>
               <a:buBlip>
-                <a:blip r:embed="rId6"/>
+                <a:blip r:embed="rId5"/>
               </a:buBlip>
               <a:defRPr kumimoji="1" sz="2000">
                 <a:solidFill>
@@ -32232,7 +31564,7 @@
               </a:spcAft>
               <a:buSzPct val="70000"/>
               <a:buBlip>
-                <a:blip r:embed="rId6"/>
+                <a:blip r:embed="rId5"/>
               </a:buBlip>
               <a:defRPr kumimoji="1" sz="2000">
                 <a:solidFill>
@@ -32251,7 +31583,7 @@
               </a:spcAft>
               <a:buSzPct val="70000"/>
               <a:buBlip>
-                <a:blip r:embed="rId6"/>
+                <a:blip r:embed="rId5"/>
               </a:buBlip>
               <a:defRPr kumimoji="1" sz="2000">
                 <a:solidFill>
@@ -32270,7 +31602,7 @@
               </a:spcAft>
               <a:buSzPct val="70000"/>
               <a:buBlip>
-                <a:blip r:embed="rId6"/>
+                <a:blip r:embed="rId5"/>
               </a:buBlip>
               <a:defRPr kumimoji="1" sz="2000">
                 <a:solidFill>
@@ -32289,7 +31621,7 @@
               </a:spcAft>
               <a:buSzPct val="70000"/>
               <a:buBlip>
-                <a:blip r:embed="rId6"/>
+                <a:blip r:embed="rId5"/>
               </a:buBlip>
               <a:defRPr kumimoji="1" sz="2000">
                 <a:solidFill>
@@ -32339,25 +31671,26 @@
               </a:rPr>
               <a:t>）状态转移方程：</a:t>
             </a:r>
+            <a:endParaRPr lang="zh-CN" altLang="en-US" sz="2400" dirty="0">
+              <a:solidFill>
+                <a:srgbClr val="080808"/>
+              </a:solidFill>
+              <a:latin typeface="楷体" panose="02010609060101010101" pitchFamily="49" charset="-122"/>
+              <a:ea typeface="楷体" panose="02010609060101010101" pitchFamily="49" charset="-122"/>
+            </a:endParaRPr>
           </a:p>
         </p:txBody>
       </p:sp>
       <p:pic>
         <p:nvPicPr>
-          <p:cNvPr id="2" name="图片 1">
-            <a:extLst>
-              <a:ext uri="{FF2B5EF4-FFF2-40B4-BE49-F238E27FC236}">
-                <a16:creationId xmlns:a16="http://schemas.microsoft.com/office/drawing/2014/main" id="{6E8E858E-F3EC-4E37-B150-F67067616B96}"/>
-              </a:ext>
-            </a:extLst>
-          </p:cNvPr>
+          <p:cNvPr id="2" name="图片 1"/>
           <p:cNvPicPr>
             <a:picLocks noChangeAspect="1"/>
           </p:cNvPicPr>
           <p:nvPr/>
         </p:nvPicPr>
         <p:blipFill>
-          <a:blip r:embed="rId7"/>
+          <a:blip r:embed="rId6"/>
           <a:stretch>
             <a:fillRect/>
           </a:stretch>
@@ -32374,13 +31707,7 @@
       </p:pic>
       <p:sp>
         <p:nvSpPr>
-          <p:cNvPr id="4" name="Text Box 4">
-            <a:extLst>
-              <a:ext uri="{FF2B5EF4-FFF2-40B4-BE49-F238E27FC236}">
-                <a16:creationId xmlns:a16="http://schemas.microsoft.com/office/drawing/2014/main" id="{2E279119-235A-461B-9152-9FA73B386582}"/>
-              </a:ext>
-            </a:extLst>
-          </p:cNvPr>
+          <p:cNvPr id="4" name="Text Box 4"/>
           <p:cNvSpPr txBox="1">
             <a:spLocks noChangeArrowheads="1"/>
           </p:cNvSpPr>
@@ -32429,7 +31756,7 @@
               </a:spcBef>
               <a:buSzPct val="90000"/>
               <a:buBlip>
-                <a:blip r:embed="rId2"/>
+                <a:blip r:embed="rId1"/>
               </a:buBlip>
               <a:defRPr kumimoji="1" sz="3200">
                 <a:solidFill>
@@ -32445,7 +31772,7 @@
               </a:spcBef>
               <a:buSzPct val="80000"/>
               <a:buBlip>
-                <a:blip r:embed="rId3"/>
+                <a:blip r:embed="rId2"/>
               </a:buBlip>
               <a:defRPr kumimoji="1" sz="2800">
                 <a:solidFill>
@@ -32461,7 +31788,7 @@
               </a:spcBef>
               <a:buSzPct val="70000"/>
               <a:buBlip>
-                <a:blip r:embed="rId4"/>
+                <a:blip r:embed="rId3"/>
               </a:buBlip>
               <a:defRPr kumimoji="1" sz="2400">
                 <a:solidFill>
@@ -32477,7 +31804,7 @@
               </a:spcBef>
               <a:buSzPct val="70000"/>
               <a:buBlip>
-                <a:blip r:embed="rId5"/>
+                <a:blip r:embed="rId4"/>
               </a:buBlip>
               <a:defRPr kumimoji="1" sz="2000">
                 <a:solidFill>
@@ -32493,7 +31820,7 @@
               </a:spcBef>
               <a:buSzPct val="70000"/>
               <a:buBlip>
-                <a:blip r:embed="rId6"/>
+                <a:blip r:embed="rId5"/>
               </a:buBlip>
               <a:defRPr kumimoji="1" sz="2000">
                 <a:solidFill>
@@ -32512,7 +31839,7 @@
               </a:spcAft>
               <a:buSzPct val="70000"/>
               <a:buBlip>
-                <a:blip r:embed="rId6"/>
+                <a:blip r:embed="rId5"/>
               </a:buBlip>
               <a:defRPr kumimoji="1" sz="2000">
                 <a:solidFill>
@@ -32531,7 +31858,7 @@
               </a:spcAft>
               <a:buSzPct val="70000"/>
               <a:buBlip>
-                <a:blip r:embed="rId6"/>
+                <a:blip r:embed="rId5"/>
               </a:buBlip>
               <a:defRPr kumimoji="1" sz="2000">
                 <a:solidFill>
@@ -32550,7 +31877,7 @@
               </a:spcAft>
               <a:buSzPct val="70000"/>
               <a:buBlip>
-                <a:blip r:embed="rId6"/>
+                <a:blip r:embed="rId5"/>
               </a:buBlip>
               <a:defRPr kumimoji="1" sz="2000">
                 <a:solidFill>
@@ -32569,7 +31896,7 @@
               </a:spcAft>
               <a:buSzPct val="70000"/>
               <a:buBlip>
-                <a:blip r:embed="rId6"/>
+                <a:blip r:embed="rId5"/>
               </a:buBlip>
               <a:defRPr kumimoji="1" sz="2000">
                 <a:solidFill>
@@ -32619,15 +31946,17 @@
               </a:rPr>
               <a:t>）以自底向上的方法来计算最优解</a:t>
             </a:r>
+            <a:endParaRPr lang="zh-CN" altLang="en-US" sz="2400" dirty="0">
+              <a:solidFill>
+                <a:srgbClr val="080808"/>
+              </a:solidFill>
+              <a:latin typeface="楷体" panose="02010609060101010101" pitchFamily="49" charset="-122"/>
+              <a:ea typeface="楷体" panose="02010609060101010101" pitchFamily="49" charset="-122"/>
+            </a:endParaRPr>
           </a:p>
         </p:txBody>
       </p:sp>
     </p:spTree>
-    <p:extLst>
-      <p:ext uri="{BB962C8B-B14F-4D97-AF65-F5344CB8AC3E}">
-        <p14:creationId xmlns:p14="http://schemas.microsoft.com/office/powerpoint/2010/main" val="1908355451"/>
-      </p:ext>
-    </p:extLst>
   </p:cSld>
   <p:clrMapOvr>
     <a:masterClrMapping/>
@@ -32661,13 +31990,7 @@
       </p:grpSpPr>
       <p:sp>
         <p:nvSpPr>
-          <p:cNvPr id="4" name="Text Box 4">
-            <a:extLst>
-              <a:ext uri="{FF2B5EF4-FFF2-40B4-BE49-F238E27FC236}">
-                <a16:creationId xmlns:a16="http://schemas.microsoft.com/office/drawing/2014/main" id="{2E279119-235A-461B-9152-9FA73B386582}"/>
-              </a:ext>
-            </a:extLst>
-          </p:cNvPr>
+          <p:cNvPr id="4" name="Text Box 4"/>
           <p:cNvSpPr txBox="1">
             <a:spLocks noChangeArrowheads="1"/>
           </p:cNvSpPr>
@@ -32716,7 +32039,7 @@
               </a:spcBef>
               <a:buSzPct val="90000"/>
               <a:buBlip>
-                <a:blip r:embed="rId2"/>
+                <a:blip r:embed="rId1"/>
               </a:buBlip>
               <a:defRPr kumimoji="1" sz="3200">
                 <a:solidFill>
@@ -32732,7 +32055,7 @@
               </a:spcBef>
               <a:buSzPct val="80000"/>
               <a:buBlip>
-                <a:blip r:embed="rId3"/>
+                <a:blip r:embed="rId2"/>
               </a:buBlip>
               <a:defRPr kumimoji="1" sz="2800">
                 <a:solidFill>
@@ -32748,7 +32071,7 @@
               </a:spcBef>
               <a:buSzPct val="70000"/>
               <a:buBlip>
-                <a:blip r:embed="rId4"/>
+                <a:blip r:embed="rId3"/>
               </a:buBlip>
               <a:defRPr kumimoji="1" sz="2400">
                 <a:solidFill>
@@ -32764,7 +32087,7 @@
               </a:spcBef>
               <a:buSzPct val="70000"/>
               <a:buBlip>
-                <a:blip r:embed="rId5"/>
+                <a:blip r:embed="rId4"/>
               </a:buBlip>
               <a:defRPr kumimoji="1" sz="2000">
                 <a:solidFill>
@@ -32780,7 +32103,7 @@
               </a:spcBef>
               <a:buSzPct val="70000"/>
               <a:buBlip>
-                <a:blip r:embed="rId6"/>
+                <a:blip r:embed="rId5"/>
               </a:buBlip>
               <a:defRPr kumimoji="1" sz="2000">
                 <a:solidFill>
@@ -32799,7 +32122,7 @@
               </a:spcAft>
               <a:buSzPct val="70000"/>
               <a:buBlip>
-                <a:blip r:embed="rId6"/>
+                <a:blip r:embed="rId5"/>
               </a:buBlip>
               <a:defRPr kumimoji="1" sz="2000">
                 <a:solidFill>
@@ -32818,7 +32141,7 @@
               </a:spcAft>
               <a:buSzPct val="70000"/>
               <a:buBlip>
-                <a:blip r:embed="rId6"/>
+                <a:blip r:embed="rId5"/>
               </a:buBlip>
               <a:defRPr kumimoji="1" sz="2000">
                 <a:solidFill>
@@ -32837,7 +32160,7 @@
               </a:spcAft>
               <a:buSzPct val="70000"/>
               <a:buBlip>
-                <a:blip r:embed="rId6"/>
+                <a:blip r:embed="rId5"/>
               </a:buBlip>
               <a:defRPr kumimoji="1" sz="2000">
                 <a:solidFill>
@@ -32856,7 +32179,7 @@
               </a:spcAft>
               <a:buSzPct val="70000"/>
               <a:buBlip>
-                <a:blip r:embed="rId6"/>
+                <a:blip r:embed="rId5"/>
               </a:buBlip>
               <a:defRPr kumimoji="1" sz="2000">
                 <a:solidFill>
@@ -32966,6 +32289,13 @@
               </a:rPr>
               <a:t>的石板所需的最小跳跃次数；</a:t>
             </a:r>
+            <a:endParaRPr lang="zh-CN" altLang="en-US" sz="2400" dirty="0">
+              <a:solidFill>
+                <a:srgbClr val="080808"/>
+              </a:solidFill>
+              <a:latin typeface="楷体" panose="02010609060101010101" pitchFamily="49" charset="-122"/>
+              <a:ea typeface="楷体" panose="02010609060101010101" pitchFamily="49" charset="-122"/>
+            </a:endParaRPr>
           </a:p>
           <a:p>
             <a:pPr>
@@ -33006,6 +32336,13 @@
               </a:rPr>
               <a:t>）状态转移方程：</a:t>
             </a:r>
+            <a:endParaRPr lang="zh-CN" altLang="en-US" sz="2400" dirty="0">
+              <a:solidFill>
+                <a:srgbClr val="080808"/>
+              </a:solidFill>
+              <a:latin typeface="楷体" panose="02010609060101010101" pitchFamily="49" charset="-122"/>
+              <a:ea typeface="楷体" panose="02010609060101010101" pitchFamily="49" charset="-122"/>
+            </a:endParaRPr>
           </a:p>
           <a:p>
             <a:pPr>
@@ -33146,15 +32483,17 @@
               </a:rPr>
               <a:t>的因子</a:t>
             </a:r>
+            <a:endParaRPr lang="zh-CN" altLang="en-US" sz="2400" dirty="0">
+              <a:solidFill>
+                <a:srgbClr val="080808"/>
+              </a:solidFill>
+              <a:latin typeface="楷体" panose="02010609060101010101" pitchFamily="49" charset="-122"/>
+              <a:ea typeface="楷体" panose="02010609060101010101" pitchFamily="49" charset="-122"/>
+            </a:endParaRPr>
           </a:p>
         </p:txBody>
       </p:sp>
     </p:spTree>
-    <p:extLst>
-      <p:ext uri="{BB962C8B-B14F-4D97-AF65-F5344CB8AC3E}">
-        <p14:creationId xmlns:p14="http://schemas.microsoft.com/office/powerpoint/2010/main" val="504840276"/>
-      </p:ext>
-    </p:extLst>
   </p:cSld>
   <p:clrMapOvr>
     <a:masterClrMapping/>
@@ -33188,13 +32527,7 @@
       </p:grpSpPr>
       <p:sp>
         <p:nvSpPr>
-          <p:cNvPr id="3" name="Text Box 4">
-            <a:extLst>
-              <a:ext uri="{FF2B5EF4-FFF2-40B4-BE49-F238E27FC236}">
-                <a16:creationId xmlns:a16="http://schemas.microsoft.com/office/drawing/2014/main" id="{A9A3C5AF-B40F-4A61-9D32-AB648873C572}"/>
-              </a:ext>
-            </a:extLst>
-          </p:cNvPr>
+          <p:cNvPr id="3" name="Text Box 4"/>
           <p:cNvSpPr txBox="1">
             <a:spLocks noChangeArrowheads="1"/>
           </p:cNvSpPr>
@@ -33243,7 +32576,7 @@
               </a:spcBef>
               <a:buSzPct val="90000"/>
               <a:buBlip>
-                <a:blip r:embed="rId2"/>
+                <a:blip r:embed="rId1"/>
               </a:buBlip>
               <a:defRPr kumimoji="1" sz="3200">
                 <a:solidFill>
@@ -33259,7 +32592,7 @@
               </a:spcBef>
               <a:buSzPct val="80000"/>
               <a:buBlip>
-                <a:blip r:embed="rId3"/>
+                <a:blip r:embed="rId2"/>
               </a:buBlip>
               <a:defRPr kumimoji="1" sz="2800">
                 <a:solidFill>
@@ -33275,7 +32608,7 @@
               </a:spcBef>
               <a:buSzPct val="70000"/>
               <a:buBlip>
-                <a:blip r:embed="rId4"/>
+                <a:blip r:embed="rId3"/>
               </a:buBlip>
               <a:defRPr kumimoji="1" sz="2400">
                 <a:solidFill>
@@ -33291,7 +32624,7 @@
               </a:spcBef>
               <a:buSzPct val="70000"/>
               <a:buBlip>
-                <a:blip r:embed="rId5"/>
+                <a:blip r:embed="rId4"/>
               </a:buBlip>
               <a:defRPr kumimoji="1" sz="2000">
                 <a:solidFill>
@@ -33307,7 +32640,7 @@
               </a:spcBef>
               <a:buSzPct val="70000"/>
               <a:buBlip>
-                <a:blip r:embed="rId6"/>
+                <a:blip r:embed="rId5"/>
               </a:buBlip>
               <a:defRPr kumimoji="1" sz="2000">
                 <a:solidFill>
@@ -33326,7 +32659,7 @@
               </a:spcAft>
               <a:buSzPct val="70000"/>
               <a:buBlip>
-                <a:blip r:embed="rId6"/>
+                <a:blip r:embed="rId5"/>
               </a:buBlip>
               <a:defRPr kumimoji="1" sz="2000">
                 <a:solidFill>
@@ -33345,7 +32678,7 @@
               </a:spcAft>
               <a:buSzPct val="70000"/>
               <a:buBlip>
-                <a:blip r:embed="rId6"/>
+                <a:blip r:embed="rId5"/>
               </a:buBlip>
               <a:defRPr kumimoji="1" sz="2000">
                 <a:solidFill>
@@ -33364,7 +32697,7 @@
               </a:spcAft>
               <a:buSzPct val="70000"/>
               <a:buBlip>
-                <a:blip r:embed="rId6"/>
+                <a:blip r:embed="rId5"/>
               </a:buBlip>
               <a:defRPr kumimoji="1" sz="2000">
                 <a:solidFill>
@@ -33383,7 +32716,7 @@
               </a:spcAft>
               <a:buSzPct val="70000"/>
               <a:buBlip>
-                <a:blip r:embed="rId6"/>
+                <a:blip r:embed="rId5"/>
               </a:buBlip>
               <a:defRPr kumimoji="1" sz="2000">
                 <a:solidFill>
@@ -33443,6 +32776,13 @@
               </a:rPr>
               <a:t>跨楼梯问题。</a:t>
             </a:r>
+            <a:endParaRPr lang="zh-CN" altLang="en-US" sz="2200" dirty="0">
+              <a:solidFill>
+                <a:srgbClr val="080808"/>
+              </a:solidFill>
+              <a:latin typeface="楷体" panose="02010609060101010101" pitchFamily="49" charset="-122"/>
+              <a:ea typeface="楷体" panose="02010609060101010101" pitchFamily="49" charset="-122"/>
+            </a:endParaRPr>
           </a:p>
           <a:p>
             <a:pPr>
@@ -33503,6 +32843,13 @@
               </a:rPr>
               <a:t>级，请设计算法求出共有多少走法？</a:t>
             </a:r>
+            <a:endParaRPr lang="zh-CN" altLang="en-US" sz="2200" dirty="0">
+              <a:solidFill>
+                <a:srgbClr val="080808"/>
+              </a:solidFill>
+              <a:latin typeface="楷体" panose="02010609060101010101" pitchFamily="49" charset="-122"/>
+              <a:ea typeface="楷体" panose="02010609060101010101" pitchFamily="49" charset="-122"/>
+            </a:endParaRPr>
           </a:p>
           <a:p>
             <a:pPr>
@@ -33533,6 +32880,13 @@
               </a:rPr>
               <a:t>解题思路：</a:t>
             </a:r>
+            <a:endParaRPr lang="zh-CN" altLang="en-US" sz="2200" dirty="0">
+              <a:solidFill>
+                <a:srgbClr val="080808"/>
+              </a:solidFill>
+              <a:latin typeface="楷体" panose="02010609060101010101" pitchFamily="49" charset="-122"/>
+              <a:ea typeface="楷体" panose="02010609060101010101" pitchFamily="49" charset="-122"/>
+            </a:endParaRPr>
           </a:p>
           <a:p>
             <a:pPr>
@@ -33733,6 +33087,13 @@
               </a:rPr>
               <a:t>种走法，那么：</a:t>
             </a:r>
+            <a:endParaRPr lang="zh-CN" altLang="en-US" sz="2200" dirty="0">
+              <a:solidFill>
+                <a:srgbClr val="080808"/>
+              </a:solidFill>
+              <a:latin typeface="楷体" panose="02010609060101010101" pitchFamily="49" charset="-122"/>
+              <a:ea typeface="楷体" panose="02010609060101010101" pitchFamily="49" charset="-122"/>
+            </a:endParaRPr>
           </a:p>
           <a:p>
             <a:pPr>
@@ -33775,13 +33136,7 @@
       </p:sp>
       <p:sp>
         <p:nvSpPr>
-          <p:cNvPr id="4" name="Text Box 3">
-            <a:extLst>
-              <a:ext uri="{FF2B5EF4-FFF2-40B4-BE49-F238E27FC236}">
-                <a16:creationId xmlns:a16="http://schemas.microsoft.com/office/drawing/2014/main" id="{C0E2F760-82C1-408B-895F-A8EFFEB385C4}"/>
-              </a:ext>
-            </a:extLst>
-          </p:cNvPr>
+          <p:cNvPr id="4" name="Text Box 3"/>
           <p:cNvSpPr txBox="1">
             <a:spLocks noChangeArrowheads="1"/>
           </p:cNvSpPr>
@@ -33799,8 +33154,6 @@
           <a:ln w="9525">
             <a:noFill/>
             <a:miter lim="800000"/>
-            <a:headEnd/>
-            <a:tailEnd/>
           </a:ln>
           <a:effectLst/>
         </p:spPr>
@@ -33837,7 +33190,7 @@
                     </a:srgbClr>
                   </a:outerShdw>
                 </a:effectLst>
-                <a:ea typeface="隶书" pitchFamily="49" charset="-122"/>
+                <a:ea typeface="隶书" panose="02010509060101010101" pitchFamily="49" charset="-122"/>
               </a:rPr>
               <a:t>5.4 </a:t>
             </a:r>
@@ -33862,19 +33215,36 @@
                     </a:srgbClr>
                   </a:outerShdw>
                 </a:effectLst>
-                <a:ea typeface="隶书" pitchFamily="49" charset="-122"/>
+                <a:ea typeface="隶书" panose="02010509060101010101" pitchFamily="49" charset="-122"/>
               </a:rPr>
               <a:t>动态规划法示例</a:t>
             </a:r>
+            <a:endParaRPr lang="zh-CN" altLang="en-US" sz="3200" dirty="0">
+              <a:ln w="18000">
+                <a:solidFill>
+                  <a:schemeClr val="accent2">
+                    <a:satMod val="140000"/>
+                  </a:schemeClr>
+                </a:solidFill>
+                <a:prstDash val="solid"/>
+                <a:miter lim="800000"/>
+              </a:ln>
+              <a:solidFill>
+                <a:srgbClr val="080808"/>
+              </a:solidFill>
+              <a:effectLst>
+                <a:outerShdw blurRad="25500" dist="23000" dir="7020000" algn="tl">
+                  <a:srgbClr val="000000">
+                    <a:alpha val="50000"/>
+                  </a:srgbClr>
+                </a:outerShdw>
+              </a:effectLst>
+              <a:ea typeface="隶书" panose="02010509060101010101" pitchFamily="49" charset="-122"/>
+            </a:endParaRPr>
           </a:p>
         </p:txBody>
       </p:sp>
     </p:spTree>
-    <p:extLst>
-      <p:ext uri="{BB962C8B-B14F-4D97-AF65-F5344CB8AC3E}">
-        <p14:creationId xmlns:p14="http://schemas.microsoft.com/office/powerpoint/2010/main" val="1752148670"/>
-      </p:ext>
-    </p:extLst>
   </p:cSld>
   <p:clrMapOvr>
     <a:masterClrMapping/>
@@ -33908,13 +33278,7 @@
       </p:grpSpPr>
       <p:sp>
         <p:nvSpPr>
-          <p:cNvPr id="3" name="Text Box 4">
-            <a:extLst>
-              <a:ext uri="{FF2B5EF4-FFF2-40B4-BE49-F238E27FC236}">
-                <a16:creationId xmlns:a16="http://schemas.microsoft.com/office/drawing/2014/main" id="{A9A3C5AF-B40F-4A61-9D32-AB648873C572}"/>
-              </a:ext>
-            </a:extLst>
-          </p:cNvPr>
+          <p:cNvPr id="3" name="Text Box 4"/>
           <p:cNvSpPr txBox="1">
             <a:spLocks noChangeArrowheads="1"/>
           </p:cNvSpPr>
@@ -33963,7 +33327,7 @@
               </a:spcBef>
               <a:buSzPct val="90000"/>
               <a:buBlip>
-                <a:blip r:embed="rId2"/>
+                <a:blip r:embed="rId1"/>
               </a:buBlip>
               <a:defRPr kumimoji="1" sz="3200">
                 <a:solidFill>
@@ -33979,7 +33343,7 @@
               </a:spcBef>
               <a:buSzPct val="80000"/>
               <a:buBlip>
-                <a:blip r:embed="rId3"/>
+                <a:blip r:embed="rId2"/>
               </a:buBlip>
               <a:defRPr kumimoji="1" sz="2800">
                 <a:solidFill>
@@ -33995,7 +33359,7 @@
               </a:spcBef>
               <a:buSzPct val="70000"/>
               <a:buBlip>
-                <a:blip r:embed="rId4"/>
+                <a:blip r:embed="rId3"/>
               </a:buBlip>
               <a:defRPr kumimoji="1" sz="2400">
                 <a:solidFill>
@@ -34011,7 +33375,7 @@
               </a:spcBef>
               <a:buSzPct val="70000"/>
               <a:buBlip>
-                <a:blip r:embed="rId5"/>
+                <a:blip r:embed="rId4"/>
               </a:buBlip>
               <a:defRPr kumimoji="1" sz="2000">
                 <a:solidFill>
@@ -34027,7 +33391,7 @@
               </a:spcBef>
               <a:buSzPct val="70000"/>
               <a:buBlip>
-                <a:blip r:embed="rId6"/>
+                <a:blip r:embed="rId5"/>
               </a:buBlip>
               <a:defRPr kumimoji="1" sz="2000">
                 <a:solidFill>
@@ -34046,7 +33410,7 @@
               </a:spcAft>
               <a:buSzPct val="70000"/>
               <a:buBlip>
-                <a:blip r:embed="rId6"/>
+                <a:blip r:embed="rId5"/>
               </a:buBlip>
               <a:defRPr kumimoji="1" sz="2000">
                 <a:solidFill>
@@ -34065,7 +33429,7 @@
               </a:spcAft>
               <a:buSzPct val="70000"/>
               <a:buBlip>
-                <a:blip r:embed="rId6"/>
+                <a:blip r:embed="rId5"/>
               </a:buBlip>
               <a:defRPr kumimoji="1" sz="2000">
                 <a:solidFill>
@@ -34084,7 +33448,7 @@
               </a:spcAft>
               <a:buSzPct val="70000"/>
               <a:buBlip>
-                <a:blip r:embed="rId6"/>
+                <a:blip r:embed="rId5"/>
               </a:buBlip>
               <a:defRPr kumimoji="1" sz="2000">
                 <a:solidFill>
@@ -34103,7 +33467,7 @@
               </a:spcAft>
               <a:buSzPct val="70000"/>
               <a:buBlip>
-                <a:blip r:embed="rId6"/>
+                <a:blip r:embed="rId5"/>
               </a:buBlip>
               <a:defRPr kumimoji="1" sz="2000">
                 <a:solidFill>
@@ -34600,6 +33964,13 @@
               </a:rPr>
               <a:t>层的走法；</a:t>
             </a:r>
+            <a:endParaRPr lang="zh-CN" altLang="en-US" sz="2200" dirty="0">
+              <a:solidFill>
+                <a:srgbClr val="080808"/>
+              </a:solidFill>
+              <a:latin typeface="楷体" panose="02010609060101010101" pitchFamily="49" charset="-122"/>
+              <a:ea typeface="楷体" panose="02010609060101010101" pitchFamily="49" charset="-122"/>
+            </a:endParaRPr>
           </a:p>
         </p:txBody>
       </p:sp>
@@ -34612,7 +33983,7 @@
           <p:nvPr/>
         </p:nvPicPr>
         <p:blipFill>
-          <a:blip r:embed="rId7"/>
+          <a:blip r:embed="rId6"/>
           <a:stretch>
             <a:fillRect/>
           </a:stretch>
@@ -34628,11 +33999,6 @@
         </p:spPr>
       </p:pic>
     </p:spTree>
-    <p:extLst>
-      <p:ext uri="{BB962C8B-B14F-4D97-AF65-F5344CB8AC3E}">
-        <p14:creationId xmlns:p14="http://schemas.microsoft.com/office/powerpoint/2010/main" val="4160908989"/>
-      </p:ext>
-    </p:extLst>
   </p:cSld>
   <p:clrMapOvr>
     <a:masterClrMapping/>
@@ -34666,13 +34032,7 @@
       </p:grpSpPr>
       <p:sp>
         <p:nvSpPr>
-          <p:cNvPr id="3" name="Text Box 4">
-            <a:extLst>
-              <a:ext uri="{FF2B5EF4-FFF2-40B4-BE49-F238E27FC236}">
-                <a16:creationId xmlns:a16="http://schemas.microsoft.com/office/drawing/2014/main" id="{A9A3C5AF-B40F-4A61-9D32-AB648873C572}"/>
-              </a:ext>
-            </a:extLst>
-          </p:cNvPr>
+          <p:cNvPr id="3" name="Text Box 4"/>
           <p:cNvSpPr txBox="1">
             <a:spLocks noChangeArrowheads="1"/>
           </p:cNvSpPr>
@@ -34721,7 +34081,7 @@
               </a:spcBef>
               <a:buSzPct val="90000"/>
               <a:buBlip>
-                <a:blip r:embed="rId2"/>
+                <a:blip r:embed="rId1"/>
               </a:buBlip>
               <a:defRPr kumimoji="1" sz="3200">
                 <a:solidFill>
@@ -34737,7 +34097,7 @@
               </a:spcBef>
               <a:buSzPct val="80000"/>
               <a:buBlip>
-                <a:blip r:embed="rId3"/>
+                <a:blip r:embed="rId2"/>
               </a:buBlip>
               <a:defRPr kumimoji="1" sz="2800">
                 <a:solidFill>
@@ -34753,7 +34113,7 @@
               </a:spcBef>
               <a:buSzPct val="70000"/>
               <a:buBlip>
-                <a:blip r:embed="rId4"/>
+                <a:blip r:embed="rId3"/>
               </a:buBlip>
               <a:defRPr kumimoji="1" sz="2400">
                 <a:solidFill>
@@ -34769,7 +34129,7 @@
               </a:spcBef>
               <a:buSzPct val="70000"/>
               <a:buBlip>
-                <a:blip r:embed="rId5"/>
+                <a:blip r:embed="rId4"/>
               </a:buBlip>
               <a:defRPr kumimoji="1" sz="2000">
                 <a:solidFill>
@@ -34785,7 +34145,7 @@
               </a:spcBef>
               <a:buSzPct val="70000"/>
               <a:buBlip>
-                <a:blip r:embed="rId6"/>
+                <a:blip r:embed="rId5"/>
               </a:buBlip>
               <a:defRPr kumimoji="1" sz="2000">
                 <a:solidFill>
@@ -34804,7 +34164,7 @@
               </a:spcAft>
               <a:buSzPct val="70000"/>
               <a:buBlip>
-                <a:blip r:embed="rId6"/>
+                <a:blip r:embed="rId5"/>
               </a:buBlip>
               <a:defRPr kumimoji="1" sz="2000">
                 <a:solidFill>
@@ -34823,7 +34183,7 @@
               </a:spcAft>
               <a:buSzPct val="70000"/>
               <a:buBlip>
-                <a:blip r:embed="rId6"/>
+                <a:blip r:embed="rId5"/>
               </a:buBlip>
               <a:defRPr kumimoji="1" sz="2000">
                 <a:solidFill>
@@ -34842,7 +34202,7 @@
               </a:spcAft>
               <a:buSzPct val="70000"/>
               <a:buBlip>
-                <a:blip r:embed="rId6"/>
+                <a:blip r:embed="rId5"/>
               </a:buBlip>
               <a:defRPr kumimoji="1" sz="2000">
                 <a:solidFill>
@@ -34861,7 +34221,7 @@
               </a:spcAft>
               <a:buSzPct val="70000"/>
               <a:buBlip>
-                <a:blip r:embed="rId6"/>
+                <a:blip r:embed="rId5"/>
               </a:buBlip>
               <a:defRPr kumimoji="1" sz="2000">
                 <a:solidFill>
@@ -34921,6 +34281,13 @@
               </a:rPr>
               <a:t>跳石板问题。</a:t>
             </a:r>
+            <a:endParaRPr lang="zh-CN" altLang="en-US" sz="2200" dirty="0">
+              <a:solidFill>
+                <a:srgbClr val="080808"/>
+              </a:solidFill>
+              <a:latin typeface="楷体" panose="02010609060101010101" pitchFamily="49" charset="-122"/>
+              <a:ea typeface="楷体" panose="02010609060101010101" pitchFamily="49" charset="-122"/>
+            </a:endParaRPr>
           </a:p>
           <a:p>
             <a:pPr>
@@ -35181,6 +34548,13 @@
               </a:rPr>
               <a:t>的石板去，最少需要跳跃几次。</a:t>
             </a:r>
+            <a:endParaRPr lang="zh-CN" altLang="en-US" sz="2200" dirty="0">
+              <a:solidFill>
+                <a:srgbClr val="080808"/>
+              </a:solidFill>
+              <a:latin typeface="楷体" panose="02010609060101010101" pitchFamily="49" charset="-122"/>
+              <a:ea typeface="楷体" panose="02010609060101010101" pitchFamily="49" charset="-122"/>
+            </a:endParaRPr>
           </a:p>
           <a:p>
             <a:pPr>
@@ -35201,6 +34575,13 @@
               </a:rPr>
               <a:t>例：</a:t>
             </a:r>
+            <a:endParaRPr lang="zh-CN" altLang="en-US" sz="2200" dirty="0">
+              <a:solidFill>
+                <a:srgbClr val="080808"/>
+              </a:solidFill>
+              <a:latin typeface="楷体" panose="02010609060101010101" pitchFamily="49" charset="-122"/>
+              <a:ea typeface="楷体" panose="02010609060101010101" pitchFamily="49" charset="-122"/>
+            </a:endParaRPr>
           </a:p>
           <a:p>
             <a:pPr>
@@ -35261,6 +34642,13 @@
               </a:rPr>
               <a:t>时，跳跃路径为：</a:t>
             </a:r>
+            <a:endParaRPr lang="zh-CN" altLang="en-US" sz="2200" dirty="0">
+              <a:solidFill>
+                <a:srgbClr val="080808"/>
+              </a:solidFill>
+              <a:latin typeface="楷体" panose="02010609060101010101" pitchFamily="49" charset="-122"/>
+              <a:ea typeface="楷体" panose="02010609060101010101" pitchFamily="49" charset="-122"/>
+            </a:endParaRPr>
           </a:p>
           <a:p>
             <a:pPr>
@@ -35281,6 +34669,13 @@
               </a:rPr>
               <a:t>4—6—8—12—18—24</a:t>
             </a:r>
+            <a:endParaRPr lang="en-US" altLang="zh-CN" sz="2200" dirty="0">
+              <a:solidFill>
+                <a:srgbClr val="080808"/>
+              </a:solidFill>
+              <a:latin typeface="楷体" panose="02010609060101010101" pitchFamily="49" charset="-122"/>
+              <a:ea typeface="楷体" panose="02010609060101010101" pitchFamily="49" charset="-122"/>
+            </a:endParaRPr>
           </a:p>
           <a:p>
             <a:pPr>
@@ -35361,15 +34756,17 @@
               </a:rPr>
               <a:t>次。</a:t>
             </a:r>
+            <a:endParaRPr lang="zh-CN" altLang="en-US" sz="2200" dirty="0">
+              <a:solidFill>
+                <a:srgbClr val="080808"/>
+              </a:solidFill>
+              <a:latin typeface="楷体" panose="02010609060101010101" pitchFamily="49" charset="-122"/>
+              <a:ea typeface="楷体" panose="02010609060101010101" pitchFamily="49" charset="-122"/>
+            </a:endParaRPr>
           </a:p>
         </p:txBody>
       </p:sp>
     </p:spTree>
-    <p:extLst>
-      <p:ext uri="{BB962C8B-B14F-4D97-AF65-F5344CB8AC3E}">
-        <p14:creationId xmlns:p14="http://schemas.microsoft.com/office/powerpoint/2010/main" val="2941164936"/>
-      </p:ext>
-    </p:extLst>
   </p:cSld>
   <p:clrMapOvr>
     <a:masterClrMapping/>
@@ -35403,13 +34800,7 @@
       </p:grpSpPr>
       <p:sp>
         <p:nvSpPr>
-          <p:cNvPr id="4" name="Text Box 4">
-            <a:extLst>
-              <a:ext uri="{FF2B5EF4-FFF2-40B4-BE49-F238E27FC236}">
-                <a16:creationId xmlns:a16="http://schemas.microsoft.com/office/drawing/2014/main" id="{A9A3C5AF-B40F-4A61-9D32-AB648873C572}"/>
-              </a:ext>
-            </a:extLst>
-          </p:cNvPr>
+          <p:cNvPr id="4" name="Text Box 4"/>
           <p:cNvSpPr txBox="1">
             <a:spLocks noChangeArrowheads="1"/>
           </p:cNvSpPr>
@@ -35458,7 +34849,7 @@
               </a:spcBef>
               <a:buSzPct val="90000"/>
               <a:buBlip>
-                <a:blip r:embed="rId3"/>
+                <a:blip r:embed="rId1"/>
               </a:buBlip>
               <a:defRPr kumimoji="1" sz="3200">
                 <a:solidFill>
@@ -35474,7 +34865,7 @@
               </a:spcBef>
               <a:buSzPct val="80000"/>
               <a:buBlip>
-                <a:blip r:embed="rId4"/>
+                <a:blip r:embed="rId2"/>
               </a:buBlip>
               <a:defRPr kumimoji="1" sz="2800">
                 <a:solidFill>
@@ -35490,7 +34881,7 @@
               </a:spcBef>
               <a:buSzPct val="70000"/>
               <a:buBlip>
-                <a:blip r:embed="rId5"/>
+                <a:blip r:embed="rId3"/>
               </a:buBlip>
               <a:defRPr kumimoji="1" sz="2400">
                 <a:solidFill>
@@ -35506,7 +34897,7 @@
               </a:spcBef>
               <a:buSzPct val="70000"/>
               <a:buBlip>
-                <a:blip r:embed="rId6"/>
+                <a:blip r:embed="rId4"/>
               </a:buBlip>
               <a:defRPr kumimoji="1" sz="2000">
                 <a:solidFill>
@@ -35522,7 +34913,7 @@
               </a:spcBef>
               <a:buSzPct val="70000"/>
               <a:buBlip>
-                <a:blip r:embed="rId7"/>
+                <a:blip r:embed="rId5"/>
               </a:buBlip>
               <a:defRPr kumimoji="1" sz="2000">
                 <a:solidFill>
@@ -35541,7 +34932,7 @@
               </a:spcAft>
               <a:buSzPct val="70000"/>
               <a:buBlip>
-                <a:blip r:embed="rId7"/>
+                <a:blip r:embed="rId5"/>
               </a:buBlip>
               <a:defRPr kumimoji="1" sz="2000">
                 <a:solidFill>
@@ -35560,7 +34951,7 @@
               </a:spcAft>
               <a:buSzPct val="70000"/>
               <a:buBlip>
-                <a:blip r:embed="rId7"/>
+                <a:blip r:embed="rId5"/>
               </a:buBlip>
               <a:defRPr kumimoji="1" sz="2000">
                 <a:solidFill>
@@ -35579,7 +34970,7 @@
               </a:spcAft>
               <a:buSzPct val="70000"/>
               <a:buBlip>
-                <a:blip r:embed="rId7"/>
+                <a:blip r:embed="rId5"/>
               </a:buBlip>
               <a:defRPr kumimoji="1" sz="2000">
                 <a:solidFill>
@@ -35598,7 +34989,7 @@
               </a:spcAft>
               <a:buSzPct val="70000"/>
               <a:buBlip>
-                <a:blip r:embed="rId7"/>
+                <a:blip r:embed="rId5"/>
               </a:buBlip>
               <a:defRPr kumimoji="1" sz="2000">
                 <a:solidFill>
@@ -35658,6 +35049,13 @@
               </a:rPr>
               <a:t>背包问题</a:t>
             </a:r>
+            <a:endParaRPr lang="zh-CN" altLang="en-US" sz="2200" dirty="0">
+              <a:solidFill>
+                <a:srgbClr val="080808"/>
+              </a:solidFill>
+              <a:latin typeface="楷体" panose="02010609060101010101" pitchFamily="49" charset="-122"/>
+              <a:ea typeface="楷体" panose="02010609060101010101" pitchFamily="49" charset="-122"/>
+            </a:endParaRPr>
           </a:p>
           <a:p>
             <a:pPr indent="457200">
@@ -35728,6 +35126,13 @@
               </a:rPr>
               <a:t>所示，已知每件物品对应的重量和价格。请运用最优决策表确定装入哪些物品能够使得背包价值最大。</a:t>
             </a:r>
+            <a:endParaRPr lang="zh-CN" altLang="en-US" sz="2200" dirty="0">
+              <a:solidFill>
+                <a:srgbClr val="080808"/>
+              </a:solidFill>
+              <a:latin typeface="楷体" panose="02010609060101010101" pitchFamily="49" charset="-122"/>
+              <a:ea typeface="楷体" panose="02010609060101010101" pitchFamily="49" charset="-122"/>
+            </a:endParaRPr>
           </a:p>
         </p:txBody>
       </p:sp>
@@ -35737,13 +35142,7 @@
           <p:cNvGraphicFramePr>
             <a:graphicFrameLocks noGrp="1"/>
           </p:cNvGraphicFramePr>
-          <p:nvPr>
-            <p:extLst>
-              <p:ext uri="{D42A27DB-BD31-4B8C-83A1-F6EECF244321}">
-                <p14:modId xmlns:p14="http://schemas.microsoft.com/office/powerpoint/2010/main" val="3750217966"/>
-              </p:ext>
-            </p:extLst>
-          </p:nvPr>
+          <p:nvPr/>
         </p:nvGraphicFramePr>
         <p:xfrm>
           <a:off x="2627784" y="2924944"/>
@@ -35756,27 +35155,9 @@
                 <a:tableStyleId>{5940675A-B579-460E-94D1-54222C63F5DA}</a:tableStyleId>
               </a:tblPr>
               <a:tblGrid>
-                <a:gridCol w="1167130">
-                  <a:extLst>
-                    <a:ext uri="{9D8B030D-6E8A-4147-A177-3AD203B41FA5}">
-                      <a16:colId xmlns:a16="http://schemas.microsoft.com/office/drawing/2014/main" val="20000"/>
-                    </a:ext>
-                  </a:extLst>
-                </a:gridCol>
-                <a:gridCol w="1260475">
-                  <a:extLst>
-                    <a:ext uri="{9D8B030D-6E8A-4147-A177-3AD203B41FA5}">
-                      <a16:colId xmlns:a16="http://schemas.microsoft.com/office/drawing/2014/main" val="20001"/>
-                    </a:ext>
-                  </a:extLst>
-                </a:gridCol>
-                <a:gridCol w="1259840">
-                  <a:extLst>
-                    <a:ext uri="{9D8B030D-6E8A-4147-A177-3AD203B41FA5}">
-                      <a16:colId xmlns:a16="http://schemas.microsoft.com/office/drawing/2014/main" val="20002"/>
-                    </a:ext>
-                  </a:extLst>
-                </a:gridCol>
+                <a:gridCol w="1167130"/>
+                <a:gridCol w="1260475"/>
+                <a:gridCol w="1259840"/>
               </a:tblGrid>
               <a:tr h="0">
                 <a:tc>
@@ -35869,11 +35250,6 @@
                   </a:txBody>
                   <a:tcPr marL="68580" marR="68580" marT="0" marB="0" anchor="ctr"/>
                 </a:tc>
-                <a:extLst>
-                  <a:ext uri="{0D108BD9-81ED-4DB2-BD59-A6C34878D82A}">
-                    <a16:rowId xmlns:a16="http://schemas.microsoft.com/office/drawing/2014/main" val="10000"/>
-                  </a:ext>
-                </a:extLst>
               </a:tr>
               <a:tr h="133350">
                 <a:tc>
@@ -35954,11 +35330,6 @@
                   </a:txBody>
                   <a:tcPr marL="68580" marR="68580" marT="0" marB="0" anchor="ctr"/>
                 </a:tc>
-                <a:extLst>
-                  <a:ext uri="{0D108BD9-81ED-4DB2-BD59-A6C34878D82A}">
-                    <a16:rowId xmlns:a16="http://schemas.microsoft.com/office/drawing/2014/main" val="10001"/>
-                  </a:ext>
-                </a:extLst>
               </a:tr>
               <a:tr h="212090">
                 <a:tc>
@@ -36039,11 +35410,6 @@
                   </a:txBody>
                   <a:tcPr marL="68580" marR="68580" marT="0" marB="0" anchor="ctr"/>
                 </a:tc>
-                <a:extLst>
-                  <a:ext uri="{0D108BD9-81ED-4DB2-BD59-A6C34878D82A}">
-                    <a16:rowId xmlns:a16="http://schemas.microsoft.com/office/drawing/2014/main" val="10002"/>
-                  </a:ext>
-                </a:extLst>
               </a:tr>
               <a:tr h="0">
                 <a:tc>
@@ -36124,11 +35490,6 @@
                   </a:txBody>
                   <a:tcPr marL="68580" marR="68580" marT="0" marB="0" anchor="ctr"/>
                 </a:tc>
-                <a:extLst>
-                  <a:ext uri="{0D108BD9-81ED-4DB2-BD59-A6C34878D82A}">
-                    <a16:rowId xmlns:a16="http://schemas.microsoft.com/office/drawing/2014/main" val="10003"/>
-                  </a:ext>
-                </a:extLst>
               </a:tr>
             </a:tbl>
           </a:graphicData>
@@ -36136,13 +35497,7 @@
       </p:graphicFrame>
       <p:sp>
         <p:nvSpPr>
-          <p:cNvPr id="5" name="Text Box 4">
-            <a:extLst>
-              <a:ext uri="{FF2B5EF4-FFF2-40B4-BE49-F238E27FC236}">
-                <a16:creationId xmlns:a16="http://schemas.microsoft.com/office/drawing/2014/main" id="{A9A3C5AF-B40F-4A61-9D32-AB648873C572}"/>
-              </a:ext>
-            </a:extLst>
-          </p:cNvPr>
+          <p:cNvPr id="5" name="Text Box 4"/>
           <p:cNvSpPr txBox="1">
             <a:spLocks noChangeArrowheads="1"/>
           </p:cNvSpPr>
@@ -36191,7 +35546,7 @@
               </a:spcBef>
               <a:buSzPct val="90000"/>
               <a:buBlip>
-                <a:blip r:embed="rId3"/>
+                <a:blip r:embed="rId1"/>
               </a:buBlip>
               <a:defRPr kumimoji="1" sz="3200">
                 <a:solidFill>
@@ -36207,7 +35562,7 @@
               </a:spcBef>
               <a:buSzPct val="80000"/>
               <a:buBlip>
-                <a:blip r:embed="rId4"/>
+                <a:blip r:embed="rId2"/>
               </a:buBlip>
               <a:defRPr kumimoji="1" sz="2800">
                 <a:solidFill>
@@ -36223,7 +35578,7 @@
               </a:spcBef>
               <a:buSzPct val="70000"/>
               <a:buBlip>
-                <a:blip r:embed="rId5"/>
+                <a:blip r:embed="rId3"/>
               </a:buBlip>
               <a:defRPr kumimoji="1" sz="2400">
                 <a:solidFill>
@@ -36239,7 +35594,7 @@
               </a:spcBef>
               <a:buSzPct val="70000"/>
               <a:buBlip>
-                <a:blip r:embed="rId6"/>
+                <a:blip r:embed="rId4"/>
               </a:buBlip>
               <a:defRPr kumimoji="1" sz="2000">
                 <a:solidFill>
@@ -36255,7 +35610,7 @@
               </a:spcBef>
               <a:buSzPct val="70000"/>
               <a:buBlip>
-                <a:blip r:embed="rId7"/>
+                <a:blip r:embed="rId5"/>
               </a:buBlip>
               <a:defRPr kumimoji="1" sz="2000">
                 <a:solidFill>
@@ -36274,7 +35629,7 @@
               </a:spcAft>
               <a:buSzPct val="70000"/>
               <a:buBlip>
-                <a:blip r:embed="rId7"/>
+                <a:blip r:embed="rId5"/>
               </a:buBlip>
               <a:defRPr kumimoji="1" sz="2000">
                 <a:solidFill>
@@ -36293,7 +35648,7 @@
               </a:spcAft>
               <a:buSzPct val="70000"/>
               <a:buBlip>
-                <a:blip r:embed="rId7"/>
+                <a:blip r:embed="rId5"/>
               </a:buBlip>
               <a:defRPr kumimoji="1" sz="2000">
                 <a:solidFill>
@@ -36312,7 +35667,7 @@
               </a:spcAft>
               <a:buSzPct val="70000"/>
               <a:buBlip>
-                <a:blip r:embed="rId7"/>
+                <a:blip r:embed="rId5"/>
               </a:buBlip>
               <a:defRPr kumimoji="1" sz="2000">
                 <a:solidFill>
@@ -36331,7 +35686,7 @@
               </a:spcAft>
               <a:buSzPct val="70000"/>
               <a:buBlip>
-                <a:blip r:embed="rId7"/>
+                <a:blip r:embed="rId5"/>
               </a:buBlip>
               <a:defRPr kumimoji="1" sz="2000">
                 <a:solidFill>
@@ -36421,6 +35776,13 @@
               </a:rPr>
               <a:t>示： </a:t>
             </a:r>
+            <a:endParaRPr lang="zh-CN" altLang="en-US" sz="2200" dirty="0">
+              <a:solidFill>
+                <a:srgbClr val="080808"/>
+              </a:solidFill>
+              <a:latin typeface="楷体" panose="02010609060101010101" pitchFamily="49" charset="-122"/>
+              <a:ea typeface="楷体" panose="02010609060101010101" pitchFamily="49" charset="-122"/>
+            </a:endParaRPr>
           </a:p>
         </p:txBody>
       </p:sp>
@@ -36430,13 +35792,7 @@
           <p:cNvGraphicFramePr>
             <a:graphicFrameLocks noGrp="1"/>
           </p:cNvGraphicFramePr>
-          <p:nvPr>
-            <p:extLst>
-              <p:ext uri="{D42A27DB-BD31-4B8C-83A1-F6EECF244321}">
-                <p14:modId xmlns:p14="http://schemas.microsoft.com/office/powerpoint/2010/main" val="3537185246"/>
-              </p:ext>
-            </p:extLst>
-          </p:nvPr>
+          <p:nvPr/>
         </p:nvGraphicFramePr>
         <p:xfrm>
           <a:off x="2570083" y="5255126"/>
@@ -36449,41 +35805,11 @@
                 <a:tableStyleId>{5940675A-B579-460E-94D1-54222C63F5DA}</a:tableStyleId>
               </a:tblPr>
               <a:tblGrid>
-                <a:gridCol w="1026202">
-                  <a:extLst>
-                    <a:ext uri="{9D8B030D-6E8A-4147-A177-3AD203B41FA5}">
-                      <a16:colId xmlns:a16="http://schemas.microsoft.com/office/drawing/2014/main" val="20000"/>
-                    </a:ext>
-                  </a:extLst>
-                </a:gridCol>
-                <a:gridCol w="744221">
-                  <a:extLst>
-                    <a:ext uri="{9D8B030D-6E8A-4147-A177-3AD203B41FA5}">
-                      <a16:colId xmlns:a16="http://schemas.microsoft.com/office/drawing/2014/main" val="20001"/>
-                    </a:ext>
-                  </a:extLst>
-                </a:gridCol>
-                <a:gridCol w="744221">
-                  <a:extLst>
-                    <a:ext uri="{9D8B030D-6E8A-4147-A177-3AD203B41FA5}">
-                      <a16:colId xmlns:a16="http://schemas.microsoft.com/office/drawing/2014/main" val="20002"/>
-                    </a:ext>
-                  </a:extLst>
-                </a:gridCol>
-                <a:gridCol w="744221">
-                  <a:extLst>
-                    <a:ext uri="{9D8B030D-6E8A-4147-A177-3AD203B41FA5}">
-                      <a16:colId xmlns:a16="http://schemas.microsoft.com/office/drawing/2014/main" val="20003"/>
-                    </a:ext>
-                  </a:extLst>
-                </a:gridCol>
-                <a:gridCol w="744969">
-                  <a:extLst>
-                    <a:ext uri="{9D8B030D-6E8A-4147-A177-3AD203B41FA5}">
-                      <a16:colId xmlns:a16="http://schemas.microsoft.com/office/drawing/2014/main" val="20004"/>
-                    </a:ext>
-                  </a:extLst>
-                </a:gridCol>
+                <a:gridCol w="1026202"/>
+                <a:gridCol w="744221"/>
+                <a:gridCol w="744221"/>
+                <a:gridCol w="744221"/>
+                <a:gridCol w="744969"/>
               </a:tblGrid>
               <a:tr h="0">
                 <a:tc>
@@ -36616,11 +35942,6 @@
                   </a:txBody>
                   <a:tcPr marL="68580" marR="68580" marT="0" marB="0"/>
                 </a:tc>
-                <a:extLst>
-                  <a:ext uri="{0D108BD9-81ED-4DB2-BD59-A6C34878D82A}">
-                    <a16:rowId xmlns:a16="http://schemas.microsoft.com/office/drawing/2014/main" val="10000"/>
-                  </a:ext>
-                </a:extLst>
               </a:tr>
               <a:tr h="133350">
                 <a:tc>
@@ -36753,11 +36074,6 @@
                   </a:txBody>
                   <a:tcPr marL="68580" marR="68580" marT="0" marB="0"/>
                 </a:tc>
-                <a:extLst>
-                  <a:ext uri="{0D108BD9-81ED-4DB2-BD59-A6C34878D82A}">
-                    <a16:rowId xmlns:a16="http://schemas.microsoft.com/office/drawing/2014/main" val="10001"/>
-                  </a:ext>
-                </a:extLst>
               </a:tr>
               <a:tr h="212090">
                 <a:tc>
@@ -36890,11 +36206,6 @@
                   </a:txBody>
                   <a:tcPr marL="68580" marR="68580" marT="0" marB="0"/>
                 </a:tc>
-                <a:extLst>
-                  <a:ext uri="{0D108BD9-81ED-4DB2-BD59-A6C34878D82A}">
-                    <a16:rowId xmlns:a16="http://schemas.microsoft.com/office/drawing/2014/main" val="10002"/>
-                  </a:ext>
-                </a:extLst>
               </a:tr>
               <a:tr h="0">
                 <a:tc>
@@ -37027,22 +36338,12 @@
                   </a:txBody>
                   <a:tcPr marL="68580" marR="68580" marT="0" marB="0"/>
                 </a:tc>
-                <a:extLst>
-                  <a:ext uri="{0D108BD9-81ED-4DB2-BD59-A6C34878D82A}">
-                    <a16:rowId xmlns:a16="http://schemas.microsoft.com/office/drawing/2014/main" val="10003"/>
-                  </a:ext>
-                </a:extLst>
               </a:tr>
             </a:tbl>
           </a:graphicData>
         </a:graphic>
       </p:graphicFrame>
     </p:spTree>
-    <p:extLst>
-      <p:ext uri="{BB962C8B-B14F-4D97-AF65-F5344CB8AC3E}">
-        <p14:creationId xmlns:p14="http://schemas.microsoft.com/office/powerpoint/2010/main" val="2834751301"/>
-      </p:ext>
-    </p:extLst>
   </p:cSld>
   <p:clrMapOvr>
     <a:masterClrMapping/>
@@ -37076,13 +36377,7 @@
       </p:grpSpPr>
       <p:sp>
         <p:nvSpPr>
-          <p:cNvPr id="3" name="Text Box 4">
-            <a:extLst>
-              <a:ext uri="{FF2B5EF4-FFF2-40B4-BE49-F238E27FC236}">
-                <a16:creationId xmlns:a16="http://schemas.microsoft.com/office/drawing/2014/main" id="{A9A3C5AF-B40F-4A61-9D32-AB648873C572}"/>
-              </a:ext>
-            </a:extLst>
-          </p:cNvPr>
+          <p:cNvPr id="3" name="Text Box 4"/>
           <p:cNvSpPr txBox="1">
             <a:spLocks noChangeArrowheads="1"/>
           </p:cNvSpPr>
@@ -37131,7 +36426,7 @@
               </a:spcBef>
               <a:buSzPct val="90000"/>
               <a:buBlip>
-                <a:blip r:embed="rId2"/>
+                <a:blip r:embed="rId1"/>
               </a:buBlip>
               <a:defRPr kumimoji="1" sz="3200">
                 <a:solidFill>
@@ -37147,7 +36442,7 @@
               </a:spcBef>
               <a:buSzPct val="80000"/>
               <a:buBlip>
-                <a:blip r:embed="rId3"/>
+                <a:blip r:embed="rId2"/>
               </a:buBlip>
               <a:defRPr kumimoji="1" sz="2800">
                 <a:solidFill>
@@ -37163,7 +36458,7 @@
               </a:spcBef>
               <a:buSzPct val="70000"/>
               <a:buBlip>
-                <a:blip r:embed="rId4"/>
+                <a:blip r:embed="rId3"/>
               </a:buBlip>
               <a:defRPr kumimoji="1" sz="2400">
                 <a:solidFill>
@@ -37179,7 +36474,7 @@
               </a:spcBef>
               <a:buSzPct val="70000"/>
               <a:buBlip>
-                <a:blip r:embed="rId5"/>
+                <a:blip r:embed="rId4"/>
               </a:buBlip>
               <a:defRPr kumimoji="1" sz="2000">
                 <a:solidFill>
@@ -37195,7 +36490,7 @@
               </a:spcBef>
               <a:buSzPct val="70000"/>
               <a:buBlip>
-                <a:blip r:embed="rId6"/>
+                <a:blip r:embed="rId5"/>
               </a:buBlip>
               <a:defRPr kumimoji="1" sz="2000">
                 <a:solidFill>
@@ -37214,7 +36509,7 @@
               </a:spcAft>
               <a:buSzPct val="70000"/>
               <a:buBlip>
-                <a:blip r:embed="rId6"/>
+                <a:blip r:embed="rId5"/>
               </a:buBlip>
               <a:defRPr kumimoji="1" sz="2000">
                 <a:solidFill>
@@ -37233,7 +36528,7 @@
               </a:spcAft>
               <a:buSzPct val="70000"/>
               <a:buBlip>
-                <a:blip r:embed="rId6"/>
+                <a:blip r:embed="rId5"/>
               </a:buBlip>
               <a:defRPr kumimoji="1" sz="2000">
                 <a:solidFill>
@@ -37252,7 +36547,7 @@
               </a:spcAft>
               <a:buSzPct val="70000"/>
               <a:buBlip>
-                <a:blip r:embed="rId6"/>
+                <a:blip r:embed="rId5"/>
               </a:buBlip>
               <a:defRPr kumimoji="1" sz="2000">
                 <a:solidFill>
@@ -37271,7 +36566,7 @@
               </a:spcAft>
               <a:buSzPct val="70000"/>
               <a:buBlip>
-                <a:blip r:embed="rId6"/>
+                <a:blip r:embed="rId5"/>
               </a:buBlip>
               <a:defRPr kumimoji="1" sz="2000">
                 <a:solidFill>
@@ -37311,6 +36606,13 @@
               </a:rPr>
               <a:t>解题思路：</a:t>
             </a:r>
+            <a:endParaRPr lang="zh-CN" altLang="en-US" sz="2200" dirty="0">
+              <a:solidFill>
+                <a:srgbClr val="080808"/>
+              </a:solidFill>
+              <a:latin typeface="楷体" panose="02010609060101010101" pitchFamily="49" charset="-122"/>
+              <a:ea typeface="楷体" panose="02010609060101010101" pitchFamily="49" charset="-122"/>
+            </a:endParaRPr>
           </a:p>
           <a:p>
             <a:pPr>
@@ -37411,6 +36713,13 @@
               </a:rPr>
               <a:t>，表示不可达；</a:t>
             </a:r>
+            <a:endParaRPr lang="zh-CN" altLang="en-US" sz="2200" dirty="0">
+              <a:solidFill>
+                <a:srgbClr val="080808"/>
+              </a:solidFill>
+              <a:latin typeface="楷体" panose="02010609060101010101" pitchFamily="49" charset="-122"/>
+              <a:ea typeface="楷体" panose="02010609060101010101" pitchFamily="49" charset="-122"/>
+            </a:endParaRPr>
           </a:p>
           <a:p>
             <a:pPr>
@@ -37552,11 +36861,6 @@
         </p:txBody>
       </p:sp>
     </p:spTree>
-    <p:extLst>
-      <p:ext uri="{BB962C8B-B14F-4D97-AF65-F5344CB8AC3E}">
-        <p14:creationId xmlns:p14="http://schemas.microsoft.com/office/powerpoint/2010/main" val="920594361"/>
-      </p:ext>
-    </p:extLst>
   </p:cSld>
   <p:clrMapOvr>
     <a:masterClrMapping/>
@@ -37590,13 +36894,7 @@
       </p:grpSpPr>
       <p:sp>
         <p:nvSpPr>
-          <p:cNvPr id="3" name="Text Box 4">
-            <a:extLst>
-              <a:ext uri="{FF2B5EF4-FFF2-40B4-BE49-F238E27FC236}">
-                <a16:creationId xmlns:a16="http://schemas.microsoft.com/office/drawing/2014/main" id="{A9A3C5AF-B40F-4A61-9D32-AB648873C572}"/>
-              </a:ext>
-            </a:extLst>
-          </p:cNvPr>
+          <p:cNvPr id="3" name="Text Box 4"/>
           <p:cNvSpPr txBox="1">
             <a:spLocks noChangeArrowheads="1"/>
           </p:cNvSpPr>
@@ -37645,7 +36943,7 @@
               </a:spcBef>
               <a:buSzPct val="90000"/>
               <a:buBlip>
-                <a:blip r:embed="rId2"/>
+                <a:blip r:embed="rId1"/>
               </a:buBlip>
               <a:defRPr kumimoji="1" sz="3200">
                 <a:solidFill>
@@ -37661,7 +36959,7 @@
               </a:spcBef>
               <a:buSzPct val="80000"/>
               <a:buBlip>
-                <a:blip r:embed="rId3"/>
+                <a:blip r:embed="rId2"/>
               </a:buBlip>
               <a:defRPr kumimoji="1" sz="2800">
                 <a:solidFill>
@@ -37677,7 +36975,7 @@
               </a:spcBef>
               <a:buSzPct val="70000"/>
               <a:buBlip>
-                <a:blip r:embed="rId4"/>
+                <a:blip r:embed="rId3"/>
               </a:buBlip>
               <a:defRPr kumimoji="1" sz="2400">
                 <a:solidFill>
@@ -37693,7 +36991,7 @@
               </a:spcBef>
               <a:buSzPct val="70000"/>
               <a:buBlip>
-                <a:blip r:embed="rId5"/>
+                <a:blip r:embed="rId4"/>
               </a:buBlip>
               <a:defRPr kumimoji="1" sz="2000">
                 <a:solidFill>
@@ -37709,7 +37007,7 @@
               </a:spcBef>
               <a:buSzPct val="70000"/>
               <a:buBlip>
-                <a:blip r:embed="rId6"/>
+                <a:blip r:embed="rId5"/>
               </a:buBlip>
               <a:defRPr kumimoji="1" sz="2000">
                 <a:solidFill>
@@ -37728,7 +37026,7 @@
               </a:spcAft>
               <a:buSzPct val="70000"/>
               <a:buBlip>
-                <a:blip r:embed="rId6"/>
+                <a:blip r:embed="rId5"/>
               </a:buBlip>
               <a:defRPr kumimoji="1" sz="2000">
                 <a:solidFill>
@@ -37747,7 +37045,7 @@
               </a:spcAft>
               <a:buSzPct val="70000"/>
               <a:buBlip>
-                <a:blip r:embed="rId6"/>
+                <a:blip r:embed="rId5"/>
               </a:buBlip>
               <a:defRPr kumimoji="1" sz="2000">
                 <a:solidFill>
@@ -37766,7 +37064,7 @@
               </a:spcAft>
               <a:buSzPct val="70000"/>
               <a:buBlip>
-                <a:blip r:embed="rId6"/>
+                <a:blip r:embed="rId5"/>
               </a:buBlip>
               <a:defRPr kumimoji="1" sz="2000">
                 <a:solidFill>
@@ -37785,7 +37083,7 @@
               </a:spcAft>
               <a:buSzPct val="70000"/>
               <a:buBlip>
-                <a:blip r:embed="rId6"/>
+                <a:blip r:embed="rId5"/>
               </a:buBlip>
               <a:defRPr kumimoji="1" sz="2000">
                 <a:solidFill>
@@ -37895,6 +37193,13 @@
               </a:rPr>
               <a:t>的石板所需的最小跳跃次数；</a:t>
             </a:r>
+            <a:endParaRPr lang="zh-CN" altLang="en-US" sz="2200" dirty="0">
+              <a:solidFill>
+                <a:srgbClr val="080808"/>
+              </a:solidFill>
+              <a:latin typeface="楷体" panose="02010609060101010101" pitchFamily="49" charset="-122"/>
+              <a:ea typeface="楷体" panose="02010609060101010101" pitchFamily="49" charset="-122"/>
+            </a:endParaRPr>
           </a:p>
           <a:p>
             <a:pPr>
@@ -37935,6 +37240,13 @@
               </a:rPr>
               <a:t>）状态转移方程：</a:t>
             </a:r>
+            <a:endParaRPr lang="zh-CN" altLang="en-US" sz="2200" dirty="0">
+              <a:solidFill>
+                <a:srgbClr val="080808"/>
+              </a:solidFill>
+              <a:latin typeface="楷体" panose="02010609060101010101" pitchFamily="49" charset="-122"/>
+              <a:ea typeface="楷体" panose="02010609060101010101" pitchFamily="49" charset="-122"/>
+            </a:endParaRPr>
           </a:p>
           <a:p>
             <a:pPr>
@@ -38075,15 +37387,17 @@
               </a:rPr>
               <a:t>的因子</a:t>
             </a:r>
+            <a:endParaRPr lang="zh-CN" altLang="en-US" sz="2200" dirty="0">
+              <a:solidFill>
+                <a:srgbClr val="080808"/>
+              </a:solidFill>
+              <a:latin typeface="楷体" panose="02010609060101010101" pitchFamily="49" charset="-122"/>
+              <a:ea typeface="楷体" panose="02010609060101010101" pitchFamily="49" charset="-122"/>
+            </a:endParaRPr>
           </a:p>
         </p:txBody>
       </p:sp>
     </p:spTree>
-    <p:extLst>
-      <p:ext uri="{BB962C8B-B14F-4D97-AF65-F5344CB8AC3E}">
-        <p14:creationId xmlns:p14="http://schemas.microsoft.com/office/powerpoint/2010/main" val="2332670171"/>
-      </p:ext>
-    </p:extLst>
   </p:cSld>
   <p:clrMapOvr>
     <a:masterClrMapping/>
@@ -38117,13 +37431,7 @@
       </p:grpSpPr>
       <p:sp>
         <p:nvSpPr>
-          <p:cNvPr id="4" name="Text Box 4">
-            <a:extLst>
-              <a:ext uri="{FF2B5EF4-FFF2-40B4-BE49-F238E27FC236}">
-                <a16:creationId xmlns:a16="http://schemas.microsoft.com/office/drawing/2014/main" id="{A9A3C5AF-B40F-4A61-9D32-AB648873C572}"/>
-              </a:ext>
-            </a:extLst>
-          </p:cNvPr>
+          <p:cNvPr id="4" name="Text Box 4"/>
           <p:cNvSpPr txBox="1">
             <a:spLocks noChangeArrowheads="1"/>
           </p:cNvSpPr>
@@ -38172,7 +37480,7 @@
               </a:spcBef>
               <a:buSzPct val="90000"/>
               <a:buBlip>
-                <a:blip r:embed="rId3"/>
+                <a:blip r:embed="rId1"/>
               </a:buBlip>
               <a:defRPr kumimoji="1" sz="3200">
                 <a:solidFill>
@@ -38188,7 +37496,7 @@
               </a:spcBef>
               <a:buSzPct val="80000"/>
               <a:buBlip>
-                <a:blip r:embed="rId4"/>
+                <a:blip r:embed="rId2"/>
               </a:buBlip>
               <a:defRPr kumimoji="1" sz="2800">
                 <a:solidFill>
@@ -38204,7 +37512,7 @@
               </a:spcBef>
               <a:buSzPct val="70000"/>
               <a:buBlip>
-                <a:blip r:embed="rId5"/>
+                <a:blip r:embed="rId3"/>
               </a:buBlip>
               <a:defRPr kumimoji="1" sz="2400">
                 <a:solidFill>
@@ -38220,7 +37528,7 @@
               </a:spcBef>
               <a:buSzPct val="70000"/>
               <a:buBlip>
-                <a:blip r:embed="rId6"/>
+                <a:blip r:embed="rId4"/>
               </a:buBlip>
               <a:defRPr kumimoji="1" sz="2000">
                 <a:solidFill>
@@ -38236,7 +37544,7 @@
               </a:spcBef>
               <a:buSzPct val="70000"/>
               <a:buBlip>
-                <a:blip r:embed="rId7"/>
+                <a:blip r:embed="rId5"/>
               </a:buBlip>
               <a:defRPr kumimoji="1" sz="2000">
                 <a:solidFill>
@@ -38255,7 +37563,7 @@
               </a:spcAft>
               <a:buSzPct val="70000"/>
               <a:buBlip>
-                <a:blip r:embed="rId7"/>
+                <a:blip r:embed="rId5"/>
               </a:buBlip>
               <a:defRPr kumimoji="1" sz="2000">
                 <a:solidFill>
@@ -38274,7 +37582,7 @@
               </a:spcAft>
               <a:buSzPct val="70000"/>
               <a:buBlip>
-                <a:blip r:embed="rId7"/>
+                <a:blip r:embed="rId5"/>
               </a:buBlip>
               <a:defRPr kumimoji="1" sz="2000">
                 <a:solidFill>
@@ -38293,7 +37601,7 @@
               </a:spcAft>
               <a:buSzPct val="70000"/>
               <a:buBlip>
-                <a:blip r:embed="rId7"/>
+                <a:blip r:embed="rId5"/>
               </a:buBlip>
               <a:defRPr kumimoji="1" sz="2000">
                 <a:solidFill>
@@ -38312,7 +37620,7 @@
               </a:spcAft>
               <a:buSzPct val="70000"/>
               <a:buBlip>
-                <a:blip r:embed="rId7"/>
+                <a:blip r:embed="rId5"/>
               </a:buBlip>
               <a:defRPr kumimoji="1" sz="2000">
                 <a:solidFill>
@@ -38362,6 +37670,13 @@
               </a:rPr>
               <a:t>）第一阶段：第一行表示在本阶段你能装入背包的物品只有相机，对于每个单元格来讲，都需要做一个简单的决定：装还是不装相机？</a:t>
             </a:r>
+            <a:endParaRPr lang="zh-CN" altLang="en-US" sz="2200" dirty="0">
+              <a:solidFill>
+                <a:srgbClr val="080808"/>
+              </a:solidFill>
+              <a:latin typeface="楷体" panose="02010609060101010101" pitchFamily="49" charset="-122"/>
+              <a:ea typeface="楷体" panose="02010609060101010101" pitchFamily="49" charset="-122"/>
+            </a:endParaRPr>
           </a:p>
         </p:txBody>
       </p:sp>
@@ -38371,13 +37686,7 @@
           <p:cNvGraphicFramePr>
             <a:graphicFrameLocks noGrp="1"/>
           </p:cNvGraphicFramePr>
-          <p:nvPr>
-            <p:extLst>
-              <p:ext uri="{D42A27DB-BD31-4B8C-83A1-F6EECF244321}">
-                <p14:modId xmlns:p14="http://schemas.microsoft.com/office/powerpoint/2010/main" val="3541340576"/>
-              </p:ext>
-            </p:extLst>
-          </p:nvPr>
+          <p:nvPr/>
         </p:nvGraphicFramePr>
         <p:xfrm>
           <a:off x="2087724" y="2420888"/>
@@ -38390,41 +37699,11 @@
                 <a:tableStyleId>{5940675A-B579-460E-94D1-54222C63F5DA}</a:tableStyleId>
               </a:tblPr>
               <a:tblGrid>
-                <a:gridCol w="1273464">
-                  <a:extLst>
-                    <a:ext uri="{9D8B030D-6E8A-4147-A177-3AD203B41FA5}">
-                      <a16:colId xmlns:a16="http://schemas.microsoft.com/office/drawing/2014/main" val="20000"/>
-                    </a:ext>
-                  </a:extLst>
-                </a:gridCol>
-                <a:gridCol w="923540">
-                  <a:extLst>
-                    <a:ext uri="{9D8B030D-6E8A-4147-A177-3AD203B41FA5}">
-                      <a16:colId xmlns:a16="http://schemas.microsoft.com/office/drawing/2014/main" val="20001"/>
-                    </a:ext>
-                  </a:extLst>
-                </a:gridCol>
-                <a:gridCol w="923540">
-                  <a:extLst>
-                    <a:ext uri="{9D8B030D-6E8A-4147-A177-3AD203B41FA5}">
-                      <a16:colId xmlns:a16="http://schemas.microsoft.com/office/drawing/2014/main" val="20002"/>
-                    </a:ext>
-                  </a:extLst>
-                </a:gridCol>
-                <a:gridCol w="923540">
-                  <a:extLst>
-                    <a:ext uri="{9D8B030D-6E8A-4147-A177-3AD203B41FA5}">
-                      <a16:colId xmlns:a16="http://schemas.microsoft.com/office/drawing/2014/main" val="20003"/>
-                    </a:ext>
-                  </a:extLst>
-                </a:gridCol>
-                <a:gridCol w="924468">
-                  <a:extLst>
-                    <a:ext uri="{9D8B030D-6E8A-4147-A177-3AD203B41FA5}">
-                      <a16:colId xmlns:a16="http://schemas.microsoft.com/office/drawing/2014/main" val="20004"/>
-                    </a:ext>
-                  </a:extLst>
-                </a:gridCol>
+                <a:gridCol w="1273464"/>
+                <a:gridCol w="923540"/>
+                <a:gridCol w="923540"/>
+                <a:gridCol w="923540"/>
+                <a:gridCol w="924468"/>
               </a:tblGrid>
               <a:tr h="0">
                 <a:tc>
@@ -38557,11 +37836,6 @@
                   </a:txBody>
                   <a:tcPr marL="68580" marR="68580" marT="0" marB="0" anchor="ctr"/>
                 </a:tc>
-                <a:extLst>
-                  <a:ext uri="{0D108BD9-81ED-4DB2-BD59-A6C34878D82A}">
-                    <a16:rowId xmlns:a16="http://schemas.microsoft.com/office/drawing/2014/main" val="10000"/>
-                  </a:ext>
-                </a:extLst>
               </a:tr>
               <a:tr h="133350">
                 <a:tc>
@@ -38718,11 +37992,6 @@
                   </a:txBody>
                   <a:tcPr marL="68580" marR="68580" marT="0" marB="0" anchor="ctr"/>
                 </a:tc>
-                <a:extLst>
-                  <a:ext uri="{0D108BD9-81ED-4DB2-BD59-A6C34878D82A}">
-                    <a16:rowId xmlns:a16="http://schemas.microsoft.com/office/drawing/2014/main" val="10001"/>
-                  </a:ext>
-                </a:extLst>
               </a:tr>
               <a:tr h="212090">
                 <a:tc>
@@ -38855,11 +38124,6 @@
                   </a:txBody>
                   <a:tcPr marL="68580" marR="68580" marT="0" marB="0" anchor="ctr"/>
                 </a:tc>
-                <a:extLst>
-                  <a:ext uri="{0D108BD9-81ED-4DB2-BD59-A6C34878D82A}">
-                    <a16:rowId xmlns:a16="http://schemas.microsoft.com/office/drawing/2014/main" val="10002"/>
-                  </a:ext>
-                </a:extLst>
               </a:tr>
               <a:tr h="0">
                 <a:tc>
@@ -38992,11 +38256,6 @@
                   </a:txBody>
                   <a:tcPr marL="68580" marR="68580" marT="0" marB="0" anchor="ctr"/>
                 </a:tc>
-                <a:extLst>
-                  <a:ext uri="{0D108BD9-81ED-4DB2-BD59-A6C34878D82A}">
-                    <a16:rowId xmlns:a16="http://schemas.microsoft.com/office/drawing/2014/main" val="10003"/>
-                  </a:ext>
-                </a:extLst>
               </a:tr>
             </a:tbl>
           </a:graphicData>
@@ -39004,13 +38263,7 @@
       </p:graphicFrame>
       <p:sp>
         <p:nvSpPr>
-          <p:cNvPr id="6" name="Text Box 4">
-            <a:extLst>
-              <a:ext uri="{FF2B5EF4-FFF2-40B4-BE49-F238E27FC236}">
-                <a16:creationId xmlns:a16="http://schemas.microsoft.com/office/drawing/2014/main" id="{A9A3C5AF-B40F-4A61-9D32-AB648873C572}"/>
-              </a:ext>
-            </a:extLst>
-          </p:cNvPr>
+          <p:cNvPr id="6" name="Text Box 4"/>
           <p:cNvSpPr txBox="1">
             <a:spLocks noChangeArrowheads="1"/>
           </p:cNvSpPr>
@@ -39059,7 +38312,7 @@
               </a:spcBef>
               <a:buSzPct val="90000"/>
               <a:buBlip>
-                <a:blip r:embed="rId3"/>
+                <a:blip r:embed="rId1"/>
               </a:buBlip>
               <a:defRPr kumimoji="1" sz="3200">
                 <a:solidFill>
@@ -39075,7 +38328,7 @@
               </a:spcBef>
               <a:buSzPct val="80000"/>
               <a:buBlip>
-                <a:blip r:embed="rId4"/>
+                <a:blip r:embed="rId2"/>
               </a:buBlip>
               <a:defRPr kumimoji="1" sz="2800">
                 <a:solidFill>
@@ -39091,7 +38344,7 @@
               </a:spcBef>
               <a:buSzPct val="70000"/>
               <a:buBlip>
-                <a:blip r:embed="rId5"/>
+                <a:blip r:embed="rId3"/>
               </a:buBlip>
               <a:defRPr kumimoji="1" sz="2400">
                 <a:solidFill>
@@ -39107,7 +38360,7 @@
               </a:spcBef>
               <a:buSzPct val="70000"/>
               <a:buBlip>
-                <a:blip r:embed="rId6"/>
+                <a:blip r:embed="rId4"/>
               </a:buBlip>
               <a:defRPr kumimoji="1" sz="2000">
                 <a:solidFill>
@@ -39123,7 +38376,7 @@
               </a:spcBef>
               <a:buSzPct val="70000"/>
               <a:buBlip>
-                <a:blip r:embed="rId7"/>
+                <a:blip r:embed="rId5"/>
               </a:buBlip>
               <a:defRPr kumimoji="1" sz="2000">
                 <a:solidFill>
@@ -39142,7 +38395,7 @@
               </a:spcAft>
               <a:buSzPct val="70000"/>
               <a:buBlip>
-                <a:blip r:embed="rId7"/>
+                <a:blip r:embed="rId5"/>
               </a:buBlip>
               <a:defRPr kumimoji="1" sz="2000">
                 <a:solidFill>
@@ -39161,7 +38414,7 @@
               </a:spcAft>
               <a:buSzPct val="70000"/>
               <a:buBlip>
-                <a:blip r:embed="rId7"/>
+                <a:blip r:embed="rId5"/>
               </a:buBlip>
               <a:defRPr kumimoji="1" sz="2000">
                 <a:solidFill>
@@ -39180,7 +38433,7 @@
               </a:spcAft>
               <a:buSzPct val="70000"/>
               <a:buBlip>
-                <a:blip r:embed="rId7"/>
+                <a:blip r:embed="rId5"/>
               </a:buBlip>
               <a:defRPr kumimoji="1" sz="2000">
                 <a:solidFill>
@@ -39199,7 +38452,7 @@
               </a:spcAft>
               <a:buSzPct val="70000"/>
               <a:buBlip>
-                <a:blip r:embed="rId7"/>
+                <a:blip r:embed="rId5"/>
               </a:buBlip>
               <a:defRPr kumimoji="1" sz="2000">
                 <a:solidFill>
@@ -39249,6 +38502,13 @@
               </a:rPr>
               <a:t>）第二阶段：现在处于第二行，可装入的商品有相机和扫描仪。在每一行，可装入的物品都为当前行的物品以及之前各行的物品。</a:t>
             </a:r>
+            <a:endParaRPr lang="zh-CN" altLang="en-US" sz="2200" dirty="0">
+              <a:solidFill>
+                <a:srgbClr val="080808"/>
+              </a:solidFill>
+              <a:latin typeface="楷体" panose="02010609060101010101" pitchFamily="49" charset="-122"/>
+              <a:ea typeface="楷体" panose="02010609060101010101" pitchFamily="49" charset="-122"/>
+            </a:endParaRPr>
           </a:p>
         </p:txBody>
       </p:sp>
@@ -39261,7 +38521,7 @@
           <p:nvPr/>
         </p:nvPicPr>
         <p:blipFill>
-          <a:blip r:embed="rId8"/>
+          <a:blip r:embed="rId6"/>
           <a:stretch>
             <a:fillRect/>
           </a:stretch>
@@ -39277,11 +38537,6 @@
         </p:spPr>
       </p:pic>
     </p:spTree>
-    <p:extLst>
-      <p:ext uri="{BB962C8B-B14F-4D97-AF65-F5344CB8AC3E}">
-        <p14:creationId xmlns:p14="http://schemas.microsoft.com/office/powerpoint/2010/main" val="3499821709"/>
-      </p:ext>
-    </p:extLst>
   </p:cSld>
   <p:clrMapOvr>
     <a:masterClrMapping/>
@@ -39315,13 +38570,7 @@
       </p:grpSpPr>
       <p:sp>
         <p:nvSpPr>
-          <p:cNvPr id="4" name="Text Box 4">
-            <a:extLst>
-              <a:ext uri="{FF2B5EF4-FFF2-40B4-BE49-F238E27FC236}">
-                <a16:creationId xmlns:a16="http://schemas.microsoft.com/office/drawing/2014/main" id="{A9A3C5AF-B40F-4A61-9D32-AB648873C572}"/>
-              </a:ext>
-            </a:extLst>
-          </p:cNvPr>
+          <p:cNvPr id="4" name="Text Box 4"/>
           <p:cNvSpPr txBox="1">
             <a:spLocks noChangeArrowheads="1"/>
           </p:cNvSpPr>
@@ -39370,7 +38619,7 @@
               </a:spcBef>
               <a:buSzPct val="90000"/>
               <a:buBlip>
-                <a:blip r:embed="rId3"/>
+                <a:blip r:embed="rId1"/>
               </a:buBlip>
               <a:defRPr kumimoji="1" sz="3200">
                 <a:solidFill>
@@ -39386,7 +38635,7 @@
               </a:spcBef>
               <a:buSzPct val="80000"/>
               <a:buBlip>
-                <a:blip r:embed="rId4"/>
+                <a:blip r:embed="rId2"/>
               </a:buBlip>
               <a:defRPr kumimoji="1" sz="2800">
                 <a:solidFill>
@@ -39402,7 +38651,7 @@
               </a:spcBef>
               <a:buSzPct val="70000"/>
               <a:buBlip>
-                <a:blip r:embed="rId5"/>
+                <a:blip r:embed="rId3"/>
               </a:buBlip>
               <a:defRPr kumimoji="1" sz="2400">
                 <a:solidFill>
@@ -39418,7 +38667,7 @@
               </a:spcBef>
               <a:buSzPct val="70000"/>
               <a:buBlip>
-                <a:blip r:embed="rId6"/>
+                <a:blip r:embed="rId4"/>
               </a:buBlip>
               <a:defRPr kumimoji="1" sz="2000">
                 <a:solidFill>
@@ -39434,7 +38683,7 @@
               </a:spcBef>
               <a:buSzPct val="70000"/>
               <a:buBlip>
-                <a:blip r:embed="rId7"/>
+                <a:blip r:embed="rId5"/>
               </a:buBlip>
               <a:defRPr kumimoji="1" sz="2000">
                 <a:solidFill>
@@ -39453,7 +38702,7 @@
               </a:spcAft>
               <a:buSzPct val="70000"/>
               <a:buBlip>
-                <a:blip r:embed="rId7"/>
+                <a:blip r:embed="rId5"/>
               </a:buBlip>
               <a:defRPr kumimoji="1" sz="2000">
                 <a:solidFill>
@@ -39472,7 +38721,7 @@
               </a:spcAft>
               <a:buSzPct val="70000"/>
               <a:buBlip>
-                <a:blip r:embed="rId7"/>
+                <a:blip r:embed="rId5"/>
               </a:buBlip>
               <a:defRPr kumimoji="1" sz="2000">
                 <a:solidFill>
@@ -39491,7 +38740,7 @@
               </a:spcAft>
               <a:buSzPct val="70000"/>
               <a:buBlip>
-                <a:blip r:embed="rId7"/>
+                <a:blip r:embed="rId5"/>
               </a:buBlip>
               <a:defRPr kumimoji="1" sz="2000">
                 <a:solidFill>
@@ -39510,7 +38759,7 @@
               </a:spcAft>
               <a:buSzPct val="70000"/>
               <a:buBlip>
-                <a:blip r:embed="rId7"/>
+                <a:blip r:embed="rId5"/>
               </a:buBlip>
               <a:defRPr kumimoji="1" sz="2000">
                 <a:solidFill>
@@ -39570,6 +38819,13 @@
               </a:rPr>
               <a:t>第三阶段：现在处于第三行，可装入的商品有相机、扫描仪和笔记本电脑。</a:t>
             </a:r>
+            <a:endParaRPr lang="zh-CN" altLang="en-US" sz="2200" dirty="0">
+              <a:solidFill>
+                <a:srgbClr val="080808"/>
+              </a:solidFill>
+              <a:latin typeface="楷体" panose="02010609060101010101" pitchFamily="49" charset="-122"/>
+              <a:ea typeface="楷体" panose="02010609060101010101" pitchFamily="49" charset="-122"/>
+            </a:endParaRPr>
           </a:p>
         </p:txBody>
       </p:sp>
@@ -39582,7 +38838,7 @@
           <p:nvPr/>
         </p:nvPicPr>
         <p:blipFill>
-          <a:blip r:embed="rId8"/>
+          <a:blip r:embed="rId6"/>
           <a:stretch>
             <a:fillRect/>
           </a:stretch>
@@ -39606,7 +38862,7 @@
           <p:nvPr/>
         </p:nvPicPr>
         <p:blipFill>
-          <a:blip r:embed="rId9"/>
+          <a:blip r:embed="rId7"/>
           <a:stretch>
             <a:fillRect/>
           </a:stretch>
@@ -39622,11 +38878,6 @@
         </p:spPr>
       </p:pic>
     </p:spTree>
-    <p:extLst>
-      <p:ext uri="{BB962C8B-B14F-4D97-AF65-F5344CB8AC3E}">
-        <p14:creationId xmlns:p14="http://schemas.microsoft.com/office/powerpoint/2010/main" val="2149510290"/>
-      </p:ext>
-    </p:extLst>
   </p:cSld>
   <p:clrMapOvr>
     <a:masterClrMapping/>
@@ -39692,10 +38943,6 @@
             </a:r>
             <a:fld id="{AB2E83DC-661B-4DCC-B4A3-95AD0DF58E27}" type="slidenum">
               <a:rPr lang="zh-CN" altLang="en-US" smtClean="0"/>
-              <a:pPr>
-                <a:defRPr/>
-              </a:pPr>
-              <a:t>7</a:t>
             </a:fld>
             <a:endParaRPr lang="en-US" altLang="zh-CN" dirty="0"/>
           </a:p>
@@ -39707,13 +38954,7 @@
           <p:cNvGraphicFramePr>
             <a:graphicFrameLocks noGrp="1"/>
           </p:cNvGraphicFramePr>
-          <p:nvPr>
-            <p:extLst>
-              <p:ext uri="{D42A27DB-BD31-4B8C-83A1-F6EECF244321}">
-                <p14:modId xmlns:p14="http://schemas.microsoft.com/office/powerpoint/2010/main" val="3012663606"/>
-              </p:ext>
-            </p:extLst>
-          </p:nvPr>
+          <p:nvPr/>
         </p:nvGraphicFramePr>
         <p:xfrm>
           <a:off x="1187624" y="3192454"/>
@@ -39726,97 +38967,19 @@
                 <a:tableStyleId>{5940675A-B579-460E-94D1-54222C63F5DA}</a:tableStyleId>
               </a:tblPr>
               <a:tblGrid>
-                <a:gridCol w="540000">
-                  <a:extLst>
-                    <a:ext uri="{9D8B030D-6E8A-4147-A177-3AD203B41FA5}">
-                      <a16:colId xmlns:a16="http://schemas.microsoft.com/office/drawing/2014/main" val="20000"/>
-                    </a:ext>
-                  </a:extLst>
-                </a:gridCol>
-                <a:gridCol w="540000">
-                  <a:extLst>
-                    <a:ext uri="{9D8B030D-6E8A-4147-A177-3AD203B41FA5}">
-                      <a16:colId xmlns:a16="http://schemas.microsoft.com/office/drawing/2014/main" val="2424106674"/>
-                    </a:ext>
-                  </a:extLst>
-                </a:gridCol>
-                <a:gridCol w="540000">
-                  <a:extLst>
-                    <a:ext uri="{9D8B030D-6E8A-4147-A177-3AD203B41FA5}">
-                      <a16:colId xmlns:a16="http://schemas.microsoft.com/office/drawing/2014/main" val="3309049216"/>
-                    </a:ext>
-                  </a:extLst>
-                </a:gridCol>
-                <a:gridCol w="540000">
-                  <a:extLst>
-                    <a:ext uri="{9D8B030D-6E8A-4147-A177-3AD203B41FA5}">
-                      <a16:colId xmlns:a16="http://schemas.microsoft.com/office/drawing/2014/main" val="20001"/>
-                    </a:ext>
-                  </a:extLst>
-                </a:gridCol>
-                <a:gridCol w="540000">
-                  <a:extLst>
-                    <a:ext uri="{9D8B030D-6E8A-4147-A177-3AD203B41FA5}">
-                      <a16:colId xmlns:a16="http://schemas.microsoft.com/office/drawing/2014/main" val="20002"/>
-                    </a:ext>
-                  </a:extLst>
-                </a:gridCol>
-                <a:gridCol w="540000">
-                  <a:extLst>
-                    <a:ext uri="{9D8B030D-6E8A-4147-A177-3AD203B41FA5}">
-                      <a16:colId xmlns:a16="http://schemas.microsoft.com/office/drawing/2014/main" val="20003"/>
-                    </a:ext>
-                  </a:extLst>
-                </a:gridCol>
-                <a:gridCol w="540000">
-                  <a:extLst>
-                    <a:ext uri="{9D8B030D-6E8A-4147-A177-3AD203B41FA5}">
-                      <a16:colId xmlns:a16="http://schemas.microsoft.com/office/drawing/2014/main" val="20004"/>
-                    </a:ext>
-                  </a:extLst>
-                </a:gridCol>
-                <a:gridCol w="540000">
-                  <a:extLst>
-                    <a:ext uri="{9D8B030D-6E8A-4147-A177-3AD203B41FA5}">
-                      <a16:colId xmlns:a16="http://schemas.microsoft.com/office/drawing/2014/main" val="3602176588"/>
-                    </a:ext>
-                  </a:extLst>
-                </a:gridCol>
-                <a:gridCol w="540000">
-                  <a:extLst>
-                    <a:ext uri="{9D8B030D-6E8A-4147-A177-3AD203B41FA5}">
-                      <a16:colId xmlns:a16="http://schemas.microsoft.com/office/drawing/2014/main" val="655598650"/>
-                    </a:ext>
-                  </a:extLst>
-                </a:gridCol>
-                <a:gridCol w="540000">
-                  <a:extLst>
-                    <a:ext uri="{9D8B030D-6E8A-4147-A177-3AD203B41FA5}">
-                      <a16:colId xmlns:a16="http://schemas.microsoft.com/office/drawing/2014/main" val="4120410998"/>
-                    </a:ext>
-                  </a:extLst>
-                </a:gridCol>
-                <a:gridCol w="540000">
-                  <a:extLst>
-                    <a:ext uri="{9D8B030D-6E8A-4147-A177-3AD203B41FA5}">
-                      <a16:colId xmlns:a16="http://schemas.microsoft.com/office/drawing/2014/main" val="3285739208"/>
-                    </a:ext>
-                  </a:extLst>
-                </a:gridCol>
-                <a:gridCol w="540000">
-                  <a:extLst>
-                    <a:ext uri="{9D8B030D-6E8A-4147-A177-3AD203B41FA5}">
-                      <a16:colId xmlns:a16="http://schemas.microsoft.com/office/drawing/2014/main" val="4218931901"/>
-                    </a:ext>
-                  </a:extLst>
-                </a:gridCol>
-                <a:gridCol w="540000">
-                  <a:extLst>
-                    <a:ext uri="{9D8B030D-6E8A-4147-A177-3AD203B41FA5}">
-                      <a16:colId xmlns:a16="http://schemas.microsoft.com/office/drawing/2014/main" val="1774537086"/>
-                    </a:ext>
-                  </a:extLst>
-                </a:gridCol>
+                <a:gridCol w="540000"/>
+                <a:gridCol w="540000"/>
+                <a:gridCol w="540000"/>
+                <a:gridCol w="540000"/>
+                <a:gridCol w="540000"/>
+                <a:gridCol w="540000"/>
+                <a:gridCol w="540000"/>
+                <a:gridCol w="540000"/>
+                <a:gridCol w="540000"/>
+                <a:gridCol w="540000"/>
+                <a:gridCol w="540000"/>
+                <a:gridCol w="540000"/>
+                <a:gridCol w="540000"/>
               </a:tblGrid>
               <a:tr h="360000">
                 <a:tc>
@@ -40216,11 +39379,6 @@
                   </a:txBody>
                   <a:tcPr marL="68580" marR="68580" marT="0" marB="0" anchor="ctr"/>
                 </a:tc>
-                <a:extLst>
-                  <a:ext uri="{0D108BD9-81ED-4DB2-BD59-A6C34878D82A}">
-                    <a16:rowId xmlns:a16="http://schemas.microsoft.com/office/drawing/2014/main" val="10000"/>
-                  </a:ext>
-                </a:extLst>
               </a:tr>
               <a:tr h="360000">
                 <a:tc>
@@ -40600,11 +39758,6 @@
                   </a:txBody>
                   <a:tcPr marL="68580" marR="68580" marT="0" marB="0" anchor="ctr"/>
                 </a:tc>
-                <a:extLst>
-                  <a:ext uri="{0D108BD9-81ED-4DB2-BD59-A6C34878D82A}">
-                    <a16:rowId xmlns:a16="http://schemas.microsoft.com/office/drawing/2014/main" val="2214229490"/>
-                  </a:ext>
-                </a:extLst>
               </a:tr>
               <a:tr h="360000">
                 <a:tc>
@@ -40988,11 +40141,6 @@
                   </a:txBody>
                   <a:tcPr marL="68580" marR="68580" marT="0" marB="0" anchor="ctr"/>
                 </a:tc>
-                <a:extLst>
-                  <a:ext uri="{0D108BD9-81ED-4DB2-BD59-A6C34878D82A}">
-                    <a16:rowId xmlns:a16="http://schemas.microsoft.com/office/drawing/2014/main" val="10001"/>
-                  </a:ext>
-                </a:extLst>
               </a:tr>
               <a:tr h="360000">
                 <a:tc>
@@ -41371,11 +40519,6 @@
                   </a:txBody>
                   <a:tcPr marL="68580" marR="68580" marT="0" marB="0" anchor="ctr"/>
                 </a:tc>
-                <a:extLst>
-                  <a:ext uri="{0D108BD9-81ED-4DB2-BD59-A6C34878D82A}">
-                    <a16:rowId xmlns:a16="http://schemas.microsoft.com/office/drawing/2014/main" val="10002"/>
-                  </a:ext>
-                </a:extLst>
               </a:tr>
               <a:tr h="360000">
                 <a:tc>
@@ -41689,11 +40832,6 @@
                   </a:txBody>
                   <a:tcPr marL="68580" marR="68580" marT="0" marB="0" anchor="ctr"/>
                 </a:tc>
-                <a:extLst>
-                  <a:ext uri="{0D108BD9-81ED-4DB2-BD59-A6C34878D82A}">
-                    <a16:rowId xmlns:a16="http://schemas.microsoft.com/office/drawing/2014/main" val="10003"/>
-                  </a:ext>
-                </a:extLst>
               </a:tr>
               <a:tr h="360000">
                 <a:tc>
@@ -41983,11 +41121,6 @@
                   </a:txBody>
                   <a:tcPr marL="68580" marR="68580" marT="0" marB="0" anchor="ctr"/>
                 </a:tc>
-                <a:extLst>
-                  <a:ext uri="{0D108BD9-81ED-4DB2-BD59-A6C34878D82A}">
-                    <a16:rowId xmlns:a16="http://schemas.microsoft.com/office/drawing/2014/main" val="264725196"/>
-                  </a:ext>
-                </a:extLst>
               </a:tr>
             </a:tbl>
           </a:graphicData>
@@ -41995,13 +41128,7 @@
       </p:graphicFrame>
       <p:sp>
         <p:nvSpPr>
-          <p:cNvPr id="6" name="Text Box 4">
-            <a:extLst>
-              <a:ext uri="{FF2B5EF4-FFF2-40B4-BE49-F238E27FC236}">
-                <a16:creationId xmlns:a16="http://schemas.microsoft.com/office/drawing/2014/main" id="{A9A3C5AF-B40F-4A61-9D32-AB648873C572}"/>
-              </a:ext>
-            </a:extLst>
-          </p:cNvPr>
+          <p:cNvPr id="6" name="Text Box 4"/>
           <p:cNvSpPr txBox="1">
             <a:spLocks noChangeArrowheads="1"/>
           </p:cNvSpPr>
@@ -42050,7 +41177,7 @@
               </a:spcBef>
               <a:buSzPct val="90000"/>
               <a:buBlip>
-                <a:blip r:embed="rId2"/>
+                <a:blip r:embed="rId1"/>
               </a:buBlip>
               <a:defRPr kumimoji="1" sz="3200">
                 <a:solidFill>
@@ -42066,7 +41193,7 @@
               </a:spcBef>
               <a:buSzPct val="80000"/>
               <a:buBlip>
-                <a:blip r:embed="rId3"/>
+                <a:blip r:embed="rId2"/>
               </a:buBlip>
               <a:defRPr kumimoji="1" sz="2800">
                 <a:solidFill>
@@ -42082,7 +41209,7 @@
               </a:spcBef>
               <a:buSzPct val="70000"/>
               <a:buBlip>
-                <a:blip r:embed="rId4"/>
+                <a:blip r:embed="rId3"/>
               </a:buBlip>
               <a:defRPr kumimoji="1" sz="2400">
                 <a:solidFill>
@@ -42098,7 +41225,7 @@
               </a:spcBef>
               <a:buSzPct val="70000"/>
               <a:buBlip>
-                <a:blip r:embed="rId5"/>
+                <a:blip r:embed="rId4"/>
               </a:buBlip>
               <a:defRPr kumimoji="1" sz="2000">
                 <a:solidFill>
@@ -42114,7 +41241,7 @@
               </a:spcBef>
               <a:buSzPct val="70000"/>
               <a:buBlip>
-                <a:blip r:embed="rId6"/>
+                <a:blip r:embed="rId5"/>
               </a:buBlip>
               <a:defRPr kumimoji="1" sz="2000">
                 <a:solidFill>
@@ -42133,7 +41260,7 @@
               </a:spcAft>
               <a:buSzPct val="70000"/>
               <a:buBlip>
-                <a:blip r:embed="rId6"/>
+                <a:blip r:embed="rId5"/>
               </a:buBlip>
               <a:defRPr kumimoji="1" sz="2000">
                 <a:solidFill>
@@ -42152,7 +41279,7 @@
               </a:spcAft>
               <a:buSzPct val="70000"/>
               <a:buBlip>
-                <a:blip r:embed="rId6"/>
+                <a:blip r:embed="rId5"/>
               </a:buBlip>
               <a:defRPr kumimoji="1" sz="2000">
                 <a:solidFill>
@@ -42171,7 +41298,7 @@
               </a:spcAft>
               <a:buSzPct val="70000"/>
               <a:buBlip>
-                <a:blip r:embed="rId6"/>
+                <a:blip r:embed="rId5"/>
               </a:buBlip>
               <a:defRPr kumimoji="1" sz="2000">
                 <a:solidFill>
@@ -42190,7 +41317,7 @@
               </a:spcAft>
               <a:buSzPct val="70000"/>
               <a:buBlip>
-                <a:blip r:embed="rId6"/>
+                <a:blip r:embed="rId5"/>
               </a:buBlip>
               <a:defRPr kumimoji="1" sz="2000">
                 <a:solidFill>
@@ -42388,11 +41515,7 @@
           <a:effectLst/>
         </p:spPr>
         <p:txBody>
-          <a:bodyPr vert="horz" wrap="square" lIns="91440" tIns="45720" rIns="91440" bIns="45720" numCol="1" rtlCol="0" anchor="t" anchorCtr="0" compatLnSpc="1">
-            <a:prstTxWarp prst="textNoShape">
-              <a:avLst/>
-            </a:prstTxWarp>
-          </a:bodyPr>
+          <a:bodyPr vert="horz" wrap="square" lIns="91440" tIns="45720" rIns="91440" bIns="45720" numCol="1" rtlCol="0" anchor="t" anchorCtr="0" compatLnSpc="1"/>
           <a:lstStyle/>
           <a:p>
             <a:pPr marL="0" marR="0" indent="0" algn="l" defTabSz="914400" rtl="0" eaLnBrk="1" fontAlgn="base" latinLnBrk="0" hangingPunct="1">
@@ -42409,7 +41532,6 @@
               <a:buSzTx/>
               <a:buFontTx/>
               <a:buNone/>
-              <a:tabLst/>
             </a:pPr>
             <a:endParaRPr kumimoji="0" lang="zh-CN" altLang="en-US" sz="1800" b="0" i="1" u="none" strike="noStrike" cap="none" normalizeH="0" baseline="0" smtClean="0">
               <a:ln>
@@ -42419,8 +41541,8 @@
                 <a:schemeClr val="tx1"/>
               </a:solidFill>
               <a:effectLst/>
-              <a:latin typeface="Arial" pitchFamily="34" charset="0"/>
-              <a:ea typeface="华文细黑" pitchFamily="2" charset="-122"/>
+              <a:latin typeface="Arial" panose="020B0604020202020204" pitchFamily="34" charset="0"/>
+              <a:ea typeface="华文细黑" panose="02010600040101010101" pitchFamily="2" charset="-122"/>
             </a:endParaRPr>
           </a:p>
         </p:txBody>
@@ -42457,6 +41579,13 @@
               </a:rPr>
               <a:t>如何更新值？</a:t>
             </a:r>
+            <a:endParaRPr kumimoji="1" lang="zh-CN" altLang="en-US" sz="2200">
+              <a:solidFill>
+                <a:srgbClr val="080808"/>
+              </a:solidFill>
+              <a:latin typeface="Times New Roman" panose="02020603050405020304" pitchFamily="18" charset="0"/>
+              <a:ea typeface="楷体" panose="02010609060101010101" pitchFamily="49" charset="-122"/>
+            </a:endParaRPr>
           </a:p>
         </p:txBody>
       </p:sp>
@@ -42601,11 +41730,6 @@
         </p:txBody>
       </p:sp>
     </p:spTree>
-    <p:extLst>
-      <p:ext uri="{BB962C8B-B14F-4D97-AF65-F5344CB8AC3E}">
-        <p14:creationId xmlns:p14="http://schemas.microsoft.com/office/powerpoint/2010/main" val="3971269922"/>
-      </p:ext>
-    </p:extLst>
   </p:cSld>
   <p:clrMapOvr>
     <a:masterClrMapping/>
@@ -42671,10 +41795,6 @@
             </a:r>
             <a:fld id="{AB2E83DC-661B-4DCC-B4A3-95AD0DF58E27}" type="slidenum">
               <a:rPr lang="zh-CN" altLang="en-US" smtClean="0"/>
-              <a:pPr>
-                <a:defRPr/>
-              </a:pPr>
-              <a:t>8</a:t>
             </a:fld>
             <a:endParaRPr lang="en-US" altLang="zh-CN" dirty="0"/>
           </a:p>
@@ -42682,13 +41802,7 @@
       </p:sp>
       <p:sp>
         <p:nvSpPr>
-          <p:cNvPr id="6" name="Text Box 4">
-            <a:extLst>
-              <a:ext uri="{FF2B5EF4-FFF2-40B4-BE49-F238E27FC236}">
-                <a16:creationId xmlns:a16="http://schemas.microsoft.com/office/drawing/2014/main" id="{A9A3C5AF-B40F-4A61-9D32-AB648873C572}"/>
-              </a:ext>
-            </a:extLst>
-          </p:cNvPr>
+          <p:cNvPr id="6" name="Text Box 4"/>
           <p:cNvSpPr txBox="1">
             <a:spLocks noChangeArrowheads="1"/>
           </p:cNvSpPr>
@@ -42737,7 +41851,7 @@
               </a:spcBef>
               <a:buSzPct val="90000"/>
               <a:buBlip>
-                <a:blip r:embed="rId2"/>
+                <a:blip r:embed="rId1"/>
               </a:buBlip>
               <a:defRPr kumimoji="1" sz="3200">
                 <a:solidFill>
@@ -42753,7 +41867,7 @@
               </a:spcBef>
               <a:buSzPct val="80000"/>
               <a:buBlip>
-                <a:blip r:embed="rId3"/>
+                <a:blip r:embed="rId2"/>
               </a:buBlip>
               <a:defRPr kumimoji="1" sz="2800">
                 <a:solidFill>
@@ -42769,7 +41883,7 @@
               </a:spcBef>
               <a:buSzPct val="70000"/>
               <a:buBlip>
-                <a:blip r:embed="rId4"/>
+                <a:blip r:embed="rId3"/>
               </a:buBlip>
               <a:defRPr kumimoji="1" sz="2400">
                 <a:solidFill>
@@ -42785,7 +41899,7 @@
               </a:spcBef>
               <a:buSzPct val="70000"/>
               <a:buBlip>
-                <a:blip r:embed="rId5"/>
+                <a:blip r:embed="rId4"/>
               </a:buBlip>
               <a:defRPr kumimoji="1" sz="2000">
                 <a:solidFill>
@@ -42801,7 +41915,7 @@
               </a:spcBef>
               <a:buSzPct val="70000"/>
               <a:buBlip>
-                <a:blip r:embed="rId6"/>
+                <a:blip r:embed="rId5"/>
               </a:buBlip>
               <a:defRPr kumimoji="1" sz="2000">
                 <a:solidFill>
@@ -42820,7 +41934,7 @@
               </a:spcAft>
               <a:buSzPct val="70000"/>
               <a:buBlip>
-                <a:blip r:embed="rId6"/>
+                <a:blip r:embed="rId5"/>
               </a:buBlip>
               <a:defRPr kumimoji="1" sz="2000">
                 <a:solidFill>
@@ -42839,7 +41953,7 @@
               </a:spcAft>
               <a:buSzPct val="70000"/>
               <a:buBlip>
-                <a:blip r:embed="rId6"/>
+                <a:blip r:embed="rId5"/>
               </a:buBlip>
               <a:defRPr kumimoji="1" sz="2000">
                 <a:solidFill>
@@ -42858,7 +41972,7 @@
               </a:spcAft>
               <a:buSzPct val="70000"/>
               <a:buBlip>
-                <a:blip r:embed="rId6"/>
+                <a:blip r:embed="rId5"/>
               </a:buBlip>
               <a:defRPr kumimoji="1" sz="2000">
                 <a:solidFill>
@@ -42877,7 +41991,7 @@
               </a:spcAft>
               <a:buSzPct val="70000"/>
               <a:buBlip>
-                <a:blip r:embed="rId6"/>
+                <a:blip r:embed="rId5"/>
               </a:buBlip>
               <a:defRPr kumimoji="1" sz="2000">
                 <a:solidFill>
@@ -43048,7 +42162,7 @@
             <p:nvPr/>
           </p:nvPicPr>
           <p:blipFill>
-            <a:blip r:embed="rId7">
+            <a:blip r:embed="rId6">
               <a:extLst>
                 <a:ext uri="{28A0092B-C50C-407E-A947-70E740481C1C}">
                   <a14:useLocalDpi xmlns:a14="http://schemas.microsoft.com/office/drawing/2010/main" val="0"/>
@@ -43096,6 +42210,7 @@
               <a:rPr lang="zh-CN" altLang="en-US"/>
               <a:t>①</a:t>
             </a:r>
+            <a:endParaRPr lang="zh-CN" altLang="en-US"/>
           </a:p>
         </p:txBody>
       </p:sp>
@@ -43221,6 +42336,13 @@
               </a:rPr>
               <a:t>的值</a:t>
             </a:r>
+            <a:endParaRPr kumimoji="1" lang="zh-CN" altLang="en-US" sz="2200">
+              <a:solidFill>
+                <a:srgbClr val="080808"/>
+              </a:solidFill>
+              <a:latin typeface="Times New Roman" panose="02020603050405020304" pitchFamily="18" charset="0"/>
+              <a:ea typeface="楷体" panose="02010609060101010101" pitchFamily="49" charset="-122"/>
+            </a:endParaRPr>
           </a:p>
         </p:txBody>
       </p:sp>
@@ -43327,11 +42449,6 @@
         </p:txBody>
       </p:sp>
     </p:spTree>
-    <p:extLst>
-      <p:ext uri="{BB962C8B-B14F-4D97-AF65-F5344CB8AC3E}">
-        <p14:creationId xmlns:p14="http://schemas.microsoft.com/office/powerpoint/2010/main" val="2537796422"/>
-      </p:ext>
-    </p:extLst>
   </p:cSld>
   <p:clrMapOvr>
     <a:masterClrMapping/>
@@ -43397,10 +42514,6 @@
             </a:r>
             <a:fld id="{AB2E83DC-661B-4DCC-B4A3-95AD0DF58E27}" type="slidenum">
               <a:rPr lang="zh-CN" altLang="en-US" smtClean="0"/>
-              <a:pPr>
-                <a:defRPr/>
-              </a:pPr>
-              <a:t>9</a:t>
             </a:fld>
             <a:endParaRPr lang="en-US" altLang="zh-CN" dirty="0"/>
           </a:p>
@@ -43754,11 +42867,6 @@
         </p:txBody>
       </p:sp>
     </p:spTree>
-    <p:extLst>
-      <p:ext uri="{BB962C8B-B14F-4D97-AF65-F5344CB8AC3E}">
-        <p14:creationId xmlns:p14="http://schemas.microsoft.com/office/powerpoint/2010/main" val="3844981787"/>
-      </p:ext>
-    </p:extLst>
   </p:cSld>
   <p:clrMapOvr>
     <a:masterClrMapping/>
@@ -44020,13 +43128,8 @@
           <a:headEnd type="none" w="med" len="med"/>
           <a:tailEnd type="none" w="med" len="med"/>
         </a:ln>
-        <a:effectLst/>
       </a:spPr>
-      <a:bodyPr vert="horz" wrap="square" lIns="91440" tIns="45720" rIns="91440" bIns="45720" numCol="1" anchor="t" anchorCtr="0" compatLnSpc="1">
-        <a:prstTxWarp prst="textNoShape">
-          <a:avLst/>
-        </a:prstTxWarp>
-      </a:bodyPr>
+      <a:bodyPr vert="horz" wrap="square" lIns="91440" tIns="45720" rIns="91440" bIns="45720" numCol="1" anchor="t" anchorCtr="0" compatLnSpc="1"/>
       <a:lstStyle>
         <a:defPPr marL="0" marR="0" indent="0" algn="l" defTabSz="914400" rtl="0" eaLnBrk="1" fontAlgn="base" latinLnBrk="0" hangingPunct="1">
           <a:lnSpc>
@@ -44042,7 +43145,6 @@
           <a:buSzTx/>
           <a:buFontTx/>
           <a:buNone/>
-          <a:tabLst/>
           <a:defRPr kumimoji="0" lang="zh-CN" sz="1800" b="0" i="1" u="none" strike="noStrike" cap="none" normalizeH="0" baseline="0" smtClean="0">
             <a:ln>
               <a:noFill/>
@@ -44051,8 +43153,8 @@
               <a:schemeClr val="tx1"/>
             </a:solidFill>
             <a:effectLst/>
-            <a:latin typeface="Arial" pitchFamily="34" charset="0"/>
-            <a:ea typeface="华文细黑" pitchFamily="2" charset="-122"/>
+            <a:latin typeface="Arial" panose="020B0604020202020204" pitchFamily="34" charset="0"/>
+            <a:ea typeface="华文细黑" panose="02010600040101010101" pitchFamily="2" charset="-122"/>
           </a:defRPr>
         </a:defPPr>
       </a:lstStyle>
@@ -44083,13 +43185,8 @@
           <a:headEnd type="none" w="med" len="med"/>
           <a:tailEnd type="none" w="med" len="med"/>
         </a:ln>
-        <a:effectLst/>
       </a:spPr>
-      <a:bodyPr vert="horz" wrap="square" lIns="91440" tIns="45720" rIns="91440" bIns="45720" numCol="1" anchor="t" anchorCtr="0" compatLnSpc="1">
-        <a:prstTxWarp prst="textNoShape">
-          <a:avLst/>
-        </a:prstTxWarp>
-      </a:bodyPr>
+      <a:bodyPr vert="horz" wrap="square" lIns="91440" tIns="45720" rIns="91440" bIns="45720" numCol="1" anchor="t" anchorCtr="0" compatLnSpc="1"/>
       <a:lstStyle>
         <a:defPPr marL="0" marR="0" indent="0" algn="l" defTabSz="914400" rtl="0" eaLnBrk="1" fontAlgn="base" latinLnBrk="0" hangingPunct="1">
           <a:lnSpc>
@@ -44105,7 +43202,6 @@
           <a:buSzTx/>
           <a:buFontTx/>
           <a:buNone/>
-          <a:tabLst/>
           <a:defRPr kumimoji="0" lang="zh-CN" sz="1800" b="0" i="1" u="none" strike="noStrike" cap="none" normalizeH="0" baseline="0" smtClean="0">
             <a:ln>
               <a:noFill/>
@@ -44114,8 +43210,8 @@
               <a:schemeClr val="tx1"/>
             </a:solidFill>
             <a:effectLst/>
-            <a:latin typeface="Arial" pitchFamily="34" charset="0"/>
-            <a:ea typeface="华文细黑" pitchFamily="2" charset="-122"/>
+            <a:latin typeface="Arial" panose="020B0604020202020204" pitchFamily="34" charset="0"/>
+            <a:ea typeface="华文细黑" panose="02010600040101010101" pitchFamily="2" charset="-122"/>
           </a:defRPr>
         </a:defPPr>
       </a:lstStyle>
@@ -44451,6 +43547,11 @@
       <a:clrMap bg1="lt1" tx1="dk1" bg2="lt2" tx2="dk2" accent1="accent1" accent2="accent2" accent3="accent3" accent4="accent4" accent5="accent5" accent6="accent6" hlink="hlink" folHlink="folHlink"/>
     </a:extraClrScheme>
   </a:extraClrSchemeLst>
+  <a:extLst>
+    <a:ext uri="{05A4C25C-085E-4340-85A3-A5531E510DB2}">
+      <thm15:themeFamily xmlns:thm15="http://schemas.microsoft.com/office/thememl/2012/main" name="Office Theme" id="{62F939B6-93AF-4DB8-9C6B-D6C7DFDC589F}" vid="{4A3C46E8-61CC-4603-A589-7422A47A8E4A}"/>
+    </a:ext>
+  </a:extLst>
 </a:theme>
 </file>
 
@@ -44734,8 +43835,11 @@
       </a:bgFillStyleLst>
     </a:fmtScheme>
   </a:themeElements>
-  <a:objectDefaults/>
-  <a:extraClrSchemeLst/>
+  <a:extLst>
+    <a:ext uri="{05A4C25C-085E-4340-85A3-A5531E510DB2}">
+      <thm15:themeFamily xmlns:thm15="http://schemas.microsoft.com/office/thememl/2012/main" name="Office Theme" id="{62F939B6-93AF-4DB8-9C6B-D6C7DFDC589F}" vid="{4A3C46E8-61CC-4603-A589-7422A47A8E4A}"/>
+    </a:ext>
+  </a:extLst>
 </a:theme>
 </file>
 
@@ -44815,23 +43919,6 @@
         <a:font script="Viet" typeface="Times New Roman"/>
         <a:font script="Uigh" typeface="Microsoft Uighur"/>
         <a:font script="Geor" typeface="Sylfaen"/>
-        <a:font script="Armn" typeface="Arial"/>
-        <a:font script="Bugi" typeface="Leelawadee UI"/>
-        <a:font script="Bopo" typeface="Microsoft JhengHei"/>
-        <a:font script="Java" typeface="Javanese Text"/>
-        <a:font script="Lisu" typeface="Segoe UI"/>
-        <a:font script="Mymr" typeface="Myanmar Text"/>
-        <a:font script="Nkoo" typeface="Ebrima"/>
-        <a:font script="Olck" typeface="Nirmala UI"/>
-        <a:font script="Osma" typeface="Ebrima"/>
-        <a:font script="Phag" typeface="Phagspa"/>
-        <a:font script="Syrn" typeface="Estrangelo Edessa"/>
-        <a:font script="Syrj" typeface="Estrangelo Edessa"/>
-        <a:font script="Syre" typeface="Estrangelo Edessa"/>
-        <a:font script="Sora" typeface="Nirmala UI"/>
-        <a:font script="Tale" typeface="Microsoft Tai Le"/>
-        <a:font script="Talu" typeface="Microsoft New Tai Lue"/>
-        <a:font script="Tfng" typeface="Ebrima"/>
       </a:majorFont>
       <a:minorFont>
         <a:latin typeface="等线"/>
@@ -44867,23 +43954,6 @@
         <a:font script="Viet" typeface="Arial"/>
         <a:font script="Uigh" typeface="Microsoft Uighur"/>
         <a:font script="Geor" typeface="Sylfaen"/>
-        <a:font script="Armn" typeface="Arial"/>
-        <a:font script="Bugi" typeface="Leelawadee UI"/>
-        <a:font script="Bopo" typeface="Microsoft JhengHei"/>
-        <a:font script="Java" typeface="Javanese Text"/>
-        <a:font script="Lisu" typeface="Segoe UI"/>
-        <a:font script="Mymr" typeface="Myanmar Text"/>
-        <a:font script="Nkoo" typeface="Ebrima"/>
-        <a:font script="Olck" typeface="Nirmala UI"/>
-        <a:font script="Osma" typeface="Ebrima"/>
-        <a:font script="Phag" typeface="Phagspa"/>
-        <a:font script="Syrn" typeface="Estrangelo Edessa"/>
-        <a:font script="Syrj" typeface="Estrangelo Edessa"/>
-        <a:font script="Syre" typeface="Estrangelo Edessa"/>
-        <a:font script="Sora" typeface="Nirmala UI"/>
-        <a:font script="Tale" typeface="Microsoft Tai Le"/>
-        <a:font script="Talu" typeface="Microsoft New Tai Lue"/>
-        <a:font script="Tfng" typeface="Ebrima"/>
       </a:minorFont>
     </a:fontScheme>
     <a:fmtScheme name="Office">
@@ -45024,8 +44094,6 @@
       </a:bgFillStyleLst>
     </a:fmtScheme>
   </a:themeElements>
-  <a:objectDefaults/>
-  <a:extraClrSchemeLst/>
   <a:extLst>
     <a:ext uri="{05A4C25C-085E-4340-85A3-A5531E510DB2}">
       <thm15:themeFamily xmlns:thm15="http://schemas.microsoft.com/office/thememl/2012/main" name="Office Theme" id="{62F939B6-93AF-4DB8-9C6B-D6C7DFDC589F}" vid="{4A3C46E8-61CC-4603-A589-7422A47A8E4A}"/>
